--- a/PASS-STandardisierungsdokument/20181026-Ontologie-Bilder/20181206 Bilder PASS Ontologie.pptx
+++ b/PASS-STandardisierungsdokument/20181026-Ontologie-Bilder/20181206 Bilder PASS Ontologie.pptx
@@ -15,8 +15,13 @@
     <p:sldId id="264" r:id="rId9"/>
     <p:sldId id="265" r:id="rId10"/>
     <p:sldId id="266" r:id="rId11"/>
-    <p:sldId id="267" r:id="rId12"/>
-    <p:sldId id="263" r:id="rId13"/>
+    <p:sldId id="271" r:id="rId12"/>
+    <p:sldId id="272" r:id="rId13"/>
+    <p:sldId id="267" r:id="rId14"/>
+    <p:sldId id="270" r:id="rId15"/>
+    <p:sldId id="269" r:id="rId16"/>
+    <p:sldId id="268" r:id="rId17"/>
+    <p:sldId id="263" r:id="rId18"/>
   </p:sldIdLst>
   <p:sldSz cx="12192000" cy="6858000"/>
   <p:notesSz cx="6858000" cy="9945688"/>
@@ -281,7 +286,7 @@
           <a:p>
             <a:fld id="{FAC7D415-4FCB-40B8-AFE4-66E5B3A59286}" type="datetimeFigureOut">
               <a:rPr lang="de-DE" smtClean="0"/>
-              <a:t>10.12.2018</a:t>
+              <a:t>17.12.2018</a:t>
             </a:fld>
             <a:endParaRPr lang="de-DE"/>
           </a:p>
@@ -479,7 +484,7 @@
           <a:p>
             <a:fld id="{FAC7D415-4FCB-40B8-AFE4-66E5B3A59286}" type="datetimeFigureOut">
               <a:rPr lang="de-DE" smtClean="0"/>
-              <a:t>10.12.2018</a:t>
+              <a:t>17.12.2018</a:t>
             </a:fld>
             <a:endParaRPr lang="de-DE"/>
           </a:p>
@@ -687,7 +692,7 @@
           <a:p>
             <a:fld id="{FAC7D415-4FCB-40B8-AFE4-66E5B3A59286}" type="datetimeFigureOut">
               <a:rPr lang="de-DE" smtClean="0"/>
-              <a:t>10.12.2018</a:t>
+              <a:t>17.12.2018</a:t>
             </a:fld>
             <a:endParaRPr lang="de-DE"/>
           </a:p>
@@ -885,7 +890,7 @@
           <a:p>
             <a:fld id="{FAC7D415-4FCB-40B8-AFE4-66E5B3A59286}" type="datetimeFigureOut">
               <a:rPr lang="de-DE" smtClean="0"/>
-              <a:t>10.12.2018</a:t>
+              <a:t>17.12.2018</a:t>
             </a:fld>
             <a:endParaRPr lang="de-DE"/>
           </a:p>
@@ -1160,7 +1165,7 @@
           <a:p>
             <a:fld id="{FAC7D415-4FCB-40B8-AFE4-66E5B3A59286}" type="datetimeFigureOut">
               <a:rPr lang="de-DE" smtClean="0"/>
-              <a:t>10.12.2018</a:t>
+              <a:t>17.12.2018</a:t>
             </a:fld>
             <a:endParaRPr lang="de-DE"/>
           </a:p>
@@ -1425,7 +1430,7 @@
           <a:p>
             <a:fld id="{FAC7D415-4FCB-40B8-AFE4-66E5B3A59286}" type="datetimeFigureOut">
               <a:rPr lang="de-DE" smtClean="0"/>
-              <a:t>10.12.2018</a:t>
+              <a:t>17.12.2018</a:t>
             </a:fld>
             <a:endParaRPr lang="de-DE"/>
           </a:p>
@@ -1837,7 +1842,7 @@
           <a:p>
             <a:fld id="{FAC7D415-4FCB-40B8-AFE4-66E5B3A59286}" type="datetimeFigureOut">
               <a:rPr lang="de-DE" smtClean="0"/>
-              <a:t>10.12.2018</a:t>
+              <a:t>17.12.2018</a:t>
             </a:fld>
             <a:endParaRPr lang="de-DE"/>
           </a:p>
@@ -1978,7 +1983,7 @@
           <a:p>
             <a:fld id="{FAC7D415-4FCB-40B8-AFE4-66E5B3A59286}" type="datetimeFigureOut">
               <a:rPr lang="de-DE" smtClean="0"/>
-              <a:t>10.12.2018</a:t>
+              <a:t>17.12.2018</a:t>
             </a:fld>
             <a:endParaRPr lang="de-DE"/>
           </a:p>
@@ -2091,7 +2096,7 @@
           <a:p>
             <a:fld id="{FAC7D415-4FCB-40B8-AFE4-66E5B3A59286}" type="datetimeFigureOut">
               <a:rPr lang="de-DE" smtClean="0"/>
-              <a:t>10.12.2018</a:t>
+              <a:t>17.12.2018</a:t>
             </a:fld>
             <a:endParaRPr lang="de-DE"/>
           </a:p>
@@ -2402,7 +2407,7 @@
           <a:p>
             <a:fld id="{FAC7D415-4FCB-40B8-AFE4-66E5B3A59286}" type="datetimeFigureOut">
               <a:rPr lang="de-DE" smtClean="0"/>
-              <a:t>10.12.2018</a:t>
+              <a:t>17.12.2018</a:t>
             </a:fld>
             <a:endParaRPr lang="de-DE"/>
           </a:p>
@@ -2690,7 +2695,7 @@
           <a:p>
             <a:fld id="{FAC7D415-4FCB-40B8-AFE4-66E5B3A59286}" type="datetimeFigureOut">
               <a:rPr lang="de-DE" smtClean="0"/>
-              <a:t>10.12.2018</a:t>
+              <a:t>17.12.2018</a:t>
             </a:fld>
             <a:endParaRPr lang="de-DE"/>
           </a:p>
@@ -2931,7 +2936,7 @@
           <a:p>
             <a:fld id="{FAC7D415-4FCB-40B8-AFE4-66E5B3A59286}" type="datetimeFigureOut">
               <a:rPr lang="de-DE" smtClean="0"/>
-              <a:t>10.12.2018</a:t>
+              <a:t>17.12.2018</a:t>
             </a:fld>
             <a:endParaRPr lang="de-DE"/>
           </a:p>
@@ -3586,7 +3591,7 @@
           <p:cNvPr id="2" name="Titel 1">
             <a:extLst>
               <a:ext uri="{FF2B5EF4-FFF2-40B4-BE49-F238E27FC236}">
-                <a16:creationId xmlns:a16="http://schemas.microsoft.com/office/drawing/2014/main" id="{51C253C8-E1CB-4AC7-9706-5F59B4AFF561}"/>
+                <a16:creationId xmlns:a16="http://schemas.microsoft.com/office/drawing/2014/main" id="{2995FD77-0073-4CBD-B879-55A2EA4E8E4C}"/>
               </a:ext>
             </a:extLst>
           </p:cNvPr>
@@ -3608,6 +3613,2284 @@
       </p:sp>
       <p:pic>
         <p:nvPicPr>
+          <p:cNvPr id="4" name="Grafik 3">
+            <a:extLst>
+              <a:ext uri="{FF2B5EF4-FFF2-40B4-BE49-F238E27FC236}">
+                <a16:creationId xmlns:a16="http://schemas.microsoft.com/office/drawing/2014/main" id="{9B3EE21B-2419-400C-A039-FFDA0C8A4C46}"/>
+              </a:ext>
+            </a:extLst>
+          </p:cNvPr>
+          <p:cNvPicPr>
+            <a:picLocks noChangeAspect="1"/>
+          </p:cNvPicPr>
+          <p:nvPr/>
+        </p:nvPicPr>
+        <p:blipFill rotWithShape="1">
+          <a:blip r:embed="rId2">
+            <a:extLst>
+              <a:ext uri="{28A0092B-C50C-407E-A947-70E740481C1C}">
+                <a14:useLocalDpi xmlns:a14="http://schemas.microsoft.com/office/drawing/2010/main" val="0"/>
+              </a:ext>
+            </a:extLst>
+          </a:blip>
+          <a:srcRect l="8357" t="10370" r="2470" b="54921"/>
+          <a:stretch/>
+        </p:blipFill>
+        <p:spPr>
+          <a:xfrm>
+            <a:off x="2402113" y="2830286"/>
+            <a:ext cx="7366001" cy="2380343"/>
+          </a:xfrm>
+          <a:prstGeom prst="rect">
+            <a:avLst/>
+          </a:prstGeom>
+        </p:spPr>
+      </p:pic>
+      <p:grpSp>
+        <p:nvGrpSpPr>
+          <p:cNvPr id="8" name="Gruppieren 7">
+            <a:extLst>
+              <a:ext uri="{FF2B5EF4-FFF2-40B4-BE49-F238E27FC236}">
+                <a16:creationId xmlns:a16="http://schemas.microsoft.com/office/drawing/2014/main" id="{AE029255-7C47-4850-A747-1DC362C4D9F1}"/>
+              </a:ext>
+            </a:extLst>
+          </p:cNvPr>
+          <p:cNvGrpSpPr/>
+          <p:nvPr/>
+        </p:nvGrpSpPr>
+        <p:grpSpPr>
+          <a:xfrm>
+            <a:off x="8146130" y="4953394"/>
+            <a:ext cx="435650" cy="261610"/>
+            <a:chOff x="8889900" y="4512530"/>
+            <a:chExt cx="435650" cy="261610"/>
+          </a:xfrm>
+        </p:grpSpPr>
+        <p:sp>
+          <p:nvSpPr>
+            <p:cNvPr id="9" name="Ellipse 8">
+              <a:extLst>
+                <a:ext uri="{FF2B5EF4-FFF2-40B4-BE49-F238E27FC236}">
+                  <a16:creationId xmlns:a16="http://schemas.microsoft.com/office/drawing/2014/main" id="{79393570-8E81-4A38-B560-3D7796B88625}"/>
+                </a:ext>
+              </a:extLst>
+            </p:cNvPr>
+            <p:cNvSpPr/>
+            <p:nvPr/>
+          </p:nvSpPr>
+          <p:spPr>
+            <a:xfrm>
+              <a:off x="8962858" y="4533089"/>
+              <a:ext cx="239949" cy="220493"/>
+            </a:xfrm>
+            <a:prstGeom prst="ellipse">
+              <a:avLst/>
+            </a:prstGeom>
+          </p:spPr>
+          <p:style>
+            <a:lnRef idx="2">
+              <a:schemeClr val="accent1">
+                <a:shade val="50000"/>
+              </a:schemeClr>
+            </a:lnRef>
+            <a:fillRef idx="1">
+              <a:schemeClr val="accent1"/>
+            </a:fillRef>
+            <a:effectRef idx="0">
+              <a:schemeClr val="accent1"/>
+            </a:effectRef>
+            <a:fontRef idx="minor">
+              <a:schemeClr val="lt1"/>
+            </a:fontRef>
+          </p:style>
+          <p:txBody>
+            <a:bodyPr rtlCol="0" anchor="ctr"/>
+            <a:lstStyle/>
+            <a:p>
+              <a:pPr algn="ctr"/>
+              <a:endParaRPr lang="de-DE" sz="1200" dirty="0"/>
+            </a:p>
+          </p:txBody>
+        </p:sp>
+        <p:sp>
+          <p:nvSpPr>
+            <p:cNvPr id="10" name="Textfeld 9">
+              <a:extLst>
+                <a:ext uri="{FF2B5EF4-FFF2-40B4-BE49-F238E27FC236}">
+                  <a16:creationId xmlns:a16="http://schemas.microsoft.com/office/drawing/2014/main" id="{09E97C34-CDDB-49B5-BFB9-5BBA14251E37}"/>
+                </a:ext>
+              </a:extLst>
+            </p:cNvPr>
+            <p:cNvSpPr txBox="1"/>
+            <p:nvPr/>
+          </p:nvSpPr>
+          <p:spPr>
+            <a:xfrm flipH="1">
+              <a:off x="8889900" y="4512530"/>
+              <a:ext cx="435650" cy="261610"/>
+            </a:xfrm>
+            <a:prstGeom prst="rect">
+              <a:avLst/>
+            </a:prstGeom>
+            <a:noFill/>
+          </p:spPr>
+          <p:txBody>
+            <a:bodyPr wrap="square" rtlCol="0">
+              <a:spAutoFit/>
+            </a:bodyPr>
+            <a:lstStyle/>
+            <a:p>
+              <a:r>
+                <a:rPr lang="de-DE" sz="1100" dirty="0">
+                  <a:solidFill>
+                    <a:schemeClr val="bg1"/>
+                  </a:solidFill>
+                </a:rPr>
+                <a:t>200</a:t>
+              </a:r>
+            </a:p>
+          </p:txBody>
+        </p:sp>
+      </p:grpSp>
+      <p:grpSp>
+        <p:nvGrpSpPr>
+          <p:cNvPr id="38" name="Gruppieren 37">
+            <a:extLst>
+              <a:ext uri="{FF2B5EF4-FFF2-40B4-BE49-F238E27FC236}">
+                <a16:creationId xmlns:a16="http://schemas.microsoft.com/office/drawing/2014/main" id="{86EE6D45-E6B8-4FB3-9751-8E7D10E46518}"/>
+              </a:ext>
+            </a:extLst>
+          </p:cNvPr>
+          <p:cNvGrpSpPr/>
+          <p:nvPr/>
+        </p:nvGrpSpPr>
+        <p:grpSpPr>
+          <a:xfrm>
+            <a:off x="7650494" y="4097839"/>
+            <a:ext cx="435650" cy="261610"/>
+            <a:chOff x="8889900" y="4512530"/>
+            <a:chExt cx="435650" cy="261610"/>
+          </a:xfrm>
+        </p:grpSpPr>
+        <p:sp>
+          <p:nvSpPr>
+            <p:cNvPr id="39" name="Ellipse 38">
+              <a:extLst>
+                <a:ext uri="{FF2B5EF4-FFF2-40B4-BE49-F238E27FC236}">
+                  <a16:creationId xmlns:a16="http://schemas.microsoft.com/office/drawing/2014/main" id="{A4A92A5E-7D63-4409-9710-17CEAC28660E}"/>
+                </a:ext>
+              </a:extLst>
+            </p:cNvPr>
+            <p:cNvSpPr/>
+            <p:nvPr/>
+          </p:nvSpPr>
+          <p:spPr>
+            <a:xfrm>
+              <a:off x="8962858" y="4533089"/>
+              <a:ext cx="239949" cy="220493"/>
+            </a:xfrm>
+            <a:prstGeom prst="ellipse">
+              <a:avLst/>
+            </a:prstGeom>
+          </p:spPr>
+          <p:style>
+            <a:lnRef idx="2">
+              <a:schemeClr val="accent1">
+                <a:shade val="50000"/>
+              </a:schemeClr>
+            </a:lnRef>
+            <a:fillRef idx="1">
+              <a:schemeClr val="accent1"/>
+            </a:fillRef>
+            <a:effectRef idx="0">
+              <a:schemeClr val="accent1"/>
+            </a:effectRef>
+            <a:fontRef idx="minor">
+              <a:schemeClr val="lt1"/>
+            </a:fontRef>
+          </p:style>
+          <p:txBody>
+            <a:bodyPr rtlCol="0" anchor="ctr"/>
+            <a:lstStyle/>
+            <a:p>
+              <a:pPr algn="ctr"/>
+              <a:endParaRPr lang="de-DE" sz="1200" dirty="0"/>
+            </a:p>
+          </p:txBody>
+        </p:sp>
+        <p:sp>
+          <p:nvSpPr>
+            <p:cNvPr id="40" name="Textfeld 39">
+              <a:extLst>
+                <a:ext uri="{FF2B5EF4-FFF2-40B4-BE49-F238E27FC236}">
+                  <a16:creationId xmlns:a16="http://schemas.microsoft.com/office/drawing/2014/main" id="{7E9C8915-C519-4D2F-89A1-59753F9CED72}"/>
+                </a:ext>
+              </a:extLst>
+            </p:cNvPr>
+            <p:cNvSpPr txBox="1"/>
+            <p:nvPr/>
+          </p:nvSpPr>
+          <p:spPr>
+            <a:xfrm flipH="1">
+              <a:off x="8889900" y="4512530"/>
+              <a:ext cx="435650" cy="261610"/>
+            </a:xfrm>
+            <a:prstGeom prst="rect">
+              <a:avLst/>
+            </a:prstGeom>
+            <a:noFill/>
+          </p:spPr>
+          <p:txBody>
+            <a:bodyPr wrap="square" rtlCol="0">
+              <a:spAutoFit/>
+            </a:bodyPr>
+            <a:lstStyle/>
+            <a:p>
+              <a:r>
+                <a:rPr lang="de-DE" sz="1100" dirty="0">
+                  <a:solidFill>
+                    <a:schemeClr val="bg1"/>
+                  </a:solidFill>
+                </a:rPr>
+                <a:t>085</a:t>
+              </a:r>
+            </a:p>
+          </p:txBody>
+        </p:sp>
+      </p:grpSp>
+      <p:grpSp>
+        <p:nvGrpSpPr>
+          <p:cNvPr id="41" name="Gruppieren 40">
+            <a:extLst>
+              <a:ext uri="{FF2B5EF4-FFF2-40B4-BE49-F238E27FC236}">
+                <a16:creationId xmlns:a16="http://schemas.microsoft.com/office/drawing/2014/main" id="{8E0EC9CD-FFC9-4026-97E1-1EBE5CA93F67}"/>
+              </a:ext>
+            </a:extLst>
+          </p:cNvPr>
+          <p:cNvGrpSpPr/>
+          <p:nvPr/>
+        </p:nvGrpSpPr>
+        <p:grpSpPr>
+          <a:xfrm>
+            <a:off x="5453553" y="4197855"/>
+            <a:ext cx="435650" cy="261610"/>
+            <a:chOff x="8889900" y="4512530"/>
+            <a:chExt cx="435650" cy="261610"/>
+          </a:xfrm>
+        </p:grpSpPr>
+        <p:sp>
+          <p:nvSpPr>
+            <p:cNvPr id="42" name="Ellipse 41">
+              <a:extLst>
+                <a:ext uri="{FF2B5EF4-FFF2-40B4-BE49-F238E27FC236}">
+                  <a16:creationId xmlns:a16="http://schemas.microsoft.com/office/drawing/2014/main" id="{20537B79-E7E4-4D82-B1B3-545AB6B16E0A}"/>
+                </a:ext>
+              </a:extLst>
+            </p:cNvPr>
+            <p:cNvSpPr/>
+            <p:nvPr/>
+          </p:nvSpPr>
+          <p:spPr>
+            <a:xfrm>
+              <a:off x="8962858" y="4533089"/>
+              <a:ext cx="239949" cy="220493"/>
+            </a:xfrm>
+            <a:prstGeom prst="ellipse">
+              <a:avLst/>
+            </a:prstGeom>
+          </p:spPr>
+          <p:style>
+            <a:lnRef idx="2">
+              <a:schemeClr val="accent1">
+                <a:shade val="50000"/>
+              </a:schemeClr>
+            </a:lnRef>
+            <a:fillRef idx="1">
+              <a:schemeClr val="accent1"/>
+            </a:fillRef>
+            <a:effectRef idx="0">
+              <a:schemeClr val="accent1"/>
+            </a:effectRef>
+            <a:fontRef idx="minor">
+              <a:schemeClr val="lt1"/>
+            </a:fontRef>
+          </p:style>
+          <p:txBody>
+            <a:bodyPr rtlCol="0" anchor="ctr"/>
+            <a:lstStyle/>
+            <a:p>
+              <a:pPr algn="ctr"/>
+              <a:endParaRPr lang="de-DE" sz="1200" dirty="0"/>
+            </a:p>
+          </p:txBody>
+        </p:sp>
+        <p:sp>
+          <p:nvSpPr>
+            <p:cNvPr id="43" name="Textfeld 42">
+              <a:extLst>
+                <a:ext uri="{FF2B5EF4-FFF2-40B4-BE49-F238E27FC236}">
+                  <a16:creationId xmlns:a16="http://schemas.microsoft.com/office/drawing/2014/main" id="{108C89DA-1DC7-4CE1-8F8D-597A3DB11111}"/>
+                </a:ext>
+              </a:extLst>
+            </p:cNvPr>
+            <p:cNvSpPr txBox="1"/>
+            <p:nvPr/>
+          </p:nvSpPr>
+          <p:spPr>
+            <a:xfrm flipH="1">
+              <a:off x="8889900" y="4512530"/>
+              <a:ext cx="435650" cy="261610"/>
+            </a:xfrm>
+            <a:prstGeom prst="rect">
+              <a:avLst/>
+            </a:prstGeom>
+            <a:noFill/>
+          </p:spPr>
+          <p:txBody>
+            <a:bodyPr wrap="square" rtlCol="0">
+              <a:spAutoFit/>
+            </a:bodyPr>
+            <a:lstStyle/>
+            <a:p>
+              <a:r>
+                <a:rPr lang="de-DE" sz="1100" dirty="0">
+                  <a:solidFill>
+                    <a:schemeClr val="bg1"/>
+                  </a:solidFill>
+                </a:rPr>
+                <a:t>069</a:t>
+              </a:r>
+            </a:p>
+          </p:txBody>
+        </p:sp>
+      </p:grpSp>
+      <p:grpSp>
+        <p:nvGrpSpPr>
+          <p:cNvPr id="44" name="Gruppieren 43">
+            <a:extLst>
+              <a:ext uri="{FF2B5EF4-FFF2-40B4-BE49-F238E27FC236}">
+                <a16:creationId xmlns:a16="http://schemas.microsoft.com/office/drawing/2014/main" id="{E054316F-4323-49A7-BEED-D04CAC8EBA44}"/>
+              </a:ext>
+            </a:extLst>
+          </p:cNvPr>
+          <p:cNvGrpSpPr/>
+          <p:nvPr/>
+        </p:nvGrpSpPr>
+        <p:grpSpPr>
+          <a:xfrm>
+            <a:off x="4670793" y="4201432"/>
+            <a:ext cx="435650" cy="261610"/>
+            <a:chOff x="8889900" y="4512530"/>
+            <a:chExt cx="435650" cy="261610"/>
+          </a:xfrm>
+        </p:grpSpPr>
+        <p:sp>
+          <p:nvSpPr>
+            <p:cNvPr id="45" name="Ellipse 44">
+              <a:extLst>
+                <a:ext uri="{FF2B5EF4-FFF2-40B4-BE49-F238E27FC236}">
+                  <a16:creationId xmlns:a16="http://schemas.microsoft.com/office/drawing/2014/main" id="{F50E0A01-C17C-4E05-ACF6-A5AF3C114A8C}"/>
+                </a:ext>
+              </a:extLst>
+            </p:cNvPr>
+            <p:cNvSpPr/>
+            <p:nvPr/>
+          </p:nvSpPr>
+          <p:spPr>
+            <a:xfrm>
+              <a:off x="8962858" y="4533089"/>
+              <a:ext cx="239949" cy="220493"/>
+            </a:xfrm>
+            <a:prstGeom prst="ellipse">
+              <a:avLst/>
+            </a:prstGeom>
+          </p:spPr>
+          <p:style>
+            <a:lnRef idx="2">
+              <a:schemeClr val="accent1">
+                <a:shade val="50000"/>
+              </a:schemeClr>
+            </a:lnRef>
+            <a:fillRef idx="1">
+              <a:schemeClr val="accent1"/>
+            </a:fillRef>
+            <a:effectRef idx="0">
+              <a:schemeClr val="accent1"/>
+            </a:effectRef>
+            <a:fontRef idx="minor">
+              <a:schemeClr val="lt1"/>
+            </a:fontRef>
+          </p:style>
+          <p:txBody>
+            <a:bodyPr rtlCol="0" anchor="ctr"/>
+            <a:lstStyle/>
+            <a:p>
+              <a:pPr algn="ctr"/>
+              <a:endParaRPr lang="de-DE" sz="1200" dirty="0"/>
+            </a:p>
+          </p:txBody>
+        </p:sp>
+        <p:sp>
+          <p:nvSpPr>
+            <p:cNvPr id="46" name="Textfeld 45">
+              <a:extLst>
+                <a:ext uri="{FF2B5EF4-FFF2-40B4-BE49-F238E27FC236}">
+                  <a16:creationId xmlns:a16="http://schemas.microsoft.com/office/drawing/2014/main" id="{CBF31144-4843-4535-9FE8-09B69B1BDB5C}"/>
+                </a:ext>
+              </a:extLst>
+            </p:cNvPr>
+            <p:cNvSpPr txBox="1"/>
+            <p:nvPr/>
+          </p:nvSpPr>
+          <p:spPr>
+            <a:xfrm flipH="1">
+              <a:off x="8889900" y="4512530"/>
+              <a:ext cx="435650" cy="261610"/>
+            </a:xfrm>
+            <a:prstGeom prst="rect">
+              <a:avLst/>
+            </a:prstGeom>
+            <a:noFill/>
+          </p:spPr>
+          <p:txBody>
+            <a:bodyPr wrap="square" rtlCol="0">
+              <a:spAutoFit/>
+            </a:bodyPr>
+            <a:lstStyle/>
+            <a:p>
+              <a:r>
+                <a:rPr lang="de-DE" sz="1100" dirty="0">
+                  <a:solidFill>
+                    <a:schemeClr val="bg1"/>
+                  </a:solidFill>
+                </a:rPr>
+                <a:t>055</a:t>
+              </a:r>
+            </a:p>
+          </p:txBody>
+        </p:sp>
+      </p:grpSp>
+      <p:grpSp>
+        <p:nvGrpSpPr>
+          <p:cNvPr id="47" name="Gruppieren 46">
+            <a:extLst>
+              <a:ext uri="{FF2B5EF4-FFF2-40B4-BE49-F238E27FC236}">
+                <a16:creationId xmlns:a16="http://schemas.microsoft.com/office/drawing/2014/main" id="{A0FBF526-B50F-48B6-9582-E63B26714248}"/>
+              </a:ext>
+            </a:extLst>
+          </p:cNvPr>
+          <p:cNvGrpSpPr/>
+          <p:nvPr/>
+        </p:nvGrpSpPr>
+        <p:grpSpPr>
+          <a:xfrm>
+            <a:off x="6323081" y="4197855"/>
+            <a:ext cx="435650" cy="261610"/>
+            <a:chOff x="8889900" y="4512530"/>
+            <a:chExt cx="435650" cy="261610"/>
+          </a:xfrm>
+        </p:grpSpPr>
+        <p:sp>
+          <p:nvSpPr>
+            <p:cNvPr id="48" name="Ellipse 47">
+              <a:extLst>
+                <a:ext uri="{FF2B5EF4-FFF2-40B4-BE49-F238E27FC236}">
+                  <a16:creationId xmlns:a16="http://schemas.microsoft.com/office/drawing/2014/main" id="{BE948DCF-9F71-4392-AC57-A7F149A04398}"/>
+                </a:ext>
+              </a:extLst>
+            </p:cNvPr>
+            <p:cNvSpPr/>
+            <p:nvPr/>
+          </p:nvSpPr>
+          <p:spPr>
+            <a:xfrm>
+              <a:off x="8962858" y="4533089"/>
+              <a:ext cx="239949" cy="220493"/>
+            </a:xfrm>
+            <a:prstGeom prst="ellipse">
+              <a:avLst/>
+            </a:prstGeom>
+          </p:spPr>
+          <p:style>
+            <a:lnRef idx="2">
+              <a:schemeClr val="accent1">
+                <a:shade val="50000"/>
+              </a:schemeClr>
+            </a:lnRef>
+            <a:fillRef idx="1">
+              <a:schemeClr val="accent1"/>
+            </a:fillRef>
+            <a:effectRef idx="0">
+              <a:schemeClr val="accent1"/>
+            </a:effectRef>
+            <a:fontRef idx="minor">
+              <a:schemeClr val="lt1"/>
+            </a:fontRef>
+          </p:style>
+          <p:txBody>
+            <a:bodyPr rtlCol="0" anchor="ctr"/>
+            <a:lstStyle/>
+            <a:p>
+              <a:pPr algn="ctr"/>
+              <a:endParaRPr lang="de-DE" sz="1200" dirty="0"/>
+            </a:p>
+          </p:txBody>
+        </p:sp>
+        <p:sp>
+          <p:nvSpPr>
+            <p:cNvPr id="49" name="Textfeld 48">
+              <a:extLst>
+                <a:ext uri="{FF2B5EF4-FFF2-40B4-BE49-F238E27FC236}">
+                  <a16:creationId xmlns:a16="http://schemas.microsoft.com/office/drawing/2014/main" id="{AA5B5109-D764-4727-AE11-C7CBA0C7A915}"/>
+                </a:ext>
+              </a:extLst>
+            </p:cNvPr>
+            <p:cNvSpPr txBox="1"/>
+            <p:nvPr/>
+          </p:nvSpPr>
+          <p:spPr>
+            <a:xfrm flipH="1">
+              <a:off x="8889900" y="4512530"/>
+              <a:ext cx="435650" cy="261610"/>
+            </a:xfrm>
+            <a:prstGeom prst="rect">
+              <a:avLst/>
+            </a:prstGeom>
+            <a:noFill/>
+          </p:spPr>
+          <p:txBody>
+            <a:bodyPr wrap="square" rtlCol="0">
+              <a:spAutoFit/>
+            </a:bodyPr>
+            <a:lstStyle/>
+            <a:p>
+              <a:r>
+                <a:rPr lang="de-DE" sz="1100" dirty="0">
+                  <a:solidFill>
+                    <a:schemeClr val="bg1"/>
+                  </a:solidFill>
+                </a:rPr>
+                <a:t>001</a:t>
+              </a:r>
+            </a:p>
+          </p:txBody>
+        </p:sp>
+      </p:grpSp>
+      <p:grpSp>
+        <p:nvGrpSpPr>
+          <p:cNvPr id="50" name="Gruppieren 49">
+            <a:extLst>
+              <a:ext uri="{FF2B5EF4-FFF2-40B4-BE49-F238E27FC236}">
+                <a16:creationId xmlns:a16="http://schemas.microsoft.com/office/drawing/2014/main" id="{8CF9F8B1-3F9A-47CC-9D0F-7BB05CB5784D}"/>
+              </a:ext>
+            </a:extLst>
+          </p:cNvPr>
+          <p:cNvGrpSpPr/>
+          <p:nvPr/>
+        </p:nvGrpSpPr>
+        <p:grpSpPr>
+          <a:xfrm>
+            <a:off x="3670208" y="4177296"/>
+            <a:ext cx="435650" cy="261610"/>
+            <a:chOff x="8889900" y="4512530"/>
+            <a:chExt cx="435650" cy="261610"/>
+          </a:xfrm>
+        </p:grpSpPr>
+        <p:sp>
+          <p:nvSpPr>
+            <p:cNvPr id="51" name="Ellipse 50">
+              <a:extLst>
+                <a:ext uri="{FF2B5EF4-FFF2-40B4-BE49-F238E27FC236}">
+                  <a16:creationId xmlns:a16="http://schemas.microsoft.com/office/drawing/2014/main" id="{2A473415-12C4-403F-8E0A-ECCD06460FB4}"/>
+                </a:ext>
+              </a:extLst>
+            </p:cNvPr>
+            <p:cNvSpPr/>
+            <p:nvPr/>
+          </p:nvSpPr>
+          <p:spPr>
+            <a:xfrm>
+              <a:off x="8962858" y="4533089"/>
+              <a:ext cx="239949" cy="220493"/>
+            </a:xfrm>
+            <a:prstGeom prst="ellipse">
+              <a:avLst/>
+            </a:prstGeom>
+          </p:spPr>
+          <p:style>
+            <a:lnRef idx="2">
+              <a:schemeClr val="accent1">
+                <a:shade val="50000"/>
+              </a:schemeClr>
+            </a:lnRef>
+            <a:fillRef idx="1">
+              <a:schemeClr val="accent1"/>
+            </a:fillRef>
+            <a:effectRef idx="0">
+              <a:schemeClr val="accent1"/>
+            </a:effectRef>
+            <a:fontRef idx="minor">
+              <a:schemeClr val="lt1"/>
+            </a:fontRef>
+          </p:style>
+          <p:txBody>
+            <a:bodyPr rtlCol="0" anchor="ctr"/>
+            <a:lstStyle/>
+            <a:p>
+              <a:pPr algn="ctr"/>
+              <a:endParaRPr lang="de-DE" sz="1200" dirty="0"/>
+            </a:p>
+          </p:txBody>
+        </p:sp>
+        <p:sp>
+          <p:nvSpPr>
+            <p:cNvPr id="52" name="Textfeld 51">
+              <a:extLst>
+                <a:ext uri="{FF2B5EF4-FFF2-40B4-BE49-F238E27FC236}">
+                  <a16:creationId xmlns:a16="http://schemas.microsoft.com/office/drawing/2014/main" id="{4598EF38-3B65-409B-AEEC-622B9950CAA4}"/>
+                </a:ext>
+              </a:extLst>
+            </p:cNvPr>
+            <p:cNvSpPr txBox="1"/>
+            <p:nvPr/>
+          </p:nvSpPr>
+          <p:spPr>
+            <a:xfrm flipH="1">
+              <a:off x="8889900" y="4512530"/>
+              <a:ext cx="435650" cy="261610"/>
+            </a:xfrm>
+            <a:prstGeom prst="rect">
+              <a:avLst/>
+            </a:prstGeom>
+            <a:noFill/>
+          </p:spPr>
+          <p:txBody>
+            <a:bodyPr wrap="square" rtlCol="0">
+              <a:spAutoFit/>
+            </a:bodyPr>
+            <a:lstStyle/>
+            <a:p>
+              <a:r>
+                <a:rPr lang="de-DE" sz="1100" dirty="0">
+                  <a:solidFill>
+                    <a:schemeClr val="bg1"/>
+                  </a:solidFill>
+                </a:rPr>
+                <a:t>084</a:t>
+              </a:r>
+            </a:p>
+          </p:txBody>
+        </p:sp>
+      </p:grpSp>
+      <p:grpSp>
+        <p:nvGrpSpPr>
+          <p:cNvPr id="53" name="Gruppieren 52">
+            <a:extLst>
+              <a:ext uri="{FF2B5EF4-FFF2-40B4-BE49-F238E27FC236}">
+                <a16:creationId xmlns:a16="http://schemas.microsoft.com/office/drawing/2014/main" id="{03983D37-0E8D-4889-BDA3-4D71748356D3}"/>
+              </a:ext>
+            </a:extLst>
+          </p:cNvPr>
+          <p:cNvGrpSpPr/>
+          <p:nvPr/>
+        </p:nvGrpSpPr>
+        <p:grpSpPr>
+          <a:xfrm>
+            <a:off x="7587330" y="4442483"/>
+            <a:ext cx="435650" cy="261610"/>
+            <a:chOff x="8889900" y="4512530"/>
+            <a:chExt cx="435650" cy="261610"/>
+          </a:xfrm>
+        </p:grpSpPr>
+        <p:sp>
+          <p:nvSpPr>
+            <p:cNvPr id="54" name="Ellipse 53">
+              <a:extLst>
+                <a:ext uri="{FF2B5EF4-FFF2-40B4-BE49-F238E27FC236}">
+                  <a16:creationId xmlns:a16="http://schemas.microsoft.com/office/drawing/2014/main" id="{D4486FBA-A9C0-4148-9CDF-4BCEF9A06452}"/>
+                </a:ext>
+              </a:extLst>
+            </p:cNvPr>
+            <p:cNvSpPr/>
+            <p:nvPr/>
+          </p:nvSpPr>
+          <p:spPr>
+            <a:xfrm>
+              <a:off x="8962858" y="4533089"/>
+              <a:ext cx="239949" cy="220493"/>
+            </a:xfrm>
+            <a:prstGeom prst="ellipse">
+              <a:avLst/>
+            </a:prstGeom>
+          </p:spPr>
+          <p:style>
+            <a:lnRef idx="2">
+              <a:schemeClr val="accent1">
+                <a:shade val="50000"/>
+              </a:schemeClr>
+            </a:lnRef>
+            <a:fillRef idx="1">
+              <a:schemeClr val="accent1"/>
+            </a:fillRef>
+            <a:effectRef idx="0">
+              <a:schemeClr val="accent1"/>
+            </a:effectRef>
+            <a:fontRef idx="minor">
+              <a:schemeClr val="lt1"/>
+            </a:fontRef>
+          </p:style>
+          <p:txBody>
+            <a:bodyPr rtlCol="0" anchor="ctr"/>
+            <a:lstStyle/>
+            <a:p>
+              <a:pPr algn="ctr"/>
+              <a:endParaRPr lang="de-DE" sz="1200" dirty="0"/>
+            </a:p>
+          </p:txBody>
+        </p:sp>
+        <p:sp>
+          <p:nvSpPr>
+            <p:cNvPr id="55" name="Textfeld 54">
+              <a:extLst>
+                <a:ext uri="{FF2B5EF4-FFF2-40B4-BE49-F238E27FC236}">
+                  <a16:creationId xmlns:a16="http://schemas.microsoft.com/office/drawing/2014/main" id="{875577F7-3290-4CD2-8185-E455B9A7D382}"/>
+                </a:ext>
+              </a:extLst>
+            </p:cNvPr>
+            <p:cNvSpPr txBox="1"/>
+            <p:nvPr/>
+          </p:nvSpPr>
+          <p:spPr>
+            <a:xfrm flipH="1">
+              <a:off x="8889900" y="4512530"/>
+              <a:ext cx="435650" cy="261610"/>
+            </a:xfrm>
+            <a:prstGeom prst="rect">
+              <a:avLst/>
+            </a:prstGeom>
+            <a:noFill/>
+          </p:spPr>
+          <p:txBody>
+            <a:bodyPr wrap="square" rtlCol="0">
+              <a:spAutoFit/>
+            </a:bodyPr>
+            <a:lstStyle/>
+            <a:p>
+              <a:r>
+                <a:rPr lang="de-DE" sz="1100" dirty="0">
+                  <a:solidFill>
+                    <a:schemeClr val="bg1"/>
+                  </a:solidFill>
+                </a:rPr>
+                <a:t>201</a:t>
+              </a:r>
+            </a:p>
+          </p:txBody>
+        </p:sp>
+      </p:grpSp>
+    </p:spTree>
+    <p:extLst>
+      <p:ext uri="{BB962C8B-B14F-4D97-AF65-F5344CB8AC3E}">
+        <p14:creationId xmlns:p14="http://schemas.microsoft.com/office/powerpoint/2010/main" val="1645604654"/>
+      </p:ext>
+    </p:extLst>
+  </p:cSld>
+  <p:clrMapOvr>
+    <a:masterClrMapping/>
+  </p:clrMapOvr>
+</p:sld>
+</file>
+
+<file path=ppt/slides/slide12.xml><?xml version="1.0" encoding="utf-8"?>
+<p:sld xmlns:a="http://schemas.openxmlformats.org/drawingml/2006/main" xmlns:r="http://schemas.openxmlformats.org/officeDocument/2006/relationships" xmlns:p="http://schemas.openxmlformats.org/presentationml/2006/main">
+  <p:cSld>
+    <p:spTree>
+      <p:nvGrpSpPr>
+        <p:cNvPr id="1" name=""/>
+        <p:cNvGrpSpPr/>
+        <p:nvPr/>
+      </p:nvGrpSpPr>
+      <p:grpSpPr>
+        <a:xfrm>
+          <a:off x="0" y="0"/>
+          <a:ext cx="0" cy="0"/>
+          <a:chOff x="0" y="0"/>
+          <a:chExt cx="0" cy="0"/>
+        </a:xfrm>
+      </p:grpSpPr>
+      <p:sp>
+        <p:nvSpPr>
+          <p:cNvPr id="2" name="Titel 1">
+            <a:extLst>
+              <a:ext uri="{FF2B5EF4-FFF2-40B4-BE49-F238E27FC236}">
+                <a16:creationId xmlns:a16="http://schemas.microsoft.com/office/drawing/2014/main" id="{84297644-0CD5-450A-890C-26005090FE36}"/>
+              </a:ext>
+            </a:extLst>
+          </p:cNvPr>
+          <p:cNvSpPr>
+            <a:spLocks noGrp="1"/>
+          </p:cNvSpPr>
+          <p:nvPr>
+            <p:ph type="title"/>
+          </p:nvPr>
+        </p:nvSpPr>
+        <p:spPr/>
+        <p:txBody>
+          <a:bodyPr/>
+          <a:lstStyle/>
+          <a:p>
+            <a:r>
+              <a:rPr lang="de-DE" dirty="0"/>
+              <a:t>PASS </a:t>
+            </a:r>
+            <a:r>
+              <a:rPr lang="de-DE" dirty="0" err="1"/>
+              <a:t>ProcessModell</a:t>
+            </a:r>
+            <a:endParaRPr lang="de-DE" dirty="0"/>
+          </a:p>
+        </p:txBody>
+      </p:sp>
+      <p:pic>
+        <p:nvPicPr>
+          <p:cNvPr id="5" name="Grafik 4">
+            <a:extLst>
+              <a:ext uri="{FF2B5EF4-FFF2-40B4-BE49-F238E27FC236}">
+                <a16:creationId xmlns:a16="http://schemas.microsoft.com/office/drawing/2014/main" id="{BFEEB0BB-6FE8-4270-9EE0-6B2A42142D1A}"/>
+              </a:ext>
+            </a:extLst>
+          </p:cNvPr>
+          <p:cNvPicPr>
+            <a:picLocks noChangeAspect="1"/>
+          </p:cNvPicPr>
+          <p:nvPr/>
+        </p:nvPicPr>
+        <p:blipFill>
+          <a:blip r:embed="rId2"/>
+          <a:stretch>
+            <a:fillRect/>
+          </a:stretch>
+        </p:blipFill>
+        <p:spPr>
+          <a:xfrm>
+            <a:off x="7727586" y="907142"/>
+            <a:ext cx="3166213" cy="2206171"/>
+          </a:xfrm>
+          <a:prstGeom prst="rect">
+            <a:avLst/>
+          </a:prstGeom>
+        </p:spPr>
+      </p:pic>
+      <p:pic>
+        <p:nvPicPr>
+          <p:cNvPr id="6" name="Grafik 5">
+            <a:extLst>
+              <a:ext uri="{FF2B5EF4-FFF2-40B4-BE49-F238E27FC236}">
+                <a16:creationId xmlns:a16="http://schemas.microsoft.com/office/drawing/2014/main" id="{595A9162-15BD-45FD-9216-3CB24D1000D2}"/>
+              </a:ext>
+            </a:extLst>
+          </p:cNvPr>
+          <p:cNvPicPr>
+            <a:picLocks noChangeAspect="1"/>
+          </p:cNvPicPr>
+          <p:nvPr/>
+        </p:nvPicPr>
+        <p:blipFill>
+          <a:blip r:embed="rId3"/>
+          <a:stretch>
+            <a:fillRect/>
+          </a:stretch>
+        </p:blipFill>
+        <p:spPr>
+          <a:xfrm>
+            <a:off x="7608007" y="3608388"/>
+            <a:ext cx="3792495" cy="2084595"/>
+          </a:xfrm>
+          <a:prstGeom prst="rect">
+            <a:avLst/>
+          </a:prstGeom>
+        </p:spPr>
+      </p:pic>
+      <p:pic>
+        <p:nvPicPr>
+          <p:cNvPr id="8" name="Grafik 7">
+            <a:extLst>
+              <a:ext uri="{FF2B5EF4-FFF2-40B4-BE49-F238E27FC236}">
+                <a16:creationId xmlns:a16="http://schemas.microsoft.com/office/drawing/2014/main" id="{5861D0B7-E5E9-470E-974F-AB9983568579}"/>
+              </a:ext>
+            </a:extLst>
+          </p:cNvPr>
+          <p:cNvPicPr>
+            <a:picLocks noChangeAspect="1"/>
+          </p:cNvPicPr>
+          <p:nvPr/>
+        </p:nvPicPr>
+        <p:blipFill rotWithShape="1">
+          <a:blip r:embed="rId4">
+            <a:extLst>
+              <a:ext uri="{28A0092B-C50C-407E-A947-70E740481C1C}">
+                <a14:useLocalDpi xmlns:a14="http://schemas.microsoft.com/office/drawing/2010/main" val="0"/>
+              </a:ext>
+            </a:extLst>
+          </a:blip>
+          <a:srcRect l="6662" t="16719" r="42820" b="19894"/>
+          <a:stretch/>
+        </p:blipFill>
+        <p:spPr>
+          <a:xfrm>
+            <a:off x="1166198" y="2023768"/>
+            <a:ext cx="5667829" cy="4347029"/>
+          </a:xfrm>
+          <a:prstGeom prst="rect">
+            <a:avLst/>
+          </a:prstGeom>
+        </p:spPr>
+      </p:pic>
+      <p:grpSp>
+        <p:nvGrpSpPr>
+          <p:cNvPr id="9" name="Gruppieren 8">
+            <a:extLst>
+              <a:ext uri="{FF2B5EF4-FFF2-40B4-BE49-F238E27FC236}">
+                <a16:creationId xmlns:a16="http://schemas.microsoft.com/office/drawing/2014/main" id="{2F63D3A1-F565-4494-8F87-E4702D5B883D}"/>
+              </a:ext>
+            </a:extLst>
+          </p:cNvPr>
+          <p:cNvGrpSpPr/>
+          <p:nvPr/>
+        </p:nvGrpSpPr>
+        <p:grpSpPr>
+          <a:xfrm>
+            <a:off x="3148620" y="2856983"/>
+            <a:ext cx="435650" cy="261610"/>
+            <a:chOff x="8889900" y="4512530"/>
+            <a:chExt cx="435650" cy="261610"/>
+          </a:xfrm>
+        </p:grpSpPr>
+        <p:sp>
+          <p:nvSpPr>
+            <p:cNvPr id="10" name="Ellipse 9">
+              <a:extLst>
+                <a:ext uri="{FF2B5EF4-FFF2-40B4-BE49-F238E27FC236}">
+                  <a16:creationId xmlns:a16="http://schemas.microsoft.com/office/drawing/2014/main" id="{ED15BBE5-9205-4CED-A2BA-962DEB7337DE}"/>
+                </a:ext>
+              </a:extLst>
+            </p:cNvPr>
+            <p:cNvSpPr/>
+            <p:nvPr/>
+          </p:nvSpPr>
+          <p:spPr>
+            <a:xfrm>
+              <a:off x="8962858" y="4533089"/>
+              <a:ext cx="239949" cy="220493"/>
+            </a:xfrm>
+            <a:prstGeom prst="ellipse">
+              <a:avLst/>
+            </a:prstGeom>
+          </p:spPr>
+          <p:style>
+            <a:lnRef idx="2">
+              <a:schemeClr val="accent1">
+                <a:shade val="50000"/>
+              </a:schemeClr>
+            </a:lnRef>
+            <a:fillRef idx="1">
+              <a:schemeClr val="accent1"/>
+            </a:fillRef>
+            <a:effectRef idx="0">
+              <a:schemeClr val="accent1"/>
+            </a:effectRef>
+            <a:fontRef idx="minor">
+              <a:schemeClr val="lt1"/>
+            </a:fontRef>
+          </p:style>
+          <p:txBody>
+            <a:bodyPr rtlCol="0" anchor="ctr"/>
+            <a:lstStyle/>
+            <a:p>
+              <a:pPr algn="ctr"/>
+              <a:endParaRPr lang="de-DE" sz="1200" dirty="0"/>
+            </a:p>
+          </p:txBody>
+        </p:sp>
+        <p:sp>
+          <p:nvSpPr>
+            <p:cNvPr id="11" name="Textfeld 10">
+              <a:extLst>
+                <a:ext uri="{FF2B5EF4-FFF2-40B4-BE49-F238E27FC236}">
+                  <a16:creationId xmlns:a16="http://schemas.microsoft.com/office/drawing/2014/main" id="{5835E4B6-884D-439D-A77B-6E128ED1F162}"/>
+                </a:ext>
+              </a:extLst>
+            </p:cNvPr>
+            <p:cNvSpPr txBox="1"/>
+            <p:nvPr/>
+          </p:nvSpPr>
+          <p:spPr>
+            <a:xfrm flipH="1">
+              <a:off x="8889900" y="4512530"/>
+              <a:ext cx="435650" cy="261610"/>
+            </a:xfrm>
+            <a:prstGeom prst="rect">
+              <a:avLst/>
+            </a:prstGeom>
+            <a:noFill/>
+          </p:spPr>
+          <p:txBody>
+            <a:bodyPr wrap="square" rtlCol="0">
+              <a:spAutoFit/>
+            </a:bodyPr>
+            <a:lstStyle/>
+            <a:p>
+              <a:r>
+                <a:rPr lang="de-DE" sz="1100" dirty="0">
+                  <a:solidFill>
+                    <a:schemeClr val="bg1"/>
+                  </a:solidFill>
+                </a:rPr>
+                <a:t>208</a:t>
+              </a:r>
+            </a:p>
+          </p:txBody>
+        </p:sp>
+      </p:grpSp>
+      <p:grpSp>
+        <p:nvGrpSpPr>
+          <p:cNvPr id="12" name="Gruppieren 11">
+            <a:extLst>
+              <a:ext uri="{FF2B5EF4-FFF2-40B4-BE49-F238E27FC236}">
+                <a16:creationId xmlns:a16="http://schemas.microsoft.com/office/drawing/2014/main" id="{5723E6BC-60B5-4035-8C4A-F8BF4E684059}"/>
+              </a:ext>
+            </a:extLst>
+          </p:cNvPr>
+          <p:cNvGrpSpPr/>
+          <p:nvPr/>
+        </p:nvGrpSpPr>
+        <p:grpSpPr>
+          <a:xfrm>
+            <a:off x="3148620" y="2078632"/>
+            <a:ext cx="435650" cy="261610"/>
+            <a:chOff x="8889900" y="4512530"/>
+            <a:chExt cx="435650" cy="261610"/>
+          </a:xfrm>
+        </p:grpSpPr>
+        <p:sp>
+          <p:nvSpPr>
+            <p:cNvPr id="13" name="Ellipse 12">
+              <a:extLst>
+                <a:ext uri="{FF2B5EF4-FFF2-40B4-BE49-F238E27FC236}">
+                  <a16:creationId xmlns:a16="http://schemas.microsoft.com/office/drawing/2014/main" id="{2252F706-1EFF-43A5-B1C4-013DA0F783F0}"/>
+                </a:ext>
+              </a:extLst>
+            </p:cNvPr>
+            <p:cNvSpPr/>
+            <p:nvPr/>
+          </p:nvSpPr>
+          <p:spPr>
+            <a:xfrm>
+              <a:off x="8962858" y="4533089"/>
+              <a:ext cx="239949" cy="220493"/>
+            </a:xfrm>
+            <a:prstGeom prst="ellipse">
+              <a:avLst/>
+            </a:prstGeom>
+          </p:spPr>
+          <p:style>
+            <a:lnRef idx="2">
+              <a:schemeClr val="accent1">
+                <a:shade val="50000"/>
+              </a:schemeClr>
+            </a:lnRef>
+            <a:fillRef idx="1">
+              <a:schemeClr val="accent1"/>
+            </a:fillRef>
+            <a:effectRef idx="0">
+              <a:schemeClr val="accent1"/>
+            </a:effectRef>
+            <a:fontRef idx="minor">
+              <a:schemeClr val="lt1"/>
+            </a:fontRef>
+          </p:style>
+          <p:txBody>
+            <a:bodyPr rtlCol="0" anchor="ctr"/>
+            <a:lstStyle/>
+            <a:p>
+              <a:pPr algn="ctr"/>
+              <a:endParaRPr lang="de-DE" sz="1200" dirty="0"/>
+            </a:p>
+          </p:txBody>
+        </p:sp>
+        <p:sp>
+          <p:nvSpPr>
+            <p:cNvPr id="14" name="Textfeld 13">
+              <a:extLst>
+                <a:ext uri="{FF2B5EF4-FFF2-40B4-BE49-F238E27FC236}">
+                  <a16:creationId xmlns:a16="http://schemas.microsoft.com/office/drawing/2014/main" id="{09DA9FA3-3D1D-46C6-A5AC-27639B3DFC97}"/>
+                </a:ext>
+              </a:extLst>
+            </p:cNvPr>
+            <p:cNvSpPr txBox="1"/>
+            <p:nvPr/>
+          </p:nvSpPr>
+          <p:spPr>
+            <a:xfrm flipH="1">
+              <a:off x="8889900" y="4512530"/>
+              <a:ext cx="435650" cy="261610"/>
+            </a:xfrm>
+            <a:prstGeom prst="rect">
+              <a:avLst/>
+            </a:prstGeom>
+            <a:noFill/>
+          </p:spPr>
+          <p:txBody>
+            <a:bodyPr wrap="square" rtlCol="0">
+              <a:spAutoFit/>
+            </a:bodyPr>
+            <a:lstStyle/>
+            <a:p>
+              <a:r>
+                <a:rPr lang="de-DE" sz="1100" dirty="0">
+                  <a:solidFill>
+                    <a:schemeClr val="bg1"/>
+                  </a:solidFill>
+                </a:rPr>
+                <a:t>208</a:t>
+              </a:r>
+            </a:p>
+          </p:txBody>
+        </p:sp>
+      </p:grpSp>
+      <p:grpSp>
+        <p:nvGrpSpPr>
+          <p:cNvPr id="15" name="Gruppieren 14">
+            <a:extLst>
+              <a:ext uri="{FF2B5EF4-FFF2-40B4-BE49-F238E27FC236}">
+                <a16:creationId xmlns:a16="http://schemas.microsoft.com/office/drawing/2014/main" id="{AF27CB00-E61E-4916-9D5C-3A854B30460E}"/>
+              </a:ext>
+            </a:extLst>
+          </p:cNvPr>
+          <p:cNvGrpSpPr/>
+          <p:nvPr/>
+        </p:nvGrpSpPr>
+        <p:grpSpPr>
+          <a:xfrm>
+            <a:off x="4506967" y="3551088"/>
+            <a:ext cx="435650" cy="261610"/>
+            <a:chOff x="8889900" y="4512530"/>
+            <a:chExt cx="435650" cy="261610"/>
+          </a:xfrm>
+        </p:grpSpPr>
+        <p:sp>
+          <p:nvSpPr>
+            <p:cNvPr id="16" name="Ellipse 15">
+              <a:extLst>
+                <a:ext uri="{FF2B5EF4-FFF2-40B4-BE49-F238E27FC236}">
+                  <a16:creationId xmlns:a16="http://schemas.microsoft.com/office/drawing/2014/main" id="{E1A8FB65-B79F-4B07-AC1E-689509B4725F}"/>
+                </a:ext>
+              </a:extLst>
+            </p:cNvPr>
+            <p:cNvSpPr/>
+            <p:nvPr/>
+          </p:nvSpPr>
+          <p:spPr>
+            <a:xfrm>
+              <a:off x="8962858" y="4533089"/>
+              <a:ext cx="239949" cy="220493"/>
+            </a:xfrm>
+            <a:prstGeom prst="ellipse">
+              <a:avLst/>
+            </a:prstGeom>
+          </p:spPr>
+          <p:style>
+            <a:lnRef idx="2">
+              <a:schemeClr val="accent1">
+                <a:shade val="50000"/>
+              </a:schemeClr>
+            </a:lnRef>
+            <a:fillRef idx="1">
+              <a:schemeClr val="accent1"/>
+            </a:fillRef>
+            <a:effectRef idx="0">
+              <a:schemeClr val="accent1"/>
+            </a:effectRef>
+            <a:fontRef idx="minor">
+              <a:schemeClr val="lt1"/>
+            </a:fontRef>
+          </p:style>
+          <p:txBody>
+            <a:bodyPr rtlCol="0" anchor="ctr"/>
+            <a:lstStyle/>
+            <a:p>
+              <a:pPr algn="ctr"/>
+              <a:endParaRPr lang="de-DE" sz="1200" dirty="0"/>
+            </a:p>
+          </p:txBody>
+        </p:sp>
+        <p:sp>
+          <p:nvSpPr>
+            <p:cNvPr id="17" name="Textfeld 16">
+              <a:extLst>
+                <a:ext uri="{FF2B5EF4-FFF2-40B4-BE49-F238E27FC236}">
+                  <a16:creationId xmlns:a16="http://schemas.microsoft.com/office/drawing/2014/main" id="{63FA16B2-EEB5-4CD0-80CD-860A7E72B166}"/>
+                </a:ext>
+              </a:extLst>
+            </p:cNvPr>
+            <p:cNvSpPr txBox="1"/>
+            <p:nvPr/>
+          </p:nvSpPr>
+          <p:spPr>
+            <a:xfrm flipH="1">
+              <a:off x="8889900" y="4512530"/>
+              <a:ext cx="435650" cy="261610"/>
+            </a:xfrm>
+            <a:prstGeom prst="rect">
+              <a:avLst/>
+            </a:prstGeom>
+            <a:noFill/>
+          </p:spPr>
+          <p:txBody>
+            <a:bodyPr wrap="square" rtlCol="0">
+              <a:spAutoFit/>
+            </a:bodyPr>
+            <a:lstStyle/>
+            <a:p>
+              <a:r>
+                <a:rPr lang="de-DE" sz="1100" dirty="0">
+                  <a:solidFill>
+                    <a:schemeClr val="bg1"/>
+                  </a:solidFill>
+                </a:rPr>
+                <a:t>226</a:t>
+              </a:r>
+            </a:p>
+          </p:txBody>
+        </p:sp>
+      </p:grpSp>
+      <p:grpSp>
+        <p:nvGrpSpPr>
+          <p:cNvPr id="18" name="Gruppieren 17">
+            <a:extLst>
+              <a:ext uri="{FF2B5EF4-FFF2-40B4-BE49-F238E27FC236}">
+                <a16:creationId xmlns:a16="http://schemas.microsoft.com/office/drawing/2014/main" id="{DE2F3C2E-0303-45B1-96B0-98E5BC4959EA}"/>
+              </a:ext>
+            </a:extLst>
+          </p:cNvPr>
+          <p:cNvGrpSpPr/>
+          <p:nvPr/>
+        </p:nvGrpSpPr>
+        <p:grpSpPr>
+          <a:xfrm>
+            <a:off x="3890442" y="3548961"/>
+            <a:ext cx="435650" cy="261610"/>
+            <a:chOff x="8889900" y="4512530"/>
+            <a:chExt cx="435650" cy="261610"/>
+          </a:xfrm>
+        </p:grpSpPr>
+        <p:sp>
+          <p:nvSpPr>
+            <p:cNvPr id="19" name="Ellipse 18">
+              <a:extLst>
+                <a:ext uri="{FF2B5EF4-FFF2-40B4-BE49-F238E27FC236}">
+                  <a16:creationId xmlns:a16="http://schemas.microsoft.com/office/drawing/2014/main" id="{8CB2D3D5-C509-41C6-BF55-51779AC4F337}"/>
+                </a:ext>
+              </a:extLst>
+            </p:cNvPr>
+            <p:cNvSpPr/>
+            <p:nvPr/>
+          </p:nvSpPr>
+          <p:spPr>
+            <a:xfrm>
+              <a:off x="8962858" y="4533089"/>
+              <a:ext cx="239949" cy="220493"/>
+            </a:xfrm>
+            <a:prstGeom prst="ellipse">
+              <a:avLst/>
+            </a:prstGeom>
+          </p:spPr>
+          <p:style>
+            <a:lnRef idx="2">
+              <a:schemeClr val="accent1">
+                <a:shade val="50000"/>
+              </a:schemeClr>
+            </a:lnRef>
+            <a:fillRef idx="1">
+              <a:schemeClr val="accent1"/>
+            </a:fillRef>
+            <a:effectRef idx="0">
+              <a:schemeClr val="accent1"/>
+            </a:effectRef>
+            <a:fontRef idx="minor">
+              <a:schemeClr val="lt1"/>
+            </a:fontRef>
+          </p:style>
+          <p:txBody>
+            <a:bodyPr rtlCol="0" anchor="ctr"/>
+            <a:lstStyle/>
+            <a:p>
+              <a:pPr algn="ctr"/>
+              <a:endParaRPr lang="de-DE" sz="1200" dirty="0"/>
+            </a:p>
+          </p:txBody>
+        </p:sp>
+        <p:sp>
+          <p:nvSpPr>
+            <p:cNvPr id="20" name="Textfeld 19">
+              <a:extLst>
+                <a:ext uri="{FF2B5EF4-FFF2-40B4-BE49-F238E27FC236}">
+                  <a16:creationId xmlns:a16="http://schemas.microsoft.com/office/drawing/2014/main" id="{677A785D-B412-4254-9B2F-A088C8430ED5}"/>
+                </a:ext>
+              </a:extLst>
+            </p:cNvPr>
+            <p:cNvSpPr txBox="1"/>
+            <p:nvPr/>
+          </p:nvSpPr>
+          <p:spPr>
+            <a:xfrm flipH="1">
+              <a:off x="8889900" y="4512530"/>
+              <a:ext cx="435650" cy="261610"/>
+            </a:xfrm>
+            <a:prstGeom prst="rect">
+              <a:avLst/>
+            </a:prstGeom>
+            <a:noFill/>
+          </p:spPr>
+          <p:txBody>
+            <a:bodyPr wrap="square" rtlCol="0">
+              <a:spAutoFit/>
+            </a:bodyPr>
+            <a:lstStyle/>
+            <a:p>
+              <a:r>
+                <a:rPr lang="de-DE" sz="1100" dirty="0">
+                  <a:solidFill>
+                    <a:schemeClr val="bg1"/>
+                  </a:solidFill>
+                </a:rPr>
+                <a:t>226</a:t>
+              </a:r>
+            </a:p>
+          </p:txBody>
+        </p:sp>
+      </p:grpSp>
+      <p:grpSp>
+        <p:nvGrpSpPr>
+          <p:cNvPr id="21" name="Gruppieren 20">
+            <a:extLst>
+              <a:ext uri="{FF2B5EF4-FFF2-40B4-BE49-F238E27FC236}">
+                <a16:creationId xmlns:a16="http://schemas.microsoft.com/office/drawing/2014/main" id="{B40D94C6-0A48-4026-AF27-48347E0260A3}"/>
+              </a:ext>
+            </a:extLst>
+          </p:cNvPr>
+          <p:cNvGrpSpPr/>
+          <p:nvPr/>
+        </p:nvGrpSpPr>
+        <p:grpSpPr>
+          <a:xfrm>
+            <a:off x="2676439" y="3558893"/>
+            <a:ext cx="435650" cy="261610"/>
+            <a:chOff x="8889900" y="4512530"/>
+            <a:chExt cx="435650" cy="261610"/>
+          </a:xfrm>
+        </p:grpSpPr>
+        <p:sp>
+          <p:nvSpPr>
+            <p:cNvPr id="22" name="Ellipse 21">
+              <a:extLst>
+                <a:ext uri="{FF2B5EF4-FFF2-40B4-BE49-F238E27FC236}">
+                  <a16:creationId xmlns:a16="http://schemas.microsoft.com/office/drawing/2014/main" id="{0D1E26EF-6846-4B8A-AD80-6B00EEB045E3}"/>
+                </a:ext>
+              </a:extLst>
+            </p:cNvPr>
+            <p:cNvSpPr/>
+            <p:nvPr/>
+          </p:nvSpPr>
+          <p:spPr>
+            <a:xfrm>
+              <a:off x="8962858" y="4533089"/>
+              <a:ext cx="239949" cy="220493"/>
+            </a:xfrm>
+            <a:prstGeom prst="ellipse">
+              <a:avLst/>
+            </a:prstGeom>
+          </p:spPr>
+          <p:style>
+            <a:lnRef idx="2">
+              <a:schemeClr val="accent1">
+                <a:shade val="50000"/>
+              </a:schemeClr>
+            </a:lnRef>
+            <a:fillRef idx="1">
+              <a:schemeClr val="accent1"/>
+            </a:fillRef>
+            <a:effectRef idx="0">
+              <a:schemeClr val="accent1"/>
+            </a:effectRef>
+            <a:fontRef idx="minor">
+              <a:schemeClr val="lt1"/>
+            </a:fontRef>
+          </p:style>
+          <p:txBody>
+            <a:bodyPr rtlCol="0" anchor="ctr"/>
+            <a:lstStyle/>
+            <a:p>
+              <a:pPr algn="ctr"/>
+              <a:endParaRPr lang="de-DE" sz="1200" dirty="0"/>
+            </a:p>
+          </p:txBody>
+        </p:sp>
+        <p:sp>
+          <p:nvSpPr>
+            <p:cNvPr id="23" name="Textfeld 22">
+              <a:extLst>
+                <a:ext uri="{FF2B5EF4-FFF2-40B4-BE49-F238E27FC236}">
+                  <a16:creationId xmlns:a16="http://schemas.microsoft.com/office/drawing/2014/main" id="{2D9FA1C8-D96C-44A1-9B78-FAA2FF170DA8}"/>
+                </a:ext>
+              </a:extLst>
+            </p:cNvPr>
+            <p:cNvSpPr txBox="1"/>
+            <p:nvPr/>
+          </p:nvSpPr>
+          <p:spPr>
+            <a:xfrm flipH="1">
+              <a:off x="8889900" y="4512530"/>
+              <a:ext cx="435650" cy="261610"/>
+            </a:xfrm>
+            <a:prstGeom prst="rect">
+              <a:avLst/>
+            </a:prstGeom>
+            <a:noFill/>
+          </p:spPr>
+          <p:txBody>
+            <a:bodyPr wrap="square" rtlCol="0">
+              <a:spAutoFit/>
+            </a:bodyPr>
+            <a:lstStyle/>
+            <a:p>
+              <a:r>
+                <a:rPr lang="de-DE" sz="1100" dirty="0">
+                  <a:solidFill>
+                    <a:schemeClr val="bg1"/>
+                  </a:solidFill>
+                </a:rPr>
+                <a:t>229</a:t>
+              </a:r>
+            </a:p>
+          </p:txBody>
+        </p:sp>
+      </p:grpSp>
+      <p:grpSp>
+        <p:nvGrpSpPr>
+          <p:cNvPr id="24" name="Gruppieren 23">
+            <a:extLst>
+              <a:ext uri="{FF2B5EF4-FFF2-40B4-BE49-F238E27FC236}">
+                <a16:creationId xmlns:a16="http://schemas.microsoft.com/office/drawing/2014/main" id="{E7BEB5B0-DE52-49D3-98A2-EA54801E2A04}"/>
+              </a:ext>
+            </a:extLst>
+          </p:cNvPr>
+          <p:cNvGrpSpPr/>
+          <p:nvPr/>
+        </p:nvGrpSpPr>
+        <p:grpSpPr>
+          <a:xfrm>
+            <a:off x="3353399" y="3556420"/>
+            <a:ext cx="435650" cy="261610"/>
+            <a:chOff x="8889900" y="4512530"/>
+            <a:chExt cx="435650" cy="261610"/>
+          </a:xfrm>
+        </p:grpSpPr>
+        <p:sp>
+          <p:nvSpPr>
+            <p:cNvPr id="25" name="Ellipse 24">
+              <a:extLst>
+                <a:ext uri="{FF2B5EF4-FFF2-40B4-BE49-F238E27FC236}">
+                  <a16:creationId xmlns:a16="http://schemas.microsoft.com/office/drawing/2014/main" id="{D7BA5CFC-4F0B-4B83-AAB1-EC797B12D485}"/>
+                </a:ext>
+              </a:extLst>
+            </p:cNvPr>
+            <p:cNvSpPr/>
+            <p:nvPr/>
+          </p:nvSpPr>
+          <p:spPr>
+            <a:xfrm>
+              <a:off x="8962858" y="4533089"/>
+              <a:ext cx="239949" cy="220493"/>
+            </a:xfrm>
+            <a:prstGeom prst="ellipse">
+              <a:avLst/>
+            </a:prstGeom>
+          </p:spPr>
+          <p:style>
+            <a:lnRef idx="2">
+              <a:schemeClr val="accent1">
+                <a:shade val="50000"/>
+              </a:schemeClr>
+            </a:lnRef>
+            <a:fillRef idx="1">
+              <a:schemeClr val="accent1"/>
+            </a:fillRef>
+            <a:effectRef idx="0">
+              <a:schemeClr val="accent1"/>
+            </a:effectRef>
+            <a:fontRef idx="minor">
+              <a:schemeClr val="lt1"/>
+            </a:fontRef>
+          </p:style>
+          <p:txBody>
+            <a:bodyPr rtlCol="0" anchor="ctr"/>
+            <a:lstStyle/>
+            <a:p>
+              <a:pPr algn="ctr"/>
+              <a:endParaRPr lang="de-DE" sz="1200" dirty="0"/>
+            </a:p>
+          </p:txBody>
+        </p:sp>
+        <p:sp>
+          <p:nvSpPr>
+            <p:cNvPr id="26" name="Textfeld 25">
+              <a:extLst>
+                <a:ext uri="{FF2B5EF4-FFF2-40B4-BE49-F238E27FC236}">
+                  <a16:creationId xmlns:a16="http://schemas.microsoft.com/office/drawing/2014/main" id="{818F4908-D659-48C7-82B4-F2BDD55DA519}"/>
+                </a:ext>
+              </a:extLst>
+            </p:cNvPr>
+            <p:cNvSpPr txBox="1"/>
+            <p:nvPr/>
+          </p:nvSpPr>
+          <p:spPr>
+            <a:xfrm flipH="1">
+              <a:off x="8889900" y="4512530"/>
+              <a:ext cx="435650" cy="261610"/>
+            </a:xfrm>
+            <a:prstGeom prst="rect">
+              <a:avLst/>
+            </a:prstGeom>
+            <a:noFill/>
+          </p:spPr>
+          <p:txBody>
+            <a:bodyPr wrap="square" rtlCol="0">
+              <a:spAutoFit/>
+            </a:bodyPr>
+            <a:lstStyle/>
+            <a:p>
+              <a:r>
+                <a:rPr lang="de-DE" sz="1100" dirty="0">
+                  <a:solidFill>
+                    <a:schemeClr val="bg1"/>
+                  </a:solidFill>
+                </a:rPr>
+                <a:t>229</a:t>
+              </a:r>
+            </a:p>
+          </p:txBody>
+        </p:sp>
+      </p:grpSp>
+      <p:grpSp>
+        <p:nvGrpSpPr>
+          <p:cNvPr id="27" name="Gruppieren 26">
+            <a:extLst>
+              <a:ext uri="{FF2B5EF4-FFF2-40B4-BE49-F238E27FC236}">
+                <a16:creationId xmlns:a16="http://schemas.microsoft.com/office/drawing/2014/main" id="{7ACD4172-713C-4BCC-BDF9-276D38375F11}"/>
+              </a:ext>
+            </a:extLst>
+          </p:cNvPr>
+          <p:cNvGrpSpPr/>
+          <p:nvPr/>
+        </p:nvGrpSpPr>
+        <p:grpSpPr>
+          <a:xfrm>
+            <a:off x="4391964" y="4533037"/>
+            <a:ext cx="435650" cy="261610"/>
+            <a:chOff x="8889900" y="4512530"/>
+            <a:chExt cx="435650" cy="261610"/>
+          </a:xfrm>
+        </p:grpSpPr>
+        <p:sp>
+          <p:nvSpPr>
+            <p:cNvPr id="28" name="Ellipse 27">
+              <a:extLst>
+                <a:ext uri="{FF2B5EF4-FFF2-40B4-BE49-F238E27FC236}">
+                  <a16:creationId xmlns:a16="http://schemas.microsoft.com/office/drawing/2014/main" id="{34011F1B-E979-4995-BB5C-04D7FC54B5A8}"/>
+                </a:ext>
+              </a:extLst>
+            </p:cNvPr>
+            <p:cNvSpPr/>
+            <p:nvPr/>
+          </p:nvSpPr>
+          <p:spPr>
+            <a:xfrm>
+              <a:off x="8962858" y="4533089"/>
+              <a:ext cx="239949" cy="220493"/>
+            </a:xfrm>
+            <a:prstGeom prst="ellipse">
+              <a:avLst/>
+            </a:prstGeom>
+          </p:spPr>
+          <p:style>
+            <a:lnRef idx="2">
+              <a:schemeClr val="accent1">
+                <a:shade val="50000"/>
+              </a:schemeClr>
+            </a:lnRef>
+            <a:fillRef idx="1">
+              <a:schemeClr val="accent1"/>
+            </a:fillRef>
+            <a:effectRef idx="0">
+              <a:schemeClr val="accent1"/>
+            </a:effectRef>
+            <a:fontRef idx="minor">
+              <a:schemeClr val="lt1"/>
+            </a:fontRef>
+          </p:style>
+          <p:txBody>
+            <a:bodyPr rtlCol="0" anchor="ctr"/>
+            <a:lstStyle/>
+            <a:p>
+              <a:pPr algn="ctr"/>
+              <a:endParaRPr lang="de-DE" sz="1200" dirty="0"/>
+            </a:p>
+          </p:txBody>
+        </p:sp>
+        <p:sp>
+          <p:nvSpPr>
+            <p:cNvPr id="29" name="Textfeld 28">
+              <a:extLst>
+                <a:ext uri="{FF2B5EF4-FFF2-40B4-BE49-F238E27FC236}">
+                  <a16:creationId xmlns:a16="http://schemas.microsoft.com/office/drawing/2014/main" id="{3B319632-DACC-4410-A228-AE6BA1EC075B}"/>
+                </a:ext>
+              </a:extLst>
+            </p:cNvPr>
+            <p:cNvSpPr txBox="1"/>
+            <p:nvPr/>
+          </p:nvSpPr>
+          <p:spPr>
+            <a:xfrm flipH="1">
+              <a:off x="8889900" y="4512530"/>
+              <a:ext cx="435650" cy="261610"/>
+            </a:xfrm>
+            <a:prstGeom prst="rect">
+              <a:avLst/>
+            </a:prstGeom>
+            <a:noFill/>
+          </p:spPr>
+          <p:txBody>
+            <a:bodyPr wrap="square" rtlCol="0">
+              <a:spAutoFit/>
+            </a:bodyPr>
+            <a:lstStyle/>
+            <a:p>
+              <a:r>
+                <a:rPr lang="de-DE" sz="1100" dirty="0">
+                  <a:solidFill>
+                    <a:schemeClr val="bg1"/>
+                  </a:solidFill>
+                </a:rPr>
+                <a:t>225</a:t>
+              </a:r>
+            </a:p>
+          </p:txBody>
+        </p:sp>
+      </p:grpSp>
+      <p:grpSp>
+        <p:nvGrpSpPr>
+          <p:cNvPr id="30" name="Gruppieren 29">
+            <a:extLst>
+              <a:ext uri="{FF2B5EF4-FFF2-40B4-BE49-F238E27FC236}">
+                <a16:creationId xmlns:a16="http://schemas.microsoft.com/office/drawing/2014/main" id="{67856638-2D44-4DF2-8716-3575EA34AE8A}"/>
+              </a:ext>
+            </a:extLst>
+          </p:cNvPr>
+          <p:cNvGrpSpPr/>
+          <p:nvPr/>
+        </p:nvGrpSpPr>
+        <p:grpSpPr>
+          <a:xfrm>
+            <a:off x="5003828" y="4763774"/>
+            <a:ext cx="435650" cy="261610"/>
+            <a:chOff x="8889900" y="4512530"/>
+            <a:chExt cx="435650" cy="261610"/>
+          </a:xfrm>
+        </p:grpSpPr>
+        <p:sp>
+          <p:nvSpPr>
+            <p:cNvPr id="31" name="Ellipse 30">
+              <a:extLst>
+                <a:ext uri="{FF2B5EF4-FFF2-40B4-BE49-F238E27FC236}">
+                  <a16:creationId xmlns:a16="http://schemas.microsoft.com/office/drawing/2014/main" id="{F3F495E2-B84C-4C3D-9901-C1A65C895BCC}"/>
+                </a:ext>
+              </a:extLst>
+            </p:cNvPr>
+            <p:cNvSpPr/>
+            <p:nvPr/>
+          </p:nvSpPr>
+          <p:spPr>
+            <a:xfrm>
+              <a:off x="8962858" y="4533089"/>
+              <a:ext cx="239949" cy="220493"/>
+            </a:xfrm>
+            <a:prstGeom prst="ellipse">
+              <a:avLst/>
+            </a:prstGeom>
+          </p:spPr>
+          <p:style>
+            <a:lnRef idx="2">
+              <a:schemeClr val="accent1">
+                <a:shade val="50000"/>
+              </a:schemeClr>
+            </a:lnRef>
+            <a:fillRef idx="1">
+              <a:schemeClr val="accent1"/>
+            </a:fillRef>
+            <a:effectRef idx="0">
+              <a:schemeClr val="accent1"/>
+            </a:effectRef>
+            <a:fontRef idx="minor">
+              <a:schemeClr val="lt1"/>
+            </a:fontRef>
+          </p:style>
+          <p:txBody>
+            <a:bodyPr rtlCol="0" anchor="ctr"/>
+            <a:lstStyle/>
+            <a:p>
+              <a:pPr algn="ctr"/>
+              <a:endParaRPr lang="de-DE" sz="1200" dirty="0"/>
+            </a:p>
+          </p:txBody>
+        </p:sp>
+        <p:sp>
+          <p:nvSpPr>
+            <p:cNvPr id="32" name="Textfeld 31">
+              <a:extLst>
+                <a:ext uri="{FF2B5EF4-FFF2-40B4-BE49-F238E27FC236}">
+                  <a16:creationId xmlns:a16="http://schemas.microsoft.com/office/drawing/2014/main" id="{8EF6D453-F41A-4C3B-AEEE-DB77FDD82458}"/>
+                </a:ext>
+              </a:extLst>
+            </p:cNvPr>
+            <p:cNvSpPr txBox="1"/>
+            <p:nvPr/>
+          </p:nvSpPr>
+          <p:spPr>
+            <a:xfrm flipH="1">
+              <a:off x="8889900" y="4512530"/>
+              <a:ext cx="435650" cy="261610"/>
+            </a:xfrm>
+            <a:prstGeom prst="rect">
+              <a:avLst/>
+            </a:prstGeom>
+            <a:noFill/>
+          </p:spPr>
+          <p:txBody>
+            <a:bodyPr wrap="square" rtlCol="0">
+              <a:spAutoFit/>
+            </a:bodyPr>
+            <a:lstStyle/>
+            <a:p>
+              <a:r>
+                <a:rPr lang="de-DE" sz="1100" dirty="0">
+                  <a:solidFill>
+                    <a:schemeClr val="bg1"/>
+                  </a:solidFill>
+                </a:rPr>
+                <a:t>227</a:t>
+              </a:r>
+            </a:p>
+          </p:txBody>
+        </p:sp>
+      </p:grpSp>
+      <p:grpSp>
+        <p:nvGrpSpPr>
+          <p:cNvPr id="39" name="Gruppieren 38">
+            <a:extLst>
+              <a:ext uri="{FF2B5EF4-FFF2-40B4-BE49-F238E27FC236}">
+                <a16:creationId xmlns:a16="http://schemas.microsoft.com/office/drawing/2014/main" id="{1F27466B-ACD7-46A0-B11F-428DBE0DAC00}"/>
+              </a:ext>
+            </a:extLst>
+          </p:cNvPr>
+          <p:cNvGrpSpPr/>
+          <p:nvPr/>
+        </p:nvGrpSpPr>
+        <p:grpSpPr>
+          <a:xfrm>
+            <a:off x="2459997" y="5431373"/>
+            <a:ext cx="435650" cy="261610"/>
+            <a:chOff x="8889900" y="4512530"/>
+            <a:chExt cx="435650" cy="261610"/>
+          </a:xfrm>
+        </p:grpSpPr>
+        <p:sp>
+          <p:nvSpPr>
+            <p:cNvPr id="40" name="Ellipse 39">
+              <a:extLst>
+                <a:ext uri="{FF2B5EF4-FFF2-40B4-BE49-F238E27FC236}">
+                  <a16:creationId xmlns:a16="http://schemas.microsoft.com/office/drawing/2014/main" id="{A0344978-2D0E-47F1-BD45-C9CD7BF36FF7}"/>
+                </a:ext>
+              </a:extLst>
+            </p:cNvPr>
+            <p:cNvSpPr/>
+            <p:nvPr/>
+          </p:nvSpPr>
+          <p:spPr>
+            <a:xfrm>
+              <a:off x="8962858" y="4533089"/>
+              <a:ext cx="239949" cy="220493"/>
+            </a:xfrm>
+            <a:prstGeom prst="ellipse">
+              <a:avLst/>
+            </a:prstGeom>
+          </p:spPr>
+          <p:style>
+            <a:lnRef idx="2">
+              <a:schemeClr val="accent1">
+                <a:shade val="50000"/>
+              </a:schemeClr>
+            </a:lnRef>
+            <a:fillRef idx="1">
+              <a:schemeClr val="accent1"/>
+            </a:fillRef>
+            <a:effectRef idx="0">
+              <a:schemeClr val="accent1"/>
+            </a:effectRef>
+            <a:fontRef idx="minor">
+              <a:schemeClr val="lt1"/>
+            </a:fontRef>
+          </p:style>
+          <p:txBody>
+            <a:bodyPr rtlCol="0" anchor="ctr"/>
+            <a:lstStyle/>
+            <a:p>
+              <a:pPr algn="ctr"/>
+              <a:endParaRPr lang="de-DE" sz="1200" dirty="0"/>
+            </a:p>
+          </p:txBody>
+        </p:sp>
+        <p:sp>
+          <p:nvSpPr>
+            <p:cNvPr id="41" name="Textfeld 40">
+              <a:extLst>
+                <a:ext uri="{FF2B5EF4-FFF2-40B4-BE49-F238E27FC236}">
+                  <a16:creationId xmlns:a16="http://schemas.microsoft.com/office/drawing/2014/main" id="{6AAC483D-2545-4CBC-8B7E-86B0DF01764E}"/>
+                </a:ext>
+              </a:extLst>
+            </p:cNvPr>
+            <p:cNvSpPr txBox="1"/>
+            <p:nvPr/>
+          </p:nvSpPr>
+          <p:spPr>
+            <a:xfrm flipH="1">
+              <a:off x="8889900" y="4512530"/>
+              <a:ext cx="435650" cy="261610"/>
+            </a:xfrm>
+            <a:prstGeom prst="rect">
+              <a:avLst/>
+            </a:prstGeom>
+            <a:noFill/>
+          </p:spPr>
+          <p:txBody>
+            <a:bodyPr wrap="square" rtlCol="0">
+              <a:spAutoFit/>
+            </a:bodyPr>
+            <a:lstStyle/>
+            <a:p>
+              <a:r>
+                <a:rPr lang="de-DE" sz="1100" dirty="0">
+                  <a:solidFill>
+                    <a:schemeClr val="bg1"/>
+                  </a:solidFill>
+                </a:rPr>
+                <a:t>122</a:t>
+              </a:r>
+            </a:p>
+          </p:txBody>
+        </p:sp>
+      </p:grpSp>
+      <p:grpSp>
+        <p:nvGrpSpPr>
+          <p:cNvPr id="42" name="Gruppieren 41">
+            <a:extLst>
+              <a:ext uri="{FF2B5EF4-FFF2-40B4-BE49-F238E27FC236}">
+                <a16:creationId xmlns:a16="http://schemas.microsoft.com/office/drawing/2014/main" id="{6CACC28D-0D9A-4776-8424-39D6D524F815}"/>
+              </a:ext>
+            </a:extLst>
+          </p:cNvPr>
+          <p:cNvGrpSpPr/>
+          <p:nvPr/>
+        </p:nvGrpSpPr>
+        <p:grpSpPr>
+          <a:xfrm>
+            <a:off x="4342179" y="2543593"/>
+            <a:ext cx="435650" cy="261610"/>
+            <a:chOff x="8889900" y="4512530"/>
+            <a:chExt cx="435650" cy="261610"/>
+          </a:xfrm>
+        </p:grpSpPr>
+        <p:sp>
+          <p:nvSpPr>
+            <p:cNvPr id="43" name="Ellipse 42">
+              <a:extLst>
+                <a:ext uri="{FF2B5EF4-FFF2-40B4-BE49-F238E27FC236}">
+                  <a16:creationId xmlns:a16="http://schemas.microsoft.com/office/drawing/2014/main" id="{15D46D31-4887-4917-BDD5-591D2CAA4CCB}"/>
+                </a:ext>
+              </a:extLst>
+            </p:cNvPr>
+            <p:cNvSpPr/>
+            <p:nvPr/>
+          </p:nvSpPr>
+          <p:spPr>
+            <a:xfrm>
+              <a:off x="8962858" y="4533089"/>
+              <a:ext cx="239949" cy="220493"/>
+            </a:xfrm>
+            <a:prstGeom prst="ellipse">
+              <a:avLst/>
+            </a:prstGeom>
+          </p:spPr>
+          <p:style>
+            <a:lnRef idx="2">
+              <a:schemeClr val="accent1">
+                <a:shade val="50000"/>
+              </a:schemeClr>
+            </a:lnRef>
+            <a:fillRef idx="1">
+              <a:schemeClr val="accent1"/>
+            </a:fillRef>
+            <a:effectRef idx="0">
+              <a:schemeClr val="accent1"/>
+            </a:effectRef>
+            <a:fontRef idx="minor">
+              <a:schemeClr val="lt1"/>
+            </a:fontRef>
+          </p:style>
+          <p:txBody>
+            <a:bodyPr rtlCol="0" anchor="ctr"/>
+            <a:lstStyle/>
+            <a:p>
+              <a:pPr algn="ctr"/>
+              <a:endParaRPr lang="de-DE" sz="1200" dirty="0"/>
+            </a:p>
+          </p:txBody>
+        </p:sp>
+        <p:sp>
+          <p:nvSpPr>
+            <p:cNvPr id="44" name="Textfeld 43">
+              <a:extLst>
+                <a:ext uri="{FF2B5EF4-FFF2-40B4-BE49-F238E27FC236}">
+                  <a16:creationId xmlns:a16="http://schemas.microsoft.com/office/drawing/2014/main" id="{DECAFE78-3A17-4D3B-B626-5DF59D703607}"/>
+                </a:ext>
+              </a:extLst>
+            </p:cNvPr>
+            <p:cNvSpPr txBox="1"/>
+            <p:nvPr/>
+          </p:nvSpPr>
+          <p:spPr>
+            <a:xfrm flipH="1">
+              <a:off x="8889900" y="4512530"/>
+              <a:ext cx="435650" cy="261610"/>
+            </a:xfrm>
+            <a:prstGeom prst="rect">
+              <a:avLst/>
+            </a:prstGeom>
+            <a:noFill/>
+          </p:spPr>
+          <p:txBody>
+            <a:bodyPr wrap="square" rtlCol="0">
+              <a:spAutoFit/>
+            </a:bodyPr>
+            <a:lstStyle/>
+            <a:p>
+              <a:r>
+                <a:rPr lang="de-DE" sz="1100" dirty="0">
+                  <a:solidFill>
+                    <a:schemeClr val="bg1"/>
+                  </a:solidFill>
+                </a:rPr>
+                <a:t>101</a:t>
+              </a:r>
+            </a:p>
+          </p:txBody>
+        </p:sp>
+      </p:grpSp>
+      <p:grpSp>
+        <p:nvGrpSpPr>
+          <p:cNvPr id="51" name="Gruppieren 50">
+            <a:extLst>
+              <a:ext uri="{FF2B5EF4-FFF2-40B4-BE49-F238E27FC236}">
+                <a16:creationId xmlns:a16="http://schemas.microsoft.com/office/drawing/2014/main" id="{32B31190-666F-496A-B4B0-B2EE167F92CE}"/>
+              </a:ext>
+            </a:extLst>
+          </p:cNvPr>
+          <p:cNvGrpSpPr/>
+          <p:nvPr/>
+        </p:nvGrpSpPr>
+        <p:grpSpPr>
+          <a:xfrm>
+            <a:off x="4911701" y="6102514"/>
+            <a:ext cx="435650" cy="261610"/>
+            <a:chOff x="8889900" y="4512530"/>
+            <a:chExt cx="435650" cy="261610"/>
+          </a:xfrm>
+        </p:grpSpPr>
+        <p:sp>
+          <p:nvSpPr>
+            <p:cNvPr id="52" name="Ellipse 51">
+              <a:extLst>
+                <a:ext uri="{FF2B5EF4-FFF2-40B4-BE49-F238E27FC236}">
+                  <a16:creationId xmlns:a16="http://schemas.microsoft.com/office/drawing/2014/main" id="{F24B8028-DBAF-4E9F-AF67-438C5AC64531}"/>
+                </a:ext>
+              </a:extLst>
+            </p:cNvPr>
+            <p:cNvSpPr/>
+            <p:nvPr/>
+          </p:nvSpPr>
+          <p:spPr>
+            <a:xfrm>
+              <a:off x="8962858" y="4533089"/>
+              <a:ext cx="239949" cy="220493"/>
+            </a:xfrm>
+            <a:prstGeom prst="ellipse">
+              <a:avLst/>
+            </a:prstGeom>
+          </p:spPr>
+          <p:style>
+            <a:lnRef idx="2">
+              <a:schemeClr val="accent1">
+                <a:shade val="50000"/>
+              </a:schemeClr>
+            </a:lnRef>
+            <a:fillRef idx="1">
+              <a:schemeClr val="accent1"/>
+            </a:fillRef>
+            <a:effectRef idx="0">
+              <a:schemeClr val="accent1"/>
+            </a:effectRef>
+            <a:fontRef idx="minor">
+              <a:schemeClr val="lt1"/>
+            </a:fontRef>
+          </p:style>
+          <p:txBody>
+            <a:bodyPr rtlCol="0" anchor="ctr"/>
+            <a:lstStyle/>
+            <a:p>
+              <a:pPr algn="ctr"/>
+              <a:endParaRPr lang="de-DE" sz="1200" dirty="0"/>
+            </a:p>
+          </p:txBody>
+        </p:sp>
+        <p:sp>
+          <p:nvSpPr>
+            <p:cNvPr id="53" name="Textfeld 52">
+              <a:extLst>
+                <a:ext uri="{FF2B5EF4-FFF2-40B4-BE49-F238E27FC236}">
+                  <a16:creationId xmlns:a16="http://schemas.microsoft.com/office/drawing/2014/main" id="{9FA57AAC-7135-4EE3-BFE7-756F250C77FE}"/>
+                </a:ext>
+              </a:extLst>
+            </p:cNvPr>
+            <p:cNvSpPr txBox="1"/>
+            <p:nvPr/>
+          </p:nvSpPr>
+          <p:spPr>
+            <a:xfrm flipH="1">
+              <a:off x="8889900" y="4512530"/>
+              <a:ext cx="435650" cy="261610"/>
+            </a:xfrm>
+            <a:prstGeom prst="rect">
+              <a:avLst/>
+            </a:prstGeom>
+            <a:noFill/>
+          </p:spPr>
+          <p:txBody>
+            <a:bodyPr wrap="square" rtlCol="0">
+              <a:spAutoFit/>
+            </a:bodyPr>
+            <a:lstStyle/>
+            <a:p>
+              <a:r>
+                <a:rPr lang="de-DE" sz="1100" dirty="0">
+                  <a:solidFill>
+                    <a:schemeClr val="bg1"/>
+                  </a:solidFill>
+                </a:rPr>
+                <a:t>216</a:t>
+              </a:r>
+            </a:p>
+          </p:txBody>
+        </p:sp>
+      </p:grpSp>
+      <p:grpSp>
+        <p:nvGrpSpPr>
+          <p:cNvPr id="54" name="Gruppieren 53">
+            <a:extLst>
+              <a:ext uri="{FF2B5EF4-FFF2-40B4-BE49-F238E27FC236}">
+                <a16:creationId xmlns:a16="http://schemas.microsoft.com/office/drawing/2014/main" id="{04334024-72FA-4C50-81C1-E6728FBB29F8}"/>
+              </a:ext>
+            </a:extLst>
+          </p:cNvPr>
+          <p:cNvGrpSpPr/>
+          <p:nvPr/>
+        </p:nvGrpSpPr>
+        <p:grpSpPr>
+          <a:xfrm>
+            <a:off x="4464922" y="5872413"/>
+            <a:ext cx="435650" cy="261610"/>
+            <a:chOff x="8889900" y="4512530"/>
+            <a:chExt cx="435650" cy="261610"/>
+          </a:xfrm>
+        </p:grpSpPr>
+        <p:sp>
+          <p:nvSpPr>
+            <p:cNvPr id="55" name="Ellipse 54">
+              <a:extLst>
+                <a:ext uri="{FF2B5EF4-FFF2-40B4-BE49-F238E27FC236}">
+                  <a16:creationId xmlns:a16="http://schemas.microsoft.com/office/drawing/2014/main" id="{B947DD5E-F55A-4271-BCF2-81E7183688E4}"/>
+                </a:ext>
+              </a:extLst>
+            </p:cNvPr>
+            <p:cNvSpPr/>
+            <p:nvPr/>
+          </p:nvSpPr>
+          <p:spPr>
+            <a:xfrm>
+              <a:off x="8962858" y="4533089"/>
+              <a:ext cx="239949" cy="220493"/>
+            </a:xfrm>
+            <a:prstGeom prst="ellipse">
+              <a:avLst/>
+            </a:prstGeom>
+          </p:spPr>
+          <p:style>
+            <a:lnRef idx="2">
+              <a:schemeClr val="accent1">
+                <a:shade val="50000"/>
+              </a:schemeClr>
+            </a:lnRef>
+            <a:fillRef idx="1">
+              <a:schemeClr val="accent1"/>
+            </a:fillRef>
+            <a:effectRef idx="0">
+              <a:schemeClr val="accent1"/>
+            </a:effectRef>
+            <a:fontRef idx="minor">
+              <a:schemeClr val="lt1"/>
+            </a:fontRef>
+          </p:style>
+          <p:txBody>
+            <a:bodyPr rtlCol="0" anchor="ctr"/>
+            <a:lstStyle/>
+            <a:p>
+              <a:pPr algn="ctr"/>
+              <a:endParaRPr lang="de-DE" sz="1200" dirty="0"/>
+            </a:p>
+          </p:txBody>
+        </p:sp>
+        <p:sp>
+          <p:nvSpPr>
+            <p:cNvPr id="56" name="Textfeld 55">
+              <a:extLst>
+                <a:ext uri="{FF2B5EF4-FFF2-40B4-BE49-F238E27FC236}">
+                  <a16:creationId xmlns:a16="http://schemas.microsoft.com/office/drawing/2014/main" id="{FA2D8AA9-A1B5-471C-8597-2B7C85804AA2}"/>
+                </a:ext>
+              </a:extLst>
+            </p:cNvPr>
+            <p:cNvSpPr txBox="1"/>
+            <p:nvPr/>
+          </p:nvSpPr>
+          <p:spPr>
+            <a:xfrm flipH="1">
+              <a:off x="8889900" y="4512530"/>
+              <a:ext cx="435650" cy="261610"/>
+            </a:xfrm>
+            <a:prstGeom prst="rect">
+              <a:avLst/>
+            </a:prstGeom>
+            <a:noFill/>
+          </p:spPr>
+          <p:txBody>
+            <a:bodyPr wrap="square" rtlCol="0">
+              <a:spAutoFit/>
+            </a:bodyPr>
+            <a:lstStyle/>
+            <a:p>
+              <a:r>
+                <a:rPr lang="de-DE" sz="1100" dirty="0">
+                  <a:solidFill>
+                    <a:schemeClr val="bg1"/>
+                  </a:solidFill>
+                </a:rPr>
+                <a:t>223</a:t>
+              </a:r>
+            </a:p>
+          </p:txBody>
+        </p:sp>
+      </p:grpSp>
+    </p:spTree>
+    <p:extLst>
+      <p:ext uri="{BB962C8B-B14F-4D97-AF65-F5344CB8AC3E}">
+        <p14:creationId xmlns:p14="http://schemas.microsoft.com/office/powerpoint/2010/main" val="1121573286"/>
+      </p:ext>
+    </p:extLst>
+  </p:cSld>
+  <p:clrMapOvr>
+    <a:masterClrMapping/>
+  </p:clrMapOvr>
+</p:sld>
+</file>
+
+<file path=ppt/slides/slide13.xml><?xml version="1.0" encoding="utf-8"?>
+<p:sld xmlns:a="http://schemas.openxmlformats.org/drawingml/2006/main" xmlns:r="http://schemas.openxmlformats.org/officeDocument/2006/relationships" xmlns:p="http://schemas.openxmlformats.org/presentationml/2006/main">
+  <p:cSld>
+    <p:spTree>
+      <p:nvGrpSpPr>
+        <p:cNvPr id="1" name=""/>
+        <p:cNvGrpSpPr/>
+        <p:nvPr/>
+      </p:nvGrpSpPr>
+      <p:grpSpPr>
+        <a:xfrm>
+          <a:off x="0" y="0"/>
+          <a:ext cx="0" cy="0"/>
+          <a:chOff x="0" y="0"/>
+          <a:chExt cx="0" cy="0"/>
+        </a:xfrm>
+      </p:grpSpPr>
+      <p:sp>
+        <p:nvSpPr>
+          <p:cNvPr id="2" name="Titel 1">
+            <a:extLst>
+              <a:ext uri="{FF2B5EF4-FFF2-40B4-BE49-F238E27FC236}">
+                <a16:creationId xmlns:a16="http://schemas.microsoft.com/office/drawing/2014/main" id="{51C253C8-E1CB-4AC7-9706-5F59B4AFF561}"/>
+              </a:ext>
+            </a:extLst>
+          </p:cNvPr>
+          <p:cNvSpPr>
+            <a:spLocks noGrp="1"/>
+          </p:cNvSpPr>
+          <p:nvPr>
+            <p:ph type="title"/>
+          </p:nvPr>
+        </p:nvSpPr>
+        <p:spPr/>
+        <p:txBody>
+          <a:bodyPr/>
+          <a:lstStyle/>
+          <a:p>
+            <a:r>
+              <a:rPr lang="de-DE" dirty="0"/>
+              <a:t>Interaction </a:t>
+            </a:r>
+            <a:r>
+              <a:rPr lang="de-DE" dirty="0" err="1"/>
+              <a:t>Describing</a:t>
+            </a:r>
+            <a:r>
+              <a:rPr lang="de-DE" dirty="0"/>
+              <a:t> </a:t>
+            </a:r>
+            <a:r>
+              <a:rPr lang="de-DE" dirty="0" err="1"/>
+              <a:t>Component</a:t>
+            </a:r>
+            <a:endParaRPr lang="de-DE" dirty="0"/>
+          </a:p>
+        </p:txBody>
+      </p:sp>
+      <p:pic>
+        <p:nvPicPr>
           <p:cNvPr id="8" name="Grafik 7">
             <a:extLst>
               <a:ext uri="{FF2B5EF4-FFF2-40B4-BE49-F238E27FC236}">
@@ -4589,7 +6872,7 @@
                     <a:schemeClr val="bg1"/>
                   </a:solidFill>
                 </a:rPr>
-                <a:t>226</a:t>
+                <a:t>227</a:t>
               </a:r>
             </a:p>
           </p:txBody>
@@ -5013,7 +7296,7 @@
                     <a:schemeClr val="bg1"/>
                   </a:solidFill>
                 </a:rPr>
-                <a:t>223</a:t>
+                <a:t>224</a:t>
               </a:r>
             </a:p>
           </p:txBody>
@@ -5543,7 +7826,7 @@
                     <a:schemeClr val="bg1"/>
                   </a:solidFill>
                 </a:rPr>
-                <a:t>235</a:t>
+                <a:t>236</a:t>
               </a:r>
             </a:p>
           </p:txBody>
@@ -5861,7 +8144,7 @@
                     <a:schemeClr val="bg1"/>
                   </a:solidFill>
                 </a:rPr>
-                <a:t>235</a:t>
+                <a:t>236</a:t>
               </a:r>
             </a:p>
           </p:txBody>
@@ -6305,9 +8588,9 @@
         </p:nvGrpSpPr>
         <p:grpSpPr>
           <a:xfrm>
-            <a:off x="7422355" y="3746901"/>
+            <a:off x="7431980" y="3746901"/>
             <a:ext cx="435650" cy="261610"/>
-            <a:chOff x="8889900" y="4512530"/>
+            <a:chOff x="8899525" y="4512530"/>
             <a:chExt cx="435650" cy="261610"/>
           </a:xfrm>
         </p:grpSpPr>
@@ -6371,7 +8654,7 @@
           </p:nvSpPr>
           <p:spPr>
             <a:xfrm flipH="1">
-              <a:off x="8889900" y="4512530"/>
+              <a:off x="8899525" y="4512530"/>
               <a:ext cx="435650" cy="261610"/>
             </a:xfrm>
             <a:prstGeom prst="rect">
@@ -6391,7 +8674,7 @@
                     <a:schemeClr val="bg1"/>
                   </a:solidFill>
                 </a:rPr>
-                <a:t>235</a:t>
+                <a:t>236</a:t>
               </a:r>
             </a:p>
           </p:txBody>
@@ -6497,7 +8780,7 @@
                     <a:schemeClr val="bg1"/>
                   </a:solidFill>
                 </a:rPr>
-                <a:t>235</a:t>
+                <a:t>236</a:t>
               </a:r>
             </a:p>
           </p:txBody>
@@ -6603,7 +8886,7 @@
                     <a:schemeClr val="bg1"/>
                   </a:solidFill>
                 </a:rPr>
-                <a:t>235</a:t>
+                <a:t>236</a:t>
               </a:r>
             </a:p>
           </p:txBody>
@@ -6728,7 +9011,333 @@
 </p:sld>
 </file>
 
-<file path=ppt/slides/slide12.xml><?xml version="1.0" encoding="utf-8"?>
+<file path=ppt/slides/slide14.xml><?xml version="1.0" encoding="utf-8"?>
+<p:sld xmlns:a="http://schemas.openxmlformats.org/drawingml/2006/main" xmlns:r="http://schemas.openxmlformats.org/officeDocument/2006/relationships" xmlns:p="http://schemas.openxmlformats.org/presentationml/2006/main">
+  <p:cSld>
+    <p:spTree>
+      <p:nvGrpSpPr>
+        <p:cNvPr id="1" name=""/>
+        <p:cNvGrpSpPr/>
+        <p:nvPr/>
+      </p:nvGrpSpPr>
+      <p:grpSpPr>
+        <a:xfrm>
+          <a:off x="0" y="0"/>
+          <a:ext cx="0" cy="0"/>
+          <a:chOff x="0" y="0"/>
+          <a:chExt cx="0" cy="0"/>
+        </a:xfrm>
+      </p:grpSpPr>
+      <p:sp>
+        <p:nvSpPr>
+          <p:cNvPr id="2" name="Titel 1">
+            <a:extLst>
+              <a:ext uri="{FF2B5EF4-FFF2-40B4-BE49-F238E27FC236}">
+                <a16:creationId xmlns:a16="http://schemas.microsoft.com/office/drawing/2014/main" id="{6485D5EF-61D0-40E6-B99A-9DE65C336821}"/>
+              </a:ext>
+            </a:extLst>
+          </p:cNvPr>
+          <p:cNvSpPr>
+            <a:spLocks noGrp="1"/>
+          </p:cNvSpPr>
+          <p:nvPr>
+            <p:ph type="title"/>
+          </p:nvPr>
+        </p:nvSpPr>
+        <p:spPr/>
+        <p:txBody>
+          <a:bodyPr/>
+          <a:lstStyle/>
+          <a:p>
+            <a:r>
+              <a:rPr lang="de-DE" dirty="0"/>
+              <a:t>Data</a:t>
+            </a:r>
+          </a:p>
+        </p:txBody>
+      </p:sp>
+      <p:pic>
+        <p:nvPicPr>
+          <p:cNvPr id="4" name="Grafik 3">
+            <a:extLst>
+              <a:ext uri="{FF2B5EF4-FFF2-40B4-BE49-F238E27FC236}">
+                <a16:creationId xmlns:a16="http://schemas.microsoft.com/office/drawing/2014/main" id="{0069EA7B-602B-499D-9D9D-34A9E65CE83E}"/>
+              </a:ext>
+            </a:extLst>
+          </p:cNvPr>
+          <p:cNvPicPr>
+            <a:picLocks noChangeAspect="1"/>
+          </p:cNvPicPr>
+          <p:nvPr/>
+        </p:nvPicPr>
+        <p:blipFill rotWithShape="1">
+          <a:blip r:embed="rId2">
+            <a:extLst>
+              <a:ext uri="{28A0092B-C50C-407E-A947-70E740481C1C}">
+                <a14:useLocalDpi xmlns:a14="http://schemas.microsoft.com/office/drawing/2010/main" val="0"/>
+              </a:ext>
+            </a:extLst>
+          </a:blip>
+          <a:srcRect l="13274" t="12248" r="43631" b="31093"/>
+          <a:stretch/>
+        </p:blipFill>
+        <p:spPr>
+          <a:xfrm>
+            <a:off x="1618342" y="1233714"/>
+            <a:ext cx="5254171" cy="3294743"/>
+          </a:xfrm>
+          <a:prstGeom prst="rect">
+            <a:avLst/>
+          </a:prstGeom>
+        </p:spPr>
+      </p:pic>
+    </p:spTree>
+    <p:extLst>
+      <p:ext uri="{BB962C8B-B14F-4D97-AF65-F5344CB8AC3E}">
+        <p14:creationId xmlns:p14="http://schemas.microsoft.com/office/powerpoint/2010/main" val="3144022678"/>
+      </p:ext>
+    </p:extLst>
+  </p:cSld>
+  <p:clrMapOvr>
+    <a:masterClrMapping/>
+  </p:clrMapOvr>
+</p:sld>
+</file>
+
+<file path=ppt/slides/slide15.xml><?xml version="1.0" encoding="utf-8"?>
+<p:sld xmlns:a="http://schemas.openxmlformats.org/drawingml/2006/main" xmlns:r="http://schemas.openxmlformats.org/officeDocument/2006/relationships" xmlns:p="http://schemas.openxmlformats.org/presentationml/2006/main">
+  <p:cSld>
+    <p:spTree>
+      <p:nvGrpSpPr>
+        <p:cNvPr id="1" name=""/>
+        <p:cNvGrpSpPr/>
+        <p:nvPr/>
+      </p:nvGrpSpPr>
+      <p:grpSpPr>
+        <a:xfrm>
+          <a:off x="0" y="0"/>
+          <a:ext cx="0" cy="0"/>
+          <a:chOff x="0" y="0"/>
+          <a:chExt cx="0" cy="0"/>
+        </a:xfrm>
+      </p:grpSpPr>
+      <p:sp>
+        <p:nvSpPr>
+          <p:cNvPr id="2" name="Titel 1">
+            <a:extLst>
+              <a:ext uri="{FF2B5EF4-FFF2-40B4-BE49-F238E27FC236}">
+                <a16:creationId xmlns:a16="http://schemas.microsoft.com/office/drawing/2014/main" id="{F9485527-6620-42DE-89EB-2BDBF95801BF}"/>
+              </a:ext>
+            </a:extLst>
+          </p:cNvPr>
+          <p:cNvSpPr>
+            <a:spLocks noGrp="1"/>
+          </p:cNvSpPr>
+          <p:nvPr>
+            <p:ph type="title"/>
+          </p:nvPr>
+        </p:nvSpPr>
+        <p:spPr/>
+        <p:txBody>
+          <a:bodyPr/>
+          <a:lstStyle/>
+          <a:p>
+            <a:r>
+              <a:rPr lang="de-DE" dirty="0" err="1"/>
+              <a:t>Subject</a:t>
+            </a:r>
+            <a:r>
+              <a:rPr lang="de-DE" dirty="0"/>
+              <a:t> </a:t>
+            </a:r>
+            <a:r>
+              <a:rPr lang="de-DE" dirty="0" err="1"/>
+              <a:t>Behavior</a:t>
+            </a:r>
+            <a:endParaRPr lang="de-DE" dirty="0"/>
+          </a:p>
+        </p:txBody>
+      </p:sp>
+      <p:pic>
+        <p:nvPicPr>
+          <p:cNvPr id="4" name="Grafik 3">
+            <a:extLst>
+              <a:ext uri="{FF2B5EF4-FFF2-40B4-BE49-F238E27FC236}">
+                <a16:creationId xmlns:a16="http://schemas.microsoft.com/office/drawing/2014/main" id="{97344F08-1CB0-4BF9-B84B-B60AEE50378C}"/>
+              </a:ext>
+            </a:extLst>
+          </p:cNvPr>
+          <p:cNvPicPr>
+            <a:picLocks noChangeAspect="1"/>
+          </p:cNvPicPr>
+          <p:nvPr/>
+        </p:nvPicPr>
+        <p:blipFill rotWithShape="1">
+          <a:blip r:embed="rId2">
+            <a:extLst>
+              <a:ext uri="{28A0092B-C50C-407E-A947-70E740481C1C}">
+                <a14:useLocalDpi xmlns:a14="http://schemas.microsoft.com/office/drawing/2010/main" val="0"/>
+              </a:ext>
+            </a:extLst>
+          </a:blip>
+          <a:srcRect l="5264" t="7512" r="-2453" b="60847"/>
+          <a:stretch/>
+        </p:blipFill>
+        <p:spPr>
+          <a:xfrm>
+            <a:off x="2779486" y="2293256"/>
+            <a:ext cx="5392057" cy="2169887"/>
+          </a:xfrm>
+          <a:prstGeom prst="rect">
+            <a:avLst/>
+          </a:prstGeom>
+        </p:spPr>
+      </p:pic>
+    </p:spTree>
+    <p:extLst>
+      <p:ext uri="{BB962C8B-B14F-4D97-AF65-F5344CB8AC3E}">
+        <p14:creationId xmlns:p14="http://schemas.microsoft.com/office/powerpoint/2010/main" val="1708331226"/>
+      </p:ext>
+    </p:extLst>
+  </p:cSld>
+  <p:clrMapOvr>
+    <a:masterClrMapping/>
+  </p:clrMapOvr>
+</p:sld>
+</file>
+
+<file path=ppt/slides/slide16.xml><?xml version="1.0" encoding="utf-8"?>
+<p:sld xmlns:a="http://schemas.openxmlformats.org/drawingml/2006/main" xmlns:r="http://schemas.openxmlformats.org/officeDocument/2006/relationships" xmlns:p="http://schemas.openxmlformats.org/presentationml/2006/main">
+  <p:cSld>
+    <p:spTree>
+      <p:nvGrpSpPr>
+        <p:cNvPr id="1" name=""/>
+        <p:cNvGrpSpPr/>
+        <p:nvPr/>
+      </p:nvGrpSpPr>
+      <p:grpSpPr>
+        <a:xfrm>
+          <a:off x="0" y="0"/>
+          <a:ext cx="0" cy="0"/>
+          <a:chOff x="0" y="0"/>
+          <a:chExt cx="0" cy="0"/>
+        </a:xfrm>
+      </p:grpSpPr>
+      <p:sp>
+        <p:nvSpPr>
+          <p:cNvPr id="2" name="Titel 1">
+            <a:extLst>
+              <a:ext uri="{FF2B5EF4-FFF2-40B4-BE49-F238E27FC236}">
+                <a16:creationId xmlns:a16="http://schemas.microsoft.com/office/drawing/2014/main" id="{67EB694C-71AB-492E-A86E-77FDE4886B78}"/>
+              </a:ext>
+            </a:extLst>
+          </p:cNvPr>
+          <p:cNvSpPr>
+            <a:spLocks noGrp="1"/>
+          </p:cNvSpPr>
+          <p:nvPr>
+            <p:ph type="title"/>
+          </p:nvPr>
+        </p:nvSpPr>
+        <p:spPr>
+          <a:xfrm>
+            <a:off x="838200" y="365125"/>
+            <a:ext cx="6056586" cy="423151"/>
+          </a:xfrm>
+        </p:spPr>
+        <p:txBody>
+          <a:bodyPr>
+            <a:normAutofit/>
+          </a:bodyPr>
+          <a:lstStyle/>
+          <a:p>
+            <a:r>
+              <a:rPr lang="de-DE" sz="1600" dirty="0" err="1"/>
+              <a:t>SubjectBaseBehavior</a:t>
+            </a:r>
+            <a:endParaRPr lang="de-DE" sz="1600" dirty="0"/>
+          </a:p>
+        </p:txBody>
+      </p:sp>
+      <p:pic>
+        <p:nvPicPr>
+          <p:cNvPr id="4" name="Grafik 3">
+            <a:extLst>
+              <a:ext uri="{FF2B5EF4-FFF2-40B4-BE49-F238E27FC236}">
+                <a16:creationId xmlns:a16="http://schemas.microsoft.com/office/drawing/2014/main" id="{E52811FD-F8AF-4568-B300-0B1B43FA7CCE}"/>
+              </a:ext>
+            </a:extLst>
+          </p:cNvPr>
+          <p:cNvPicPr>
+            <a:picLocks noChangeAspect="1"/>
+          </p:cNvPicPr>
+          <p:nvPr/>
+        </p:nvPicPr>
+        <p:blipFill rotWithShape="1">
+          <a:blip r:embed="rId2">
+            <a:extLst>
+              <a:ext uri="{28A0092B-C50C-407E-A947-70E740481C1C}">
+                <a14:useLocalDpi xmlns:a14="http://schemas.microsoft.com/office/drawing/2010/main" val="0"/>
+              </a:ext>
+            </a:extLst>
+          </a:blip>
+          <a:srcRect l="5517" t="6546" r="4742" b="7592"/>
+          <a:stretch/>
+        </p:blipFill>
+        <p:spPr>
+          <a:xfrm>
+            <a:off x="0" y="880351"/>
+            <a:ext cx="10941269" cy="5612524"/>
+          </a:xfrm>
+          <a:prstGeom prst="rect">
+            <a:avLst/>
+          </a:prstGeom>
+        </p:spPr>
+      </p:pic>
+      <p:pic>
+        <p:nvPicPr>
+          <p:cNvPr id="5" name="Grafik 4">
+            <a:extLst>
+              <a:ext uri="{FF2B5EF4-FFF2-40B4-BE49-F238E27FC236}">
+                <a16:creationId xmlns:a16="http://schemas.microsoft.com/office/drawing/2014/main" id="{2EED845E-CCFF-477A-99C4-74E29ED1F7F7}"/>
+              </a:ext>
+            </a:extLst>
+          </p:cNvPr>
+          <p:cNvPicPr>
+            <a:picLocks noChangeAspect="1"/>
+          </p:cNvPicPr>
+          <p:nvPr/>
+        </p:nvPicPr>
+        <p:blipFill>
+          <a:blip r:embed="rId3"/>
+          <a:stretch>
+            <a:fillRect/>
+          </a:stretch>
+        </p:blipFill>
+        <p:spPr>
+          <a:xfrm>
+            <a:off x="7514463" y="497600"/>
+            <a:ext cx="3633072" cy="2368933"/>
+          </a:xfrm>
+          <a:prstGeom prst="rect">
+            <a:avLst/>
+          </a:prstGeom>
+        </p:spPr>
+      </p:pic>
+    </p:spTree>
+    <p:extLst>
+      <p:ext uri="{BB962C8B-B14F-4D97-AF65-F5344CB8AC3E}">
+        <p14:creationId xmlns:p14="http://schemas.microsoft.com/office/powerpoint/2010/main" val="1636160901"/>
+      </p:ext>
+    </p:extLst>
+  </p:cSld>
+  <p:clrMapOvr>
+    <a:masterClrMapping/>
+  </p:clrMapOvr>
+</p:sld>
+</file>
+
+<file path=ppt/slides/slide17.xml><?xml version="1.0" encoding="utf-8"?>
 <p:sld xmlns:a="http://schemas.openxmlformats.org/drawingml/2006/main" xmlns:r="http://schemas.openxmlformats.org/officeDocument/2006/relationships" xmlns:p="http://schemas.openxmlformats.org/presentationml/2006/main">
   <p:cSld>
     <p:spTree>

--- a/PASS-STandardisierungsdokument/20181026-Ontologie-Bilder/20181206 Bilder PASS Ontologie.pptx
+++ b/PASS-STandardisierungsdokument/20181026-Ontologie-Bilder/20181206 Bilder PASS Ontologie.pptx
@@ -19,9 +19,10 @@
     <p:sldId id="272" r:id="rId13"/>
     <p:sldId id="267" r:id="rId14"/>
     <p:sldId id="270" r:id="rId15"/>
-    <p:sldId id="269" r:id="rId16"/>
-    <p:sldId id="268" r:id="rId17"/>
-    <p:sldId id="263" r:id="rId18"/>
+    <p:sldId id="273" r:id="rId16"/>
+    <p:sldId id="269" r:id="rId17"/>
+    <p:sldId id="268" r:id="rId18"/>
+    <p:sldId id="263" r:id="rId19"/>
   </p:sldIdLst>
   <p:sldSz cx="12192000" cy="6858000"/>
   <p:notesSz cx="6858000" cy="9945688"/>
@@ -286,7 +287,7 @@
           <a:p>
             <a:fld id="{FAC7D415-4FCB-40B8-AFE4-66E5B3A59286}" type="datetimeFigureOut">
               <a:rPr lang="de-DE" smtClean="0"/>
-              <a:t>17.12.2018</a:t>
+              <a:t>18.12.2018</a:t>
             </a:fld>
             <a:endParaRPr lang="de-DE"/>
           </a:p>
@@ -484,7 +485,7 @@
           <a:p>
             <a:fld id="{FAC7D415-4FCB-40B8-AFE4-66E5B3A59286}" type="datetimeFigureOut">
               <a:rPr lang="de-DE" smtClean="0"/>
-              <a:t>17.12.2018</a:t>
+              <a:t>18.12.2018</a:t>
             </a:fld>
             <a:endParaRPr lang="de-DE"/>
           </a:p>
@@ -692,7 +693,7 @@
           <a:p>
             <a:fld id="{FAC7D415-4FCB-40B8-AFE4-66E5B3A59286}" type="datetimeFigureOut">
               <a:rPr lang="de-DE" smtClean="0"/>
-              <a:t>17.12.2018</a:t>
+              <a:t>18.12.2018</a:t>
             </a:fld>
             <a:endParaRPr lang="de-DE"/>
           </a:p>
@@ -890,7 +891,7 @@
           <a:p>
             <a:fld id="{FAC7D415-4FCB-40B8-AFE4-66E5B3A59286}" type="datetimeFigureOut">
               <a:rPr lang="de-DE" smtClean="0"/>
-              <a:t>17.12.2018</a:t>
+              <a:t>18.12.2018</a:t>
             </a:fld>
             <a:endParaRPr lang="de-DE"/>
           </a:p>
@@ -1165,7 +1166,7 @@
           <a:p>
             <a:fld id="{FAC7D415-4FCB-40B8-AFE4-66E5B3A59286}" type="datetimeFigureOut">
               <a:rPr lang="de-DE" smtClean="0"/>
-              <a:t>17.12.2018</a:t>
+              <a:t>18.12.2018</a:t>
             </a:fld>
             <a:endParaRPr lang="de-DE"/>
           </a:p>
@@ -1430,7 +1431,7 @@
           <a:p>
             <a:fld id="{FAC7D415-4FCB-40B8-AFE4-66E5B3A59286}" type="datetimeFigureOut">
               <a:rPr lang="de-DE" smtClean="0"/>
-              <a:t>17.12.2018</a:t>
+              <a:t>18.12.2018</a:t>
             </a:fld>
             <a:endParaRPr lang="de-DE"/>
           </a:p>
@@ -1842,7 +1843,7 @@
           <a:p>
             <a:fld id="{FAC7D415-4FCB-40B8-AFE4-66E5B3A59286}" type="datetimeFigureOut">
               <a:rPr lang="de-DE" smtClean="0"/>
-              <a:t>17.12.2018</a:t>
+              <a:t>18.12.2018</a:t>
             </a:fld>
             <a:endParaRPr lang="de-DE"/>
           </a:p>
@@ -1983,7 +1984,7 @@
           <a:p>
             <a:fld id="{FAC7D415-4FCB-40B8-AFE4-66E5B3A59286}" type="datetimeFigureOut">
               <a:rPr lang="de-DE" smtClean="0"/>
-              <a:t>17.12.2018</a:t>
+              <a:t>18.12.2018</a:t>
             </a:fld>
             <a:endParaRPr lang="de-DE"/>
           </a:p>
@@ -2096,7 +2097,7 @@
           <a:p>
             <a:fld id="{FAC7D415-4FCB-40B8-AFE4-66E5B3A59286}" type="datetimeFigureOut">
               <a:rPr lang="de-DE" smtClean="0"/>
-              <a:t>17.12.2018</a:t>
+              <a:t>18.12.2018</a:t>
             </a:fld>
             <a:endParaRPr lang="de-DE"/>
           </a:p>
@@ -2407,7 +2408,7 @@
           <a:p>
             <a:fld id="{FAC7D415-4FCB-40B8-AFE4-66E5B3A59286}" type="datetimeFigureOut">
               <a:rPr lang="de-DE" smtClean="0"/>
-              <a:t>17.12.2018</a:t>
+              <a:t>18.12.2018</a:t>
             </a:fld>
             <a:endParaRPr lang="de-DE"/>
           </a:p>
@@ -2695,7 +2696,7 @@
           <a:p>
             <a:fld id="{FAC7D415-4FCB-40B8-AFE4-66E5B3A59286}" type="datetimeFigureOut">
               <a:rPr lang="de-DE" smtClean="0"/>
-              <a:t>17.12.2018</a:t>
+              <a:t>18.12.2018</a:t>
             </a:fld>
             <a:endParaRPr lang="de-DE"/>
           </a:p>
@@ -2936,7 +2937,7 @@
           <a:p>
             <a:fld id="{FAC7D415-4FCB-40B8-AFE4-66E5B3A59286}" type="datetimeFigureOut">
               <a:rPr lang="de-DE" smtClean="0"/>
-              <a:t>17.12.2018</a:t>
+              <a:t>18.12.2018</a:t>
             </a:fld>
             <a:endParaRPr lang="de-DE"/>
           </a:p>
@@ -9058,10 +9059,10 @@
       </p:sp>
       <p:pic>
         <p:nvPicPr>
-          <p:cNvPr id="4" name="Grafik 3">
-            <a:extLst>
-              <a:ext uri="{FF2B5EF4-FFF2-40B4-BE49-F238E27FC236}">
-                <a16:creationId xmlns:a16="http://schemas.microsoft.com/office/drawing/2014/main" id="{0069EA7B-602B-499D-9D9D-34A9E65CE83E}"/>
+          <p:cNvPr id="5" name="Grafik 4">
+            <a:extLst>
+              <a:ext uri="{FF2B5EF4-FFF2-40B4-BE49-F238E27FC236}">
+                <a16:creationId xmlns:a16="http://schemas.microsoft.com/office/drawing/2014/main" id="{1753DF3B-9B33-477E-9DE1-71A37763325D}"/>
               </a:ext>
             </a:extLst>
           </p:cNvPr>
@@ -9078,19 +9079,1609 @@
               </a:ext>
             </a:extLst>
           </a:blip>
-          <a:srcRect l="13274" t="12248" r="43631" b="31093"/>
+          <a:srcRect l="5418" t="24652" r="7725" b="23545"/>
           <a:stretch/>
         </p:blipFill>
         <p:spPr>
           <a:xfrm>
-            <a:off x="1618342" y="1233714"/>
-            <a:ext cx="5254171" cy="3294743"/>
+            <a:off x="381965" y="1832066"/>
+            <a:ext cx="8426369" cy="3552644"/>
           </a:xfrm>
           <a:prstGeom prst="rect">
             <a:avLst/>
           </a:prstGeom>
         </p:spPr>
       </p:pic>
+      <p:grpSp>
+        <p:nvGrpSpPr>
+          <p:cNvPr id="6" name="Gruppieren 5">
+            <a:extLst>
+              <a:ext uri="{FF2B5EF4-FFF2-40B4-BE49-F238E27FC236}">
+                <a16:creationId xmlns:a16="http://schemas.microsoft.com/office/drawing/2014/main" id="{3009AB03-9FCF-4773-BC9F-0F9023A0B94A}"/>
+              </a:ext>
+            </a:extLst>
+          </p:cNvPr>
+          <p:cNvGrpSpPr/>
+          <p:nvPr/>
+        </p:nvGrpSpPr>
+        <p:grpSpPr>
+          <a:xfrm>
+            <a:off x="5255563" y="2317967"/>
+            <a:ext cx="435650" cy="261610"/>
+            <a:chOff x="8889900" y="4512530"/>
+            <a:chExt cx="435650" cy="261610"/>
+          </a:xfrm>
+        </p:grpSpPr>
+        <p:sp>
+          <p:nvSpPr>
+            <p:cNvPr id="7" name="Ellipse 6">
+              <a:extLst>
+                <a:ext uri="{FF2B5EF4-FFF2-40B4-BE49-F238E27FC236}">
+                  <a16:creationId xmlns:a16="http://schemas.microsoft.com/office/drawing/2014/main" id="{8113593C-E5FA-4C04-B3FC-4E13E0F71801}"/>
+                </a:ext>
+              </a:extLst>
+            </p:cNvPr>
+            <p:cNvSpPr/>
+            <p:nvPr/>
+          </p:nvSpPr>
+          <p:spPr>
+            <a:xfrm>
+              <a:off x="8962858" y="4533089"/>
+              <a:ext cx="239949" cy="220493"/>
+            </a:xfrm>
+            <a:prstGeom prst="ellipse">
+              <a:avLst/>
+            </a:prstGeom>
+          </p:spPr>
+          <p:style>
+            <a:lnRef idx="2">
+              <a:schemeClr val="accent1">
+                <a:shade val="50000"/>
+              </a:schemeClr>
+            </a:lnRef>
+            <a:fillRef idx="1">
+              <a:schemeClr val="accent1"/>
+            </a:fillRef>
+            <a:effectRef idx="0">
+              <a:schemeClr val="accent1"/>
+            </a:effectRef>
+            <a:fontRef idx="minor">
+              <a:schemeClr val="lt1"/>
+            </a:fontRef>
+          </p:style>
+          <p:txBody>
+            <a:bodyPr rtlCol="0" anchor="ctr"/>
+            <a:lstStyle/>
+            <a:p>
+              <a:pPr algn="ctr"/>
+              <a:endParaRPr lang="de-DE" sz="1200" dirty="0"/>
+            </a:p>
+          </p:txBody>
+        </p:sp>
+        <p:sp>
+          <p:nvSpPr>
+            <p:cNvPr id="8" name="Textfeld 7">
+              <a:extLst>
+                <a:ext uri="{FF2B5EF4-FFF2-40B4-BE49-F238E27FC236}">
+                  <a16:creationId xmlns:a16="http://schemas.microsoft.com/office/drawing/2014/main" id="{0E01827D-0D9D-4ECA-9AAF-BEB00B87F5E5}"/>
+                </a:ext>
+              </a:extLst>
+            </p:cNvPr>
+            <p:cNvSpPr txBox="1"/>
+            <p:nvPr/>
+          </p:nvSpPr>
+          <p:spPr>
+            <a:xfrm flipH="1">
+              <a:off x="8889900" y="4512530"/>
+              <a:ext cx="435650" cy="261610"/>
+            </a:xfrm>
+            <a:prstGeom prst="rect">
+              <a:avLst/>
+            </a:prstGeom>
+            <a:noFill/>
+          </p:spPr>
+          <p:txBody>
+            <a:bodyPr wrap="square" rtlCol="0">
+              <a:spAutoFit/>
+            </a:bodyPr>
+            <a:lstStyle/>
+            <a:p>
+              <a:r>
+                <a:rPr lang="de-DE" sz="1100" dirty="0">
+                  <a:solidFill>
+                    <a:schemeClr val="bg1"/>
+                  </a:solidFill>
+                </a:rPr>
+                <a:t>066</a:t>
+              </a:r>
+            </a:p>
+          </p:txBody>
+        </p:sp>
+      </p:grpSp>
+      <p:grpSp>
+        <p:nvGrpSpPr>
+          <p:cNvPr id="9" name="Gruppieren 8">
+            <a:extLst>
+              <a:ext uri="{FF2B5EF4-FFF2-40B4-BE49-F238E27FC236}">
+                <a16:creationId xmlns:a16="http://schemas.microsoft.com/office/drawing/2014/main" id="{B0F18097-9B63-47A8-A52E-B25C7B01F5B1}"/>
+              </a:ext>
+            </a:extLst>
+          </p:cNvPr>
+          <p:cNvGrpSpPr/>
+          <p:nvPr/>
+        </p:nvGrpSpPr>
+        <p:grpSpPr>
+          <a:xfrm>
+            <a:off x="3481579" y="2317967"/>
+            <a:ext cx="435650" cy="261610"/>
+            <a:chOff x="8889900" y="4512530"/>
+            <a:chExt cx="435650" cy="261610"/>
+          </a:xfrm>
+        </p:grpSpPr>
+        <p:sp>
+          <p:nvSpPr>
+            <p:cNvPr id="10" name="Ellipse 9">
+              <a:extLst>
+                <a:ext uri="{FF2B5EF4-FFF2-40B4-BE49-F238E27FC236}">
+                  <a16:creationId xmlns:a16="http://schemas.microsoft.com/office/drawing/2014/main" id="{72BF5BBB-8498-4481-BA7B-1482DD869551}"/>
+                </a:ext>
+              </a:extLst>
+            </p:cNvPr>
+            <p:cNvSpPr/>
+            <p:nvPr/>
+          </p:nvSpPr>
+          <p:spPr>
+            <a:xfrm>
+              <a:off x="8962858" y="4533089"/>
+              <a:ext cx="239949" cy="220493"/>
+            </a:xfrm>
+            <a:prstGeom prst="ellipse">
+              <a:avLst/>
+            </a:prstGeom>
+          </p:spPr>
+          <p:style>
+            <a:lnRef idx="2">
+              <a:schemeClr val="accent1">
+                <a:shade val="50000"/>
+              </a:schemeClr>
+            </a:lnRef>
+            <a:fillRef idx="1">
+              <a:schemeClr val="accent1"/>
+            </a:fillRef>
+            <a:effectRef idx="0">
+              <a:schemeClr val="accent1"/>
+            </a:effectRef>
+            <a:fontRef idx="minor">
+              <a:schemeClr val="lt1"/>
+            </a:fontRef>
+          </p:style>
+          <p:txBody>
+            <a:bodyPr rtlCol="0" anchor="ctr"/>
+            <a:lstStyle/>
+            <a:p>
+              <a:pPr algn="ctr"/>
+              <a:endParaRPr lang="de-DE" sz="1200" dirty="0"/>
+            </a:p>
+          </p:txBody>
+        </p:sp>
+        <p:sp>
+          <p:nvSpPr>
+            <p:cNvPr id="11" name="Textfeld 10">
+              <a:extLst>
+                <a:ext uri="{FF2B5EF4-FFF2-40B4-BE49-F238E27FC236}">
+                  <a16:creationId xmlns:a16="http://schemas.microsoft.com/office/drawing/2014/main" id="{60A421AA-20CC-41CD-BF35-EB6D0642F303}"/>
+                </a:ext>
+              </a:extLst>
+            </p:cNvPr>
+            <p:cNvSpPr txBox="1"/>
+            <p:nvPr/>
+          </p:nvSpPr>
+          <p:spPr>
+            <a:xfrm flipH="1">
+              <a:off x="8889900" y="4512530"/>
+              <a:ext cx="435650" cy="261610"/>
+            </a:xfrm>
+            <a:prstGeom prst="rect">
+              <a:avLst/>
+            </a:prstGeom>
+            <a:noFill/>
+          </p:spPr>
+          <p:txBody>
+            <a:bodyPr wrap="square" rtlCol="0">
+              <a:spAutoFit/>
+            </a:bodyPr>
+            <a:lstStyle/>
+            <a:p>
+              <a:r>
+                <a:rPr lang="de-DE" sz="1100" dirty="0">
+                  <a:solidFill>
+                    <a:schemeClr val="bg1"/>
+                  </a:solidFill>
+                </a:rPr>
+                <a:t>060</a:t>
+              </a:r>
+            </a:p>
+          </p:txBody>
+        </p:sp>
+      </p:grpSp>
+      <p:grpSp>
+        <p:nvGrpSpPr>
+          <p:cNvPr id="12" name="Gruppieren 11">
+            <a:extLst>
+              <a:ext uri="{FF2B5EF4-FFF2-40B4-BE49-F238E27FC236}">
+                <a16:creationId xmlns:a16="http://schemas.microsoft.com/office/drawing/2014/main" id="{D38BDCAF-B721-45C6-A5A9-DF5439151AA9}"/>
+              </a:ext>
+            </a:extLst>
+          </p:cNvPr>
+          <p:cNvGrpSpPr/>
+          <p:nvPr/>
+        </p:nvGrpSpPr>
+        <p:grpSpPr>
+          <a:xfrm>
+            <a:off x="4270235" y="3303903"/>
+            <a:ext cx="435650" cy="261610"/>
+            <a:chOff x="8889900" y="4512530"/>
+            <a:chExt cx="435650" cy="261610"/>
+          </a:xfrm>
+        </p:grpSpPr>
+        <p:sp>
+          <p:nvSpPr>
+            <p:cNvPr id="13" name="Ellipse 12">
+              <a:extLst>
+                <a:ext uri="{FF2B5EF4-FFF2-40B4-BE49-F238E27FC236}">
+                  <a16:creationId xmlns:a16="http://schemas.microsoft.com/office/drawing/2014/main" id="{EE4C2D97-A2E4-467C-8EEB-B43087657D86}"/>
+                </a:ext>
+              </a:extLst>
+            </p:cNvPr>
+            <p:cNvSpPr/>
+            <p:nvPr/>
+          </p:nvSpPr>
+          <p:spPr>
+            <a:xfrm>
+              <a:off x="8962858" y="4533089"/>
+              <a:ext cx="239949" cy="220493"/>
+            </a:xfrm>
+            <a:prstGeom prst="ellipse">
+              <a:avLst/>
+            </a:prstGeom>
+          </p:spPr>
+          <p:style>
+            <a:lnRef idx="2">
+              <a:schemeClr val="accent1">
+                <a:shade val="50000"/>
+              </a:schemeClr>
+            </a:lnRef>
+            <a:fillRef idx="1">
+              <a:schemeClr val="accent1"/>
+            </a:fillRef>
+            <a:effectRef idx="0">
+              <a:schemeClr val="accent1"/>
+            </a:effectRef>
+            <a:fontRef idx="minor">
+              <a:schemeClr val="lt1"/>
+            </a:fontRef>
+          </p:style>
+          <p:txBody>
+            <a:bodyPr rtlCol="0" anchor="ctr"/>
+            <a:lstStyle/>
+            <a:p>
+              <a:pPr algn="ctr"/>
+              <a:endParaRPr lang="de-DE" sz="1200" dirty="0"/>
+            </a:p>
+          </p:txBody>
+        </p:sp>
+        <p:sp>
+          <p:nvSpPr>
+            <p:cNvPr id="14" name="Textfeld 13">
+              <a:extLst>
+                <a:ext uri="{FF2B5EF4-FFF2-40B4-BE49-F238E27FC236}">
+                  <a16:creationId xmlns:a16="http://schemas.microsoft.com/office/drawing/2014/main" id="{4F6B67FF-0EEA-4441-8B10-449D1528E834}"/>
+                </a:ext>
+              </a:extLst>
+            </p:cNvPr>
+            <p:cNvSpPr txBox="1"/>
+            <p:nvPr/>
+          </p:nvSpPr>
+          <p:spPr>
+            <a:xfrm flipH="1">
+              <a:off x="8889900" y="4512530"/>
+              <a:ext cx="435650" cy="261610"/>
+            </a:xfrm>
+            <a:prstGeom prst="rect">
+              <a:avLst/>
+            </a:prstGeom>
+            <a:noFill/>
+          </p:spPr>
+          <p:txBody>
+            <a:bodyPr wrap="square" rtlCol="0">
+              <a:spAutoFit/>
+            </a:bodyPr>
+            <a:lstStyle/>
+            <a:p>
+              <a:r>
+                <a:rPr lang="de-DE" sz="1100" dirty="0">
+                  <a:solidFill>
+                    <a:schemeClr val="bg1"/>
+                  </a:solidFill>
+                </a:rPr>
+                <a:t>057</a:t>
+              </a:r>
+            </a:p>
+          </p:txBody>
+        </p:sp>
+      </p:grpSp>
+      <p:grpSp>
+        <p:nvGrpSpPr>
+          <p:cNvPr id="15" name="Gruppieren 14">
+            <a:extLst>
+              <a:ext uri="{FF2B5EF4-FFF2-40B4-BE49-F238E27FC236}">
+                <a16:creationId xmlns:a16="http://schemas.microsoft.com/office/drawing/2014/main" id="{ECEAE5A2-6928-4B20-98A4-102C750F02F3}"/>
+              </a:ext>
+            </a:extLst>
+          </p:cNvPr>
+          <p:cNvGrpSpPr/>
+          <p:nvPr/>
+        </p:nvGrpSpPr>
+        <p:grpSpPr>
+          <a:xfrm>
+            <a:off x="4687881" y="3293624"/>
+            <a:ext cx="435650" cy="261610"/>
+            <a:chOff x="8889900" y="4512530"/>
+            <a:chExt cx="435650" cy="261610"/>
+          </a:xfrm>
+        </p:grpSpPr>
+        <p:sp>
+          <p:nvSpPr>
+            <p:cNvPr id="16" name="Ellipse 15">
+              <a:extLst>
+                <a:ext uri="{FF2B5EF4-FFF2-40B4-BE49-F238E27FC236}">
+                  <a16:creationId xmlns:a16="http://schemas.microsoft.com/office/drawing/2014/main" id="{FBF0F3CB-A62E-4C27-A84F-00EA3C0AE464}"/>
+                </a:ext>
+              </a:extLst>
+            </p:cNvPr>
+            <p:cNvSpPr/>
+            <p:nvPr/>
+          </p:nvSpPr>
+          <p:spPr>
+            <a:xfrm>
+              <a:off x="8962858" y="4533089"/>
+              <a:ext cx="239949" cy="220493"/>
+            </a:xfrm>
+            <a:prstGeom prst="ellipse">
+              <a:avLst/>
+            </a:prstGeom>
+          </p:spPr>
+          <p:style>
+            <a:lnRef idx="2">
+              <a:schemeClr val="accent1">
+                <a:shade val="50000"/>
+              </a:schemeClr>
+            </a:lnRef>
+            <a:fillRef idx="1">
+              <a:schemeClr val="accent1"/>
+            </a:fillRef>
+            <a:effectRef idx="0">
+              <a:schemeClr val="accent1"/>
+            </a:effectRef>
+            <a:fontRef idx="minor">
+              <a:schemeClr val="lt1"/>
+            </a:fontRef>
+          </p:style>
+          <p:txBody>
+            <a:bodyPr rtlCol="0" anchor="ctr"/>
+            <a:lstStyle/>
+            <a:p>
+              <a:pPr algn="ctr"/>
+              <a:endParaRPr lang="de-DE" sz="1200" dirty="0"/>
+            </a:p>
+          </p:txBody>
+        </p:sp>
+        <p:sp>
+          <p:nvSpPr>
+            <p:cNvPr id="17" name="Textfeld 16">
+              <a:extLst>
+                <a:ext uri="{FF2B5EF4-FFF2-40B4-BE49-F238E27FC236}">
+                  <a16:creationId xmlns:a16="http://schemas.microsoft.com/office/drawing/2014/main" id="{355DDB10-A70C-419C-BB04-EE4DDE129F90}"/>
+                </a:ext>
+              </a:extLst>
+            </p:cNvPr>
+            <p:cNvSpPr txBox="1"/>
+            <p:nvPr/>
+          </p:nvSpPr>
+          <p:spPr>
+            <a:xfrm flipH="1">
+              <a:off x="8889900" y="4512530"/>
+              <a:ext cx="435650" cy="261610"/>
+            </a:xfrm>
+            <a:prstGeom prst="rect">
+              <a:avLst/>
+            </a:prstGeom>
+            <a:noFill/>
+          </p:spPr>
+          <p:txBody>
+            <a:bodyPr wrap="square" rtlCol="0">
+              <a:spAutoFit/>
+            </a:bodyPr>
+            <a:lstStyle/>
+            <a:p>
+              <a:r>
+                <a:rPr lang="de-DE" sz="1100" dirty="0">
+                  <a:solidFill>
+                    <a:schemeClr val="bg1"/>
+                  </a:solidFill>
+                </a:rPr>
+                <a:t>059</a:t>
+              </a:r>
+            </a:p>
+          </p:txBody>
+        </p:sp>
+      </p:grpSp>
+      <p:grpSp>
+        <p:nvGrpSpPr>
+          <p:cNvPr id="18" name="Gruppieren 17">
+            <a:extLst>
+              <a:ext uri="{FF2B5EF4-FFF2-40B4-BE49-F238E27FC236}">
+                <a16:creationId xmlns:a16="http://schemas.microsoft.com/office/drawing/2014/main" id="{79AD8E84-3FE3-44F5-9FC1-1C74B50E0094}"/>
+              </a:ext>
+            </a:extLst>
+          </p:cNvPr>
+          <p:cNvGrpSpPr/>
+          <p:nvPr/>
+        </p:nvGrpSpPr>
+        <p:grpSpPr>
+          <a:xfrm>
+            <a:off x="5110696" y="3314182"/>
+            <a:ext cx="435650" cy="261610"/>
+            <a:chOff x="8889900" y="4512530"/>
+            <a:chExt cx="435650" cy="261610"/>
+          </a:xfrm>
+        </p:grpSpPr>
+        <p:sp>
+          <p:nvSpPr>
+            <p:cNvPr id="19" name="Ellipse 18">
+              <a:extLst>
+                <a:ext uri="{FF2B5EF4-FFF2-40B4-BE49-F238E27FC236}">
+                  <a16:creationId xmlns:a16="http://schemas.microsoft.com/office/drawing/2014/main" id="{F8E317E7-8F5D-4FC1-B323-CE3F84A3E558}"/>
+                </a:ext>
+              </a:extLst>
+            </p:cNvPr>
+            <p:cNvSpPr/>
+            <p:nvPr/>
+          </p:nvSpPr>
+          <p:spPr>
+            <a:xfrm>
+              <a:off x="8962858" y="4533089"/>
+              <a:ext cx="239949" cy="220493"/>
+            </a:xfrm>
+            <a:prstGeom prst="ellipse">
+              <a:avLst/>
+            </a:prstGeom>
+          </p:spPr>
+          <p:style>
+            <a:lnRef idx="2">
+              <a:schemeClr val="accent1">
+                <a:shade val="50000"/>
+              </a:schemeClr>
+            </a:lnRef>
+            <a:fillRef idx="1">
+              <a:schemeClr val="accent1"/>
+            </a:fillRef>
+            <a:effectRef idx="0">
+              <a:schemeClr val="accent1"/>
+            </a:effectRef>
+            <a:fontRef idx="minor">
+              <a:schemeClr val="lt1"/>
+            </a:fontRef>
+          </p:style>
+          <p:txBody>
+            <a:bodyPr rtlCol="0" anchor="ctr"/>
+            <a:lstStyle/>
+            <a:p>
+              <a:pPr algn="ctr"/>
+              <a:endParaRPr lang="de-DE" sz="1200" dirty="0"/>
+            </a:p>
+          </p:txBody>
+        </p:sp>
+        <p:sp>
+          <p:nvSpPr>
+            <p:cNvPr id="20" name="Textfeld 19">
+              <a:extLst>
+                <a:ext uri="{FF2B5EF4-FFF2-40B4-BE49-F238E27FC236}">
+                  <a16:creationId xmlns:a16="http://schemas.microsoft.com/office/drawing/2014/main" id="{6642BB5E-A57C-48E0-BFF1-61CB7D7B4603}"/>
+                </a:ext>
+              </a:extLst>
+            </p:cNvPr>
+            <p:cNvSpPr txBox="1"/>
+            <p:nvPr/>
+          </p:nvSpPr>
+          <p:spPr>
+            <a:xfrm flipH="1">
+              <a:off x="8889900" y="4512530"/>
+              <a:ext cx="435650" cy="261610"/>
+            </a:xfrm>
+            <a:prstGeom prst="rect">
+              <a:avLst/>
+            </a:prstGeom>
+            <a:noFill/>
+          </p:spPr>
+          <p:txBody>
+            <a:bodyPr wrap="square" rtlCol="0">
+              <a:spAutoFit/>
+            </a:bodyPr>
+            <a:lstStyle/>
+            <a:p>
+              <a:r>
+                <a:rPr lang="de-DE" sz="1100" dirty="0">
+                  <a:solidFill>
+                    <a:schemeClr val="bg1"/>
+                  </a:solidFill>
+                </a:rPr>
+                <a:t>058</a:t>
+              </a:r>
+            </a:p>
+          </p:txBody>
+        </p:sp>
+      </p:grpSp>
+      <p:grpSp>
+        <p:nvGrpSpPr>
+          <p:cNvPr id="21" name="Gruppieren 20">
+            <a:extLst>
+              <a:ext uri="{FF2B5EF4-FFF2-40B4-BE49-F238E27FC236}">
+                <a16:creationId xmlns:a16="http://schemas.microsoft.com/office/drawing/2014/main" id="{776B96AC-12B1-4DC9-AE4E-BA00A35939E3}"/>
+              </a:ext>
+            </a:extLst>
+          </p:cNvPr>
+          <p:cNvGrpSpPr/>
+          <p:nvPr/>
+        </p:nvGrpSpPr>
+        <p:grpSpPr>
+          <a:xfrm>
+            <a:off x="6779137" y="3277637"/>
+            <a:ext cx="435650" cy="261610"/>
+            <a:chOff x="8889900" y="4512530"/>
+            <a:chExt cx="435650" cy="261610"/>
+          </a:xfrm>
+        </p:grpSpPr>
+        <p:sp>
+          <p:nvSpPr>
+            <p:cNvPr id="22" name="Ellipse 21">
+              <a:extLst>
+                <a:ext uri="{FF2B5EF4-FFF2-40B4-BE49-F238E27FC236}">
+                  <a16:creationId xmlns:a16="http://schemas.microsoft.com/office/drawing/2014/main" id="{66B7B70C-6E44-48F7-A2D3-9C236B312B4C}"/>
+                </a:ext>
+              </a:extLst>
+            </p:cNvPr>
+            <p:cNvSpPr/>
+            <p:nvPr/>
+          </p:nvSpPr>
+          <p:spPr>
+            <a:xfrm>
+              <a:off x="8962858" y="4533089"/>
+              <a:ext cx="239949" cy="220493"/>
+            </a:xfrm>
+            <a:prstGeom prst="ellipse">
+              <a:avLst/>
+            </a:prstGeom>
+          </p:spPr>
+          <p:style>
+            <a:lnRef idx="2">
+              <a:schemeClr val="accent1">
+                <a:shade val="50000"/>
+              </a:schemeClr>
+            </a:lnRef>
+            <a:fillRef idx="1">
+              <a:schemeClr val="accent1"/>
+            </a:fillRef>
+            <a:effectRef idx="0">
+              <a:schemeClr val="accent1"/>
+            </a:effectRef>
+            <a:fontRef idx="minor">
+              <a:schemeClr val="lt1"/>
+            </a:fontRef>
+          </p:style>
+          <p:txBody>
+            <a:bodyPr rtlCol="0" anchor="ctr"/>
+            <a:lstStyle/>
+            <a:p>
+              <a:pPr algn="ctr"/>
+              <a:endParaRPr lang="de-DE" sz="1200" dirty="0"/>
+            </a:p>
+          </p:txBody>
+        </p:sp>
+        <p:sp>
+          <p:nvSpPr>
+            <p:cNvPr id="23" name="Textfeld 22">
+              <a:extLst>
+                <a:ext uri="{FF2B5EF4-FFF2-40B4-BE49-F238E27FC236}">
+                  <a16:creationId xmlns:a16="http://schemas.microsoft.com/office/drawing/2014/main" id="{044E3CD6-056D-4C1C-ACF1-E8B9D0DEEAEA}"/>
+                </a:ext>
+              </a:extLst>
+            </p:cNvPr>
+            <p:cNvSpPr txBox="1"/>
+            <p:nvPr/>
+          </p:nvSpPr>
+          <p:spPr>
+            <a:xfrm flipH="1">
+              <a:off x="8889900" y="4512530"/>
+              <a:ext cx="435650" cy="261610"/>
+            </a:xfrm>
+            <a:prstGeom prst="rect">
+              <a:avLst/>
+            </a:prstGeom>
+            <a:noFill/>
+          </p:spPr>
+          <p:txBody>
+            <a:bodyPr wrap="square" rtlCol="0">
+              <a:spAutoFit/>
+            </a:bodyPr>
+            <a:lstStyle/>
+            <a:p>
+              <a:r>
+                <a:rPr lang="de-DE" sz="1100" dirty="0">
+                  <a:solidFill>
+                    <a:schemeClr val="bg1"/>
+                  </a:solidFill>
+                </a:rPr>
+                <a:t>067</a:t>
+              </a:r>
+            </a:p>
+          </p:txBody>
+        </p:sp>
+      </p:grpSp>
+      <p:grpSp>
+        <p:nvGrpSpPr>
+          <p:cNvPr id="24" name="Gruppieren 23">
+            <a:extLst>
+              <a:ext uri="{FF2B5EF4-FFF2-40B4-BE49-F238E27FC236}">
+                <a16:creationId xmlns:a16="http://schemas.microsoft.com/office/drawing/2014/main" id="{4959C60A-381B-4B57-BEF6-0D5ECF5D2AE7}"/>
+              </a:ext>
+            </a:extLst>
+          </p:cNvPr>
+          <p:cNvGrpSpPr/>
+          <p:nvPr/>
+        </p:nvGrpSpPr>
+        <p:grpSpPr>
+          <a:xfrm>
+            <a:off x="7264572" y="3298195"/>
+            <a:ext cx="435650" cy="261610"/>
+            <a:chOff x="8889900" y="4512530"/>
+            <a:chExt cx="435650" cy="261610"/>
+          </a:xfrm>
+        </p:grpSpPr>
+        <p:sp>
+          <p:nvSpPr>
+            <p:cNvPr id="25" name="Ellipse 24">
+              <a:extLst>
+                <a:ext uri="{FF2B5EF4-FFF2-40B4-BE49-F238E27FC236}">
+                  <a16:creationId xmlns:a16="http://schemas.microsoft.com/office/drawing/2014/main" id="{197351F6-5E43-4472-A642-BD6475851537}"/>
+                </a:ext>
+              </a:extLst>
+            </p:cNvPr>
+            <p:cNvSpPr/>
+            <p:nvPr/>
+          </p:nvSpPr>
+          <p:spPr>
+            <a:xfrm>
+              <a:off x="8962858" y="4533089"/>
+              <a:ext cx="239949" cy="220493"/>
+            </a:xfrm>
+            <a:prstGeom prst="ellipse">
+              <a:avLst/>
+            </a:prstGeom>
+          </p:spPr>
+          <p:style>
+            <a:lnRef idx="2">
+              <a:schemeClr val="accent1">
+                <a:shade val="50000"/>
+              </a:schemeClr>
+            </a:lnRef>
+            <a:fillRef idx="1">
+              <a:schemeClr val="accent1"/>
+            </a:fillRef>
+            <a:effectRef idx="0">
+              <a:schemeClr val="accent1"/>
+            </a:effectRef>
+            <a:fontRef idx="minor">
+              <a:schemeClr val="lt1"/>
+            </a:fontRef>
+          </p:style>
+          <p:txBody>
+            <a:bodyPr rtlCol="0" anchor="ctr"/>
+            <a:lstStyle/>
+            <a:p>
+              <a:pPr algn="ctr"/>
+              <a:endParaRPr lang="de-DE" sz="1200" dirty="0"/>
+            </a:p>
+          </p:txBody>
+        </p:sp>
+        <p:sp>
+          <p:nvSpPr>
+            <p:cNvPr id="26" name="Textfeld 25">
+              <a:extLst>
+                <a:ext uri="{FF2B5EF4-FFF2-40B4-BE49-F238E27FC236}">
+                  <a16:creationId xmlns:a16="http://schemas.microsoft.com/office/drawing/2014/main" id="{651A51A0-D598-4384-BB9B-9B9DD6540B7C}"/>
+                </a:ext>
+              </a:extLst>
+            </p:cNvPr>
+            <p:cNvSpPr txBox="1"/>
+            <p:nvPr/>
+          </p:nvSpPr>
+          <p:spPr>
+            <a:xfrm flipH="1">
+              <a:off x="8889900" y="4512530"/>
+              <a:ext cx="435650" cy="261610"/>
+            </a:xfrm>
+            <a:prstGeom prst="rect">
+              <a:avLst/>
+            </a:prstGeom>
+            <a:noFill/>
+          </p:spPr>
+          <p:txBody>
+            <a:bodyPr wrap="square" rtlCol="0">
+              <a:spAutoFit/>
+            </a:bodyPr>
+            <a:lstStyle/>
+            <a:p>
+              <a:r>
+                <a:rPr lang="de-DE" sz="1100" dirty="0">
+                  <a:solidFill>
+                    <a:schemeClr val="bg1"/>
+                  </a:solidFill>
+                </a:rPr>
+                <a:t>068</a:t>
+              </a:r>
+            </a:p>
+          </p:txBody>
+        </p:sp>
+      </p:grpSp>
+      <p:grpSp>
+        <p:nvGrpSpPr>
+          <p:cNvPr id="27" name="Gruppieren 26">
+            <a:extLst>
+              <a:ext uri="{FF2B5EF4-FFF2-40B4-BE49-F238E27FC236}">
+                <a16:creationId xmlns:a16="http://schemas.microsoft.com/office/drawing/2014/main" id="{1BEE3922-AD58-4114-AB71-136C3A4D8BB9}"/>
+              </a:ext>
+            </a:extLst>
+          </p:cNvPr>
+          <p:cNvGrpSpPr/>
+          <p:nvPr/>
+        </p:nvGrpSpPr>
+        <p:grpSpPr>
+          <a:xfrm>
+            <a:off x="4477002" y="2664778"/>
+            <a:ext cx="435650" cy="261610"/>
+            <a:chOff x="8889900" y="4512530"/>
+            <a:chExt cx="435650" cy="261610"/>
+          </a:xfrm>
+        </p:grpSpPr>
+        <p:sp>
+          <p:nvSpPr>
+            <p:cNvPr id="28" name="Ellipse 27">
+              <a:extLst>
+                <a:ext uri="{FF2B5EF4-FFF2-40B4-BE49-F238E27FC236}">
+                  <a16:creationId xmlns:a16="http://schemas.microsoft.com/office/drawing/2014/main" id="{FD275BDD-DCA9-413D-8DF1-D6E5F82F4890}"/>
+                </a:ext>
+              </a:extLst>
+            </p:cNvPr>
+            <p:cNvSpPr/>
+            <p:nvPr/>
+          </p:nvSpPr>
+          <p:spPr>
+            <a:xfrm>
+              <a:off x="8962858" y="4533089"/>
+              <a:ext cx="239949" cy="220493"/>
+            </a:xfrm>
+            <a:prstGeom prst="ellipse">
+              <a:avLst/>
+            </a:prstGeom>
+          </p:spPr>
+          <p:style>
+            <a:lnRef idx="2">
+              <a:schemeClr val="accent1">
+                <a:shade val="50000"/>
+              </a:schemeClr>
+            </a:lnRef>
+            <a:fillRef idx="1">
+              <a:schemeClr val="accent1"/>
+            </a:fillRef>
+            <a:effectRef idx="0">
+              <a:schemeClr val="accent1"/>
+            </a:effectRef>
+            <a:fontRef idx="minor">
+              <a:schemeClr val="lt1"/>
+            </a:fontRef>
+          </p:style>
+          <p:txBody>
+            <a:bodyPr rtlCol="0" anchor="ctr"/>
+            <a:lstStyle/>
+            <a:p>
+              <a:pPr algn="ctr"/>
+              <a:endParaRPr lang="de-DE" sz="1200" dirty="0"/>
+            </a:p>
+          </p:txBody>
+        </p:sp>
+        <p:sp>
+          <p:nvSpPr>
+            <p:cNvPr id="29" name="Textfeld 28">
+              <a:extLst>
+                <a:ext uri="{FF2B5EF4-FFF2-40B4-BE49-F238E27FC236}">
+                  <a16:creationId xmlns:a16="http://schemas.microsoft.com/office/drawing/2014/main" id="{74B36E76-DF3E-4307-9141-C17B5BBC7C0E}"/>
+                </a:ext>
+              </a:extLst>
+            </p:cNvPr>
+            <p:cNvSpPr txBox="1"/>
+            <p:nvPr/>
+          </p:nvSpPr>
+          <p:spPr>
+            <a:xfrm flipH="1">
+              <a:off x="8889900" y="4512530"/>
+              <a:ext cx="435650" cy="261610"/>
+            </a:xfrm>
+            <a:prstGeom prst="rect">
+              <a:avLst/>
+            </a:prstGeom>
+            <a:noFill/>
+          </p:spPr>
+          <p:txBody>
+            <a:bodyPr wrap="square" rtlCol="0">
+              <a:spAutoFit/>
+            </a:bodyPr>
+            <a:lstStyle/>
+            <a:p>
+              <a:r>
+                <a:rPr lang="de-DE" sz="1100" dirty="0">
+                  <a:solidFill>
+                    <a:schemeClr val="bg1"/>
+                  </a:solidFill>
+                </a:rPr>
+                <a:t>056</a:t>
+              </a:r>
+            </a:p>
+          </p:txBody>
+        </p:sp>
+      </p:grpSp>
+      <p:grpSp>
+        <p:nvGrpSpPr>
+          <p:cNvPr id="30" name="Gruppieren 29">
+            <a:extLst>
+              <a:ext uri="{FF2B5EF4-FFF2-40B4-BE49-F238E27FC236}">
+                <a16:creationId xmlns:a16="http://schemas.microsoft.com/office/drawing/2014/main" id="{755CA2B3-C86E-462B-9B91-654923A87E72}"/>
+              </a:ext>
+            </a:extLst>
+          </p:cNvPr>
+          <p:cNvGrpSpPr/>
+          <p:nvPr/>
+        </p:nvGrpSpPr>
+        <p:grpSpPr>
+          <a:xfrm>
+            <a:off x="3487313" y="3277637"/>
+            <a:ext cx="435650" cy="261610"/>
+            <a:chOff x="8889900" y="4512530"/>
+            <a:chExt cx="435650" cy="261610"/>
+          </a:xfrm>
+        </p:grpSpPr>
+        <p:sp>
+          <p:nvSpPr>
+            <p:cNvPr id="31" name="Ellipse 30">
+              <a:extLst>
+                <a:ext uri="{FF2B5EF4-FFF2-40B4-BE49-F238E27FC236}">
+                  <a16:creationId xmlns:a16="http://schemas.microsoft.com/office/drawing/2014/main" id="{9A4620C7-A849-40A7-A19B-9C97D815E88B}"/>
+                </a:ext>
+              </a:extLst>
+            </p:cNvPr>
+            <p:cNvSpPr/>
+            <p:nvPr/>
+          </p:nvSpPr>
+          <p:spPr>
+            <a:xfrm>
+              <a:off x="8962858" y="4533089"/>
+              <a:ext cx="239949" cy="220493"/>
+            </a:xfrm>
+            <a:prstGeom prst="ellipse">
+              <a:avLst/>
+            </a:prstGeom>
+          </p:spPr>
+          <p:style>
+            <a:lnRef idx="2">
+              <a:schemeClr val="accent1">
+                <a:shade val="50000"/>
+              </a:schemeClr>
+            </a:lnRef>
+            <a:fillRef idx="1">
+              <a:schemeClr val="accent1"/>
+            </a:fillRef>
+            <a:effectRef idx="0">
+              <a:schemeClr val="accent1"/>
+            </a:effectRef>
+            <a:fontRef idx="minor">
+              <a:schemeClr val="lt1"/>
+            </a:fontRef>
+          </p:style>
+          <p:txBody>
+            <a:bodyPr rtlCol="0" anchor="ctr"/>
+            <a:lstStyle/>
+            <a:p>
+              <a:pPr algn="ctr"/>
+              <a:endParaRPr lang="de-DE" sz="1200" dirty="0"/>
+            </a:p>
+          </p:txBody>
+        </p:sp>
+        <p:sp>
+          <p:nvSpPr>
+            <p:cNvPr id="32" name="Textfeld 31">
+              <a:extLst>
+                <a:ext uri="{FF2B5EF4-FFF2-40B4-BE49-F238E27FC236}">
+                  <a16:creationId xmlns:a16="http://schemas.microsoft.com/office/drawing/2014/main" id="{A521C6CF-C627-46F7-98EE-59F3524B2DC5}"/>
+                </a:ext>
+              </a:extLst>
+            </p:cNvPr>
+            <p:cNvSpPr txBox="1"/>
+            <p:nvPr/>
+          </p:nvSpPr>
+          <p:spPr>
+            <a:xfrm flipH="1">
+              <a:off x="8889900" y="4512530"/>
+              <a:ext cx="435650" cy="261610"/>
+            </a:xfrm>
+            <a:prstGeom prst="rect">
+              <a:avLst/>
+            </a:prstGeom>
+            <a:noFill/>
+          </p:spPr>
+          <p:txBody>
+            <a:bodyPr wrap="square" rtlCol="0">
+              <a:spAutoFit/>
+            </a:bodyPr>
+            <a:lstStyle/>
+            <a:p>
+              <a:r>
+                <a:rPr lang="de-DE" sz="1100" dirty="0">
+                  <a:solidFill>
+                    <a:schemeClr val="bg1"/>
+                  </a:solidFill>
+                </a:rPr>
+                <a:t>201</a:t>
+              </a:r>
+            </a:p>
+          </p:txBody>
+        </p:sp>
+      </p:grpSp>
+      <p:grpSp>
+        <p:nvGrpSpPr>
+          <p:cNvPr id="33" name="Gruppieren 32">
+            <a:extLst>
+              <a:ext uri="{FF2B5EF4-FFF2-40B4-BE49-F238E27FC236}">
+                <a16:creationId xmlns:a16="http://schemas.microsoft.com/office/drawing/2014/main" id="{2497369B-C025-4F01-8F2C-58E3D73EF438}"/>
+              </a:ext>
+            </a:extLst>
+          </p:cNvPr>
+          <p:cNvGrpSpPr/>
+          <p:nvPr/>
+        </p:nvGrpSpPr>
+        <p:grpSpPr>
+          <a:xfrm>
+            <a:off x="3521440" y="2662996"/>
+            <a:ext cx="435650" cy="261610"/>
+            <a:chOff x="8889900" y="4512530"/>
+            <a:chExt cx="435650" cy="261610"/>
+          </a:xfrm>
+        </p:grpSpPr>
+        <p:sp>
+          <p:nvSpPr>
+            <p:cNvPr id="34" name="Ellipse 33">
+              <a:extLst>
+                <a:ext uri="{FF2B5EF4-FFF2-40B4-BE49-F238E27FC236}">
+                  <a16:creationId xmlns:a16="http://schemas.microsoft.com/office/drawing/2014/main" id="{C45A7D01-F17E-4092-BF10-CAB33A6F5018}"/>
+                </a:ext>
+              </a:extLst>
+            </p:cNvPr>
+            <p:cNvSpPr/>
+            <p:nvPr/>
+          </p:nvSpPr>
+          <p:spPr>
+            <a:xfrm>
+              <a:off x="8962858" y="4533089"/>
+              <a:ext cx="239949" cy="220493"/>
+            </a:xfrm>
+            <a:prstGeom prst="ellipse">
+              <a:avLst/>
+            </a:prstGeom>
+          </p:spPr>
+          <p:style>
+            <a:lnRef idx="2">
+              <a:schemeClr val="accent1">
+                <a:shade val="50000"/>
+              </a:schemeClr>
+            </a:lnRef>
+            <a:fillRef idx="1">
+              <a:schemeClr val="accent1"/>
+            </a:fillRef>
+            <a:effectRef idx="0">
+              <a:schemeClr val="accent1"/>
+            </a:effectRef>
+            <a:fontRef idx="minor">
+              <a:schemeClr val="lt1"/>
+            </a:fontRef>
+          </p:style>
+          <p:txBody>
+            <a:bodyPr rtlCol="0" anchor="ctr"/>
+            <a:lstStyle/>
+            <a:p>
+              <a:pPr algn="ctr"/>
+              <a:endParaRPr lang="de-DE" sz="1200" dirty="0"/>
+            </a:p>
+          </p:txBody>
+        </p:sp>
+        <p:sp>
+          <p:nvSpPr>
+            <p:cNvPr id="35" name="Textfeld 34">
+              <a:extLst>
+                <a:ext uri="{FF2B5EF4-FFF2-40B4-BE49-F238E27FC236}">
+                  <a16:creationId xmlns:a16="http://schemas.microsoft.com/office/drawing/2014/main" id="{E1F46FD5-C5D6-48C7-AF24-AE2B517328A0}"/>
+                </a:ext>
+              </a:extLst>
+            </p:cNvPr>
+            <p:cNvSpPr txBox="1"/>
+            <p:nvPr/>
+          </p:nvSpPr>
+          <p:spPr>
+            <a:xfrm flipH="1">
+              <a:off x="8889900" y="4512530"/>
+              <a:ext cx="435650" cy="261610"/>
+            </a:xfrm>
+            <a:prstGeom prst="rect">
+              <a:avLst/>
+            </a:prstGeom>
+            <a:noFill/>
+          </p:spPr>
+          <p:txBody>
+            <a:bodyPr wrap="square" rtlCol="0">
+              <a:spAutoFit/>
+            </a:bodyPr>
+            <a:lstStyle/>
+            <a:p>
+              <a:r>
+                <a:rPr lang="de-DE" sz="1100" dirty="0">
+                  <a:solidFill>
+                    <a:schemeClr val="bg1"/>
+                  </a:solidFill>
+                </a:rPr>
+                <a:t>212</a:t>
+              </a:r>
+            </a:p>
+          </p:txBody>
+        </p:sp>
+      </p:grpSp>
+      <p:grpSp>
+        <p:nvGrpSpPr>
+          <p:cNvPr id="36" name="Gruppieren 35">
+            <a:extLst>
+              <a:ext uri="{FF2B5EF4-FFF2-40B4-BE49-F238E27FC236}">
+                <a16:creationId xmlns:a16="http://schemas.microsoft.com/office/drawing/2014/main" id="{A29E2EBE-28F5-4A4C-8E8B-1B45259F6125}"/>
+              </a:ext>
+            </a:extLst>
+          </p:cNvPr>
+          <p:cNvGrpSpPr/>
+          <p:nvPr/>
+        </p:nvGrpSpPr>
+        <p:grpSpPr>
+          <a:xfrm>
+            <a:off x="1443474" y="3257079"/>
+            <a:ext cx="435650" cy="261610"/>
+            <a:chOff x="8889900" y="4512530"/>
+            <a:chExt cx="435650" cy="261610"/>
+          </a:xfrm>
+        </p:grpSpPr>
+        <p:sp>
+          <p:nvSpPr>
+            <p:cNvPr id="37" name="Ellipse 36">
+              <a:extLst>
+                <a:ext uri="{FF2B5EF4-FFF2-40B4-BE49-F238E27FC236}">
+                  <a16:creationId xmlns:a16="http://schemas.microsoft.com/office/drawing/2014/main" id="{43E8B4F1-318E-4945-911B-86150FB266AE}"/>
+                </a:ext>
+              </a:extLst>
+            </p:cNvPr>
+            <p:cNvSpPr/>
+            <p:nvPr/>
+          </p:nvSpPr>
+          <p:spPr>
+            <a:xfrm>
+              <a:off x="8962858" y="4533089"/>
+              <a:ext cx="239949" cy="220493"/>
+            </a:xfrm>
+            <a:prstGeom prst="ellipse">
+              <a:avLst/>
+            </a:prstGeom>
+          </p:spPr>
+          <p:style>
+            <a:lnRef idx="2">
+              <a:schemeClr val="accent1">
+                <a:shade val="50000"/>
+              </a:schemeClr>
+            </a:lnRef>
+            <a:fillRef idx="1">
+              <a:schemeClr val="accent1"/>
+            </a:fillRef>
+            <a:effectRef idx="0">
+              <a:schemeClr val="accent1"/>
+            </a:effectRef>
+            <a:fontRef idx="minor">
+              <a:schemeClr val="lt1"/>
+            </a:fontRef>
+          </p:style>
+          <p:txBody>
+            <a:bodyPr rtlCol="0" anchor="ctr"/>
+            <a:lstStyle/>
+            <a:p>
+              <a:pPr algn="ctr"/>
+              <a:endParaRPr lang="de-DE" sz="1200" dirty="0"/>
+            </a:p>
+          </p:txBody>
+        </p:sp>
+        <p:sp>
+          <p:nvSpPr>
+            <p:cNvPr id="38" name="Textfeld 37">
+              <a:extLst>
+                <a:ext uri="{FF2B5EF4-FFF2-40B4-BE49-F238E27FC236}">
+                  <a16:creationId xmlns:a16="http://schemas.microsoft.com/office/drawing/2014/main" id="{E358FDAD-3F54-4C30-99D7-D51833B4528A}"/>
+                </a:ext>
+              </a:extLst>
+            </p:cNvPr>
+            <p:cNvSpPr txBox="1"/>
+            <p:nvPr/>
+          </p:nvSpPr>
+          <p:spPr>
+            <a:xfrm flipH="1">
+              <a:off x="8889900" y="4512530"/>
+              <a:ext cx="435650" cy="261610"/>
+            </a:xfrm>
+            <a:prstGeom prst="rect">
+              <a:avLst/>
+            </a:prstGeom>
+            <a:noFill/>
+          </p:spPr>
+          <p:txBody>
+            <a:bodyPr wrap="square" rtlCol="0">
+              <a:spAutoFit/>
+            </a:bodyPr>
+            <a:lstStyle/>
+            <a:p>
+              <a:r>
+                <a:rPr lang="de-DE" sz="1100" dirty="0">
+                  <a:solidFill>
+                    <a:schemeClr val="bg1"/>
+                  </a:solidFill>
+                </a:rPr>
+                <a:t>061</a:t>
+              </a:r>
+            </a:p>
+          </p:txBody>
+        </p:sp>
+      </p:grpSp>
+      <p:grpSp>
+        <p:nvGrpSpPr>
+          <p:cNvPr id="39" name="Gruppieren 38">
+            <a:extLst>
+              <a:ext uri="{FF2B5EF4-FFF2-40B4-BE49-F238E27FC236}">
+                <a16:creationId xmlns:a16="http://schemas.microsoft.com/office/drawing/2014/main" id="{1C01F410-31A9-4306-A89C-886B684A592D}"/>
+              </a:ext>
+            </a:extLst>
+          </p:cNvPr>
+          <p:cNvGrpSpPr/>
+          <p:nvPr/>
+        </p:nvGrpSpPr>
+        <p:grpSpPr>
+          <a:xfrm>
+            <a:off x="1904214" y="3257079"/>
+            <a:ext cx="435650" cy="261610"/>
+            <a:chOff x="8889900" y="4512530"/>
+            <a:chExt cx="435650" cy="261610"/>
+          </a:xfrm>
+        </p:grpSpPr>
+        <p:sp>
+          <p:nvSpPr>
+            <p:cNvPr id="40" name="Ellipse 39">
+              <a:extLst>
+                <a:ext uri="{FF2B5EF4-FFF2-40B4-BE49-F238E27FC236}">
+                  <a16:creationId xmlns:a16="http://schemas.microsoft.com/office/drawing/2014/main" id="{D87E2F77-2AD9-4F77-A84A-3A5EEEE2B4BF}"/>
+                </a:ext>
+              </a:extLst>
+            </p:cNvPr>
+            <p:cNvSpPr/>
+            <p:nvPr/>
+          </p:nvSpPr>
+          <p:spPr>
+            <a:xfrm>
+              <a:off x="8962858" y="4533089"/>
+              <a:ext cx="239949" cy="220493"/>
+            </a:xfrm>
+            <a:prstGeom prst="ellipse">
+              <a:avLst/>
+            </a:prstGeom>
+          </p:spPr>
+          <p:style>
+            <a:lnRef idx="2">
+              <a:schemeClr val="accent1">
+                <a:shade val="50000"/>
+              </a:schemeClr>
+            </a:lnRef>
+            <a:fillRef idx="1">
+              <a:schemeClr val="accent1"/>
+            </a:fillRef>
+            <a:effectRef idx="0">
+              <a:schemeClr val="accent1"/>
+            </a:effectRef>
+            <a:fontRef idx="minor">
+              <a:schemeClr val="lt1"/>
+            </a:fontRef>
+          </p:style>
+          <p:txBody>
+            <a:bodyPr rtlCol="0" anchor="ctr"/>
+            <a:lstStyle/>
+            <a:p>
+              <a:pPr algn="ctr"/>
+              <a:endParaRPr lang="de-DE" sz="1200" dirty="0"/>
+            </a:p>
+          </p:txBody>
+        </p:sp>
+        <p:sp>
+          <p:nvSpPr>
+            <p:cNvPr id="41" name="Textfeld 40">
+              <a:extLst>
+                <a:ext uri="{FF2B5EF4-FFF2-40B4-BE49-F238E27FC236}">
+                  <a16:creationId xmlns:a16="http://schemas.microsoft.com/office/drawing/2014/main" id="{A2A55A85-223E-4441-BD20-DC7FD0B4C180}"/>
+                </a:ext>
+              </a:extLst>
+            </p:cNvPr>
+            <p:cNvSpPr txBox="1"/>
+            <p:nvPr/>
+          </p:nvSpPr>
+          <p:spPr>
+            <a:xfrm flipH="1">
+              <a:off x="8889900" y="4512530"/>
+              <a:ext cx="435650" cy="261610"/>
+            </a:xfrm>
+            <a:prstGeom prst="rect">
+              <a:avLst/>
+            </a:prstGeom>
+            <a:noFill/>
+          </p:spPr>
+          <p:txBody>
+            <a:bodyPr wrap="square" rtlCol="0">
+              <a:spAutoFit/>
+            </a:bodyPr>
+            <a:lstStyle/>
+            <a:p>
+              <a:r>
+                <a:rPr lang="de-DE" sz="1100" dirty="0">
+                  <a:solidFill>
+                    <a:schemeClr val="bg1"/>
+                  </a:solidFill>
+                </a:rPr>
+                <a:t>065</a:t>
+              </a:r>
+            </a:p>
+          </p:txBody>
+        </p:sp>
+      </p:grpSp>
+      <p:grpSp>
+        <p:nvGrpSpPr>
+          <p:cNvPr id="42" name="Gruppieren 41">
+            <a:extLst>
+              <a:ext uri="{FF2B5EF4-FFF2-40B4-BE49-F238E27FC236}">
+                <a16:creationId xmlns:a16="http://schemas.microsoft.com/office/drawing/2014/main" id="{5D305A5F-188C-47F1-9945-D6F935BDE8AF}"/>
+              </a:ext>
+            </a:extLst>
+          </p:cNvPr>
+          <p:cNvGrpSpPr/>
+          <p:nvPr/>
+        </p:nvGrpSpPr>
+        <p:grpSpPr>
+          <a:xfrm>
+            <a:off x="1977172" y="4606122"/>
+            <a:ext cx="435650" cy="261610"/>
+            <a:chOff x="8889900" y="4512530"/>
+            <a:chExt cx="435650" cy="261610"/>
+          </a:xfrm>
+        </p:grpSpPr>
+        <p:sp>
+          <p:nvSpPr>
+            <p:cNvPr id="43" name="Ellipse 42">
+              <a:extLst>
+                <a:ext uri="{FF2B5EF4-FFF2-40B4-BE49-F238E27FC236}">
+                  <a16:creationId xmlns:a16="http://schemas.microsoft.com/office/drawing/2014/main" id="{E10D2003-0EB0-4B18-8034-FB8506BEA489}"/>
+                </a:ext>
+              </a:extLst>
+            </p:cNvPr>
+            <p:cNvSpPr/>
+            <p:nvPr/>
+          </p:nvSpPr>
+          <p:spPr>
+            <a:xfrm>
+              <a:off x="8962858" y="4533089"/>
+              <a:ext cx="239949" cy="220493"/>
+            </a:xfrm>
+            <a:prstGeom prst="ellipse">
+              <a:avLst/>
+            </a:prstGeom>
+          </p:spPr>
+          <p:style>
+            <a:lnRef idx="2">
+              <a:schemeClr val="accent1">
+                <a:shade val="50000"/>
+              </a:schemeClr>
+            </a:lnRef>
+            <a:fillRef idx="1">
+              <a:schemeClr val="accent1"/>
+            </a:fillRef>
+            <a:effectRef idx="0">
+              <a:schemeClr val="accent1"/>
+            </a:effectRef>
+            <a:fontRef idx="minor">
+              <a:schemeClr val="lt1"/>
+            </a:fontRef>
+          </p:style>
+          <p:txBody>
+            <a:bodyPr rtlCol="0" anchor="ctr"/>
+            <a:lstStyle/>
+            <a:p>
+              <a:pPr algn="ctr"/>
+              <a:endParaRPr lang="de-DE" sz="1200" dirty="0"/>
+            </a:p>
+          </p:txBody>
+        </p:sp>
+        <p:sp>
+          <p:nvSpPr>
+            <p:cNvPr id="44" name="Textfeld 43">
+              <a:extLst>
+                <a:ext uri="{FF2B5EF4-FFF2-40B4-BE49-F238E27FC236}">
+                  <a16:creationId xmlns:a16="http://schemas.microsoft.com/office/drawing/2014/main" id="{708DD078-8640-41B0-A099-D1C684221F97}"/>
+                </a:ext>
+              </a:extLst>
+            </p:cNvPr>
+            <p:cNvSpPr txBox="1"/>
+            <p:nvPr/>
+          </p:nvSpPr>
+          <p:spPr>
+            <a:xfrm flipH="1">
+              <a:off x="8889900" y="4512530"/>
+              <a:ext cx="435650" cy="261610"/>
+            </a:xfrm>
+            <a:prstGeom prst="rect">
+              <a:avLst/>
+            </a:prstGeom>
+            <a:noFill/>
+          </p:spPr>
+          <p:txBody>
+            <a:bodyPr wrap="square" rtlCol="0">
+              <a:spAutoFit/>
+            </a:bodyPr>
+            <a:lstStyle/>
+            <a:p>
+              <a:r>
+                <a:rPr lang="de-DE" sz="1100" dirty="0">
+                  <a:solidFill>
+                    <a:schemeClr val="bg1"/>
+                  </a:solidFill>
+                </a:rPr>
+                <a:t>063</a:t>
+              </a:r>
+            </a:p>
+          </p:txBody>
+        </p:sp>
+      </p:grpSp>
+      <p:grpSp>
+        <p:nvGrpSpPr>
+          <p:cNvPr id="45" name="Gruppieren 44">
+            <a:extLst>
+              <a:ext uri="{FF2B5EF4-FFF2-40B4-BE49-F238E27FC236}">
+                <a16:creationId xmlns:a16="http://schemas.microsoft.com/office/drawing/2014/main" id="{7DF6CD6E-9751-4F0B-B452-613D37BC03F0}"/>
+              </a:ext>
+            </a:extLst>
+          </p:cNvPr>
+          <p:cNvGrpSpPr/>
+          <p:nvPr/>
+        </p:nvGrpSpPr>
+        <p:grpSpPr>
+          <a:xfrm>
+            <a:off x="904177" y="4635119"/>
+            <a:ext cx="435650" cy="261610"/>
+            <a:chOff x="8889900" y="4512530"/>
+            <a:chExt cx="435650" cy="261610"/>
+          </a:xfrm>
+        </p:grpSpPr>
+        <p:sp>
+          <p:nvSpPr>
+            <p:cNvPr id="46" name="Ellipse 45">
+              <a:extLst>
+                <a:ext uri="{FF2B5EF4-FFF2-40B4-BE49-F238E27FC236}">
+                  <a16:creationId xmlns:a16="http://schemas.microsoft.com/office/drawing/2014/main" id="{1AC2A89A-225A-434F-8B86-2621CA64FA48}"/>
+                </a:ext>
+              </a:extLst>
+            </p:cNvPr>
+            <p:cNvSpPr/>
+            <p:nvPr/>
+          </p:nvSpPr>
+          <p:spPr>
+            <a:xfrm>
+              <a:off x="8962858" y="4533089"/>
+              <a:ext cx="239949" cy="220493"/>
+            </a:xfrm>
+            <a:prstGeom prst="ellipse">
+              <a:avLst/>
+            </a:prstGeom>
+          </p:spPr>
+          <p:style>
+            <a:lnRef idx="2">
+              <a:schemeClr val="accent1">
+                <a:shade val="50000"/>
+              </a:schemeClr>
+            </a:lnRef>
+            <a:fillRef idx="1">
+              <a:schemeClr val="accent1"/>
+            </a:fillRef>
+            <a:effectRef idx="0">
+              <a:schemeClr val="accent1"/>
+            </a:effectRef>
+            <a:fontRef idx="minor">
+              <a:schemeClr val="lt1"/>
+            </a:fontRef>
+          </p:style>
+          <p:txBody>
+            <a:bodyPr rtlCol="0" anchor="ctr"/>
+            <a:lstStyle/>
+            <a:p>
+              <a:pPr algn="ctr"/>
+              <a:endParaRPr lang="de-DE" sz="1200" dirty="0"/>
+            </a:p>
+          </p:txBody>
+        </p:sp>
+        <p:sp>
+          <p:nvSpPr>
+            <p:cNvPr id="47" name="Textfeld 46">
+              <a:extLst>
+                <a:ext uri="{FF2B5EF4-FFF2-40B4-BE49-F238E27FC236}">
+                  <a16:creationId xmlns:a16="http://schemas.microsoft.com/office/drawing/2014/main" id="{741C2020-8918-4D6E-AB21-78DCCF5A5637}"/>
+                </a:ext>
+              </a:extLst>
+            </p:cNvPr>
+            <p:cNvSpPr txBox="1"/>
+            <p:nvPr/>
+          </p:nvSpPr>
+          <p:spPr>
+            <a:xfrm flipH="1">
+              <a:off x="8889900" y="4512530"/>
+              <a:ext cx="435650" cy="261610"/>
+            </a:xfrm>
+            <a:prstGeom prst="rect">
+              <a:avLst/>
+            </a:prstGeom>
+            <a:noFill/>
+          </p:spPr>
+          <p:txBody>
+            <a:bodyPr wrap="square" rtlCol="0">
+              <a:spAutoFit/>
+            </a:bodyPr>
+            <a:lstStyle/>
+            <a:p>
+              <a:r>
+                <a:rPr lang="de-DE" sz="1100" dirty="0">
+                  <a:solidFill>
+                    <a:schemeClr val="bg1"/>
+                  </a:solidFill>
+                </a:rPr>
+                <a:t>062</a:t>
+              </a:r>
+            </a:p>
+          </p:txBody>
+        </p:sp>
+      </p:grpSp>
+      <p:grpSp>
+        <p:nvGrpSpPr>
+          <p:cNvPr id="51" name="Gruppieren 50">
+            <a:extLst>
+              <a:ext uri="{FF2B5EF4-FFF2-40B4-BE49-F238E27FC236}">
+                <a16:creationId xmlns:a16="http://schemas.microsoft.com/office/drawing/2014/main" id="{7EDFB96E-C08D-4AAD-9B5A-B2BDB1067AAA}"/>
+              </a:ext>
+            </a:extLst>
+          </p:cNvPr>
+          <p:cNvGrpSpPr/>
+          <p:nvPr/>
+        </p:nvGrpSpPr>
+        <p:grpSpPr>
+          <a:xfrm>
+            <a:off x="3045929" y="4626681"/>
+            <a:ext cx="435650" cy="261610"/>
+            <a:chOff x="8889900" y="4512530"/>
+            <a:chExt cx="435650" cy="261610"/>
+          </a:xfrm>
+        </p:grpSpPr>
+        <p:sp>
+          <p:nvSpPr>
+            <p:cNvPr id="52" name="Ellipse 51">
+              <a:extLst>
+                <a:ext uri="{FF2B5EF4-FFF2-40B4-BE49-F238E27FC236}">
+                  <a16:creationId xmlns:a16="http://schemas.microsoft.com/office/drawing/2014/main" id="{F0E78979-5196-47F3-A039-E9D364EC1A2D}"/>
+                </a:ext>
+              </a:extLst>
+            </p:cNvPr>
+            <p:cNvSpPr/>
+            <p:nvPr/>
+          </p:nvSpPr>
+          <p:spPr>
+            <a:xfrm>
+              <a:off x="8962858" y="4533089"/>
+              <a:ext cx="239949" cy="220493"/>
+            </a:xfrm>
+            <a:prstGeom prst="ellipse">
+              <a:avLst/>
+            </a:prstGeom>
+          </p:spPr>
+          <p:style>
+            <a:lnRef idx="2">
+              <a:schemeClr val="accent1">
+                <a:shade val="50000"/>
+              </a:schemeClr>
+            </a:lnRef>
+            <a:fillRef idx="1">
+              <a:schemeClr val="accent1"/>
+            </a:fillRef>
+            <a:effectRef idx="0">
+              <a:schemeClr val="accent1"/>
+            </a:effectRef>
+            <a:fontRef idx="minor">
+              <a:schemeClr val="lt1"/>
+            </a:fontRef>
+          </p:style>
+          <p:txBody>
+            <a:bodyPr rtlCol="0" anchor="ctr"/>
+            <a:lstStyle/>
+            <a:p>
+              <a:pPr algn="ctr"/>
+              <a:endParaRPr lang="de-DE" sz="1200" dirty="0"/>
+            </a:p>
+          </p:txBody>
+        </p:sp>
+        <p:sp>
+          <p:nvSpPr>
+            <p:cNvPr id="53" name="Textfeld 52">
+              <a:extLst>
+                <a:ext uri="{FF2B5EF4-FFF2-40B4-BE49-F238E27FC236}">
+                  <a16:creationId xmlns:a16="http://schemas.microsoft.com/office/drawing/2014/main" id="{0E8C933D-0B7C-489D-BE98-B1C0B91AEB08}"/>
+                </a:ext>
+              </a:extLst>
+            </p:cNvPr>
+            <p:cNvSpPr txBox="1"/>
+            <p:nvPr/>
+          </p:nvSpPr>
+          <p:spPr>
+            <a:xfrm flipH="1">
+              <a:off x="8889900" y="4512530"/>
+              <a:ext cx="435650" cy="261610"/>
+            </a:xfrm>
+            <a:prstGeom prst="rect">
+              <a:avLst/>
+            </a:prstGeom>
+            <a:noFill/>
+          </p:spPr>
+          <p:txBody>
+            <a:bodyPr wrap="square" rtlCol="0">
+              <a:spAutoFit/>
+            </a:bodyPr>
+            <a:lstStyle/>
+            <a:p>
+              <a:r>
+                <a:rPr lang="de-DE" sz="1100" dirty="0">
+                  <a:solidFill>
+                    <a:schemeClr val="bg1"/>
+                  </a:solidFill>
+                </a:rPr>
+                <a:t>064</a:t>
+              </a:r>
+            </a:p>
+          </p:txBody>
+        </p:sp>
+      </p:grpSp>
     </p:spTree>
     <p:extLst>
       <p:ext uri="{BB962C8B-B14F-4D97-AF65-F5344CB8AC3E}">
@@ -9105,6 +10696,1795 @@
 </file>
 
 <file path=ppt/slides/slide15.xml><?xml version="1.0" encoding="utf-8"?>
+<p:sld xmlns:a="http://schemas.openxmlformats.org/drawingml/2006/main" xmlns:r="http://schemas.openxmlformats.org/officeDocument/2006/relationships" xmlns:p="http://schemas.openxmlformats.org/presentationml/2006/main">
+  <p:cSld>
+    <p:spTree>
+      <p:nvGrpSpPr>
+        <p:cNvPr id="1" name=""/>
+        <p:cNvGrpSpPr/>
+        <p:nvPr/>
+      </p:nvGrpSpPr>
+      <p:grpSpPr>
+        <a:xfrm>
+          <a:off x="0" y="0"/>
+          <a:ext cx="0" cy="0"/>
+          <a:chOff x="0" y="0"/>
+          <a:chExt cx="0" cy="0"/>
+        </a:xfrm>
+      </p:grpSpPr>
+      <p:pic>
+        <p:nvPicPr>
+          <p:cNvPr id="4" name="Grafik 3">
+            <a:extLst>
+              <a:ext uri="{FF2B5EF4-FFF2-40B4-BE49-F238E27FC236}">
+                <a16:creationId xmlns:a16="http://schemas.microsoft.com/office/drawing/2014/main" id="{A0B2A7D7-82B4-4052-B1B9-88909A6A4C9E}"/>
+              </a:ext>
+            </a:extLst>
+          </p:cNvPr>
+          <p:cNvPicPr>
+            <a:picLocks noChangeAspect="1"/>
+          </p:cNvPicPr>
+          <p:nvPr/>
+        </p:nvPicPr>
+        <p:blipFill rotWithShape="1">
+          <a:blip r:embed="rId2">
+            <a:extLst>
+              <a:ext uri="{28A0092B-C50C-407E-A947-70E740481C1C}">
+                <a14:useLocalDpi xmlns:a14="http://schemas.microsoft.com/office/drawing/2010/main" val="0"/>
+              </a:ext>
+            </a:extLst>
+          </a:blip>
+          <a:srcRect l="5268" t="17365" r="8295" b="23566"/>
+          <a:stretch/>
+        </p:blipFill>
+        <p:spPr>
+          <a:xfrm>
+            <a:off x="390397" y="1330482"/>
+            <a:ext cx="8385489" cy="4051005"/>
+          </a:xfrm>
+          <a:prstGeom prst="rect">
+            <a:avLst/>
+          </a:prstGeom>
+        </p:spPr>
+      </p:pic>
+      <p:sp>
+        <p:nvSpPr>
+          <p:cNvPr id="2" name="Titel 1">
+            <a:extLst>
+              <a:ext uri="{FF2B5EF4-FFF2-40B4-BE49-F238E27FC236}">
+                <a16:creationId xmlns:a16="http://schemas.microsoft.com/office/drawing/2014/main" id="{6485D5EF-61D0-40E6-B99A-9DE65C336821}"/>
+              </a:ext>
+            </a:extLst>
+          </p:cNvPr>
+          <p:cNvSpPr>
+            <a:spLocks noGrp="1"/>
+          </p:cNvSpPr>
+          <p:nvPr>
+            <p:ph type="title"/>
+          </p:nvPr>
+        </p:nvSpPr>
+        <p:spPr/>
+        <p:txBody>
+          <a:bodyPr/>
+          <a:lstStyle/>
+          <a:p>
+            <a:r>
+              <a:rPr lang="de-DE" dirty="0"/>
+              <a:t>Data</a:t>
+            </a:r>
+          </a:p>
+        </p:txBody>
+      </p:sp>
+      <p:grpSp>
+        <p:nvGrpSpPr>
+          <p:cNvPr id="6" name="Gruppieren 5">
+            <a:extLst>
+              <a:ext uri="{FF2B5EF4-FFF2-40B4-BE49-F238E27FC236}">
+                <a16:creationId xmlns:a16="http://schemas.microsoft.com/office/drawing/2014/main" id="{3009AB03-9FCF-4773-BC9F-0F9023A0B94A}"/>
+              </a:ext>
+            </a:extLst>
+          </p:cNvPr>
+          <p:cNvGrpSpPr/>
+          <p:nvPr/>
+        </p:nvGrpSpPr>
+        <p:grpSpPr>
+          <a:xfrm>
+            <a:off x="5255563" y="2317967"/>
+            <a:ext cx="435650" cy="261610"/>
+            <a:chOff x="8889900" y="4512530"/>
+            <a:chExt cx="435650" cy="261610"/>
+          </a:xfrm>
+        </p:grpSpPr>
+        <p:sp>
+          <p:nvSpPr>
+            <p:cNvPr id="7" name="Ellipse 6">
+              <a:extLst>
+                <a:ext uri="{FF2B5EF4-FFF2-40B4-BE49-F238E27FC236}">
+                  <a16:creationId xmlns:a16="http://schemas.microsoft.com/office/drawing/2014/main" id="{8113593C-E5FA-4C04-B3FC-4E13E0F71801}"/>
+                </a:ext>
+              </a:extLst>
+            </p:cNvPr>
+            <p:cNvSpPr/>
+            <p:nvPr/>
+          </p:nvSpPr>
+          <p:spPr>
+            <a:xfrm>
+              <a:off x="8962858" y="4533089"/>
+              <a:ext cx="239949" cy="220493"/>
+            </a:xfrm>
+            <a:prstGeom prst="ellipse">
+              <a:avLst/>
+            </a:prstGeom>
+          </p:spPr>
+          <p:style>
+            <a:lnRef idx="2">
+              <a:schemeClr val="accent1">
+                <a:shade val="50000"/>
+              </a:schemeClr>
+            </a:lnRef>
+            <a:fillRef idx="1">
+              <a:schemeClr val="accent1"/>
+            </a:fillRef>
+            <a:effectRef idx="0">
+              <a:schemeClr val="accent1"/>
+            </a:effectRef>
+            <a:fontRef idx="minor">
+              <a:schemeClr val="lt1"/>
+            </a:fontRef>
+          </p:style>
+          <p:txBody>
+            <a:bodyPr rtlCol="0" anchor="ctr"/>
+            <a:lstStyle/>
+            <a:p>
+              <a:pPr algn="ctr"/>
+              <a:endParaRPr lang="de-DE" sz="1200" dirty="0"/>
+            </a:p>
+          </p:txBody>
+        </p:sp>
+        <p:sp>
+          <p:nvSpPr>
+            <p:cNvPr id="8" name="Textfeld 7">
+              <a:extLst>
+                <a:ext uri="{FF2B5EF4-FFF2-40B4-BE49-F238E27FC236}">
+                  <a16:creationId xmlns:a16="http://schemas.microsoft.com/office/drawing/2014/main" id="{0E01827D-0D9D-4ECA-9AAF-BEB00B87F5E5}"/>
+                </a:ext>
+              </a:extLst>
+            </p:cNvPr>
+            <p:cNvSpPr txBox="1"/>
+            <p:nvPr/>
+          </p:nvSpPr>
+          <p:spPr>
+            <a:xfrm flipH="1">
+              <a:off x="8889900" y="4512530"/>
+              <a:ext cx="435650" cy="261610"/>
+            </a:xfrm>
+            <a:prstGeom prst="rect">
+              <a:avLst/>
+            </a:prstGeom>
+            <a:noFill/>
+          </p:spPr>
+          <p:txBody>
+            <a:bodyPr wrap="square" rtlCol="0">
+              <a:spAutoFit/>
+            </a:bodyPr>
+            <a:lstStyle/>
+            <a:p>
+              <a:r>
+                <a:rPr lang="de-DE" sz="1100" dirty="0">
+                  <a:solidFill>
+                    <a:schemeClr val="bg1"/>
+                  </a:solidFill>
+                </a:rPr>
+                <a:t>066</a:t>
+              </a:r>
+            </a:p>
+          </p:txBody>
+        </p:sp>
+      </p:grpSp>
+      <p:grpSp>
+        <p:nvGrpSpPr>
+          <p:cNvPr id="9" name="Gruppieren 8">
+            <a:extLst>
+              <a:ext uri="{FF2B5EF4-FFF2-40B4-BE49-F238E27FC236}">
+                <a16:creationId xmlns:a16="http://schemas.microsoft.com/office/drawing/2014/main" id="{B0F18097-9B63-47A8-A52E-B25C7B01F5B1}"/>
+              </a:ext>
+            </a:extLst>
+          </p:cNvPr>
+          <p:cNvGrpSpPr/>
+          <p:nvPr/>
+        </p:nvGrpSpPr>
+        <p:grpSpPr>
+          <a:xfrm>
+            <a:off x="3481579" y="2317967"/>
+            <a:ext cx="435650" cy="261610"/>
+            <a:chOff x="8889900" y="4512530"/>
+            <a:chExt cx="435650" cy="261610"/>
+          </a:xfrm>
+        </p:grpSpPr>
+        <p:sp>
+          <p:nvSpPr>
+            <p:cNvPr id="10" name="Ellipse 9">
+              <a:extLst>
+                <a:ext uri="{FF2B5EF4-FFF2-40B4-BE49-F238E27FC236}">
+                  <a16:creationId xmlns:a16="http://schemas.microsoft.com/office/drawing/2014/main" id="{72BF5BBB-8498-4481-BA7B-1482DD869551}"/>
+                </a:ext>
+              </a:extLst>
+            </p:cNvPr>
+            <p:cNvSpPr/>
+            <p:nvPr/>
+          </p:nvSpPr>
+          <p:spPr>
+            <a:xfrm>
+              <a:off x="8962858" y="4533089"/>
+              <a:ext cx="239949" cy="220493"/>
+            </a:xfrm>
+            <a:prstGeom prst="ellipse">
+              <a:avLst/>
+            </a:prstGeom>
+          </p:spPr>
+          <p:style>
+            <a:lnRef idx="2">
+              <a:schemeClr val="accent1">
+                <a:shade val="50000"/>
+              </a:schemeClr>
+            </a:lnRef>
+            <a:fillRef idx="1">
+              <a:schemeClr val="accent1"/>
+            </a:fillRef>
+            <a:effectRef idx="0">
+              <a:schemeClr val="accent1"/>
+            </a:effectRef>
+            <a:fontRef idx="minor">
+              <a:schemeClr val="lt1"/>
+            </a:fontRef>
+          </p:style>
+          <p:txBody>
+            <a:bodyPr rtlCol="0" anchor="ctr"/>
+            <a:lstStyle/>
+            <a:p>
+              <a:pPr algn="ctr"/>
+              <a:endParaRPr lang="de-DE" sz="1200" dirty="0"/>
+            </a:p>
+          </p:txBody>
+        </p:sp>
+        <p:sp>
+          <p:nvSpPr>
+            <p:cNvPr id="11" name="Textfeld 10">
+              <a:extLst>
+                <a:ext uri="{FF2B5EF4-FFF2-40B4-BE49-F238E27FC236}">
+                  <a16:creationId xmlns:a16="http://schemas.microsoft.com/office/drawing/2014/main" id="{60A421AA-20CC-41CD-BF35-EB6D0642F303}"/>
+                </a:ext>
+              </a:extLst>
+            </p:cNvPr>
+            <p:cNvSpPr txBox="1"/>
+            <p:nvPr/>
+          </p:nvSpPr>
+          <p:spPr>
+            <a:xfrm flipH="1">
+              <a:off x="8889900" y="4512530"/>
+              <a:ext cx="435650" cy="261610"/>
+            </a:xfrm>
+            <a:prstGeom prst="rect">
+              <a:avLst/>
+            </a:prstGeom>
+            <a:noFill/>
+          </p:spPr>
+          <p:txBody>
+            <a:bodyPr wrap="square" rtlCol="0">
+              <a:spAutoFit/>
+            </a:bodyPr>
+            <a:lstStyle/>
+            <a:p>
+              <a:r>
+                <a:rPr lang="de-DE" sz="1100" dirty="0">
+                  <a:solidFill>
+                    <a:schemeClr val="bg1"/>
+                  </a:solidFill>
+                </a:rPr>
+                <a:t>060</a:t>
+              </a:r>
+            </a:p>
+          </p:txBody>
+        </p:sp>
+      </p:grpSp>
+      <p:grpSp>
+        <p:nvGrpSpPr>
+          <p:cNvPr id="12" name="Gruppieren 11">
+            <a:extLst>
+              <a:ext uri="{FF2B5EF4-FFF2-40B4-BE49-F238E27FC236}">
+                <a16:creationId xmlns:a16="http://schemas.microsoft.com/office/drawing/2014/main" id="{D38BDCAF-B721-45C6-A5A9-DF5439151AA9}"/>
+              </a:ext>
+            </a:extLst>
+          </p:cNvPr>
+          <p:cNvGrpSpPr/>
+          <p:nvPr/>
+        </p:nvGrpSpPr>
+        <p:grpSpPr>
+          <a:xfrm>
+            <a:off x="4270235" y="3303903"/>
+            <a:ext cx="435650" cy="261610"/>
+            <a:chOff x="8889900" y="4512530"/>
+            <a:chExt cx="435650" cy="261610"/>
+          </a:xfrm>
+        </p:grpSpPr>
+        <p:sp>
+          <p:nvSpPr>
+            <p:cNvPr id="13" name="Ellipse 12">
+              <a:extLst>
+                <a:ext uri="{FF2B5EF4-FFF2-40B4-BE49-F238E27FC236}">
+                  <a16:creationId xmlns:a16="http://schemas.microsoft.com/office/drawing/2014/main" id="{EE4C2D97-A2E4-467C-8EEB-B43087657D86}"/>
+                </a:ext>
+              </a:extLst>
+            </p:cNvPr>
+            <p:cNvSpPr/>
+            <p:nvPr/>
+          </p:nvSpPr>
+          <p:spPr>
+            <a:xfrm>
+              <a:off x="8962858" y="4533089"/>
+              <a:ext cx="239949" cy="220493"/>
+            </a:xfrm>
+            <a:prstGeom prst="ellipse">
+              <a:avLst/>
+            </a:prstGeom>
+          </p:spPr>
+          <p:style>
+            <a:lnRef idx="2">
+              <a:schemeClr val="accent1">
+                <a:shade val="50000"/>
+              </a:schemeClr>
+            </a:lnRef>
+            <a:fillRef idx="1">
+              <a:schemeClr val="accent1"/>
+            </a:fillRef>
+            <a:effectRef idx="0">
+              <a:schemeClr val="accent1"/>
+            </a:effectRef>
+            <a:fontRef idx="minor">
+              <a:schemeClr val="lt1"/>
+            </a:fontRef>
+          </p:style>
+          <p:txBody>
+            <a:bodyPr rtlCol="0" anchor="ctr"/>
+            <a:lstStyle/>
+            <a:p>
+              <a:pPr algn="ctr"/>
+              <a:endParaRPr lang="de-DE" sz="1200" dirty="0"/>
+            </a:p>
+          </p:txBody>
+        </p:sp>
+        <p:sp>
+          <p:nvSpPr>
+            <p:cNvPr id="14" name="Textfeld 13">
+              <a:extLst>
+                <a:ext uri="{FF2B5EF4-FFF2-40B4-BE49-F238E27FC236}">
+                  <a16:creationId xmlns:a16="http://schemas.microsoft.com/office/drawing/2014/main" id="{4F6B67FF-0EEA-4441-8B10-449D1528E834}"/>
+                </a:ext>
+              </a:extLst>
+            </p:cNvPr>
+            <p:cNvSpPr txBox="1"/>
+            <p:nvPr/>
+          </p:nvSpPr>
+          <p:spPr>
+            <a:xfrm flipH="1">
+              <a:off x="8889900" y="4512530"/>
+              <a:ext cx="435650" cy="261610"/>
+            </a:xfrm>
+            <a:prstGeom prst="rect">
+              <a:avLst/>
+            </a:prstGeom>
+            <a:noFill/>
+          </p:spPr>
+          <p:txBody>
+            <a:bodyPr wrap="square" rtlCol="0">
+              <a:spAutoFit/>
+            </a:bodyPr>
+            <a:lstStyle/>
+            <a:p>
+              <a:r>
+                <a:rPr lang="de-DE" sz="1100" dirty="0">
+                  <a:solidFill>
+                    <a:schemeClr val="bg1"/>
+                  </a:solidFill>
+                </a:rPr>
+                <a:t>057</a:t>
+              </a:r>
+            </a:p>
+          </p:txBody>
+        </p:sp>
+      </p:grpSp>
+      <p:grpSp>
+        <p:nvGrpSpPr>
+          <p:cNvPr id="15" name="Gruppieren 14">
+            <a:extLst>
+              <a:ext uri="{FF2B5EF4-FFF2-40B4-BE49-F238E27FC236}">
+                <a16:creationId xmlns:a16="http://schemas.microsoft.com/office/drawing/2014/main" id="{ECEAE5A2-6928-4B20-98A4-102C750F02F3}"/>
+              </a:ext>
+            </a:extLst>
+          </p:cNvPr>
+          <p:cNvGrpSpPr/>
+          <p:nvPr/>
+        </p:nvGrpSpPr>
+        <p:grpSpPr>
+          <a:xfrm>
+            <a:off x="4687881" y="3293624"/>
+            <a:ext cx="435650" cy="261610"/>
+            <a:chOff x="8889900" y="4512530"/>
+            <a:chExt cx="435650" cy="261610"/>
+          </a:xfrm>
+        </p:grpSpPr>
+        <p:sp>
+          <p:nvSpPr>
+            <p:cNvPr id="16" name="Ellipse 15">
+              <a:extLst>
+                <a:ext uri="{FF2B5EF4-FFF2-40B4-BE49-F238E27FC236}">
+                  <a16:creationId xmlns:a16="http://schemas.microsoft.com/office/drawing/2014/main" id="{FBF0F3CB-A62E-4C27-A84F-00EA3C0AE464}"/>
+                </a:ext>
+              </a:extLst>
+            </p:cNvPr>
+            <p:cNvSpPr/>
+            <p:nvPr/>
+          </p:nvSpPr>
+          <p:spPr>
+            <a:xfrm>
+              <a:off x="8962858" y="4533089"/>
+              <a:ext cx="239949" cy="220493"/>
+            </a:xfrm>
+            <a:prstGeom prst="ellipse">
+              <a:avLst/>
+            </a:prstGeom>
+          </p:spPr>
+          <p:style>
+            <a:lnRef idx="2">
+              <a:schemeClr val="accent1">
+                <a:shade val="50000"/>
+              </a:schemeClr>
+            </a:lnRef>
+            <a:fillRef idx="1">
+              <a:schemeClr val="accent1"/>
+            </a:fillRef>
+            <a:effectRef idx="0">
+              <a:schemeClr val="accent1"/>
+            </a:effectRef>
+            <a:fontRef idx="minor">
+              <a:schemeClr val="lt1"/>
+            </a:fontRef>
+          </p:style>
+          <p:txBody>
+            <a:bodyPr rtlCol="0" anchor="ctr"/>
+            <a:lstStyle/>
+            <a:p>
+              <a:pPr algn="ctr"/>
+              <a:endParaRPr lang="de-DE" sz="1200" dirty="0"/>
+            </a:p>
+          </p:txBody>
+        </p:sp>
+        <p:sp>
+          <p:nvSpPr>
+            <p:cNvPr id="17" name="Textfeld 16">
+              <a:extLst>
+                <a:ext uri="{FF2B5EF4-FFF2-40B4-BE49-F238E27FC236}">
+                  <a16:creationId xmlns:a16="http://schemas.microsoft.com/office/drawing/2014/main" id="{355DDB10-A70C-419C-BB04-EE4DDE129F90}"/>
+                </a:ext>
+              </a:extLst>
+            </p:cNvPr>
+            <p:cNvSpPr txBox="1"/>
+            <p:nvPr/>
+          </p:nvSpPr>
+          <p:spPr>
+            <a:xfrm flipH="1">
+              <a:off x="8889900" y="4512530"/>
+              <a:ext cx="435650" cy="261610"/>
+            </a:xfrm>
+            <a:prstGeom prst="rect">
+              <a:avLst/>
+            </a:prstGeom>
+            <a:noFill/>
+          </p:spPr>
+          <p:txBody>
+            <a:bodyPr wrap="square" rtlCol="0">
+              <a:spAutoFit/>
+            </a:bodyPr>
+            <a:lstStyle/>
+            <a:p>
+              <a:r>
+                <a:rPr lang="de-DE" sz="1100" dirty="0">
+                  <a:solidFill>
+                    <a:schemeClr val="bg1"/>
+                  </a:solidFill>
+                </a:rPr>
+                <a:t>059</a:t>
+              </a:r>
+            </a:p>
+          </p:txBody>
+        </p:sp>
+      </p:grpSp>
+      <p:grpSp>
+        <p:nvGrpSpPr>
+          <p:cNvPr id="18" name="Gruppieren 17">
+            <a:extLst>
+              <a:ext uri="{FF2B5EF4-FFF2-40B4-BE49-F238E27FC236}">
+                <a16:creationId xmlns:a16="http://schemas.microsoft.com/office/drawing/2014/main" id="{79AD8E84-3FE3-44F5-9FC1-1C74B50E0094}"/>
+              </a:ext>
+            </a:extLst>
+          </p:cNvPr>
+          <p:cNvGrpSpPr/>
+          <p:nvPr/>
+        </p:nvGrpSpPr>
+        <p:grpSpPr>
+          <a:xfrm>
+            <a:off x="5110696" y="3314182"/>
+            <a:ext cx="435650" cy="261610"/>
+            <a:chOff x="8889900" y="4512530"/>
+            <a:chExt cx="435650" cy="261610"/>
+          </a:xfrm>
+        </p:grpSpPr>
+        <p:sp>
+          <p:nvSpPr>
+            <p:cNvPr id="19" name="Ellipse 18">
+              <a:extLst>
+                <a:ext uri="{FF2B5EF4-FFF2-40B4-BE49-F238E27FC236}">
+                  <a16:creationId xmlns:a16="http://schemas.microsoft.com/office/drawing/2014/main" id="{F8E317E7-8F5D-4FC1-B323-CE3F84A3E558}"/>
+                </a:ext>
+              </a:extLst>
+            </p:cNvPr>
+            <p:cNvSpPr/>
+            <p:nvPr/>
+          </p:nvSpPr>
+          <p:spPr>
+            <a:xfrm>
+              <a:off x="8962858" y="4533089"/>
+              <a:ext cx="239949" cy="220493"/>
+            </a:xfrm>
+            <a:prstGeom prst="ellipse">
+              <a:avLst/>
+            </a:prstGeom>
+          </p:spPr>
+          <p:style>
+            <a:lnRef idx="2">
+              <a:schemeClr val="accent1">
+                <a:shade val="50000"/>
+              </a:schemeClr>
+            </a:lnRef>
+            <a:fillRef idx="1">
+              <a:schemeClr val="accent1"/>
+            </a:fillRef>
+            <a:effectRef idx="0">
+              <a:schemeClr val="accent1"/>
+            </a:effectRef>
+            <a:fontRef idx="minor">
+              <a:schemeClr val="lt1"/>
+            </a:fontRef>
+          </p:style>
+          <p:txBody>
+            <a:bodyPr rtlCol="0" anchor="ctr"/>
+            <a:lstStyle/>
+            <a:p>
+              <a:pPr algn="ctr"/>
+              <a:endParaRPr lang="de-DE" sz="1200" dirty="0"/>
+            </a:p>
+          </p:txBody>
+        </p:sp>
+        <p:sp>
+          <p:nvSpPr>
+            <p:cNvPr id="20" name="Textfeld 19">
+              <a:extLst>
+                <a:ext uri="{FF2B5EF4-FFF2-40B4-BE49-F238E27FC236}">
+                  <a16:creationId xmlns:a16="http://schemas.microsoft.com/office/drawing/2014/main" id="{6642BB5E-A57C-48E0-BFF1-61CB7D7B4603}"/>
+                </a:ext>
+              </a:extLst>
+            </p:cNvPr>
+            <p:cNvSpPr txBox="1"/>
+            <p:nvPr/>
+          </p:nvSpPr>
+          <p:spPr>
+            <a:xfrm flipH="1">
+              <a:off x="8889900" y="4512530"/>
+              <a:ext cx="435650" cy="261610"/>
+            </a:xfrm>
+            <a:prstGeom prst="rect">
+              <a:avLst/>
+            </a:prstGeom>
+            <a:noFill/>
+          </p:spPr>
+          <p:txBody>
+            <a:bodyPr wrap="square" rtlCol="0">
+              <a:spAutoFit/>
+            </a:bodyPr>
+            <a:lstStyle/>
+            <a:p>
+              <a:r>
+                <a:rPr lang="de-DE" sz="1100" dirty="0">
+                  <a:solidFill>
+                    <a:schemeClr val="bg1"/>
+                  </a:solidFill>
+                </a:rPr>
+                <a:t>058</a:t>
+              </a:r>
+            </a:p>
+          </p:txBody>
+        </p:sp>
+      </p:grpSp>
+      <p:grpSp>
+        <p:nvGrpSpPr>
+          <p:cNvPr id="21" name="Gruppieren 20">
+            <a:extLst>
+              <a:ext uri="{FF2B5EF4-FFF2-40B4-BE49-F238E27FC236}">
+                <a16:creationId xmlns:a16="http://schemas.microsoft.com/office/drawing/2014/main" id="{776B96AC-12B1-4DC9-AE4E-BA00A35939E3}"/>
+              </a:ext>
+            </a:extLst>
+          </p:cNvPr>
+          <p:cNvGrpSpPr/>
+          <p:nvPr/>
+        </p:nvGrpSpPr>
+        <p:grpSpPr>
+          <a:xfrm>
+            <a:off x="6779137" y="3277637"/>
+            <a:ext cx="435650" cy="261610"/>
+            <a:chOff x="8889900" y="4512530"/>
+            <a:chExt cx="435650" cy="261610"/>
+          </a:xfrm>
+        </p:grpSpPr>
+        <p:sp>
+          <p:nvSpPr>
+            <p:cNvPr id="22" name="Ellipse 21">
+              <a:extLst>
+                <a:ext uri="{FF2B5EF4-FFF2-40B4-BE49-F238E27FC236}">
+                  <a16:creationId xmlns:a16="http://schemas.microsoft.com/office/drawing/2014/main" id="{66B7B70C-6E44-48F7-A2D3-9C236B312B4C}"/>
+                </a:ext>
+              </a:extLst>
+            </p:cNvPr>
+            <p:cNvSpPr/>
+            <p:nvPr/>
+          </p:nvSpPr>
+          <p:spPr>
+            <a:xfrm>
+              <a:off x="8962858" y="4533089"/>
+              <a:ext cx="239949" cy="220493"/>
+            </a:xfrm>
+            <a:prstGeom prst="ellipse">
+              <a:avLst/>
+            </a:prstGeom>
+          </p:spPr>
+          <p:style>
+            <a:lnRef idx="2">
+              <a:schemeClr val="accent1">
+                <a:shade val="50000"/>
+              </a:schemeClr>
+            </a:lnRef>
+            <a:fillRef idx="1">
+              <a:schemeClr val="accent1"/>
+            </a:fillRef>
+            <a:effectRef idx="0">
+              <a:schemeClr val="accent1"/>
+            </a:effectRef>
+            <a:fontRef idx="minor">
+              <a:schemeClr val="lt1"/>
+            </a:fontRef>
+          </p:style>
+          <p:txBody>
+            <a:bodyPr rtlCol="0" anchor="ctr"/>
+            <a:lstStyle/>
+            <a:p>
+              <a:pPr algn="ctr"/>
+              <a:endParaRPr lang="de-DE" sz="1200" dirty="0"/>
+            </a:p>
+          </p:txBody>
+        </p:sp>
+        <p:sp>
+          <p:nvSpPr>
+            <p:cNvPr id="23" name="Textfeld 22">
+              <a:extLst>
+                <a:ext uri="{FF2B5EF4-FFF2-40B4-BE49-F238E27FC236}">
+                  <a16:creationId xmlns:a16="http://schemas.microsoft.com/office/drawing/2014/main" id="{044E3CD6-056D-4C1C-ACF1-E8B9D0DEEAEA}"/>
+                </a:ext>
+              </a:extLst>
+            </p:cNvPr>
+            <p:cNvSpPr txBox="1"/>
+            <p:nvPr/>
+          </p:nvSpPr>
+          <p:spPr>
+            <a:xfrm flipH="1">
+              <a:off x="8889900" y="4512530"/>
+              <a:ext cx="435650" cy="261610"/>
+            </a:xfrm>
+            <a:prstGeom prst="rect">
+              <a:avLst/>
+            </a:prstGeom>
+            <a:noFill/>
+          </p:spPr>
+          <p:txBody>
+            <a:bodyPr wrap="square" rtlCol="0">
+              <a:spAutoFit/>
+            </a:bodyPr>
+            <a:lstStyle/>
+            <a:p>
+              <a:r>
+                <a:rPr lang="de-DE" sz="1100" dirty="0">
+                  <a:solidFill>
+                    <a:schemeClr val="bg1"/>
+                  </a:solidFill>
+                </a:rPr>
+                <a:t>067</a:t>
+              </a:r>
+            </a:p>
+          </p:txBody>
+        </p:sp>
+      </p:grpSp>
+      <p:grpSp>
+        <p:nvGrpSpPr>
+          <p:cNvPr id="24" name="Gruppieren 23">
+            <a:extLst>
+              <a:ext uri="{FF2B5EF4-FFF2-40B4-BE49-F238E27FC236}">
+                <a16:creationId xmlns:a16="http://schemas.microsoft.com/office/drawing/2014/main" id="{4959C60A-381B-4B57-BEF6-0D5ECF5D2AE7}"/>
+              </a:ext>
+            </a:extLst>
+          </p:cNvPr>
+          <p:cNvGrpSpPr/>
+          <p:nvPr/>
+        </p:nvGrpSpPr>
+        <p:grpSpPr>
+          <a:xfrm>
+            <a:off x="7264572" y="3298195"/>
+            <a:ext cx="435650" cy="261610"/>
+            <a:chOff x="8889900" y="4512530"/>
+            <a:chExt cx="435650" cy="261610"/>
+          </a:xfrm>
+        </p:grpSpPr>
+        <p:sp>
+          <p:nvSpPr>
+            <p:cNvPr id="25" name="Ellipse 24">
+              <a:extLst>
+                <a:ext uri="{FF2B5EF4-FFF2-40B4-BE49-F238E27FC236}">
+                  <a16:creationId xmlns:a16="http://schemas.microsoft.com/office/drawing/2014/main" id="{197351F6-5E43-4472-A642-BD6475851537}"/>
+                </a:ext>
+              </a:extLst>
+            </p:cNvPr>
+            <p:cNvSpPr/>
+            <p:nvPr/>
+          </p:nvSpPr>
+          <p:spPr>
+            <a:xfrm>
+              <a:off x="8962858" y="4533089"/>
+              <a:ext cx="239949" cy="220493"/>
+            </a:xfrm>
+            <a:prstGeom prst="ellipse">
+              <a:avLst/>
+            </a:prstGeom>
+          </p:spPr>
+          <p:style>
+            <a:lnRef idx="2">
+              <a:schemeClr val="accent1">
+                <a:shade val="50000"/>
+              </a:schemeClr>
+            </a:lnRef>
+            <a:fillRef idx="1">
+              <a:schemeClr val="accent1"/>
+            </a:fillRef>
+            <a:effectRef idx="0">
+              <a:schemeClr val="accent1"/>
+            </a:effectRef>
+            <a:fontRef idx="minor">
+              <a:schemeClr val="lt1"/>
+            </a:fontRef>
+          </p:style>
+          <p:txBody>
+            <a:bodyPr rtlCol="0" anchor="ctr"/>
+            <a:lstStyle/>
+            <a:p>
+              <a:pPr algn="ctr"/>
+              <a:endParaRPr lang="de-DE" sz="1200" dirty="0"/>
+            </a:p>
+          </p:txBody>
+        </p:sp>
+        <p:sp>
+          <p:nvSpPr>
+            <p:cNvPr id="26" name="Textfeld 25">
+              <a:extLst>
+                <a:ext uri="{FF2B5EF4-FFF2-40B4-BE49-F238E27FC236}">
+                  <a16:creationId xmlns:a16="http://schemas.microsoft.com/office/drawing/2014/main" id="{651A51A0-D598-4384-BB9B-9B9DD6540B7C}"/>
+                </a:ext>
+              </a:extLst>
+            </p:cNvPr>
+            <p:cNvSpPr txBox="1"/>
+            <p:nvPr/>
+          </p:nvSpPr>
+          <p:spPr>
+            <a:xfrm flipH="1">
+              <a:off x="8889900" y="4512530"/>
+              <a:ext cx="435650" cy="261610"/>
+            </a:xfrm>
+            <a:prstGeom prst="rect">
+              <a:avLst/>
+            </a:prstGeom>
+            <a:noFill/>
+          </p:spPr>
+          <p:txBody>
+            <a:bodyPr wrap="square" rtlCol="0">
+              <a:spAutoFit/>
+            </a:bodyPr>
+            <a:lstStyle/>
+            <a:p>
+              <a:r>
+                <a:rPr lang="de-DE" sz="1100" dirty="0">
+                  <a:solidFill>
+                    <a:schemeClr val="bg1"/>
+                  </a:solidFill>
+                </a:rPr>
+                <a:t>068</a:t>
+              </a:r>
+            </a:p>
+          </p:txBody>
+        </p:sp>
+      </p:grpSp>
+      <p:grpSp>
+        <p:nvGrpSpPr>
+          <p:cNvPr id="27" name="Gruppieren 26">
+            <a:extLst>
+              <a:ext uri="{FF2B5EF4-FFF2-40B4-BE49-F238E27FC236}">
+                <a16:creationId xmlns:a16="http://schemas.microsoft.com/office/drawing/2014/main" id="{1BEE3922-AD58-4114-AB71-136C3A4D8BB9}"/>
+              </a:ext>
+            </a:extLst>
+          </p:cNvPr>
+          <p:cNvGrpSpPr/>
+          <p:nvPr/>
+        </p:nvGrpSpPr>
+        <p:grpSpPr>
+          <a:xfrm>
+            <a:off x="4477002" y="2664778"/>
+            <a:ext cx="435650" cy="261610"/>
+            <a:chOff x="8889900" y="4512530"/>
+            <a:chExt cx="435650" cy="261610"/>
+          </a:xfrm>
+        </p:grpSpPr>
+        <p:sp>
+          <p:nvSpPr>
+            <p:cNvPr id="28" name="Ellipse 27">
+              <a:extLst>
+                <a:ext uri="{FF2B5EF4-FFF2-40B4-BE49-F238E27FC236}">
+                  <a16:creationId xmlns:a16="http://schemas.microsoft.com/office/drawing/2014/main" id="{FD275BDD-DCA9-413D-8DF1-D6E5F82F4890}"/>
+                </a:ext>
+              </a:extLst>
+            </p:cNvPr>
+            <p:cNvSpPr/>
+            <p:nvPr/>
+          </p:nvSpPr>
+          <p:spPr>
+            <a:xfrm>
+              <a:off x="8962858" y="4533089"/>
+              <a:ext cx="239949" cy="220493"/>
+            </a:xfrm>
+            <a:prstGeom prst="ellipse">
+              <a:avLst/>
+            </a:prstGeom>
+          </p:spPr>
+          <p:style>
+            <a:lnRef idx="2">
+              <a:schemeClr val="accent1">
+                <a:shade val="50000"/>
+              </a:schemeClr>
+            </a:lnRef>
+            <a:fillRef idx="1">
+              <a:schemeClr val="accent1"/>
+            </a:fillRef>
+            <a:effectRef idx="0">
+              <a:schemeClr val="accent1"/>
+            </a:effectRef>
+            <a:fontRef idx="minor">
+              <a:schemeClr val="lt1"/>
+            </a:fontRef>
+          </p:style>
+          <p:txBody>
+            <a:bodyPr rtlCol="0" anchor="ctr"/>
+            <a:lstStyle/>
+            <a:p>
+              <a:pPr algn="ctr"/>
+              <a:endParaRPr lang="de-DE" sz="1200" dirty="0"/>
+            </a:p>
+          </p:txBody>
+        </p:sp>
+        <p:sp>
+          <p:nvSpPr>
+            <p:cNvPr id="29" name="Textfeld 28">
+              <a:extLst>
+                <a:ext uri="{FF2B5EF4-FFF2-40B4-BE49-F238E27FC236}">
+                  <a16:creationId xmlns:a16="http://schemas.microsoft.com/office/drawing/2014/main" id="{74B36E76-DF3E-4307-9141-C17B5BBC7C0E}"/>
+                </a:ext>
+              </a:extLst>
+            </p:cNvPr>
+            <p:cNvSpPr txBox="1"/>
+            <p:nvPr/>
+          </p:nvSpPr>
+          <p:spPr>
+            <a:xfrm flipH="1">
+              <a:off x="8889900" y="4512530"/>
+              <a:ext cx="435650" cy="261610"/>
+            </a:xfrm>
+            <a:prstGeom prst="rect">
+              <a:avLst/>
+            </a:prstGeom>
+            <a:noFill/>
+          </p:spPr>
+          <p:txBody>
+            <a:bodyPr wrap="square" rtlCol="0">
+              <a:spAutoFit/>
+            </a:bodyPr>
+            <a:lstStyle/>
+            <a:p>
+              <a:r>
+                <a:rPr lang="de-DE" sz="1100" dirty="0">
+                  <a:solidFill>
+                    <a:schemeClr val="bg1"/>
+                  </a:solidFill>
+                </a:rPr>
+                <a:t>056</a:t>
+              </a:r>
+            </a:p>
+          </p:txBody>
+        </p:sp>
+      </p:grpSp>
+      <p:grpSp>
+        <p:nvGrpSpPr>
+          <p:cNvPr id="30" name="Gruppieren 29">
+            <a:extLst>
+              <a:ext uri="{FF2B5EF4-FFF2-40B4-BE49-F238E27FC236}">
+                <a16:creationId xmlns:a16="http://schemas.microsoft.com/office/drawing/2014/main" id="{755CA2B3-C86E-462B-9B91-654923A87E72}"/>
+              </a:ext>
+            </a:extLst>
+          </p:cNvPr>
+          <p:cNvGrpSpPr/>
+          <p:nvPr/>
+        </p:nvGrpSpPr>
+        <p:grpSpPr>
+          <a:xfrm>
+            <a:off x="3487313" y="3277637"/>
+            <a:ext cx="435650" cy="261610"/>
+            <a:chOff x="8889900" y="4512530"/>
+            <a:chExt cx="435650" cy="261610"/>
+          </a:xfrm>
+        </p:grpSpPr>
+        <p:sp>
+          <p:nvSpPr>
+            <p:cNvPr id="31" name="Ellipse 30">
+              <a:extLst>
+                <a:ext uri="{FF2B5EF4-FFF2-40B4-BE49-F238E27FC236}">
+                  <a16:creationId xmlns:a16="http://schemas.microsoft.com/office/drawing/2014/main" id="{9A4620C7-A849-40A7-A19B-9C97D815E88B}"/>
+                </a:ext>
+              </a:extLst>
+            </p:cNvPr>
+            <p:cNvSpPr/>
+            <p:nvPr/>
+          </p:nvSpPr>
+          <p:spPr>
+            <a:xfrm>
+              <a:off x="8962858" y="4533089"/>
+              <a:ext cx="239949" cy="220493"/>
+            </a:xfrm>
+            <a:prstGeom prst="ellipse">
+              <a:avLst/>
+            </a:prstGeom>
+          </p:spPr>
+          <p:style>
+            <a:lnRef idx="2">
+              <a:schemeClr val="accent1">
+                <a:shade val="50000"/>
+              </a:schemeClr>
+            </a:lnRef>
+            <a:fillRef idx="1">
+              <a:schemeClr val="accent1"/>
+            </a:fillRef>
+            <a:effectRef idx="0">
+              <a:schemeClr val="accent1"/>
+            </a:effectRef>
+            <a:fontRef idx="minor">
+              <a:schemeClr val="lt1"/>
+            </a:fontRef>
+          </p:style>
+          <p:txBody>
+            <a:bodyPr rtlCol="0" anchor="ctr"/>
+            <a:lstStyle/>
+            <a:p>
+              <a:pPr algn="ctr"/>
+              <a:endParaRPr lang="de-DE" sz="1200" dirty="0"/>
+            </a:p>
+          </p:txBody>
+        </p:sp>
+        <p:sp>
+          <p:nvSpPr>
+            <p:cNvPr id="32" name="Textfeld 31">
+              <a:extLst>
+                <a:ext uri="{FF2B5EF4-FFF2-40B4-BE49-F238E27FC236}">
+                  <a16:creationId xmlns:a16="http://schemas.microsoft.com/office/drawing/2014/main" id="{A521C6CF-C627-46F7-98EE-59F3524B2DC5}"/>
+                </a:ext>
+              </a:extLst>
+            </p:cNvPr>
+            <p:cNvSpPr txBox="1"/>
+            <p:nvPr/>
+          </p:nvSpPr>
+          <p:spPr>
+            <a:xfrm flipH="1">
+              <a:off x="8889900" y="4512530"/>
+              <a:ext cx="435650" cy="261610"/>
+            </a:xfrm>
+            <a:prstGeom prst="rect">
+              <a:avLst/>
+            </a:prstGeom>
+            <a:noFill/>
+          </p:spPr>
+          <p:txBody>
+            <a:bodyPr wrap="square" rtlCol="0">
+              <a:spAutoFit/>
+            </a:bodyPr>
+            <a:lstStyle/>
+            <a:p>
+              <a:r>
+                <a:rPr lang="de-DE" sz="1100" dirty="0">
+                  <a:solidFill>
+                    <a:schemeClr val="bg1"/>
+                  </a:solidFill>
+                </a:rPr>
+                <a:t>201</a:t>
+              </a:r>
+            </a:p>
+          </p:txBody>
+        </p:sp>
+      </p:grpSp>
+      <p:grpSp>
+        <p:nvGrpSpPr>
+          <p:cNvPr id="33" name="Gruppieren 32">
+            <a:extLst>
+              <a:ext uri="{FF2B5EF4-FFF2-40B4-BE49-F238E27FC236}">
+                <a16:creationId xmlns:a16="http://schemas.microsoft.com/office/drawing/2014/main" id="{2497369B-C025-4F01-8F2C-58E3D73EF438}"/>
+              </a:ext>
+            </a:extLst>
+          </p:cNvPr>
+          <p:cNvGrpSpPr/>
+          <p:nvPr/>
+        </p:nvGrpSpPr>
+        <p:grpSpPr>
+          <a:xfrm>
+            <a:off x="3521440" y="2662996"/>
+            <a:ext cx="435650" cy="261610"/>
+            <a:chOff x="8889900" y="4512530"/>
+            <a:chExt cx="435650" cy="261610"/>
+          </a:xfrm>
+        </p:grpSpPr>
+        <p:sp>
+          <p:nvSpPr>
+            <p:cNvPr id="34" name="Ellipse 33">
+              <a:extLst>
+                <a:ext uri="{FF2B5EF4-FFF2-40B4-BE49-F238E27FC236}">
+                  <a16:creationId xmlns:a16="http://schemas.microsoft.com/office/drawing/2014/main" id="{C45A7D01-F17E-4092-BF10-CAB33A6F5018}"/>
+                </a:ext>
+              </a:extLst>
+            </p:cNvPr>
+            <p:cNvSpPr/>
+            <p:nvPr/>
+          </p:nvSpPr>
+          <p:spPr>
+            <a:xfrm>
+              <a:off x="8962858" y="4533089"/>
+              <a:ext cx="239949" cy="220493"/>
+            </a:xfrm>
+            <a:prstGeom prst="ellipse">
+              <a:avLst/>
+            </a:prstGeom>
+          </p:spPr>
+          <p:style>
+            <a:lnRef idx="2">
+              <a:schemeClr val="accent1">
+                <a:shade val="50000"/>
+              </a:schemeClr>
+            </a:lnRef>
+            <a:fillRef idx="1">
+              <a:schemeClr val="accent1"/>
+            </a:fillRef>
+            <a:effectRef idx="0">
+              <a:schemeClr val="accent1"/>
+            </a:effectRef>
+            <a:fontRef idx="minor">
+              <a:schemeClr val="lt1"/>
+            </a:fontRef>
+          </p:style>
+          <p:txBody>
+            <a:bodyPr rtlCol="0" anchor="ctr"/>
+            <a:lstStyle/>
+            <a:p>
+              <a:pPr algn="ctr"/>
+              <a:endParaRPr lang="de-DE" sz="1200" dirty="0"/>
+            </a:p>
+          </p:txBody>
+        </p:sp>
+        <p:sp>
+          <p:nvSpPr>
+            <p:cNvPr id="35" name="Textfeld 34">
+              <a:extLst>
+                <a:ext uri="{FF2B5EF4-FFF2-40B4-BE49-F238E27FC236}">
+                  <a16:creationId xmlns:a16="http://schemas.microsoft.com/office/drawing/2014/main" id="{E1F46FD5-C5D6-48C7-AF24-AE2B517328A0}"/>
+                </a:ext>
+              </a:extLst>
+            </p:cNvPr>
+            <p:cNvSpPr txBox="1"/>
+            <p:nvPr/>
+          </p:nvSpPr>
+          <p:spPr>
+            <a:xfrm flipH="1">
+              <a:off x="8889900" y="4512530"/>
+              <a:ext cx="435650" cy="261610"/>
+            </a:xfrm>
+            <a:prstGeom prst="rect">
+              <a:avLst/>
+            </a:prstGeom>
+            <a:noFill/>
+          </p:spPr>
+          <p:txBody>
+            <a:bodyPr wrap="square" rtlCol="0">
+              <a:spAutoFit/>
+            </a:bodyPr>
+            <a:lstStyle/>
+            <a:p>
+              <a:r>
+                <a:rPr lang="de-DE" sz="1100" dirty="0">
+                  <a:solidFill>
+                    <a:schemeClr val="bg1"/>
+                  </a:solidFill>
+                </a:rPr>
+                <a:t>212</a:t>
+              </a:r>
+            </a:p>
+          </p:txBody>
+        </p:sp>
+      </p:grpSp>
+      <p:grpSp>
+        <p:nvGrpSpPr>
+          <p:cNvPr id="36" name="Gruppieren 35">
+            <a:extLst>
+              <a:ext uri="{FF2B5EF4-FFF2-40B4-BE49-F238E27FC236}">
+                <a16:creationId xmlns:a16="http://schemas.microsoft.com/office/drawing/2014/main" id="{A29E2EBE-28F5-4A4C-8E8B-1B45259F6125}"/>
+              </a:ext>
+            </a:extLst>
+          </p:cNvPr>
+          <p:cNvGrpSpPr/>
+          <p:nvPr/>
+        </p:nvGrpSpPr>
+        <p:grpSpPr>
+          <a:xfrm>
+            <a:off x="1443474" y="3257079"/>
+            <a:ext cx="435650" cy="261610"/>
+            <a:chOff x="8889900" y="4512530"/>
+            <a:chExt cx="435650" cy="261610"/>
+          </a:xfrm>
+        </p:grpSpPr>
+        <p:sp>
+          <p:nvSpPr>
+            <p:cNvPr id="37" name="Ellipse 36">
+              <a:extLst>
+                <a:ext uri="{FF2B5EF4-FFF2-40B4-BE49-F238E27FC236}">
+                  <a16:creationId xmlns:a16="http://schemas.microsoft.com/office/drawing/2014/main" id="{43E8B4F1-318E-4945-911B-86150FB266AE}"/>
+                </a:ext>
+              </a:extLst>
+            </p:cNvPr>
+            <p:cNvSpPr/>
+            <p:nvPr/>
+          </p:nvSpPr>
+          <p:spPr>
+            <a:xfrm>
+              <a:off x="8962858" y="4533089"/>
+              <a:ext cx="239949" cy="220493"/>
+            </a:xfrm>
+            <a:prstGeom prst="ellipse">
+              <a:avLst/>
+            </a:prstGeom>
+          </p:spPr>
+          <p:style>
+            <a:lnRef idx="2">
+              <a:schemeClr val="accent1">
+                <a:shade val="50000"/>
+              </a:schemeClr>
+            </a:lnRef>
+            <a:fillRef idx="1">
+              <a:schemeClr val="accent1"/>
+            </a:fillRef>
+            <a:effectRef idx="0">
+              <a:schemeClr val="accent1"/>
+            </a:effectRef>
+            <a:fontRef idx="minor">
+              <a:schemeClr val="lt1"/>
+            </a:fontRef>
+          </p:style>
+          <p:txBody>
+            <a:bodyPr rtlCol="0" anchor="ctr"/>
+            <a:lstStyle/>
+            <a:p>
+              <a:pPr algn="ctr"/>
+              <a:endParaRPr lang="de-DE" sz="1200" dirty="0"/>
+            </a:p>
+          </p:txBody>
+        </p:sp>
+        <p:sp>
+          <p:nvSpPr>
+            <p:cNvPr id="38" name="Textfeld 37">
+              <a:extLst>
+                <a:ext uri="{FF2B5EF4-FFF2-40B4-BE49-F238E27FC236}">
+                  <a16:creationId xmlns:a16="http://schemas.microsoft.com/office/drawing/2014/main" id="{E358FDAD-3F54-4C30-99D7-D51833B4528A}"/>
+                </a:ext>
+              </a:extLst>
+            </p:cNvPr>
+            <p:cNvSpPr txBox="1"/>
+            <p:nvPr/>
+          </p:nvSpPr>
+          <p:spPr>
+            <a:xfrm flipH="1">
+              <a:off x="8889900" y="4512530"/>
+              <a:ext cx="435650" cy="261610"/>
+            </a:xfrm>
+            <a:prstGeom prst="rect">
+              <a:avLst/>
+            </a:prstGeom>
+            <a:noFill/>
+          </p:spPr>
+          <p:txBody>
+            <a:bodyPr wrap="square" rtlCol="0">
+              <a:spAutoFit/>
+            </a:bodyPr>
+            <a:lstStyle/>
+            <a:p>
+              <a:r>
+                <a:rPr lang="de-DE" sz="1100" dirty="0">
+                  <a:solidFill>
+                    <a:schemeClr val="bg1"/>
+                  </a:solidFill>
+                </a:rPr>
+                <a:t>061</a:t>
+              </a:r>
+            </a:p>
+          </p:txBody>
+        </p:sp>
+      </p:grpSp>
+      <p:grpSp>
+        <p:nvGrpSpPr>
+          <p:cNvPr id="39" name="Gruppieren 38">
+            <a:extLst>
+              <a:ext uri="{FF2B5EF4-FFF2-40B4-BE49-F238E27FC236}">
+                <a16:creationId xmlns:a16="http://schemas.microsoft.com/office/drawing/2014/main" id="{1C01F410-31A9-4306-A89C-886B684A592D}"/>
+              </a:ext>
+            </a:extLst>
+          </p:cNvPr>
+          <p:cNvGrpSpPr/>
+          <p:nvPr/>
+        </p:nvGrpSpPr>
+        <p:grpSpPr>
+          <a:xfrm>
+            <a:off x="1904214" y="3257079"/>
+            <a:ext cx="435650" cy="261610"/>
+            <a:chOff x="8889900" y="4512530"/>
+            <a:chExt cx="435650" cy="261610"/>
+          </a:xfrm>
+        </p:grpSpPr>
+        <p:sp>
+          <p:nvSpPr>
+            <p:cNvPr id="40" name="Ellipse 39">
+              <a:extLst>
+                <a:ext uri="{FF2B5EF4-FFF2-40B4-BE49-F238E27FC236}">
+                  <a16:creationId xmlns:a16="http://schemas.microsoft.com/office/drawing/2014/main" id="{D87E2F77-2AD9-4F77-A84A-3A5EEEE2B4BF}"/>
+                </a:ext>
+              </a:extLst>
+            </p:cNvPr>
+            <p:cNvSpPr/>
+            <p:nvPr/>
+          </p:nvSpPr>
+          <p:spPr>
+            <a:xfrm>
+              <a:off x="8962858" y="4533089"/>
+              <a:ext cx="239949" cy="220493"/>
+            </a:xfrm>
+            <a:prstGeom prst="ellipse">
+              <a:avLst/>
+            </a:prstGeom>
+          </p:spPr>
+          <p:style>
+            <a:lnRef idx="2">
+              <a:schemeClr val="accent1">
+                <a:shade val="50000"/>
+              </a:schemeClr>
+            </a:lnRef>
+            <a:fillRef idx="1">
+              <a:schemeClr val="accent1"/>
+            </a:fillRef>
+            <a:effectRef idx="0">
+              <a:schemeClr val="accent1"/>
+            </a:effectRef>
+            <a:fontRef idx="minor">
+              <a:schemeClr val="lt1"/>
+            </a:fontRef>
+          </p:style>
+          <p:txBody>
+            <a:bodyPr rtlCol="0" anchor="ctr"/>
+            <a:lstStyle/>
+            <a:p>
+              <a:pPr algn="ctr"/>
+              <a:endParaRPr lang="de-DE" sz="1200" dirty="0"/>
+            </a:p>
+          </p:txBody>
+        </p:sp>
+        <p:sp>
+          <p:nvSpPr>
+            <p:cNvPr id="41" name="Textfeld 40">
+              <a:extLst>
+                <a:ext uri="{FF2B5EF4-FFF2-40B4-BE49-F238E27FC236}">
+                  <a16:creationId xmlns:a16="http://schemas.microsoft.com/office/drawing/2014/main" id="{A2A55A85-223E-4441-BD20-DC7FD0B4C180}"/>
+                </a:ext>
+              </a:extLst>
+            </p:cNvPr>
+            <p:cNvSpPr txBox="1"/>
+            <p:nvPr/>
+          </p:nvSpPr>
+          <p:spPr>
+            <a:xfrm flipH="1">
+              <a:off x="8889900" y="4512530"/>
+              <a:ext cx="435650" cy="261610"/>
+            </a:xfrm>
+            <a:prstGeom prst="rect">
+              <a:avLst/>
+            </a:prstGeom>
+            <a:noFill/>
+          </p:spPr>
+          <p:txBody>
+            <a:bodyPr wrap="square" rtlCol="0">
+              <a:spAutoFit/>
+            </a:bodyPr>
+            <a:lstStyle/>
+            <a:p>
+              <a:r>
+                <a:rPr lang="de-DE" sz="1100" dirty="0">
+                  <a:solidFill>
+                    <a:schemeClr val="bg1"/>
+                  </a:solidFill>
+                </a:rPr>
+                <a:t>065</a:t>
+              </a:r>
+            </a:p>
+          </p:txBody>
+        </p:sp>
+      </p:grpSp>
+      <p:grpSp>
+        <p:nvGrpSpPr>
+          <p:cNvPr id="42" name="Gruppieren 41">
+            <a:extLst>
+              <a:ext uri="{FF2B5EF4-FFF2-40B4-BE49-F238E27FC236}">
+                <a16:creationId xmlns:a16="http://schemas.microsoft.com/office/drawing/2014/main" id="{5D305A5F-188C-47F1-9945-D6F935BDE8AF}"/>
+              </a:ext>
+            </a:extLst>
+          </p:cNvPr>
+          <p:cNvGrpSpPr/>
+          <p:nvPr/>
+        </p:nvGrpSpPr>
+        <p:grpSpPr>
+          <a:xfrm>
+            <a:off x="1977172" y="4606122"/>
+            <a:ext cx="435650" cy="261610"/>
+            <a:chOff x="8889900" y="4512530"/>
+            <a:chExt cx="435650" cy="261610"/>
+          </a:xfrm>
+        </p:grpSpPr>
+        <p:sp>
+          <p:nvSpPr>
+            <p:cNvPr id="43" name="Ellipse 42">
+              <a:extLst>
+                <a:ext uri="{FF2B5EF4-FFF2-40B4-BE49-F238E27FC236}">
+                  <a16:creationId xmlns:a16="http://schemas.microsoft.com/office/drawing/2014/main" id="{E10D2003-0EB0-4B18-8034-FB8506BEA489}"/>
+                </a:ext>
+              </a:extLst>
+            </p:cNvPr>
+            <p:cNvSpPr/>
+            <p:nvPr/>
+          </p:nvSpPr>
+          <p:spPr>
+            <a:xfrm>
+              <a:off x="8962858" y="4533089"/>
+              <a:ext cx="239949" cy="220493"/>
+            </a:xfrm>
+            <a:prstGeom prst="ellipse">
+              <a:avLst/>
+            </a:prstGeom>
+          </p:spPr>
+          <p:style>
+            <a:lnRef idx="2">
+              <a:schemeClr val="accent1">
+                <a:shade val="50000"/>
+              </a:schemeClr>
+            </a:lnRef>
+            <a:fillRef idx="1">
+              <a:schemeClr val="accent1"/>
+            </a:fillRef>
+            <a:effectRef idx="0">
+              <a:schemeClr val="accent1"/>
+            </a:effectRef>
+            <a:fontRef idx="minor">
+              <a:schemeClr val="lt1"/>
+            </a:fontRef>
+          </p:style>
+          <p:txBody>
+            <a:bodyPr rtlCol="0" anchor="ctr"/>
+            <a:lstStyle/>
+            <a:p>
+              <a:pPr algn="ctr"/>
+              <a:endParaRPr lang="de-DE" sz="1200" dirty="0"/>
+            </a:p>
+          </p:txBody>
+        </p:sp>
+        <p:sp>
+          <p:nvSpPr>
+            <p:cNvPr id="44" name="Textfeld 43">
+              <a:extLst>
+                <a:ext uri="{FF2B5EF4-FFF2-40B4-BE49-F238E27FC236}">
+                  <a16:creationId xmlns:a16="http://schemas.microsoft.com/office/drawing/2014/main" id="{708DD078-8640-41B0-A099-D1C684221F97}"/>
+                </a:ext>
+              </a:extLst>
+            </p:cNvPr>
+            <p:cNvSpPr txBox="1"/>
+            <p:nvPr/>
+          </p:nvSpPr>
+          <p:spPr>
+            <a:xfrm flipH="1">
+              <a:off x="8889900" y="4512530"/>
+              <a:ext cx="435650" cy="261610"/>
+            </a:xfrm>
+            <a:prstGeom prst="rect">
+              <a:avLst/>
+            </a:prstGeom>
+            <a:noFill/>
+          </p:spPr>
+          <p:txBody>
+            <a:bodyPr wrap="square" rtlCol="0">
+              <a:spAutoFit/>
+            </a:bodyPr>
+            <a:lstStyle/>
+            <a:p>
+              <a:r>
+                <a:rPr lang="de-DE" sz="1100" dirty="0">
+                  <a:solidFill>
+                    <a:schemeClr val="bg1"/>
+                  </a:solidFill>
+                </a:rPr>
+                <a:t>063</a:t>
+              </a:r>
+            </a:p>
+          </p:txBody>
+        </p:sp>
+      </p:grpSp>
+      <p:grpSp>
+        <p:nvGrpSpPr>
+          <p:cNvPr id="45" name="Gruppieren 44">
+            <a:extLst>
+              <a:ext uri="{FF2B5EF4-FFF2-40B4-BE49-F238E27FC236}">
+                <a16:creationId xmlns:a16="http://schemas.microsoft.com/office/drawing/2014/main" id="{7DF6CD6E-9751-4F0B-B452-613D37BC03F0}"/>
+              </a:ext>
+            </a:extLst>
+          </p:cNvPr>
+          <p:cNvGrpSpPr/>
+          <p:nvPr/>
+        </p:nvGrpSpPr>
+        <p:grpSpPr>
+          <a:xfrm>
+            <a:off x="904177" y="4635119"/>
+            <a:ext cx="435650" cy="261610"/>
+            <a:chOff x="8889900" y="4512530"/>
+            <a:chExt cx="435650" cy="261610"/>
+          </a:xfrm>
+        </p:grpSpPr>
+        <p:sp>
+          <p:nvSpPr>
+            <p:cNvPr id="46" name="Ellipse 45">
+              <a:extLst>
+                <a:ext uri="{FF2B5EF4-FFF2-40B4-BE49-F238E27FC236}">
+                  <a16:creationId xmlns:a16="http://schemas.microsoft.com/office/drawing/2014/main" id="{1AC2A89A-225A-434F-8B86-2621CA64FA48}"/>
+                </a:ext>
+              </a:extLst>
+            </p:cNvPr>
+            <p:cNvSpPr/>
+            <p:nvPr/>
+          </p:nvSpPr>
+          <p:spPr>
+            <a:xfrm>
+              <a:off x="8962858" y="4533089"/>
+              <a:ext cx="239949" cy="220493"/>
+            </a:xfrm>
+            <a:prstGeom prst="ellipse">
+              <a:avLst/>
+            </a:prstGeom>
+          </p:spPr>
+          <p:style>
+            <a:lnRef idx="2">
+              <a:schemeClr val="accent1">
+                <a:shade val="50000"/>
+              </a:schemeClr>
+            </a:lnRef>
+            <a:fillRef idx="1">
+              <a:schemeClr val="accent1"/>
+            </a:fillRef>
+            <a:effectRef idx="0">
+              <a:schemeClr val="accent1"/>
+            </a:effectRef>
+            <a:fontRef idx="minor">
+              <a:schemeClr val="lt1"/>
+            </a:fontRef>
+          </p:style>
+          <p:txBody>
+            <a:bodyPr rtlCol="0" anchor="ctr"/>
+            <a:lstStyle/>
+            <a:p>
+              <a:pPr algn="ctr"/>
+              <a:endParaRPr lang="de-DE" sz="1200" dirty="0"/>
+            </a:p>
+          </p:txBody>
+        </p:sp>
+        <p:sp>
+          <p:nvSpPr>
+            <p:cNvPr id="47" name="Textfeld 46">
+              <a:extLst>
+                <a:ext uri="{FF2B5EF4-FFF2-40B4-BE49-F238E27FC236}">
+                  <a16:creationId xmlns:a16="http://schemas.microsoft.com/office/drawing/2014/main" id="{741C2020-8918-4D6E-AB21-78DCCF5A5637}"/>
+                </a:ext>
+              </a:extLst>
+            </p:cNvPr>
+            <p:cNvSpPr txBox="1"/>
+            <p:nvPr/>
+          </p:nvSpPr>
+          <p:spPr>
+            <a:xfrm flipH="1">
+              <a:off x="8889900" y="4512530"/>
+              <a:ext cx="435650" cy="261610"/>
+            </a:xfrm>
+            <a:prstGeom prst="rect">
+              <a:avLst/>
+            </a:prstGeom>
+            <a:noFill/>
+          </p:spPr>
+          <p:txBody>
+            <a:bodyPr wrap="square" rtlCol="0">
+              <a:spAutoFit/>
+            </a:bodyPr>
+            <a:lstStyle/>
+            <a:p>
+              <a:r>
+                <a:rPr lang="de-DE" sz="1100" dirty="0">
+                  <a:solidFill>
+                    <a:schemeClr val="bg1"/>
+                  </a:solidFill>
+                </a:rPr>
+                <a:t>062</a:t>
+              </a:r>
+            </a:p>
+          </p:txBody>
+        </p:sp>
+      </p:grpSp>
+      <p:grpSp>
+        <p:nvGrpSpPr>
+          <p:cNvPr id="51" name="Gruppieren 50">
+            <a:extLst>
+              <a:ext uri="{FF2B5EF4-FFF2-40B4-BE49-F238E27FC236}">
+                <a16:creationId xmlns:a16="http://schemas.microsoft.com/office/drawing/2014/main" id="{7EDFB96E-C08D-4AAD-9B5A-B2BDB1067AAA}"/>
+              </a:ext>
+            </a:extLst>
+          </p:cNvPr>
+          <p:cNvGrpSpPr/>
+          <p:nvPr/>
+        </p:nvGrpSpPr>
+        <p:grpSpPr>
+          <a:xfrm>
+            <a:off x="3045929" y="4626681"/>
+            <a:ext cx="435650" cy="261610"/>
+            <a:chOff x="8889900" y="4512530"/>
+            <a:chExt cx="435650" cy="261610"/>
+          </a:xfrm>
+        </p:grpSpPr>
+        <p:sp>
+          <p:nvSpPr>
+            <p:cNvPr id="52" name="Ellipse 51">
+              <a:extLst>
+                <a:ext uri="{FF2B5EF4-FFF2-40B4-BE49-F238E27FC236}">
+                  <a16:creationId xmlns:a16="http://schemas.microsoft.com/office/drawing/2014/main" id="{F0E78979-5196-47F3-A039-E9D364EC1A2D}"/>
+                </a:ext>
+              </a:extLst>
+            </p:cNvPr>
+            <p:cNvSpPr/>
+            <p:nvPr/>
+          </p:nvSpPr>
+          <p:spPr>
+            <a:xfrm>
+              <a:off x="8962858" y="4533089"/>
+              <a:ext cx="239949" cy="220493"/>
+            </a:xfrm>
+            <a:prstGeom prst="ellipse">
+              <a:avLst/>
+            </a:prstGeom>
+          </p:spPr>
+          <p:style>
+            <a:lnRef idx="2">
+              <a:schemeClr val="accent1">
+                <a:shade val="50000"/>
+              </a:schemeClr>
+            </a:lnRef>
+            <a:fillRef idx="1">
+              <a:schemeClr val="accent1"/>
+            </a:fillRef>
+            <a:effectRef idx="0">
+              <a:schemeClr val="accent1"/>
+            </a:effectRef>
+            <a:fontRef idx="minor">
+              <a:schemeClr val="lt1"/>
+            </a:fontRef>
+          </p:style>
+          <p:txBody>
+            <a:bodyPr rtlCol="0" anchor="ctr"/>
+            <a:lstStyle/>
+            <a:p>
+              <a:pPr algn="ctr"/>
+              <a:endParaRPr lang="de-DE" sz="1200" dirty="0"/>
+            </a:p>
+          </p:txBody>
+        </p:sp>
+        <p:sp>
+          <p:nvSpPr>
+            <p:cNvPr id="53" name="Textfeld 52">
+              <a:extLst>
+                <a:ext uri="{FF2B5EF4-FFF2-40B4-BE49-F238E27FC236}">
+                  <a16:creationId xmlns:a16="http://schemas.microsoft.com/office/drawing/2014/main" id="{0E8C933D-0B7C-489D-BE98-B1C0B91AEB08}"/>
+                </a:ext>
+              </a:extLst>
+            </p:cNvPr>
+            <p:cNvSpPr txBox="1"/>
+            <p:nvPr/>
+          </p:nvSpPr>
+          <p:spPr>
+            <a:xfrm flipH="1">
+              <a:off x="8889900" y="4512530"/>
+              <a:ext cx="435650" cy="261610"/>
+            </a:xfrm>
+            <a:prstGeom prst="rect">
+              <a:avLst/>
+            </a:prstGeom>
+            <a:noFill/>
+          </p:spPr>
+          <p:txBody>
+            <a:bodyPr wrap="square" rtlCol="0">
+              <a:spAutoFit/>
+            </a:bodyPr>
+            <a:lstStyle/>
+            <a:p>
+              <a:r>
+                <a:rPr lang="de-DE" sz="1100" dirty="0">
+                  <a:solidFill>
+                    <a:schemeClr val="bg1"/>
+                  </a:solidFill>
+                </a:rPr>
+                <a:t>064</a:t>
+              </a:r>
+            </a:p>
+          </p:txBody>
+        </p:sp>
+      </p:grpSp>
+      <p:grpSp>
+        <p:nvGrpSpPr>
+          <p:cNvPr id="54" name="Gruppieren 53">
+            <a:extLst>
+              <a:ext uri="{FF2B5EF4-FFF2-40B4-BE49-F238E27FC236}">
+                <a16:creationId xmlns:a16="http://schemas.microsoft.com/office/drawing/2014/main" id="{23C52529-1349-47EE-B570-685E4830DAAD}"/>
+              </a:ext>
+            </a:extLst>
+          </p:cNvPr>
+          <p:cNvGrpSpPr/>
+          <p:nvPr/>
+        </p:nvGrpSpPr>
+        <p:grpSpPr>
+          <a:xfrm>
+            <a:off x="6874219" y="1873522"/>
+            <a:ext cx="435650" cy="261610"/>
+            <a:chOff x="8889900" y="4512530"/>
+            <a:chExt cx="435650" cy="261610"/>
+          </a:xfrm>
+        </p:grpSpPr>
+        <p:sp>
+          <p:nvSpPr>
+            <p:cNvPr id="55" name="Ellipse 54">
+              <a:extLst>
+                <a:ext uri="{FF2B5EF4-FFF2-40B4-BE49-F238E27FC236}">
+                  <a16:creationId xmlns:a16="http://schemas.microsoft.com/office/drawing/2014/main" id="{DD9DFC28-7A84-4A17-89DE-CA8C574C83D9}"/>
+                </a:ext>
+              </a:extLst>
+            </p:cNvPr>
+            <p:cNvSpPr/>
+            <p:nvPr/>
+          </p:nvSpPr>
+          <p:spPr>
+            <a:xfrm>
+              <a:off x="8962858" y="4533089"/>
+              <a:ext cx="239949" cy="220493"/>
+            </a:xfrm>
+            <a:prstGeom prst="ellipse">
+              <a:avLst/>
+            </a:prstGeom>
+          </p:spPr>
+          <p:style>
+            <a:lnRef idx="2">
+              <a:schemeClr val="accent1">
+                <a:shade val="50000"/>
+              </a:schemeClr>
+            </a:lnRef>
+            <a:fillRef idx="1">
+              <a:schemeClr val="accent1"/>
+            </a:fillRef>
+            <a:effectRef idx="0">
+              <a:schemeClr val="accent1"/>
+            </a:effectRef>
+            <a:fontRef idx="minor">
+              <a:schemeClr val="lt1"/>
+            </a:fontRef>
+          </p:style>
+          <p:txBody>
+            <a:bodyPr rtlCol="0" anchor="ctr"/>
+            <a:lstStyle/>
+            <a:p>
+              <a:pPr algn="ctr"/>
+              <a:endParaRPr lang="de-DE" sz="1200" dirty="0"/>
+            </a:p>
+          </p:txBody>
+        </p:sp>
+        <p:sp>
+          <p:nvSpPr>
+            <p:cNvPr id="56" name="Textfeld 55">
+              <a:extLst>
+                <a:ext uri="{FF2B5EF4-FFF2-40B4-BE49-F238E27FC236}">
+                  <a16:creationId xmlns:a16="http://schemas.microsoft.com/office/drawing/2014/main" id="{7D659C61-9F5C-4A6E-86E6-2DD75BDE8328}"/>
+                </a:ext>
+              </a:extLst>
+            </p:cNvPr>
+            <p:cNvSpPr txBox="1"/>
+            <p:nvPr/>
+          </p:nvSpPr>
+          <p:spPr>
+            <a:xfrm flipH="1">
+              <a:off x="8889900" y="4512530"/>
+              <a:ext cx="435650" cy="261610"/>
+            </a:xfrm>
+            <a:prstGeom prst="rect">
+              <a:avLst/>
+            </a:prstGeom>
+            <a:noFill/>
+          </p:spPr>
+          <p:txBody>
+            <a:bodyPr wrap="square" rtlCol="0">
+              <a:spAutoFit/>
+            </a:bodyPr>
+            <a:lstStyle/>
+            <a:p>
+              <a:r>
+                <a:rPr lang="de-DE" sz="1100" dirty="0">
+                  <a:solidFill>
+                    <a:schemeClr val="bg1"/>
+                  </a:solidFill>
+                </a:rPr>
+                <a:t>204</a:t>
+              </a:r>
+            </a:p>
+          </p:txBody>
+        </p:sp>
+      </p:grpSp>
+    </p:spTree>
+    <p:extLst>
+      <p:ext uri="{BB962C8B-B14F-4D97-AF65-F5344CB8AC3E}">
+        <p14:creationId xmlns:p14="http://schemas.microsoft.com/office/powerpoint/2010/main" val="747134894"/>
+      </p:ext>
+    </p:extLst>
+  </p:cSld>
+  <p:clrMapOvr>
+    <a:masterClrMapping/>
+  </p:clrMapOvr>
+</p:sld>
+</file>
+
+<file path=ppt/slides/slide16.xml><?xml version="1.0" encoding="utf-8"?>
 <p:sld xmlns:a="http://schemas.openxmlformats.org/drawingml/2006/main" xmlns:r="http://schemas.openxmlformats.org/officeDocument/2006/relationships" xmlns:p="http://schemas.openxmlformats.org/presentationml/2006/main">
   <p:cSld>
     <p:spTree>
@@ -9206,7 +12586,7 @@
 </p:sld>
 </file>
 
-<file path=ppt/slides/slide16.xml><?xml version="1.0" encoding="utf-8"?>
+<file path=ppt/slides/slide17.xml><?xml version="1.0" encoding="utf-8"?>
 <p:sld xmlns:a="http://schemas.openxmlformats.org/drawingml/2006/main" xmlns:r="http://schemas.openxmlformats.org/officeDocument/2006/relationships" xmlns:p="http://schemas.openxmlformats.org/presentationml/2006/main">
   <p:cSld>
     <p:spTree>
@@ -9324,6 +12704,2868 @@
           </a:prstGeom>
         </p:spPr>
       </p:pic>
+      <p:grpSp>
+        <p:nvGrpSpPr>
+          <p:cNvPr id="6" name="Gruppieren 5">
+            <a:extLst>
+              <a:ext uri="{FF2B5EF4-FFF2-40B4-BE49-F238E27FC236}">
+                <a16:creationId xmlns:a16="http://schemas.microsoft.com/office/drawing/2014/main" id="{9C46923F-6686-4094-B518-5AD76E6D99EF}"/>
+              </a:ext>
+            </a:extLst>
+          </p:cNvPr>
+          <p:cNvGrpSpPr/>
+          <p:nvPr/>
+        </p:nvGrpSpPr>
+        <p:grpSpPr>
+          <a:xfrm>
+            <a:off x="1903563" y="2127307"/>
+            <a:ext cx="435650" cy="261610"/>
+            <a:chOff x="8889900" y="4512530"/>
+            <a:chExt cx="435650" cy="261610"/>
+          </a:xfrm>
+        </p:grpSpPr>
+        <p:sp>
+          <p:nvSpPr>
+            <p:cNvPr id="7" name="Ellipse 6">
+              <a:extLst>
+                <a:ext uri="{FF2B5EF4-FFF2-40B4-BE49-F238E27FC236}">
+                  <a16:creationId xmlns:a16="http://schemas.microsoft.com/office/drawing/2014/main" id="{31A4A2AC-28BB-4E08-A0EC-09818484A2B1}"/>
+                </a:ext>
+              </a:extLst>
+            </p:cNvPr>
+            <p:cNvSpPr/>
+            <p:nvPr/>
+          </p:nvSpPr>
+          <p:spPr>
+            <a:xfrm>
+              <a:off x="8962858" y="4533089"/>
+              <a:ext cx="239949" cy="220493"/>
+            </a:xfrm>
+            <a:prstGeom prst="ellipse">
+              <a:avLst/>
+            </a:prstGeom>
+          </p:spPr>
+          <p:style>
+            <a:lnRef idx="2">
+              <a:schemeClr val="accent1">
+                <a:shade val="50000"/>
+              </a:schemeClr>
+            </a:lnRef>
+            <a:fillRef idx="1">
+              <a:schemeClr val="accent1"/>
+            </a:fillRef>
+            <a:effectRef idx="0">
+              <a:schemeClr val="accent1"/>
+            </a:effectRef>
+            <a:fontRef idx="minor">
+              <a:schemeClr val="lt1"/>
+            </a:fontRef>
+          </p:style>
+          <p:txBody>
+            <a:bodyPr rtlCol="0" anchor="ctr"/>
+            <a:lstStyle/>
+            <a:p>
+              <a:pPr algn="ctr"/>
+              <a:endParaRPr lang="de-DE" sz="1200" dirty="0"/>
+            </a:p>
+          </p:txBody>
+        </p:sp>
+        <p:sp>
+          <p:nvSpPr>
+            <p:cNvPr id="8" name="Textfeld 7">
+              <a:extLst>
+                <a:ext uri="{FF2B5EF4-FFF2-40B4-BE49-F238E27FC236}">
+                  <a16:creationId xmlns:a16="http://schemas.microsoft.com/office/drawing/2014/main" id="{FF51B7AD-E6CD-428A-88E6-DCB39B422655}"/>
+                </a:ext>
+              </a:extLst>
+            </p:cNvPr>
+            <p:cNvSpPr txBox="1"/>
+            <p:nvPr/>
+          </p:nvSpPr>
+          <p:spPr>
+            <a:xfrm flipH="1">
+              <a:off x="8889900" y="4512530"/>
+              <a:ext cx="435650" cy="261610"/>
+            </a:xfrm>
+            <a:prstGeom prst="rect">
+              <a:avLst/>
+            </a:prstGeom>
+            <a:noFill/>
+          </p:spPr>
+          <p:txBody>
+            <a:bodyPr wrap="square" rtlCol="0">
+              <a:spAutoFit/>
+            </a:bodyPr>
+            <a:lstStyle/>
+            <a:p>
+              <a:r>
+                <a:rPr lang="de-DE" sz="1100" dirty="0">
+                  <a:solidFill>
+                    <a:schemeClr val="bg1"/>
+                  </a:solidFill>
+                </a:rPr>
+                <a:t>101</a:t>
+              </a:r>
+            </a:p>
+          </p:txBody>
+        </p:sp>
+      </p:grpSp>
+      <p:grpSp>
+        <p:nvGrpSpPr>
+          <p:cNvPr id="9" name="Gruppieren 8">
+            <a:extLst>
+              <a:ext uri="{FF2B5EF4-FFF2-40B4-BE49-F238E27FC236}">
+                <a16:creationId xmlns:a16="http://schemas.microsoft.com/office/drawing/2014/main" id="{7A421E7B-7F70-46B3-92B1-AFF25CE9ABFE}"/>
+              </a:ext>
+            </a:extLst>
+          </p:cNvPr>
+          <p:cNvGrpSpPr/>
+          <p:nvPr/>
+        </p:nvGrpSpPr>
+        <p:grpSpPr>
+          <a:xfrm>
+            <a:off x="3420446" y="1226047"/>
+            <a:ext cx="435650" cy="261610"/>
+            <a:chOff x="8889900" y="4512530"/>
+            <a:chExt cx="435650" cy="261610"/>
+          </a:xfrm>
+        </p:grpSpPr>
+        <p:sp>
+          <p:nvSpPr>
+            <p:cNvPr id="10" name="Ellipse 9">
+              <a:extLst>
+                <a:ext uri="{FF2B5EF4-FFF2-40B4-BE49-F238E27FC236}">
+                  <a16:creationId xmlns:a16="http://schemas.microsoft.com/office/drawing/2014/main" id="{3B686A98-F3F8-4B32-B744-B4EC208B404C}"/>
+                </a:ext>
+              </a:extLst>
+            </p:cNvPr>
+            <p:cNvSpPr/>
+            <p:nvPr/>
+          </p:nvSpPr>
+          <p:spPr>
+            <a:xfrm>
+              <a:off x="8962858" y="4533089"/>
+              <a:ext cx="239949" cy="220493"/>
+            </a:xfrm>
+            <a:prstGeom prst="ellipse">
+              <a:avLst/>
+            </a:prstGeom>
+          </p:spPr>
+          <p:style>
+            <a:lnRef idx="2">
+              <a:schemeClr val="accent1">
+                <a:shade val="50000"/>
+              </a:schemeClr>
+            </a:lnRef>
+            <a:fillRef idx="1">
+              <a:schemeClr val="accent1"/>
+            </a:fillRef>
+            <a:effectRef idx="0">
+              <a:schemeClr val="accent1"/>
+            </a:effectRef>
+            <a:fontRef idx="minor">
+              <a:schemeClr val="lt1"/>
+            </a:fontRef>
+          </p:style>
+          <p:txBody>
+            <a:bodyPr rtlCol="0" anchor="ctr"/>
+            <a:lstStyle/>
+            <a:p>
+              <a:pPr algn="ctr"/>
+              <a:endParaRPr lang="de-DE" sz="1200" dirty="0"/>
+            </a:p>
+          </p:txBody>
+        </p:sp>
+        <p:sp>
+          <p:nvSpPr>
+            <p:cNvPr id="11" name="Textfeld 10">
+              <a:extLst>
+                <a:ext uri="{FF2B5EF4-FFF2-40B4-BE49-F238E27FC236}">
+                  <a16:creationId xmlns:a16="http://schemas.microsoft.com/office/drawing/2014/main" id="{89B54B96-8246-468E-919C-82CEFA43174D}"/>
+                </a:ext>
+              </a:extLst>
+            </p:cNvPr>
+            <p:cNvSpPr txBox="1"/>
+            <p:nvPr/>
+          </p:nvSpPr>
+          <p:spPr>
+            <a:xfrm flipH="1">
+              <a:off x="8889900" y="4512530"/>
+              <a:ext cx="435650" cy="261610"/>
+            </a:xfrm>
+            <a:prstGeom prst="rect">
+              <a:avLst/>
+            </a:prstGeom>
+            <a:noFill/>
+          </p:spPr>
+          <p:txBody>
+            <a:bodyPr wrap="square" rtlCol="0">
+              <a:spAutoFit/>
+            </a:bodyPr>
+            <a:lstStyle/>
+            <a:p>
+              <a:r>
+                <a:rPr lang="de-DE" sz="1100" dirty="0">
+                  <a:solidFill>
+                    <a:schemeClr val="bg1"/>
+                  </a:solidFill>
+                </a:rPr>
+                <a:t>101</a:t>
+              </a:r>
+            </a:p>
+          </p:txBody>
+        </p:sp>
+      </p:grpSp>
+      <p:grpSp>
+        <p:nvGrpSpPr>
+          <p:cNvPr id="12" name="Gruppieren 11">
+            <a:extLst>
+              <a:ext uri="{FF2B5EF4-FFF2-40B4-BE49-F238E27FC236}">
+                <a16:creationId xmlns:a16="http://schemas.microsoft.com/office/drawing/2014/main" id="{C7399F9B-16D0-42A8-B95B-67AC5C57D33C}"/>
+              </a:ext>
+            </a:extLst>
+          </p:cNvPr>
+          <p:cNvGrpSpPr/>
+          <p:nvPr/>
+        </p:nvGrpSpPr>
+        <p:grpSpPr>
+          <a:xfrm>
+            <a:off x="2544957" y="2374131"/>
+            <a:ext cx="435650" cy="261610"/>
+            <a:chOff x="8889900" y="4512530"/>
+            <a:chExt cx="435650" cy="261610"/>
+          </a:xfrm>
+        </p:grpSpPr>
+        <p:sp>
+          <p:nvSpPr>
+            <p:cNvPr id="13" name="Ellipse 12">
+              <a:extLst>
+                <a:ext uri="{FF2B5EF4-FFF2-40B4-BE49-F238E27FC236}">
+                  <a16:creationId xmlns:a16="http://schemas.microsoft.com/office/drawing/2014/main" id="{4276D554-868C-4591-8839-4E016AD03247}"/>
+                </a:ext>
+              </a:extLst>
+            </p:cNvPr>
+            <p:cNvSpPr/>
+            <p:nvPr/>
+          </p:nvSpPr>
+          <p:spPr>
+            <a:xfrm>
+              <a:off x="8962858" y="4533089"/>
+              <a:ext cx="239949" cy="220493"/>
+            </a:xfrm>
+            <a:prstGeom prst="ellipse">
+              <a:avLst/>
+            </a:prstGeom>
+          </p:spPr>
+          <p:style>
+            <a:lnRef idx="2">
+              <a:schemeClr val="accent1">
+                <a:shade val="50000"/>
+              </a:schemeClr>
+            </a:lnRef>
+            <a:fillRef idx="1">
+              <a:schemeClr val="accent1"/>
+            </a:fillRef>
+            <a:effectRef idx="0">
+              <a:schemeClr val="accent1"/>
+            </a:effectRef>
+            <a:fontRef idx="minor">
+              <a:schemeClr val="lt1"/>
+            </a:fontRef>
+          </p:style>
+          <p:txBody>
+            <a:bodyPr rtlCol="0" anchor="ctr"/>
+            <a:lstStyle/>
+            <a:p>
+              <a:pPr algn="ctr"/>
+              <a:endParaRPr lang="de-DE" sz="1200" dirty="0"/>
+            </a:p>
+          </p:txBody>
+        </p:sp>
+        <p:sp>
+          <p:nvSpPr>
+            <p:cNvPr id="14" name="Textfeld 13">
+              <a:extLst>
+                <a:ext uri="{FF2B5EF4-FFF2-40B4-BE49-F238E27FC236}">
+                  <a16:creationId xmlns:a16="http://schemas.microsoft.com/office/drawing/2014/main" id="{402E6B84-6425-4864-9EA1-F4C421E4B2A5}"/>
+                </a:ext>
+              </a:extLst>
+            </p:cNvPr>
+            <p:cNvSpPr txBox="1"/>
+            <p:nvPr/>
+          </p:nvSpPr>
+          <p:spPr>
+            <a:xfrm flipH="1">
+              <a:off x="8889900" y="4512530"/>
+              <a:ext cx="435650" cy="261610"/>
+            </a:xfrm>
+            <a:prstGeom prst="rect">
+              <a:avLst/>
+            </a:prstGeom>
+            <a:noFill/>
+          </p:spPr>
+          <p:txBody>
+            <a:bodyPr wrap="square" rtlCol="0">
+              <a:spAutoFit/>
+            </a:bodyPr>
+            <a:lstStyle/>
+            <a:p>
+              <a:r>
+                <a:rPr lang="de-DE" sz="1100" dirty="0">
+                  <a:solidFill>
+                    <a:schemeClr val="bg1"/>
+                  </a:solidFill>
+                </a:rPr>
+                <a:t>101</a:t>
+              </a:r>
+            </a:p>
+          </p:txBody>
+        </p:sp>
+      </p:grpSp>
+      <p:grpSp>
+        <p:nvGrpSpPr>
+          <p:cNvPr id="15" name="Gruppieren 14">
+            <a:extLst>
+              <a:ext uri="{FF2B5EF4-FFF2-40B4-BE49-F238E27FC236}">
+                <a16:creationId xmlns:a16="http://schemas.microsoft.com/office/drawing/2014/main" id="{93B558DB-F4F6-4437-B964-AC8C36EDDB00}"/>
+              </a:ext>
+            </a:extLst>
+          </p:cNvPr>
+          <p:cNvGrpSpPr/>
+          <p:nvPr/>
+        </p:nvGrpSpPr>
+        <p:grpSpPr>
+          <a:xfrm>
+            <a:off x="3091791" y="2394689"/>
+            <a:ext cx="435650" cy="261610"/>
+            <a:chOff x="8889900" y="4512530"/>
+            <a:chExt cx="435650" cy="261610"/>
+          </a:xfrm>
+        </p:grpSpPr>
+        <p:sp>
+          <p:nvSpPr>
+            <p:cNvPr id="16" name="Ellipse 15">
+              <a:extLst>
+                <a:ext uri="{FF2B5EF4-FFF2-40B4-BE49-F238E27FC236}">
+                  <a16:creationId xmlns:a16="http://schemas.microsoft.com/office/drawing/2014/main" id="{32EDCC5A-FF49-44F0-9DA0-8CE5A49338C1}"/>
+                </a:ext>
+              </a:extLst>
+            </p:cNvPr>
+            <p:cNvSpPr/>
+            <p:nvPr/>
+          </p:nvSpPr>
+          <p:spPr>
+            <a:xfrm>
+              <a:off x="8962858" y="4533089"/>
+              <a:ext cx="239949" cy="220493"/>
+            </a:xfrm>
+            <a:prstGeom prst="ellipse">
+              <a:avLst/>
+            </a:prstGeom>
+          </p:spPr>
+          <p:style>
+            <a:lnRef idx="2">
+              <a:schemeClr val="accent1">
+                <a:shade val="50000"/>
+              </a:schemeClr>
+            </a:lnRef>
+            <a:fillRef idx="1">
+              <a:schemeClr val="accent1"/>
+            </a:fillRef>
+            <a:effectRef idx="0">
+              <a:schemeClr val="accent1"/>
+            </a:effectRef>
+            <a:fontRef idx="minor">
+              <a:schemeClr val="lt1"/>
+            </a:fontRef>
+          </p:style>
+          <p:txBody>
+            <a:bodyPr rtlCol="0" anchor="ctr"/>
+            <a:lstStyle/>
+            <a:p>
+              <a:pPr algn="ctr"/>
+              <a:endParaRPr lang="de-DE" sz="1200" dirty="0"/>
+            </a:p>
+          </p:txBody>
+        </p:sp>
+        <p:sp>
+          <p:nvSpPr>
+            <p:cNvPr id="17" name="Textfeld 16">
+              <a:extLst>
+                <a:ext uri="{FF2B5EF4-FFF2-40B4-BE49-F238E27FC236}">
+                  <a16:creationId xmlns:a16="http://schemas.microsoft.com/office/drawing/2014/main" id="{B7612560-5CED-4F80-BDD0-BAE84AFD7959}"/>
+                </a:ext>
+              </a:extLst>
+            </p:cNvPr>
+            <p:cNvSpPr txBox="1"/>
+            <p:nvPr/>
+          </p:nvSpPr>
+          <p:spPr>
+            <a:xfrm flipH="1">
+              <a:off x="8889900" y="4512530"/>
+              <a:ext cx="435650" cy="261610"/>
+            </a:xfrm>
+            <a:prstGeom prst="rect">
+              <a:avLst/>
+            </a:prstGeom>
+            <a:noFill/>
+          </p:spPr>
+          <p:txBody>
+            <a:bodyPr wrap="square" rtlCol="0">
+              <a:spAutoFit/>
+            </a:bodyPr>
+            <a:lstStyle/>
+            <a:p>
+              <a:r>
+                <a:rPr lang="de-DE" sz="1100" dirty="0">
+                  <a:solidFill>
+                    <a:schemeClr val="bg1"/>
+                  </a:solidFill>
+                </a:rPr>
+                <a:t>101</a:t>
+              </a:r>
+            </a:p>
+          </p:txBody>
+        </p:sp>
+      </p:grpSp>
+      <p:grpSp>
+        <p:nvGrpSpPr>
+          <p:cNvPr id="18" name="Gruppieren 17">
+            <a:extLst>
+              <a:ext uri="{FF2B5EF4-FFF2-40B4-BE49-F238E27FC236}">
+                <a16:creationId xmlns:a16="http://schemas.microsoft.com/office/drawing/2014/main" id="{2C5A4848-C955-4DAB-BDB6-52C4EB7BAB55}"/>
+              </a:ext>
+            </a:extLst>
+          </p:cNvPr>
+          <p:cNvGrpSpPr/>
+          <p:nvPr/>
+        </p:nvGrpSpPr>
+        <p:grpSpPr>
+          <a:xfrm>
+            <a:off x="1262708" y="2895991"/>
+            <a:ext cx="435650" cy="261610"/>
+            <a:chOff x="8889900" y="4512530"/>
+            <a:chExt cx="435650" cy="261610"/>
+          </a:xfrm>
+        </p:grpSpPr>
+        <p:sp>
+          <p:nvSpPr>
+            <p:cNvPr id="19" name="Ellipse 18">
+              <a:extLst>
+                <a:ext uri="{FF2B5EF4-FFF2-40B4-BE49-F238E27FC236}">
+                  <a16:creationId xmlns:a16="http://schemas.microsoft.com/office/drawing/2014/main" id="{A4E3BE57-8972-47F9-A85A-105B4A1851E4}"/>
+                </a:ext>
+              </a:extLst>
+            </p:cNvPr>
+            <p:cNvSpPr/>
+            <p:nvPr/>
+          </p:nvSpPr>
+          <p:spPr>
+            <a:xfrm>
+              <a:off x="8962858" y="4533089"/>
+              <a:ext cx="239949" cy="220493"/>
+            </a:xfrm>
+            <a:prstGeom prst="ellipse">
+              <a:avLst/>
+            </a:prstGeom>
+          </p:spPr>
+          <p:style>
+            <a:lnRef idx="2">
+              <a:schemeClr val="accent1">
+                <a:shade val="50000"/>
+              </a:schemeClr>
+            </a:lnRef>
+            <a:fillRef idx="1">
+              <a:schemeClr val="accent1"/>
+            </a:fillRef>
+            <a:effectRef idx="0">
+              <a:schemeClr val="accent1"/>
+            </a:effectRef>
+            <a:fontRef idx="minor">
+              <a:schemeClr val="lt1"/>
+            </a:fontRef>
+          </p:style>
+          <p:txBody>
+            <a:bodyPr rtlCol="0" anchor="ctr"/>
+            <a:lstStyle/>
+            <a:p>
+              <a:pPr algn="ctr"/>
+              <a:endParaRPr lang="de-DE" sz="1200" dirty="0"/>
+            </a:p>
+          </p:txBody>
+        </p:sp>
+        <p:sp>
+          <p:nvSpPr>
+            <p:cNvPr id="20" name="Textfeld 19">
+              <a:extLst>
+                <a:ext uri="{FF2B5EF4-FFF2-40B4-BE49-F238E27FC236}">
+                  <a16:creationId xmlns:a16="http://schemas.microsoft.com/office/drawing/2014/main" id="{262DD9FE-30BC-4E65-ACA7-BE3D4DE7D7A6}"/>
+                </a:ext>
+              </a:extLst>
+            </p:cNvPr>
+            <p:cNvSpPr txBox="1"/>
+            <p:nvPr/>
+          </p:nvSpPr>
+          <p:spPr>
+            <a:xfrm flipH="1">
+              <a:off x="8889900" y="4512530"/>
+              <a:ext cx="435650" cy="261610"/>
+            </a:xfrm>
+            <a:prstGeom prst="rect">
+              <a:avLst/>
+            </a:prstGeom>
+            <a:noFill/>
+          </p:spPr>
+          <p:txBody>
+            <a:bodyPr wrap="square" rtlCol="0">
+              <a:spAutoFit/>
+            </a:bodyPr>
+            <a:lstStyle/>
+            <a:p>
+              <a:r>
+                <a:rPr lang="de-DE" sz="1100" dirty="0">
+                  <a:solidFill>
+                    <a:schemeClr val="bg1"/>
+                  </a:solidFill>
+                </a:rPr>
+                <a:t>101</a:t>
+              </a:r>
+            </a:p>
+          </p:txBody>
+        </p:sp>
+      </p:grpSp>
+      <p:grpSp>
+        <p:nvGrpSpPr>
+          <p:cNvPr id="21" name="Gruppieren 20">
+            <a:extLst>
+              <a:ext uri="{FF2B5EF4-FFF2-40B4-BE49-F238E27FC236}">
+                <a16:creationId xmlns:a16="http://schemas.microsoft.com/office/drawing/2014/main" id="{95755CE8-11AF-48EB-A945-B2809C7E59F3}"/>
+              </a:ext>
+            </a:extLst>
+          </p:cNvPr>
+          <p:cNvGrpSpPr/>
+          <p:nvPr/>
+        </p:nvGrpSpPr>
+        <p:grpSpPr>
+          <a:xfrm>
+            <a:off x="3648668" y="2355860"/>
+            <a:ext cx="435650" cy="261610"/>
+            <a:chOff x="8889900" y="4512530"/>
+            <a:chExt cx="435650" cy="261610"/>
+          </a:xfrm>
+        </p:grpSpPr>
+        <p:sp>
+          <p:nvSpPr>
+            <p:cNvPr id="22" name="Ellipse 21">
+              <a:extLst>
+                <a:ext uri="{FF2B5EF4-FFF2-40B4-BE49-F238E27FC236}">
+                  <a16:creationId xmlns:a16="http://schemas.microsoft.com/office/drawing/2014/main" id="{F2518BF2-0FBC-498D-AB69-F2A2D20166E9}"/>
+                </a:ext>
+              </a:extLst>
+            </p:cNvPr>
+            <p:cNvSpPr/>
+            <p:nvPr/>
+          </p:nvSpPr>
+          <p:spPr>
+            <a:xfrm>
+              <a:off x="8962858" y="4533089"/>
+              <a:ext cx="239949" cy="220493"/>
+            </a:xfrm>
+            <a:prstGeom prst="ellipse">
+              <a:avLst/>
+            </a:prstGeom>
+          </p:spPr>
+          <p:style>
+            <a:lnRef idx="2">
+              <a:schemeClr val="accent1">
+                <a:shade val="50000"/>
+              </a:schemeClr>
+            </a:lnRef>
+            <a:fillRef idx="1">
+              <a:schemeClr val="accent1"/>
+            </a:fillRef>
+            <a:effectRef idx="0">
+              <a:schemeClr val="accent1"/>
+            </a:effectRef>
+            <a:fontRef idx="minor">
+              <a:schemeClr val="lt1"/>
+            </a:fontRef>
+          </p:style>
+          <p:txBody>
+            <a:bodyPr rtlCol="0" anchor="ctr"/>
+            <a:lstStyle/>
+            <a:p>
+              <a:pPr algn="ctr"/>
+              <a:endParaRPr lang="de-DE" sz="1200" dirty="0"/>
+            </a:p>
+          </p:txBody>
+        </p:sp>
+        <p:sp>
+          <p:nvSpPr>
+            <p:cNvPr id="23" name="Textfeld 22">
+              <a:extLst>
+                <a:ext uri="{FF2B5EF4-FFF2-40B4-BE49-F238E27FC236}">
+                  <a16:creationId xmlns:a16="http://schemas.microsoft.com/office/drawing/2014/main" id="{1206BFB9-3455-4628-B640-1D53BF8B1133}"/>
+                </a:ext>
+              </a:extLst>
+            </p:cNvPr>
+            <p:cNvSpPr txBox="1"/>
+            <p:nvPr/>
+          </p:nvSpPr>
+          <p:spPr>
+            <a:xfrm flipH="1">
+              <a:off x="8889900" y="4512530"/>
+              <a:ext cx="435650" cy="261610"/>
+            </a:xfrm>
+            <a:prstGeom prst="rect">
+              <a:avLst/>
+            </a:prstGeom>
+            <a:noFill/>
+          </p:spPr>
+          <p:txBody>
+            <a:bodyPr wrap="square" rtlCol="0">
+              <a:spAutoFit/>
+            </a:bodyPr>
+            <a:lstStyle/>
+            <a:p>
+              <a:r>
+                <a:rPr lang="de-DE" sz="1100" dirty="0">
+                  <a:solidFill>
+                    <a:schemeClr val="bg1"/>
+                  </a:solidFill>
+                </a:rPr>
+                <a:t>101</a:t>
+              </a:r>
+            </a:p>
+          </p:txBody>
+        </p:sp>
+      </p:grpSp>
+      <p:grpSp>
+        <p:nvGrpSpPr>
+          <p:cNvPr id="24" name="Gruppieren 23">
+            <a:extLst>
+              <a:ext uri="{FF2B5EF4-FFF2-40B4-BE49-F238E27FC236}">
+                <a16:creationId xmlns:a16="http://schemas.microsoft.com/office/drawing/2014/main" id="{A0954BD5-FE12-4E46-BA5D-05C1FAC4A8BA}"/>
+              </a:ext>
+            </a:extLst>
+          </p:cNvPr>
+          <p:cNvGrpSpPr/>
+          <p:nvPr/>
+        </p:nvGrpSpPr>
+        <p:grpSpPr>
+          <a:xfrm>
+            <a:off x="1019990" y="4986361"/>
+            <a:ext cx="435650" cy="261610"/>
+            <a:chOff x="8889900" y="4512530"/>
+            <a:chExt cx="435650" cy="261610"/>
+          </a:xfrm>
+        </p:grpSpPr>
+        <p:sp>
+          <p:nvSpPr>
+            <p:cNvPr id="25" name="Ellipse 24">
+              <a:extLst>
+                <a:ext uri="{FF2B5EF4-FFF2-40B4-BE49-F238E27FC236}">
+                  <a16:creationId xmlns:a16="http://schemas.microsoft.com/office/drawing/2014/main" id="{176D04FE-0599-47C0-9C8E-29C3930D455C}"/>
+                </a:ext>
+              </a:extLst>
+            </p:cNvPr>
+            <p:cNvSpPr/>
+            <p:nvPr/>
+          </p:nvSpPr>
+          <p:spPr>
+            <a:xfrm>
+              <a:off x="8962858" y="4533089"/>
+              <a:ext cx="239949" cy="220493"/>
+            </a:xfrm>
+            <a:prstGeom prst="ellipse">
+              <a:avLst/>
+            </a:prstGeom>
+          </p:spPr>
+          <p:style>
+            <a:lnRef idx="2">
+              <a:schemeClr val="accent1">
+                <a:shade val="50000"/>
+              </a:schemeClr>
+            </a:lnRef>
+            <a:fillRef idx="1">
+              <a:schemeClr val="accent1"/>
+            </a:fillRef>
+            <a:effectRef idx="0">
+              <a:schemeClr val="accent1"/>
+            </a:effectRef>
+            <a:fontRef idx="minor">
+              <a:schemeClr val="lt1"/>
+            </a:fontRef>
+          </p:style>
+          <p:txBody>
+            <a:bodyPr rtlCol="0" anchor="ctr"/>
+            <a:lstStyle/>
+            <a:p>
+              <a:pPr algn="ctr"/>
+              <a:endParaRPr lang="de-DE" sz="1200" dirty="0"/>
+            </a:p>
+          </p:txBody>
+        </p:sp>
+        <p:sp>
+          <p:nvSpPr>
+            <p:cNvPr id="26" name="Textfeld 25">
+              <a:extLst>
+                <a:ext uri="{FF2B5EF4-FFF2-40B4-BE49-F238E27FC236}">
+                  <a16:creationId xmlns:a16="http://schemas.microsoft.com/office/drawing/2014/main" id="{E9C72EB6-C93C-44C7-B6E8-ABEEBE78CE61}"/>
+                </a:ext>
+              </a:extLst>
+            </p:cNvPr>
+            <p:cNvSpPr txBox="1"/>
+            <p:nvPr/>
+          </p:nvSpPr>
+          <p:spPr>
+            <a:xfrm flipH="1">
+              <a:off x="8889900" y="4512530"/>
+              <a:ext cx="435650" cy="261610"/>
+            </a:xfrm>
+            <a:prstGeom prst="rect">
+              <a:avLst/>
+            </a:prstGeom>
+            <a:noFill/>
+          </p:spPr>
+          <p:txBody>
+            <a:bodyPr wrap="square" rtlCol="0">
+              <a:spAutoFit/>
+            </a:bodyPr>
+            <a:lstStyle/>
+            <a:p>
+              <a:r>
+                <a:rPr lang="de-DE" sz="1100" dirty="0">
+                  <a:solidFill>
+                    <a:schemeClr val="bg1"/>
+                  </a:solidFill>
+                </a:rPr>
+                <a:t>101</a:t>
+              </a:r>
+            </a:p>
+          </p:txBody>
+        </p:sp>
+      </p:grpSp>
+      <p:grpSp>
+        <p:nvGrpSpPr>
+          <p:cNvPr id="27" name="Gruppieren 26">
+            <a:extLst>
+              <a:ext uri="{FF2B5EF4-FFF2-40B4-BE49-F238E27FC236}">
+                <a16:creationId xmlns:a16="http://schemas.microsoft.com/office/drawing/2014/main" id="{20A877ED-6AC1-4499-94B9-9AAA8293EEB8}"/>
+              </a:ext>
+            </a:extLst>
+          </p:cNvPr>
+          <p:cNvGrpSpPr/>
+          <p:nvPr/>
+        </p:nvGrpSpPr>
+        <p:grpSpPr>
+          <a:xfrm>
+            <a:off x="480494" y="4214975"/>
+            <a:ext cx="435650" cy="261610"/>
+            <a:chOff x="8889900" y="4512530"/>
+            <a:chExt cx="435650" cy="261610"/>
+          </a:xfrm>
+        </p:grpSpPr>
+        <p:sp>
+          <p:nvSpPr>
+            <p:cNvPr id="28" name="Ellipse 27">
+              <a:extLst>
+                <a:ext uri="{FF2B5EF4-FFF2-40B4-BE49-F238E27FC236}">
+                  <a16:creationId xmlns:a16="http://schemas.microsoft.com/office/drawing/2014/main" id="{DFF6BC2E-24D5-46A5-9C32-C91F91616C64}"/>
+                </a:ext>
+              </a:extLst>
+            </p:cNvPr>
+            <p:cNvSpPr/>
+            <p:nvPr/>
+          </p:nvSpPr>
+          <p:spPr>
+            <a:xfrm>
+              <a:off x="8962858" y="4533089"/>
+              <a:ext cx="239949" cy="220493"/>
+            </a:xfrm>
+            <a:prstGeom prst="ellipse">
+              <a:avLst/>
+            </a:prstGeom>
+          </p:spPr>
+          <p:style>
+            <a:lnRef idx="2">
+              <a:schemeClr val="accent1">
+                <a:shade val="50000"/>
+              </a:schemeClr>
+            </a:lnRef>
+            <a:fillRef idx="1">
+              <a:schemeClr val="accent1"/>
+            </a:fillRef>
+            <a:effectRef idx="0">
+              <a:schemeClr val="accent1"/>
+            </a:effectRef>
+            <a:fontRef idx="minor">
+              <a:schemeClr val="lt1"/>
+            </a:fontRef>
+          </p:style>
+          <p:txBody>
+            <a:bodyPr rtlCol="0" anchor="ctr"/>
+            <a:lstStyle/>
+            <a:p>
+              <a:pPr algn="ctr"/>
+              <a:endParaRPr lang="de-DE" sz="1200" dirty="0"/>
+            </a:p>
+          </p:txBody>
+        </p:sp>
+        <p:sp>
+          <p:nvSpPr>
+            <p:cNvPr id="29" name="Textfeld 28">
+              <a:extLst>
+                <a:ext uri="{FF2B5EF4-FFF2-40B4-BE49-F238E27FC236}">
+                  <a16:creationId xmlns:a16="http://schemas.microsoft.com/office/drawing/2014/main" id="{F83535D1-7AD4-4EA4-873D-47D2171EB223}"/>
+                </a:ext>
+              </a:extLst>
+            </p:cNvPr>
+            <p:cNvSpPr txBox="1"/>
+            <p:nvPr/>
+          </p:nvSpPr>
+          <p:spPr>
+            <a:xfrm flipH="1">
+              <a:off x="8889900" y="4512530"/>
+              <a:ext cx="435650" cy="261610"/>
+            </a:xfrm>
+            <a:prstGeom prst="rect">
+              <a:avLst/>
+            </a:prstGeom>
+            <a:noFill/>
+          </p:spPr>
+          <p:txBody>
+            <a:bodyPr wrap="square" rtlCol="0">
+              <a:spAutoFit/>
+            </a:bodyPr>
+            <a:lstStyle/>
+            <a:p>
+              <a:r>
+                <a:rPr lang="de-DE" sz="1100" dirty="0">
+                  <a:solidFill>
+                    <a:schemeClr val="bg1"/>
+                  </a:solidFill>
+                </a:rPr>
+                <a:t>101</a:t>
+              </a:r>
+            </a:p>
+          </p:txBody>
+        </p:sp>
+      </p:grpSp>
+      <p:grpSp>
+        <p:nvGrpSpPr>
+          <p:cNvPr id="30" name="Gruppieren 29">
+            <a:extLst>
+              <a:ext uri="{FF2B5EF4-FFF2-40B4-BE49-F238E27FC236}">
+                <a16:creationId xmlns:a16="http://schemas.microsoft.com/office/drawing/2014/main" id="{A43310E9-107F-4D05-A555-25D47D14DE2A}"/>
+              </a:ext>
+            </a:extLst>
+          </p:cNvPr>
+          <p:cNvGrpSpPr/>
+          <p:nvPr/>
+        </p:nvGrpSpPr>
+        <p:grpSpPr>
+          <a:xfrm>
+            <a:off x="2237830" y="4601799"/>
+            <a:ext cx="435650" cy="261610"/>
+            <a:chOff x="8889900" y="4512530"/>
+            <a:chExt cx="435650" cy="261610"/>
+          </a:xfrm>
+        </p:grpSpPr>
+        <p:sp>
+          <p:nvSpPr>
+            <p:cNvPr id="31" name="Ellipse 30">
+              <a:extLst>
+                <a:ext uri="{FF2B5EF4-FFF2-40B4-BE49-F238E27FC236}">
+                  <a16:creationId xmlns:a16="http://schemas.microsoft.com/office/drawing/2014/main" id="{EDE8C385-11CB-4F24-81C2-4013A419FDB6}"/>
+                </a:ext>
+              </a:extLst>
+            </p:cNvPr>
+            <p:cNvSpPr/>
+            <p:nvPr/>
+          </p:nvSpPr>
+          <p:spPr>
+            <a:xfrm>
+              <a:off x="8962858" y="4533089"/>
+              <a:ext cx="239949" cy="220493"/>
+            </a:xfrm>
+            <a:prstGeom prst="ellipse">
+              <a:avLst/>
+            </a:prstGeom>
+          </p:spPr>
+          <p:style>
+            <a:lnRef idx="2">
+              <a:schemeClr val="accent1">
+                <a:shade val="50000"/>
+              </a:schemeClr>
+            </a:lnRef>
+            <a:fillRef idx="1">
+              <a:schemeClr val="accent1"/>
+            </a:fillRef>
+            <a:effectRef idx="0">
+              <a:schemeClr val="accent1"/>
+            </a:effectRef>
+            <a:fontRef idx="minor">
+              <a:schemeClr val="lt1"/>
+            </a:fontRef>
+          </p:style>
+          <p:txBody>
+            <a:bodyPr rtlCol="0" anchor="ctr"/>
+            <a:lstStyle/>
+            <a:p>
+              <a:pPr algn="ctr"/>
+              <a:endParaRPr lang="de-DE" sz="1200" dirty="0"/>
+            </a:p>
+          </p:txBody>
+        </p:sp>
+        <p:sp>
+          <p:nvSpPr>
+            <p:cNvPr id="32" name="Textfeld 31">
+              <a:extLst>
+                <a:ext uri="{FF2B5EF4-FFF2-40B4-BE49-F238E27FC236}">
+                  <a16:creationId xmlns:a16="http://schemas.microsoft.com/office/drawing/2014/main" id="{398C0402-0510-4651-8BF7-12C580753F36}"/>
+                </a:ext>
+              </a:extLst>
+            </p:cNvPr>
+            <p:cNvSpPr txBox="1"/>
+            <p:nvPr/>
+          </p:nvSpPr>
+          <p:spPr>
+            <a:xfrm flipH="1">
+              <a:off x="8889900" y="4512530"/>
+              <a:ext cx="435650" cy="261610"/>
+            </a:xfrm>
+            <a:prstGeom prst="rect">
+              <a:avLst/>
+            </a:prstGeom>
+            <a:noFill/>
+          </p:spPr>
+          <p:txBody>
+            <a:bodyPr wrap="square" rtlCol="0">
+              <a:spAutoFit/>
+            </a:bodyPr>
+            <a:lstStyle/>
+            <a:p>
+              <a:r>
+                <a:rPr lang="de-DE" sz="1100" dirty="0">
+                  <a:solidFill>
+                    <a:schemeClr val="bg1"/>
+                  </a:solidFill>
+                </a:rPr>
+                <a:t>101</a:t>
+              </a:r>
+            </a:p>
+          </p:txBody>
+        </p:sp>
+      </p:grpSp>
+      <p:grpSp>
+        <p:nvGrpSpPr>
+          <p:cNvPr id="33" name="Gruppieren 32">
+            <a:extLst>
+              <a:ext uri="{FF2B5EF4-FFF2-40B4-BE49-F238E27FC236}">
+                <a16:creationId xmlns:a16="http://schemas.microsoft.com/office/drawing/2014/main" id="{68E3A790-0F6A-4105-AD43-67C33D523B12}"/>
+              </a:ext>
+            </a:extLst>
+          </p:cNvPr>
+          <p:cNvGrpSpPr/>
+          <p:nvPr/>
+        </p:nvGrpSpPr>
+        <p:grpSpPr>
+          <a:xfrm>
+            <a:off x="1612416" y="4722128"/>
+            <a:ext cx="435650" cy="261610"/>
+            <a:chOff x="8889900" y="4512530"/>
+            <a:chExt cx="435650" cy="261610"/>
+          </a:xfrm>
+        </p:grpSpPr>
+        <p:sp>
+          <p:nvSpPr>
+            <p:cNvPr id="34" name="Ellipse 33">
+              <a:extLst>
+                <a:ext uri="{FF2B5EF4-FFF2-40B4-BE49-F238E27FC236}">
+                  <a16:creationId xmlns:a16="http://schemas.microsoft.com/office/drawing/2014/main" id="{03C2426E-CFD3-450C-A5F1-C32DF1FE2332}"/>
+                </a:ext>
+              </a:extLst>
+            </p:cNvPr>
+            <p:cNvSpPr/>
+            <p:nvPr/>
+          </p:nvSpPr>
+          <p:spPr>
+            <a:xfrm>
+              <a:off x="8962858" y="4533089"/>
+              <a:ext cx="239949" cy="220493"/>
+            </a:xfrm>
+            <a:prstGeom prst="ellipse">
+              <a:avLst/>
+            </a:prstGeom>
+          </p:spPr>
+          <p:style>
+            <a:lnRef idx="2">
+              <a:schemeClr val="accent1">
+                <a:shade val="50000"/>
+              </a:schemeClr>
+            </a:lnRef>
+            <a:fillRef idx="1">
+              <a:schemeClr val="accent1"/>
+            </a:fillRef>
+            <a:effectRef idx="0">
+              <a:schemeClr val="accent1"/>
+            </a:effectRef>
+            <a:fontRef idx="minor">
+              <a:schemeClr val="lt1"/>
+            </a:fontRef>
+          </p:style>
+          <p:txBody>
+            <a:bodyPr rtlCol="0" anchor="ctr"/>
+            <a:lstStyle/>
+            <a:p>
+              <a:pPr algn="ctr"/>
+              <a:endParaRPr lang="de-DE" sz="1200" dirty="0"/>
+            </a:p>
+          </p:txBody>
+        </p:sp>
+        <p:sp>
+          <p:nvSpPr>
+            <p:cNvPr id="35" name="Textfeld 34">
+              <a:extLst>
+                <a:ext uri="{FF2B5EF4-FFF2-40B4-BE49-F238E27FC236}">
+                  <a16:creationId xmlns:a16="http://schemas.microsoft.com/office/drawing/2014/main" id="{C87F8AA7-6978-4BAC-8CE3-7E85BEBC383F}"/>
+                </a:ext>
+              </a:extLst>
+            </p:cNvPr>
+            <p:cNvSpPr txBox="1"/>
+            <p:nvPr/>
+          </p:nvSpPr>
+          <p:spPr>
+            <a:xfrm flipH="1">
+              <a:off x="8889900" y="4512530"/>
+              <a:ext cx="435650" cy="261610"/>
+            </a:xfrm>
+            <a:prstGeom prst="rect">
+              <a:avLst/>
+            </a:prstGeom>
+            <a:noFill/>
+          </p:spPr>
+          <p:txBody>
+            <a:bodyPr wrap="square" rtlCol="0">
+              <a:spAutoFit/>
+            </a:bodyPr>
+            <a:lstStyle/>
+            <a:p>
+              <a:r>
+                <a:rPr lang="de-DE" sz="1100" dirty="0">
+                  <a:solidFill>
+                    <a:schemeClr val="bg1"/>
+                  </a:solidFill>
+                </a:rPr>
+                <a:t>101</a:t>
+              </a:r>
+            </a:p>
+          </p:txBody>
+        </p:sp>
+      </p:grpSp>
+      <p:grpSp>
+        <p:nvGrpSpPr>
+          <p:cNvPr id="36" name="Gruppieren 35">
+            <a:extLst>
+              <a:ext uri="{FF2B5EF4-FFF2-40B4-BE49-F238E27FC236}">
+                <a16:creationId xmlns:a16="http://schemas.microsoft.com/office/drawing/2014/main" id="{DF67D247-F5F0-44FC-8943-6B86E08B4367}"/>
+              </a:ext>
+            </a:extLst>
+          </p:cNvPr>
+          <p:cNvGrpSpPr/>
+          <p:nvPr/>
+        </p:nvGrpSpPr>
+        <p:grpSpPr>
+          <a:xfrm>
+            <a:off x="8143006" y="3187949"/>
+            <a:ext cx="435650" cy="261610"/>
+            <a:chOff x="8889900" y="4512530"/>
+            <a:chExt cx="435650" cy="261610"/>
+          </a:xfrm>
+        </p:grpSpPr>
+        <p:sp>
+          <p:nvSpPr>
+            <p:cNvPr id="37" name="Ellipse 36">
+              <a:extLst>
+                <a:ext uri="{FF2B5EF4-FFF2-40B4-BE49-F238E27FC236}">
+                  <a16:creationId xmlns:a16="http://schemas.microsoft.com/office/drawing/2014/main" id="{E610D0B6-CA59-4D47-B56B-22D05D74D26D}"/>
+                </a:ext>
+              </a:extLst>
+            </p:cNvPr>
+            <p:cNvSpPr/>
+            <p:nvPr/>
+          </p:nvSpPr>
+          <p:spPr>
+            <a:xfrm>
+              <a:off x="8962858" y="4533089"/>
+              <a:ext cx="239949" cy="220493"/>
+            </a:xfrm>
+            <a:prstGeom prst="ellipse">
+              <a:avLst/>
+            </a:prstGeom>
+          </p:spPr>
+          <p:style>
+            <a:lnRef idx="2">
+              <a:schemeClr val="accent1">
+                <a:shade val="50000"/>
+              </a:schemeClr>
+            </a:lnRef>
+            <a:fillRef idx="1">
+              <a:schemeClr val="accent1"/>
+            </a:fillRef>
+            <a:effectRef idx="0">
+              <a:schemeClr val="accent1"/>
+            </a:effectRef>
+            <a:fontRef idx="minor">
+              <a:schemeClr val="lt1"/>
+            </a:fontRef>
+          </p:style>
+          <p:txBody>
+            <a:bodyPr rtlCol="0" anchor="ctr"/>
+            <a:lstStyle/>
+            <a:p>
+              <a:pPr algn="ctr"/>
+              <a:endParaRPr lang="de-DE" sz="1200" dirty="0"/>
+            </a:p>
+          </p:txBody>
+        </p:sp>
+        <p:sp>
+          <p:nvSpPr>
+            <p:cNvPr id="38" name="Textfeld 37">
+              <a:extLst>
+                <a:ext uri="{FF2B5EF4-FFF2-40B4-BE49-F238E27FC236}">
+                  <a16:creationId xmlns:a16="http://schemas.microsoft.com/office/drawing/2014/main" id="{E706204F-E82C-4BDE-A8BD-BDDC7E0CB24E}"/>
+                </a:ext>
+              </a:extLst>
+            </p:cNvPr>
+            <p:cNvSpPr txBox="1"/>
+            <p:nvPr/>
+          </p:nvSpPr>
+          <p:spPr>
+            <a:xfrm flipH="1">
+              <a:off x="8889900" y="4512530"/>
+              <a:ext cx="435650" cy="261610"/>
+            </a:xfrm>
+            <a:prstGeom prst="rect">
+              <a:avLst/>
+            </a:prstGeom>
+            <a:noFill/>
+          </p:spPr>
+          <p:txBody>
+            <a:bodyPr wrap="square" rtlCol="0">
+              <a:spAutoFit/>
+            </a:bodyPr>
+            <a:lstStyle/>
+            <a:p>
+              <a:r>
+                <a:rPr lang="de-DE" sz="1100" dirty="0">
+                  <a:solidFill>
+                    <a:schemeClr val="bg1"/>
+                  </a:solidFill>
+                </a:rPr>
+                <a:t>101</a:t>
+              </a:r>
+            </a:p>
+          </p:txBody>
+        </p:sp>
+      </p:grpSp>
+      <p:grpSp>
+        <p:nvGrpSpPr>
+          <p:cNvPr id="39" name="Gruppieren 38">
+            <a:extLst>
+              <a:ext uri="{FF2B5EF4-FFF2-40B4-BE49-F238E27FC236}">
+                <a16:creationId xmlns:a16="http://schemas.microsoft.com/office/drawing/2014/main" id="{5AD019DA-CD90-49A6-8896-7F5B1A3D0F3A}"/>
+              </a:ext>
+            </a:extLst>
+          </p:cNvPr>
+          <p:cNvGrpSpPr/>
+          <p:nvPr/>
+        </p:nvGrpSpPr>
+        <p:grpSpPr>
+          <a:xfrm>
+            <a:off x="5780394" y="3298195"/>
+            <a:ext cx="435650" cy="261610"/>
+            <a:chOff x="8889900" y="4512530"/>
+            <a:chExt cx="435650" cy="261610"/>
+          </a:xfrm>
+        </p:grpSpPr>
+        <p:sp>
+          <p:nvSpPr>
+            <p:cNvPr id="40" name="Ellipse 39">
+              <a:extLst>
+                <a:ext uri="{FF2B5EF4-FFF2-40B4-BE49-F238E27FC236}">
+                  <a16:creationId xmlns:a16="http://schemas.microsoft.com/office/drawing/2014/main" id="{7F3A1FD1-BC41-4FD9-B33C-75CB7A299D59}"/>
+                </a:ext>
+              </a:extLst>
+            </p:cNvPr>
+            <p:cNvSpPr/>
+            <p:nvPr/>
+          </p:nvSpPr>
+          <p:spPr>
+            <a:xfrm>
+              <a:off x="8962858" y="4533089"/>
+              <a:ext cx="239949" cy="220493"/>
+            </a:xfrm>
+            <a:prstGeom prst="ellipse">
+              <a:avLst/>
+            </a:prstGeom>
+          </p:spPr>
+          <p:style>
+            <a:lnRef idx="2">
+              <a:schemeClr val="accent1">
+                <a:shade val="50000"/>
+              </a:schemeClr>
+            </a:lnRef>
+            <a:fillRef idx="1">
+              <a:schemeClr val="accent1"/>
+            </a:fillRef>
+            <a:effectRef idx="0">
+              <a:schemeClr val="accent1"/>
+            </a:effectRef>
+            <a:fontRef idx="minor">
+              <a:schemeClr val="lt1"/>
+            </a:fontRef>
+          </p:style>
+          <p:txBody>
+            <a:bodyPr rtlCol="0" anchor="ctr"/>
+            <a:lstStyle/>
+            <a:p>
+              <a:pPr algn="ctr"/>
+              <a:endParaRPr lang="de-DE" sz="1200" dirty="0"/>
+            </a:p>
+          </p:txBody>
+        </p:sp>
+        <p:sp>
+          <p:nvSpPr>
+            <p:cNvPr id="41" name="Textfeld 40">
+              <a:extLst>
+                <a:ext uri="{FF2B5EF4-FFF2-40B4-BE49-F238E27FC236}">
+                  <a16:creationId xmlns:a16="http://schemas.microsoft.com/office/drawing/2014/main" id="{42484877-CB2C-4BDA-B24C-8340B42923D1}"/>
+                </a:ext>
+              </a:extLst>
+            </p:cNvPr>
+            <p:cNvSpPr txBox="1"/>
+            <p:nvPr/>
+          </p:nvSpPr>
+          <p:spPr>
+            <a:xfrm flipH="1">
+              <a:off x="8889900" y="4512530"/>
+              <a:ext cx="435650" cy="261610"/>
+            </a:xfrm>
+            <a:prstGeom prst="rect">
+              <a:avLst/>
+            </a:prstGeom>
+            <a:noFill/>
+          </p:spPr>
+          <p:txBody>
+            <a:bodyPr wrap="square" rtlCol="0">
+              <a:spAutoFit/>
+            </a:bodyPr>
+            <a:lstStyle/>
+            <a:p>
+              <a:r>
+                <a:rPr lang="de-DE" sz="1100" dirty="0">
+                  <a:solidFill>
+                    <a:schemeClr val="bg1"/>
+                  </a:solidFill>
+                </a:rPr>
+                <a:t>101</a:t>
+              </a:r>
+            </a:p>
+          </p:txBody>
+        </p:sp>
+      </p:grpSp>
+      <p:grpSp>
+        <p:nvGrpSpPr>
+          <p:cNvPr id="42" name="Gruppieren 41">
+            <a:extLst>
+              <a:ext uri="{FF2B5EF4-FFF2-40B4-BE49-F238E27FC236}">
+                <a16:creationId xmlns:a16="http://schemas.microsoft.com/office/drawing/2014/main" id="{D30A8040-DA1A-4478-89E8-B2D2770DFCCB}"/>
+              </a:ext>
+            </a:extLst>
+          </p:cNvPr>
+          <p:cNvGrpSpPr/>
+          <p:nvPr/>
+        </p:nvGrpSpPr>
+        <p:grpSpPr>
+          <a:xfrm>
+            <a:off x="5143897" y="4302380"/>
+            <a:ext cx="435650" cy="261610"/>
+            <a:chOff x="8889900" y="4512530"/>
+            <a:chExt cx="435650" cy="261610"/>
+          </a:xfrm>
+        </p:grpSpPr>
+        <p:sp>
+          <p:nvSpPr>
+            <p:cNvPr id="43" name="Ellipse 42">
+              <a:extLst>
+                <a:ext uri="{FF2B5EF4-FFF2-40B4-BE49-F238E27FC236}">
+                  <a16:creationId xmlns:a16="http://schemas.microsoft.com/office/drawing/2014/main" id="{54E82282-D840-470E-BDCA-F065CE54F550}"/>
+                </a:ext>
+              </a:extLst>
+            </p:cNvPr>
+            <p:cNvSpPr/>
+            <p:nvPr/>
+          </p:nvSpPr>
+          <p:spPr>
+            <a:xfrm>
+              <a:off x="8962858" y="4533089"/>
+              <a:ext cx="239949" cy="220493"/>
+            </a:xfrm>
+            <a:prstGeom prst="ellipse">
+              <a:avLst/>
+            </a:prstGeom>
+          </p:spPr>
+          <p:style>
+            <a:lnRef idx="2">
+              <a:schemeClr val="accent1">
+                <a:shade val="50000"/>
+              </a:schemeClr>
+            </a:lnRef>
+            <a:fillRef idx="1">
+              <a:schemeClr val="accent1"/>
+            </a:fillRef>
+            <a:effectRef idx="0">
+              <a:schemeClr val="accent1"/>
+            </a:effectRef>
+            <a:fontRef idx="minor">
+              <a:schemeClr val="lt1"/>
+            </a:fontRef>
+          </p:style>
+          <p:txBody>
+            <a:bodyPr rtlCol="0" anchor="ctr"/>
+            <a:lstStyle/>
+            <a:p>
+              <a:pPr algn="ctr"/>
+              <a:endParaRPr lang="de-DE" sz="1200" dirty="0"/>
+            </a:p>
+          </p:txBody>
+        </p:sp>
+        <p:sp>
+          <p:nvSpPr>
+            <p:cNvPr id="44" name="Textfeld 43">
+              <a:extLst>
+                <a:ext uri="{FF2B5EF4-FFF2-40B4-BE49-F238E27FC236}">
+                  <a16:creationId xmlns:a16="http://schemas.microsoft.com/office/drawing/2014/main" id="{18B25829-E98D-4169-95E6-1585C2D84400}"/>
+                </a:ext>
+              </a:extLst>
+            </p:cNvPr>
+            <p:cNvSpPr txBox="1"/>
+            <p:nvPr/>
+          </p:nvSpPr>
+          <p:spPr>
+            <a:xfrm flipH="1">
+              <a:off x="8889900" y="4512530"/>
+              <a:ext cx="435650" cy="261610"/>
+            </a:xfrm>
+            <a:prstGeom prst="rect">
+              <a:avLst/>
+            </a:prstGeom>
+            <a:noFill/>
+          </p:spPr>
+          <p:txBody>
+            <a:bodyPr wrap="square" rtlCol="0">
+              <a:spAutoFit/>
+            </a:bodyPr>
+            <a:lstStyle/>
+            <a:p>
+              <a:r>
+                <a:rPr lang="de-DE" sz="1100" dirty="0">
+                  <a:solidFill>
+                    <a:schemeClr val="bg1"/>
+                  </a:solidFill>
+                </a:rPr>
+                <a:t>101</a:t>
+              </a:r>
+            </a:p>
+          </p:txBody>
+        </p:sp>
+      </p:grpSp>
+      <p:grpSp>
+        <p:nvGrpSpPr>
+          <p:cNvPr id="45" name="Gruppieren 44">
+            <a:extLst>
+              <a:ext uri="{FF2B5EF4-FFF2-40B4-BE49-F238E27FC236}">
+                <a16:creationId xmlns:a16="http://schemas.microsoft.com/office/drawing/2014/main" id="{C62EE629-6AC0-4AE2-8A57-1F05A6399311}"/>
+              </a:ext>
+            </a:extLst>
+          </p:cNvPr>
+          <p:cNvGrpSpPr/>
+          <p:nvPr/>
+        </p:nvGrpSpPr>
+        <p:grpSpPr>
+          <a:xfrm>
+            <a:off x="3699083" y="4192133"/>
+            <a:ext cx="435650" cy="261610"/>
+            <a:chOff x="8889900" y="4512530"/>
+            <a:chExt cx="435650" cy="261610"/>
+          </a:xfrm>
+        </p:grpSpPr>
+        <p:sp>
+          <p:nvSpPr>
+            <p:cNvPr id="46" name="Ellipse 45">
+              <a:extLst>
+                <a:ext uri="{FF2B5EF4-FFF2-40B4-BE49-F238E27FC236}">
+                  <a16:creationId xmlns:a16="http://schemas.microsoft.com/office/drawing/2014/main" id="{86F307A4-41E2-4AD3-BF7C-715C4330C855}"/>
+                </a:ext>
+              </a:extLst>
+            </p:cNvPr>
+            <p:cNvSpPr/>
+            <p:nvPr/>
+          </p:nvSpPr>
+          <p:spPr>
+            <a:xfrm>
+              <a:off x="8962858" y="4533089"/>
+              <a:ext cx="239949" cy="220493"/>
+            </a:xfrm>
+            <a:prstGeom prst="ellipse">
+              <a:avLst/>
+            </a:prstGeom>
+          </p:spPr>
+          <p:style>
+            <a:lnRef idx="2">
+              <a:schemeClr val="accent1">
+                <a:shade val="50000"/>
+              </a:schemeClr>
+            </a:lnRef>
+            <a:fillRef idx="1">
+              <a:schemeClr val="accent1"/>
+            </a:fillRef>
+            <a:effectRef idx="0">
+              <a:schemeClr val="accent1"/>
+            </a:effectRef>
+            <a:fontRef idx="minor">
+              <a:schemeClr val="lt1"/>
+            </a:fontRef>
+          </p:style>
+          <p:txBody>
+            <a:bodyPr rtlCol="0" anchor="ctr"/>
+            <a:lstStyle/>
+            <a:p>
+              <a:pPr algn="ctr"/>
+              <a:endParaRPr lang="de-DE" sz="1200" dirty="0"/>
+            </a:p>
+          </p:txBody>
+        </p:sp>
+        <p:sp>
+          <p:nvSpPr>
+            <p:cNvPr id="47" name="Textfeld 46">
+              <a:extLst>
+                <a:ext uri="{FF2B5EF4-FFF2-40B4-BE49-F238E27FC236}">
+                  <a16:creationId xmlns:a16="http://schemas.microsoft.com/office/drawing/2014/main" id="{CA33C967-8158-4578-9F43-3D5D6C340486}"/>
+                </a:ext>
+              </a:extLst>
+            </p:cNvPr>
+            <p:cNvSpPr txBox="1"/>
+            <p:nvPr/>
+          </p:nvSpPr>
+          <p:spPr>
+            <a:xfrm flipH="1">
+              <a:off x="8889900" y="4512530"/>
+              <a:ext cx="435650" cy="261610"/>
+            </a:xfrm>
+            <a:prstGeom prst="rect">
+              <a:avLst/>
+            </a:prstGeom>
+            <a:noFill/>
+          </p:spPr>
+          <p:txBody>
+            <a:bodyPr wrap="square" rtlCol="0">
+              <a:spAutoFit/>
+            </a:bodyPr>
+            <a:lstStyle/>
+            <a:p>
+              <a:r>
+                <a:rPr lang="de-DE" sz="1100" dirty="0">
+                  <a:solidFill>
+                    <a:schemeClr val="bg1"/>
+                  </a:solidFill>
+                </a:rPr>
+                <a:t>101</a:t>
+              </a:r>
+            </a:p>
+          </p:txBody>
+        </p:sp>
+      </p:grpSp>
+      <p:grpSp>
+        <p:nvGrpSpPr>
+          <p:cNvPr id="48" name="Gruppieren 47">
+            <a:extLst>
+              <a:ext uri="{FF2B5EF4-FFF2-40B4-BE49-F238E27FC236}">
+                <a16:creationId xmlns:a16="http://schemas.microsoft.com/office/drawing/2014/main" id="{D6CB3B84-E6A9-4110-A138-C35B365F9D3B}"/>
+              </a:ext>
+            </a:extLst>
+          </p:cNvPr>
+          <p:cNvGrpSpPr/>
+          <p:nvPr/>
+        </p:nvGrpSpPr>
+        <p:grpSpPr>
+          <a:xfrm>
+            <a:off x="3091791" y="4832374"/>
+            <a:ext cx="435650" cy="261610"/>
+            <a:chOff x="8889900" y="4512530"/>
+            <a:chExt cx="435650" cy="261610"/>
+          </a:xfrm>
+        </p:grpSpPr>
+        <p:sp>
+          <p:nvSpPr>
+            <p:cNvPr id="49" name="Ellipse 48">
+              <a:extLst>
+                <a:ext uri="{FF2B5EF4-FFF2-40B4-BE49-F238E27FC236}">
+                  <a16:creationId xmlns:a16="http://schemas.microsoft.com/office/drawing/2014/main" id="{CAE7475E-443E-4579-8D17-E916F0687478}"/>
+                </a:ext>
+              </a:extLst>
+            </p:cNvPr>
+            <p:cNvSpPr/>
+            <p:nvPr/>
+          </p:nvSpPr>
+          <p:spPr>
+            <a:xfrm>
+              <a:off x="8962858" y="4533089"/>
+              <a:ext cx="239949" cy="220493"/>
+            </a:xfrm>
+            <a:prstGeom prst="ellipse">
+              <a:avLst/>
+            </a:prstGeom>
+          </p:spPr>
+          <p:style>
+            <a:lnRef idx="2">
+              <a:schemeClr val="accent1">
+                <a:shade val="50000"/>
+              </a:schemeClr>
+            </a:lnRef>
+            <a:fillRef idx="1">
+              <a:schemeClr val="accent1"/>
+            </a:fillRef>
+            <a:effectRef idx="0">
+              <a:schemeClr val="accent1"/>
+            </a:effectRef>
+            <a:fontRef idx="minor">
+              <a:schemeClr val="lt1"/>
+            </a:fontRef>
+          </p:style>
+          <p:txBody>
+            <a:bodyPr rtlCol="0" anchor="ctr"/>
+            <a:lstStyle/>
+            <a:p>
+              <a:pPr algn="ctr"/>
+              <a:endParaRPr lang="de-DE" sz="1200" dirty="0"/>
+            </a:p>
+          </p:txBody>
+        </p:sp>
+        <p:sp>
+          <p:nvSpPr>
+            <p:cNvPr id="50" name="Textfeld 49">
+              <a:extLst>
+                <a:ext uri="{FF2B5EF4-FFF2-40B4-BE49-F238E27FC236}">
+                  <a16:creationId xmlns:a16="http://schemas.microsoft.com/office/drawing/2014/main" id="{CB78A33E-F028-4ABA-ACF0-C8FCE4106043}"/>
+                </a:ext>
+              </a:extLst>
+            </p:cNvPr>
+            <p:cNvSpPr txBox="1"/>
+            <p:nvPr/>
+          </p:nvSpPr>
+          <p:spPr>
+            <a:xfrm flipH="1">
+              <a:off x="8889900" y="4512530"/>
+              <a:ext cx="435650" cy="261610"/>
+            </a:xfrm>
+            <a:prstGeom prst="rect">
+              <a:avLst/>
+            </a:prstGeom>
+            <a:noFill/>
+          </p:spPr>
+          <p:txBody>
+            <a:bodyPr wrap="square" rtlCol="0">
+              <a:spAutoFit/>
+            </a:bodyPr>
+            <a:lstStyle/>
+            <a:p>
+              <a:r>
+                <a:rPr lang="de-DE" sz="1100" dirty="0">
+                  <a:solidFill>
+                    <a:schemeClr val="bg1"/>
+                  </a:solidFill>
+                </a:rPr>
+                <a:t>101</a:t>
+              </a:r>
+            </a:p>
+          </p:txBody>
+        </p:sp>
+      </p:grpSp>
+      <p:grpSp>
+        <p:nvGrpSpPr>
+          <p:cNvPr id="51" name="Gruppieren 50">
+            <a:extLst>
+              <a:ext uri="{FF2B5EF4-FFF2-40B4-BE49-F238E27FC236}">
+                <a16:creationId xmlns:a16="http://schemas.microsoft.com/office/drawing/2014/main" id="{4CD2AFAD-2AE5-419B-AB80-5539BC617974}"/>
+              </a:ext>
+            </a:extLst>
+          </p:cNvPr>
+          <p:cNvGrpSpPr/>
+          <p:nvPr/>
+        </p:nvGrpSpPr>
+        <p:grpSpPr>
+          <a:xfrm>
+            <a:off x="2667700" y="4632834"/>
+            <a:ext cx="435650" cy="261610"/>
+            <a:chOff x="8889900" y="4512530"/>
+            <a:chExt cx="435650" cy="261610"/>
+          </a:xfrm>
+        </p:grpSpPr>
+        <p:sp>
+          <p:nvSpPr>
+            <p:cNvPr id="52" name="Ellipse 51">
+              <a:extLst>
+                <a:ext uri="{FF2B5EF4-FFF2-40B4-BE49-F238E27FC236}">
+                  <a16:creationId xmlns:a16="http://schemas.microsoft.com/office/drawing/2014/main" id="{DAB7095C-DAF7-411E-94FC-5370ED585D0A}"/>
+                </a:ext>
+              </a:extLst>
+            </p:cNvPr>
+            <p:cNvSpPr/>
+            <p:nvPr/>
+          </p:nvSpPr>
+          <p:spPr>
+            <a:xfrm>
+              <a:off x="8962858" y="4533089"/>
+              <a:ext cx="239949" cy="220493"/>
+            </a:xfrm>
+            <a:prstGeom prst="ellipse">
+              <a:avLst/>
+            </a:prstGeom>
+          </p:spPr>
+          <p:style>
+            <a:lnRef idx="2">
+              <a:schemeClr val="accent1">
+                <a:shade val="50000"/>
+              </a:schemeClr>
+            </a:lnRef>
+            <a:fillRef idx="1">
+              <a:schemeClr val="accent1"/>
+            </a:fillRef>
+            <a:effectRef idx="0">
+              <a:schemeClr val="accent1"/>
+            </a:effectRef>
+            <a:fontRef idx="minor">
+              <a:schemeClr val="lt1"/>
+            </a:fontRef>
+          </p:style>
+          <p:txBody>
+            <a:bodyPr rtlCol="0" anchor="ctr"/>
+            <a:lstStyle/>
+            <a:p>
+              <a:pPr algn="ctr"/>
+              <a:endParaRPr lang="de-DE" sz="1200" dirty="0"/>
+            </a:p>
+          </p:txBody>
+        </p:sp>
+        <p:sp>
+          <p:nvSpPr>
+            <p:cNvPr id="53" name="Textfeld 52">
+              <a:extLst>
+                <a:ext uri="{FF2B5EF4-FFF2-40B4-BE49-F238E27FC236}">
+                  <a16:creationId xmlns:a16="http://schemas.microsoft.com/office/drawing/2014/main" id="{41393BF8-F941-412C-B840-95524F0271E1}"/>
+                </a:ext>
+              </a:extLst>
+            </p:cNvPr>
+            <p:cNvSpPr txBox="1"/>
+            <p:nvPr/>
+          </p:nvSpPr>
+          <p:spPr>
+            <a:xfrm flipH="1">
+              <a:off x="8889900" y="4512530"/>
+              <a:ext cx="435650" cy="261610"/>
+            </a:xfrm>
+            <a:prstGeom prst="rect">
+              <a:avLst/>
+            </a:prstGeom>
+            <a:noFill/>
+          </p:spPr>
+          <p:txBody>
+            <a:bodyPr wrap="square" rtlCol="0">
+              <a:spAutoFit/>
+            </a:bodyPr>
+            <a:lstStyle/>
+            <a:p>
+              <a:r>
+                <a:rPr lang="de-DE" sz="1100" dirty="0">
+                  <a:solidFill>
+                    <a:schemeClr val="bg1"/>
+                  </a:solidFill>
+                </a:rPr>
+                <a:t>101</a:t>
+              </a:r>
+            </a:p>
+          </p:txBody>
+        </p:sp>
+      </p:grpSp>
+      <p:grpSp>
+        <p:nvGrpSpPr>
+          <p:cNvPr id="54" name="Gruppieren 53">
+            <a:extLst>
+              <a:ext uri="{FF2B5EF4-FFF2-40B4-BE49-F238E27FC236}">
+                <a16:creationId xmlns:a16="http://schemas.microsoft.com/office/drawing/2014/main" id="{D077F4D7-C4CD-4DF5-9758-A8E63757F089}"/>
+              </a:ext>
+            </a:extLst>
+          </p:cNvPr>
+          <p:cNvGrpSpPr/>
+          <p:nvPr/>
+        </p:nvGrpSpPr>
+        <p:grpSpPr>
+          <a:xfrm>
+            <a:off x="8019468" y="4279720"/>
+            <a:ext cx="435650" cy="261610"/>
+            <a:chOff x="8889900" y="4512530"/>
+            <a:chExt cx="435650" cy="261610"/>
+          </a:xfrm>
+        </p:grpSpPr>
+        <p:sp>
+          <p:nvSpPr>
+            <p:cNvPr id="55" name="Ellipse 54">
+              <a:extLst>
+                <a:ext uri="{FF2B5EF4-FFF2-40B4-BE49-F238E27FC236}">
+                  <a16:creationId xmlns:a16="http://schemas.microsoft.com/office/drawing/2014/main" id="{ED5DC1ED-2453-4E7B-9593-72A8550CF33C}"/>
+                </a:ext>
+              </a:extLst>
+            </p:cNvPr>
+            <p:cNvSpPr/>
+            <p:nvPr/>
+          </p:nvSpPr>
+          <p:spPr>
+            <a:xfrm>
+              <a:off x="8962858" y="4533089"/>
+              <a:ext cx="239949" cy="220493"/>
+            </a:xfrm>
+            <a:prstGeom prst="ellipse">
+              <a:avLst/>
+            </a:prstGeom>
+          </p:spPr>
+          <p:style>
+            <a:lnRef idx="2">
+              <a:schemeClr val="accent1">
+                <a:shade val="50000"/>
+              </a:schemeClr>
+            </a:lnRef>
+            <a:fillRef idx="1">
+              <a:schemeClr val="accent1"/>
+            </a:fillRef>
+            <a:effectRef idx="0">
+              <a:schemeClr val="accent1"/>
+            </a:effectRef>
+            <a:fontRef idx="minor">
+              <a:schemeClr val="lt1"/>
+            </a:fontRef>
+          </p:style>
+          <p:txBody>
+            <a:bodyPr rtlCol="0" anchor="ctr"/>
+            <a:lstStyle/>
+            <a:p>
+              <a:pPr algn="ctr"/>
+              <a:endParaRPr lang="de-DE" sz="1200" dirty="0"/>
+            </a:p>
+          </p:txBody>
+        </p:sp>
+        <p:sp>
+          <p:nvSpPr>
+            <p:cNvPr id="56" name="Textfeld 55">
+              <a:extLst>
+                <a:ext uri="{FF2B5EF4-FFF2-40B4-BE49-F238E27FC236}">
+                  <a16:creationId xmlns:a16="http://schemas.microsoft.com/office/drawing/2014/main" id="{73F6C25C-D808-45FB-A26C-04561BE1EDFE}"/>
+                </a:ext>
+              </a:extLst>
+            </p:cNvPr>
+            <p:cNvSpPr txBox="1"/>
+            <p:nvPr/>
+          </p:nvSpPr>
+          <p:spPr>
+            <a:xfrm flipH="1">
+              <a:off x="8889900" y="4512530"/>
+              <a:ext cx="435650" cy="261610"/>
+            </a:xfrm>
+            <a:prstGeom prst="rect">
+              <a:avLst/>
+            </a:prstGeom>
+            <a:noFill/>
+          </p:spPr>
+          <p:txBody>
+            <a:bodyPr wrap="square" rtlCol="0">
+              <a:spAutoFit/>
+            </a:bodyPr>
+            <a:lstStyle/>
+            <a:p>
+              <a:r>
+                <a:rPr lang="de-DE" sz="1100" dirty="0">
+                  <a:solidFill>
+                    <a:schemeClr val="bg1"/>
+                  </a:solidFill>
+                </a:rPr>
+                <a:t>101</a:t>
+              </a:r>
+            </a:p>
+          </p:txBody>
+        </p:sp>
+      </p:grpSp>
+      <p:grpSp>
+        <p:nvGrpSpPr>
+          <p:cNvPr id="57" name="Gruppieren 56">
+            <a:extLst>
+              <a:ext uri="{FF2B5EF4-FFF2-40B4-BE49-F238E27FC236}">
+                <a16:creationId xmlns:a16="http://schemas.microsoft.com/office/drawing/2014/main" id="{03E0E7F7-E144-4E2C-80D2-F5A236E2C822}"/>
+              </a:ext>
+            </a:extLst>
+          </p:cNvPr>
+          <p:cNvGrpSpPr/>
+          <p:nvPr/>
+        </p:nvGrpSpPr>
+        <p:grpSpPr>
+          <a:xfrm>
+            <a:off x="9113174" y="3642059"/>
+            <a:ext cx="435650" cy="261610"/>
+            <a:chOff x="8889900" y="4512530"/>
+            <a:chExt cx="435650" cy="261610"/>
+          </a:xfrm>
+        </p:grpSpPr>
+        <p:sp>
+          <p:nvSpPr>
+            <p:cNvPr id="58" name="Ellipse 57">
+              <a:extLst>
+                <a:ext uri="{FF2B5EF4-FFF2-40B4-BE49-F238E27FC236}">
+                  <a16:creationId xmlns:a16="http://schemas.microsoft.com/office/drawing/2014/main" id="{CD68DBCE-479C-4FEC-BA53-0A6041FA434B}"/>
+                </a:ext>
+              </a:extLst>
+            </p:cNvPr>
+            <p:cNvSpPr/>
+            <p:nvPr/>
+          </p:nvSpPr>
+          <p:spPr>
+            <a:xfrm>
+              <a:off x="8962858" y="4533089"/>
+              <a:ext cx="239949" cy="220493"/>
+            </a:xfrm>
+            <a:prstGeom prst="ellipse">
+              <a:avLst/>
+            </a:prstGeom>
+          </p:spPr>
+          <p:style>
+            <a:lnRef idx="2">
+              <a:schemeClr val="accent1">
+                <a:shade val="50000"/>
+              </a:schemeClr>
+            </a:lnRef>
+            <a:fillRef idx="1">
+              <a:schemeClr val="accent1"/>
+            </a:fillRef>
+            <a:effectRef idx="0">
+              <a:schemeClr val="accent1"/>
+            </a:effectRef>
+            <a:fontRef idx="minor">
+              <a:schemeClr val="lt1"/>
+            </a:fontRef>
+          </p:style>
+          <p:txBody>
+            <a:bodyPr rtlCol="0" anchor="ctr"/>
+            <a:lstStyle/>
+            <a:p>
+              <a:pPr algn="ctr"/>
+              <a:endParaRPr lang="de-DE" sz="1200" dirty="0"/>
+            </a:p>
+          </p:txBody>
+        </p:sp>
+        <p:sp>
+          <p:nvSpPr>
+            <p:cNvPr id="59" name="Textfeld 58">
+              <a:extLst>
+                <a:ext uri="{FF2B5EF4-FFF2-40B4-BE49-F238E27FC236}">
+                  <a16:creationId xmlns:a16="http://schemas.microsoft.com/office/drawing/2014/main" id="{17B9F833-12E3-4A8B-A44C-2CD3008D87F8}"/>
+                </a:ext>
+              </a:extLst>
+            </p:cNvPr>
+            <p:cNvSpPr txBox="1"/>
+            <p:nvPr/>
+          </p:nvSpPr>
+          <p:spPr>
+            <a:xfrm flipH="1">
+              <a:off x="8889900" y="4512530"/>
+              <a:ext cx="435650" cy="261610"/>
+            </a:xfrm>
+            <a:prstGeom prst="rect">
+              <a:avLst/>
+            </a:prstGeom>
+            <a:noFill/>
+          </p:spPr>
+          <p:txBody>
+            <a:bodyPr wrap="square" rtlCol="0">
+              <a:spAutoFit/>
+            </a:bodyPr>
+            <a:lstStyle/>
+            <a:p>
+              <a:r>
+                <a:rPr lang="de-DE" sz="1100" dirty="0">
+                  <a:solidFill>
+                    <a:schemeClr val="bg1"/>
+                  </a:solidFill>
+                </a:rPr>
+                <a:t>101</a:t>
+              </a:r>
+            </a:p>
+          </p:txBody>
+        </p:sp>
+      </p:grpSp>
+      <p:grpSp>
+        <p:nvGrpSpPr>
+          <p:cNvPr id="60" name="Gruppieren 59">
+            <a:extLst>
+              <a:ext uri="{FF2B5EF4-FFF2-40B4-BE49-F238E27FC236}">
+                <a16:creationId xmlns:a16="http://schemas.microsoft.com/office/drawing/2014/main" id="{641EF8F8-2351-4947-B7FF-643B991ACF01}"/>
+              </a:ext>
+            </a:extLst>
+          </p:cNvPr>
+          <p:cNvGrpSpPr/>
+          <p:nvPr/>
+        </p:nvGrpSpPr>
+        <p:grpSpPr>
+          <a:xfrm>
+            <a:off x="7431897" y="4119855"/>
+            <a:ext cx="435650" cy="261610"/>
+            <a:chOff x="8889900" y="4512530"/>
+            <a:chExt cx="435650" cy="261610"/>
+          </a:xfrm>
+        </p:grpSpPr>
+        <p:sp>
+          <p:nvSpPr>
+            <p:cNvPr id="61" name="Ellipse 60">
+              <a:extLst>
+                <a:ext uri="{FF2B5EF4-FFF2-40B4-BE49-F238E27FC236}">
+                  <a16:creationId xmlns:a16="http://schemas.microsoft.com/office/drawing/2014/main" id="{FADF499D-2E7E-4F00-9198-247F8AE03058}"/>
+                </a:ext>
+              </a:extLst>
+            </p:cNvPr>
+            <p:cNvSpPr/>
+            <p:nvPr/>
+          </p:nvSpPr>
+          <p:spPr>
+            <a:xfrm>
+              <a:off x="8962858" y="4533089"/>
+              <a:ext cx="239949" cy="220493"/>
+            </a:xfrm>
+            <a:prstGeom prst="ellipse">
+              <a:avLst/>
+            </a:prstGeom>
+          </p:spPr>
+          <p:style>
+            <a:lnRef idx="2">
+              <a:schemeClr val="accent1">
+                <a:shade val="50000"/>
+              </a:schemeClr>
+            </a:lnRef>
+            <a:fillRef idx="1">
+              <a:schemeClr val="accent1"/>
+            </a:fillRef>
+            <a:effectRef idx="0">
+              <a:schemeClr val="accent1"/>
+            </a:effectRef>
+            <a:fontRef idx="minor">
+              <a:schemeClr val="lt1"/>
+            </a:fontRef>
+          </p:style>
+          <p:txBody>
+            <a:bodyPr rtlCol="0" anchor="ctr"/>
+            <a:lstStyle/>
+            <a:p>
+              <a:pPr algn="ctr"/>
+              <a:endParaRPr lang="de-DE" sz="1200" dirty="0"/>
+            </a:p>
+          </p:txBody>
+        </p:sp>
+        <p:sp>
+          <p:nvSpPr>
+            <p:cNvPr id="62" name="Textfeld 61">
+              <a:extLst>
+                <a:ext uri="{FF2B5EF4-FFF2-40B4-BE49-F238E27FC236}">
+                  <a16:creationId xmlns:a16="http://schemas.microsoft.com/office/drawing/2014/main" id="{A3551DBD-DB91-4183-AD03-8596F7FC0A0A}"/>
+                </a:ext>
+              </a:extLst>
+            </p:cNvPr>
+            <p:cNvSpPr txBox="1"/>
+            <p:nvPr/>
+          </p:nvSpPr>
+          <p:spPr>
+            <a:xfrm flipH="1">
+              <a:off x="8889900" y="4512530"/>
+              <a:ext cx="435650" cy="261610"/>
+            </a:xfrm>
+            <a:prstGeom prst="rect">
+              <a:avLst/>
+            </a:prstGeom>
+            <a:noFill/>
+          </p:spPr>
+          <p:txBody>
+            <a:bodyPr wrap="square" rtlCol="0">
+              <a:spAutoFit/>
+            </a:bodyPr>
+            <a:lstStyle/>
+            <a:p>
+              <a:r>
+                <a:rPr lang="de-DE" sz="1100" dirty="0">
+                  <a:solidFill>
+                    <a:schemeClr val="bg1"/>
+                  </a:solidFill>
+                </a:rPr>
+                <a:t>101</a:t>
+              </a:r>
+            </a:p>
+          </p:txBody>
+        </p:sp>
+      </p:grpSp>
+      <p:grpSp>
+        <p:nvGrpSpPr>
+          <p:cNvPr id="63" name="Gruppieren 62">
+            <a:extLst>
+              <a:ext uri="{FF2B5EF4-FFF2-40B4-BE49-F238E27FC236}">
+                <a16:creationId xmlns:a16="http://schemas.microsoft.com/office/drawing/2014/main" id="{A328A8A0-00F4-45DF-B27C-404490ED6489}"/>
+              </a:ext>
+            </a:extLst>
+          </p:cNvPr>
+          <p:cNvGrpSpPr/>
+          <p:nvPr/>
+        </p:nvGrpSpPr>
+        <p:grpSpPr>
+          <a:xfrm>
+            <a:off x="6792479" y="4182256"/>
+            <a:ext cx="435650" cy="261610"/>
+            <a:chOff x="8889900" y="4512530"/>
+            <a:chExt cx="435650" cy="261610"/>
+          </a:xfrm>
+        </p:grpSpPr>
+        <p:sp>
+          <p:nvSpPr>
+            <p:cNvPr id="64" name="Ellipse 63">
+              <a:extLst>
+                <a:ext uri="{FF2B5EF4-FFF2-40B4-BE49-F238E27FC236}">
+                  <a16:creationId xmlns:a16="http://schemas.microsoft.com/office/drawing/2014/main" id="{C5ED13FE-5CAE-4622-87AF-5BC51B9EE59D}"/>
+                </a:ext>
+              </a:extLst>
+            </p:cNvPr>
+            <p:cNvSpPr/>
+            <p:nvPr/>
+          </p:nvSpPr>
+          <p:spPr>
+            <a:xfrm>
+              <a:off x="8962858" y="4533089"/>
+              <a:ext cx="239949" cy="220493"/>
+            </a:xfrm>
+            <a:prstGeom prst="ellipse">
+              <a:avLst/>
+            </a:prstGeom>
+          </p:spPr>
+          <p:style>
+            <a:lnRef idx="2">
+              <a:schemeClr val="accent1">
+                <a:shade val="50000"/>
+              </a:schemeClr>
+            </a:lnRef>
+            <a:fillRef idx="1">
+              <a:schemeClr val="accent1"/>
+            </a:fillRef>
+            <a:effectRef idx="0">
+              <a:schemeClr val="accent1"/>
+            </a:effectRef>
+            <a:fontRef idx="minor">
+              <a:schemeClr val="lt1"/>
+            </a:fontRef>
+          </p:style>
+          <p:txBody>
+            <a:bodyPr rtlCol="0" anchor="ctr"/>
+            <a:lstStyle/>
+            <a:p>
+              <a:pPr algn="ctr"/>
+              <a:endParaRPr lang="de-DE" sz="1200" dirty="0"/>
+            </a:p>
+          </p:txBody>
+        </p:sp>
+        <p:sp>
+          <p:nvSpPr>
+            <p:cNvPr id="65" name="Textfeld 64">
+              <a:extLst>
+                <a:ext uri="{FF2B5EF4-FFF2-40B4-BE49-F238E27FC236}">
+                  <a16:creationId xmlns:a16="http://schemas.microsoft.com/office/drawing/2014/main" id="{9751E425-CF07-4255-9720-F667E2D1979B}"/>
+                </a:ext>
+              </a:extLst>
+            </p:cNvPr>
+            <p:cNvSpPr txBox="1"/>
+            <p:nvPr/>
+          </p:nvSpPr>
+          <p:spPr>
+            <a:xfrm flipH="1">
+              <a:off x="8889900" y="4512530"/>
+              <a:ext cx="435650" cy="261610"/>
+            </a:xfrm>
+            <a:prstGeom prst="rect">
+              <a:avLst/>
+            </a:prstGeom>
+            <a:noFill/>
+          </p:spPr>
+          <p:txBody>
+            <a:bodyPr wrap="square" rtlCol="0">
+              <a:spAutoFit/>
+            </a:bodyPr>
+            <a:lstStyle/>
+            <a:p>
+              <a:r>
+                <a:rPr lang="de-DE" sz="1100" dirty="0">
+                  <a:solidFill>
+                    <a:schemeClr val="bg1"/>
+                  </a:solidFill>
+                </a:rPr>
+                <a:t>101</a:t>
+              </a:r>
+            </a:p>
+          </p:txBody>
+        </p:sp>
+      </p:grpSp>
+      <p:grpSp>
+        <p:nvGrpSpPr>
+          <p:cNvPr id="66" name="Gruppieren 65">
+            <a:extLst>
+              <a:ext uri="{FF2B5EF4-FFF2-40B4-BE49-F238E27FC236}">
+                <a16:creationId xmlns:a16="http://schemas.microsoft.com/office/drawing/2014/main" id="{B76048F7-ED76-4EF6-8A73-E4451AAA8E0D}"/>
+              </a:ext>
+            </a:extLst>
+          </p:cNvPr>
+          <p:cNvGrpSpPr/>
+          <p:nvPr/>
+        </p:nvGrpSpPr>
+        <p:grpSpPr>
+          <a:xfrm>
+            <a:off x="6278060" y="4194228"/>
+            <a:ext cx="435650" cy="261610"/>
+            <a:chOff x="8889900" y="4512530"/>
+            <a:chExt cx="435650" cy="261610"/>
+          </a:xfrm>
+        </p:grpSpPr>
+        <p:sp>
+          <p:nvSpPr>
+            <p:cNvPr id="67" name="Ellipse 66">
+              <a:extLst>
+                <a:ext uri="{FF2B5EF4-FFF2-40B4-BE49-F238E27FC236}">
+                  <a16:creationId xmlns:a16="http://schemas.microsoft.com/office/drawing/2014/main" id="{D23D5457-7D20-40B2-82FB-6D67B389F9B6}"/>
+                </a:ext>
+              </a:extLst>
+            </p:cNvPr>
+            <p:cNvSpPr/>
+            <p:nvPr/>
+          </p:nvSpPr>
+          <p:spPr>
+            <a:xfrm>
+              <a:off x="8962858" y="4533089"/>
+              <a:ext cx="239949" cy="220493"/>
+            </a:xfrm>
+            <a:prstGeom prst="ellipse">
+              <a:avLst/>
+            </a:prstGeom>
+          </p:spPr>
+          <p:style>
+            <a:lnRef idx="2">
+              <a:schemeClr val="accent1">
+                <a:shade val="50000"/>
+              </a:schemeClr>
+            </a:lnRef>
+            <a:fillRef idx="1">
+              <a:schemeClr val="accent1"/>
+            </a:fillRef>
+            <a:effectRef idx="0">
+              <a:schemeClr val="accent1"/>
+            </a:effectRef>
+            <a:fontRef idx="minor">
+              <a:schemeClr val="lt1"/>
+            </a:fontRef>
+          </p:style>
+          <p:txBody>
+            <a:bodyPr rtlCol="0" anchor="ctr"/>
+            <a:lstStyle/>
+            <a:p>
+              <a:pPr algn="ctr"/>
+              <a:endParaRPr lang="de-DE" sz="1200" dirty="0"/>
+            </a:p>
+          </p:txBody>
+        </p:sp>
+        <p:sp>
+          <p:nvSpPr>
+            <p:cNvPr id="68" name="Textfeld 67">
+              <a:extLst>
+                <a:ext uri="{FF2B5EF4-FFF2-40B4-BE49-F238E27FC236}">
+                  <a16:creationId xmlns:a16="http://schemas.microsoft.com/office/drawing/2014/main" id="{9391A858-9170-4C4C-8922-BE54CAF12EF3}"/>
+                </a:ext>
+              </a:extLst>
+            </p:cNvPr>
+            <p:cNvSpPr txBox="1"/>
+            <p:nvPr/>
+          </p:nvSpPr>
+          <p:spPr>
+            <a:xfrm flipH="1">
+              <a:off x="8889900" y="4512530"/>
+              <a:ext cx="435650" cy="261610"/>
+            </a:xfrm>
+            <a:prstGeom prst="rect">
+              <a:avLst/>
+            </a:prstGeom>
+            <a:noFill/>
+          </p:spPr>
+          <p:txBody>
+            <a:bodyPr wrap="square" rtlCol="0">
+              <a:spAutoFit/>
+            </a:bodyPr>
+            <a:lstStyle/>
+            <a:p>
+              <a:r>
+                <a:rPr lang="de-DE" sz="1100" dirty="0">
+                  <a:solidFill>
+                    <a:schemeClr val="bg1"/>
+                  </a:solidFill>
+                </a:rPr>
+                <a:t>101</a:t>
+              </a:r>
+            </a:p>
+          </p:txBody>
+        </p:sp>
+      </p:grpSp>
+      <p:grpSp>
+        <p:nvGrpSpPr>
+          <p:cNvPr id="69" name="Gruppieren 68">
+            <a:extLst>
+              <a:ext uri="{FF2B5EF4-FFF2-40B4-BE49-F238E27FC236}">
+                <a16:creationId xmlns:a16="http://schemas.microsoft.com/office/drawing/2014/main" id="{780EBD03-25C6-46B5-B07B-921C501383B1}"/>
+              </a:ext>
+            </a:extLst>
+          </p:cNvPr>
+          <p:cNvGrpSpPr/>
+          <p:nvPr/>
+        </p:nvGrpSpPr>
+        <p:grpSpPr>
+          <a:xfrm>
+            <a:off x="5783315" y="4209543"/>
+            <a:ext cx="435650" cy="261610"/>
+            <a:chOff x="8889900" y="4512530"/>
+            <a:chExt cx="435650" cy="261610"/>
+          </a:xfrm>
+        </p:grpSpPr>
+        <p:sp>
+          <p:nvSpPr>
+            <p:cNvPr id="70" name="Ellipse 69">
+              <a:extLst>
+                <a:ext uri="{FF2B5EF4-FFF2-40B4-BE49-F238E27FC236}">
+                  <a16:creationId xmlns:a16="http://schemas.microsoft.com/office/drawing/2014/main" id="{DAC0E959-4CAB-4873-927A-823E9C3DDC2E}"/>
+                </a:ext>
+              </a:extLst>
+            </p:cNvPr>
+            <p:cNvSpPr/>
+            <p:nvPr/>
+          </p:nvSpPr>
+          <p:spPr>
+            <a:xfrm>
+              <a:off x="8962858" y="4533089"/>
+              <a:ext cx="239949" cy="220493"/>
+            </a:xfrm>
+            <a:prstGeom prst="ellipse">
+              <a:avLst/>
+            </a:prstGeom>
+          </p:spPr>
+          <p:style>
+            <a:lnRef idx="2">
+              <a:schemeClr val="accent1">
+                <a:shade val="50000"/>
+              </a:schemeClr>
+            </a:lnRef>
+            <a:fillRef idx="1">
+              <a:schemeClr val="accent1"/>
+            </a:fillRef>
+            <a:effectRef idx="0">
+              <a:schemeClr val="accent1"/>
+            </a:effectRef>
+            <a:fontRef idx="minor">
+              <a:schemeClr val="lt1"/>
+            </a:fontRef>
+          </p:style>
+          <p:txBody>
+            <a:bodyPr rtlCol="0" anchor="ctr"/>
+            <a:lstStyle/>
+            <a:p>
+              <a:pPr algn="ctr"/>
+              <a:endParaRPr lang="de-DE" sz="1200" dirty="0"/>
+            </a:p>
+          </p:txBody>
+        </p:sp>
+        <p:sp>
+          <p:nvSpPr>
+            <p:cNvPr id="71" name="Textfeld 70">
+              <a:extLst>
+                <a:ext uri="{FF2B5EF4-FFF2-40B4-BE49-F238E27FC236}">
+                  <a16:creationId xmlns:a16="http://schemas.microsoft.com/office/drawing/2014/main" id="{E94FF3A6-0429-43B8-BD4C-74747C50FE6D}"/>
+                </a:ext>
+              </a:extLst>
+            </p:cNvPr>
+            <p:cNvSpPr txBox="1"/>
+            <p:nvPr/>
+          </p:nvSpPr>
+          <p:spPr>
+            <a:xfrm flipH="1">
+              <a:off x="8889900" y="4512530"/>
+              <a:ext cx="435650" cy="261610"/>
+            </a:xfrm>
+            <a:prstGeom prst="rect">
+              <a:avLst/>
+            </a:prstGeom>
+            <a:noFill/>
+          </p:spPr>
+          <p:txBody>
+            <a:bodyPr wrap="square" rtlCol="0">
+              <a:spAutoFit/>
+            </a:bodyPr>
+            <a:lstStyle/>
+            <a:p>
+              <a:r>
+                <a:rPr lang="de-DE" sz="1100" dirty="0">
+                  <a:solidFill>
+                    <a:schemeClr val="bg1"/>
+                  </a:solidFill>
+                </a:rPr>
+                <a:t>101</a:t>
+              </a:r>
+            </a:p>
+          </p:txBody>
+        </p:sp>
+      </p:grpSp>
+      <p:grpSp>
+        <p:nvGrpSpPr>
+          <p:cNvPr id="72" name="Gruppieren 71">
+            <a:extLst>
+              <a:ext uri="{FF2B5EF4-FFF2-40B4-BE49-F238E27FC236}">
+                <a16:creationId xmlns:a16="http://schemas.microsoft.com/office/drawing/2014/main" id="{C0DCBC41-4A5A-4428-AD2E-273471BA5DF8}"/>
+              </a:ext>
+            </a:extLst>
+          </p:cNvPr>
+          <p:cNvGrpSpPr/>
+          <p:nvPr/>
+        </p:nvGrpSpPr>
+        <p:grpSpPr>
+          <a:xfrm>
+            <a:off x="4901179" y="4874557"/>
+            <a:ext cx="435650" cy="261610"/>
+            <a:chOff x="8889900" y="4512530"/>
+            <a:chExt cx="435650" cy="261610"/>
+          </a:xfrm>
+        </p:grpSpPr>
+        <p:sp>
+          <p:nvSpPr>
+            <p:cNvPr id="73" name="Ellipse 72">
+              <a:extLst>
+                <a:ext uri="{FF2B5EF4-FFF2-40B4-BE49-F238E27FC236}">
+                  <a16:creationId xmlns:a16="http://schemas.microsoft.com/office/drawing/2014/main" id="{EA5529D8-C305-4128-9393-84EAC91FCB2C}"/>
+                </a:ext>
+              </a:extLst>
+            </p:cNvPr>
+            <p:cNvSpPr/>
+            <p:nvPr/>
+          </p:nvSpPr>
+          <p:spPr>
+            <a:xfrm>
+              <a:off x="8962858" y="4533089"/>
+              <a:ext cx="239949" cy="220493"/>
+            </a:xfrm>
+            <a:prstGeom prst="ellipse">
+              <a:avLst/>
+            </a:prstGeom>
+          </p:spPr>
+          <p:style>
+            <a:lnRef idx="2">
+              <a:schemeClr val="accent1">
+                <a:shade val="50000"/>
+              </a:schemeClr>
+            </a:lnRef>
+            <a:fillRef idx="1">
+              <a:schemeClr val="accent1"/>
+            </a:fillRef>
+            <a:effectRef idx="0">
+              <a:schemeClr val="accent1"/>
+            </a:effectRef>
+            <a:fontRef idx="minor">
+              <a:schemeClr val="lt1"/>
+            </a:fontRef>
+          </p:style>
+          <p:txBody>
+            <a:bodyPr rtlCol="0" anchor="ctr"/>
+            <a:lstStyle/>
+            <a:p>
+              <a:pPr algn="ctr"/>
+              <a:endParaRPr lang="de-DE" sz="1200" dirty="0"/>
+            </a:p>
+          </p:txBody>
+        </p:sp>
+        <p:sp>
+          <p:nvSpPr>
+            <p:cNvPr id="74" name="Textfeld 73">
+              <a:extLst>
+                <a:ext uri="{FF2B5EF4-FFF2-40B4-BE49-F238E27FC236}">
+                  <a16:creationId xmlns:a16="http://schemas.microsoft.com/office/drawing/2014/main" id="{ED3EF515-89BB-4C32-B457-F02522BCF35D}"/>
+                </a:ext>
+              </a:extLst>
+            </p:cNvPr>
+            <p:cNvSpPr txBox="1"/>
+            <p:nvPr/>
+          </p:nvSpPr>
+          <p:spPr>
+            <a:xfrm flipH="1">
+              <a:off x="8889900" y="4512530"/>
+              <a:ext cx="435650" cy="261610"/>
+            </a:xfrm>
+            <a:prstGeom prst="rect">
+              <a:avLst/>
+            </a:prstGeom>
+            <a:noFill/>
+          </p:spPr>
+          <p:txBody>
+            <a:bodyPr wrap="square" rtlCol="0">
+              <a:spAutoFit/>
+            </a:bodyPr>
+            <a:lstStyle/>
+            <a:p>
+              <a:r>
+                <a:rPr lang="de-DE" sz="1100" dirty="0">
+                  <a:solidFill>
+                    <a:schemeClr val="bg1"/>
+                  </a:solidFill>
+                </a:rPr>
+                <a:t>101</a:t>
+              </a:r>
+            </a:p>
+          </p:txBody>
+        </p:sp>
+      </p:grpSp>
+      <p:grpSp>
+        <p:nvGrpSpPr>
+          <p:cNvPr id="75" name="Gruppieren 74">
+            <a:extLst>
+              <a:ext uri="{FF2B5EF4-FFF2-40B4-BE49-F238E27FC236}">
+                <a16:creationId xmlns:a16="http://schemas.microsoft.com/office/drawing/2014/main" id="{D0367EB3-A5DF-44E7-8CF6-48193A814C66}"/>
+              </a:ext>
+            </a:extLst>
+          </p:cNvPr>
+          <p:cNvGrpSpPr/>
+          <p:nvPr/>
+        </p:nvGrpSpPr>
+        <p:grpSpPr>
+          <a:xfrm>
+            <a:off x="7831722" y="5069759"/>
+            <a:ext cx="435650" cy="261610"/>
+            <a:chOff x="8889900" y="4512530"/>
+            <a:chExt cx="435650" cy="261610"/>
+          </a:xfrm>
+        </p:grpSpPr>
+        <p:sp>
+          <p:nvSpPr>
+            <p:cNvPr id="76" name="Ellipse 75">
+              <a:extLst>
+                <a:ext uri="{FF2B5EF4-FFF2-40B4-BE49-F238E27FC236}">
+                  <a16:creationId xmlns:a16="http://schemas.microsoft.com/office/drawing/2014/main" id="{0A6FDCBF-07CD-4519-BD16-9DAF82F16330}"/>
+                </a:ext>
+              </a:extLst>
+            </p:cNvPr>
+            <p:cNvSpPr/>
+            <p:nvPr/>
+          </p:nvSpPr>
+          <p:spPr>
+            <a:xfrm>
+              <a:off x="8962858" y="4533089"/>
+              <a:ext cx="239949" cy="220493"/>
+            </a:xfrm>
+            <a:prstGeom prst="ellipse">
+              <a:avLst/>
+            </a:prstGeom>
+          </p:spPr>
+          <p:style>
+            <a:lnRef idx="2">
+              <a:schemeClr val="accent1">
+                <a:shade val="50000"/>
+              </a:schemeClr>
+            </a:lnRef>
+            <a:fillRef idx="1">
+              <a:schemeClr val="accent1"/>
+            </a:fillRef>
+            <a:effectRef idx="0">
+              <a:schemeClr val="accent1"/>
+            </a:effectRef>
+            <a:fontRef idx="minor">
+              <a:schemeClr val="lt1"/>
+            </a:fontRef>
+          </p:style>
+          <p:txBody>
+            <a:bodyPr rtlCol="0" anchor="ctr"/>
+            <a:lstStyle/>
+            <a:p>
+              <a:pPr algn="ctr"/>
+              <a:endParaRPr lang="de-DE" sz="1200" dirty="0"/>
+            </a:p>
+          </p:txBody>
+        </p:sp>
+        <p:sp>
+          <p:nvSpPr>
+            <p:cNvPr id="77" name="Textfeld 76">
+              <a:extLst>
+                <a:ext uri="{FF2B5EF4-FFF2-40B4-BE49-F238E27FC236}">
+                  <a16:creationId xmlns:a16="http://schemas.microsoft.com/office/drawing/2014/main" id="{ADB4B225-1DDE-4205-9063-8D65F295DA39}"/>
+                </a:ext>
+              </a:extLst>
+            </p:cNvPr>
+            <p:cNvSpPr txBox="1"/>
+            <p:nvPr/>
+          </p:nvSpPr>
+          <p:spPr>
+            <a:xfrm flipH="1">
+              <a:off x="8889900" y="4512530"/>
+              <a:ext cx="435650" cy="261610"/>
+            </a:xfrm>
+            <a:prstGeom prst="rect">
+              <a:avLst/>
+            </a:prstGeom>
+            <a:noFill/>
+          </p:spPr>
+          <p:txBody>
+            <a:bodyPr wrap="square" rtlCol="0">
+              <a:spAutoFit/>
+            </a:bodyPr>
+            <a:lstStyle/>
+            <a:p>
+              <a:r>
+                <a:rPr lang="de-DE" sz="1100" dirty="0">
+                  <a:solidFill>
+                    <a:schemeClr val="bg1"/>
+                  </a:solidFill>
+                </a:rPr>
+                <a:t>101</a:t>
+              </a:r>
+            </a:p>
+          </p:txBody>
+        </p:sp>
+      </p:grpSp>
+      <p:grpSp>
+        <p:nvGrpSpPr>
+          <p:cNvPr id="78" name="Gruppieren 77">
+            <a:extLst>
+              <a:ext uri="{FF2B5EF4-FFF2-40B4-BE49-F238E27FC236}">
+                <a16:creationId xmlns:a16="http://schemas.microsoft.com/office/drawing/2014/main" id="{277C1279-3E7E-44BB-9387-34FFF6B75D1A}"/>
+              </a:ext>
+            </a:extLst>
+          </p:cNvPr>
+          <p:cNvGrpSpPr/>
+          <p:nvPr/>
+        </p:nvGrpSpPr>
+        <p:grpSpPr>
+          <a:xfrm>
+            <a:off x="9120918" y="4680557"/>
+            <a:ext cx="435650" cy="261610"/>
+            <a:chOff x="8889900" y="4512530"/>
+            <a:chExt cx="435650" cy="261610"/>
+          </a:xfrm>
+        </p:grpSpPr>
+        <p:sp>
+          <p:nvSpPr>
+            <p:cNvPr id="79" name="Ellipse 78">
+              <a:extLst>
+                <a:ext uri="{FF2B5EF4-FFF2-40B4-BE49-F238E27FC236}">
+                  <a16:creationId xmlns:a16="http://schemas.microsoft.com/office/drawing/2014/main" id="{B6BF0AF9-3001-40B7-8F0C-ADDF1E62FCC2}"/>
+                </a:ext>
+              </a:extLst>
+            </p:cNvPr>
+            <p:cNvSpPr/>
+            <p:nvPr/>
+          </p:nvSpPr>
+          <p:spPr>
+            <a:xfrm>
+              <a:off x="8962858" y="4533089"/>
+              <a:ext cx="239949" cy="220493"/>
+            </a:xfrm>
+            <a:prstGeom prst="ellipse">
+              <a:avLst/>
+            </a:prstGeom>
+          </p:spPr>
+          <p:style>
+            <a:lnRef idx="2">
+              <a:schemeClr val="accent1">
+                <a:shade val="50000"/>
+              </a:schemeClr>
+            </a:lnRef>
+            <a:fillRef idx="1">
+              <a:schemeClr val="accent1"/>
+            </a:fillRef>
+            <a:effectRef idx="0">
+              <a:schemeClr val="accent1"/>
+            </a:effectRef>
+            <a:fontRef idx="minor">
+              <a:schemeClr val="lt1"/>
+            </a:fontRef>
+          </p:style>
+          <p:txBody>
+            <a:bodyPr rtlCol="0" anchor="ctr"/>
+            <a:lstStyle/>
+            <a:p>
+              <a:pPr algn="ctr"/>
+              <a:endParaRPr lang="de-DE" sz="1200" dirty="0"/>
+            </a:p>
+          </p:txBody>
+        </p:sp>
+        <p:sp>
+          <p:nvSpPr>
+            <p:cNvPr id="80" name="Textfeld 79">
+              <a:extLst>
+                <a:ext uri="{FF2B5EF4-FFF2-40B4-BE49-F238E27FC236}">
+                  <a16:creationId xmlns:a16="http://schemas.microsoft.com/office/drawing/2014/main" id="{8ADC95E4-5C34-461D-A8F8-95681BD4027D}"/>
+                </a:ext>
+              </a:extLst>
+            </p:cNvPr>
+            <p:cNvSpPr txBox="1"/>
+            <p:nvPr/>
+          </p:nvSpPr>
+          <p:spPr>
+            <a:xfrm flipH="1">
+              <a:off x="8889900" y="4512530"/>
+              <a:ext cx="435650" cy="261610"/>
+            </a:xfrm>
+            <a:prstGeom prst="rect">
+              <a:avLst/>
+            </a:prstGeom>
+            <a:noFill/>
+          </p:spPr>
+          <p:txBody>
+            <a:bodyPr wrap="square" rtlCol="0">
+              <a:spAutoFit/>
+            </a:bodyPr>
+            <a:lstStyle/>
+            <a:p>
+              <a:r>
+                <a:rPr lang="de-DE" sz="1100" dirty="0">
+                  <a:solidFill>
+                    <a:schemeClr val="bg1"/>
+                  </a:solidFill>
+                </a:rPr>
+                <a:t>101</a:t>
+              </a:r>
+            </a:p>
+          </p:txBody>
+        </p:sp>
+      </p:grpSp>
+      <p:grpSp>
+        <p:nvGrpSpPr>
+          <p:cNvPr id="81" name="Gruppieren 80">
+            <a:extLst>
+              <a:ext uri="{FF2B5EF4-FFF2-40B4-BE49-F238E27FC236}">
+                <a16:creationId xmlns:a16="http://schemas.microsoft.com/office/drawing/2014/main" id="{C1B56D9E-5663-4B7F-94DC-1134130BE5EC}"/>
+              </a:ext>
+            </a:extLst>
+          </p:cNvPr>
+          <p:cNvGrpSpPr/>
+          <p:nvPr/>
+        </p:nvGrpSpPr>
+        <p:grpSpPr>
+          <a:xfrm>
+            <a:off x="9802358" y="5044996"/>
+            <a:ext cx="435650" cy="261610"/>
+            <a:chOff x="8889900" y="4512530"/>
+            <a:chExt cx="435650" cy="261610"/>
+          </a:xfrm>
+        </p:grpSpPr>
+        <p:sp>
+          <p:nvSpPr>
+            <p:cNvPr id="82" name="Ellipse 81">
+              <a:extLst>
+                <a:ext uri="{FF2B5EF4-FFF2-40B4-BE49-F238E27FC236}">
+                  <a16:creationId xmlns:a16="http://schemas.microsoft.com/office/drawing/2014/main" id="{A196617E-0512-4508-8073-243FAEB0C51F}"/>
+                </a:ext>
+              </a:extLst>
+            </p:cNvPr>
+            <p:cNvSpPr/>
+            <p:nvPr/>
+          </p:nvSpPr>
+          <p:spPr>
+            <a:xfrm>
+              <a:off x="8962858" y="4533089"/>
+              <a:ext cx="239949" cy="220493"/>
+            </a:xfrm>
+            <a:prstGeom prst="ellipse">
+              <a:avLst/>
+            </a:prstGeom>
+          </p:spPr>
+          <p:style>
+            <a:lnRef idx="2">
+              <a:schemeClr val="accent1">
+                <a:shade val="50000"/>
+              </a:schemeClr>
+            </a:lnRef>
+            <a:fillRef idx="1">
+              <a:schemeClr val="accent1"/>
+            </a:fillRef>
+            <a:effectRef idx="0">
+              <a:schemeClr val="accent1"/>
+            </a:effectRef>
+            <a:fontRef idx="minor">
+              <a:schemeClr val="lt1"/>
+            </a:fontRef>
+          </p:style>
+          <p:txBody>
+            <a:bodyPr rtlCol="0" anchor="ctr"/>
+            <a:lstStyle/>
+            <a:p>
+              <a:pPr algn="ctr"/>
+              <a:endParaRPr lang="de-DE" sz="1200" dirty="0"/>
+            </a:p>
+          </p:txBody>
+        </p:sp>
+        <p:sp>
+          <p:nvSpPr>
+            <p:cNvPr id="83" name="Textfeld 82">
+              <a:extLst>
+                <a:ext uri="{FF2B5EF4-FFF2-40B4-BE49-F238E27FC236}">
+                  <a16:creationId xmlns:a16="http://schemas.microsoft.com/office/drawing/2014/main" id="{55E6A8E2-EA0D-4F42-B81C-219971728C03}"/>
+                </a:ext>
+              </a:extLst>
+            </p:cNvPr>
+            <p:cNvSpPr txBox="1"/>
+            <p:nvPr/>
+          </p:nvSpPr>
+          <p:spPr>
+            <a:xfrm flipH="1">
+              <a:off x="8889900" y="4512530"/>
+              <a:ext cx="435650" cy="261610"/>
+            </a:xfrm>
+            <a:prstGeom prst="rect">
+              <a:avLst/>
+            </a:prstGeom>
+            <a:noFill/>
+          </p:spPr>
+          <p:txBody>
+            <a:bodyPr wrap="square" rtlCol="0">
+              <a:spAutoFit/>
+            </a:bodyPr>
+            <a:lstStyle/>
+            <a:p>
+              <a:r>
+                <a:rPr lang="de-DE" sz="1100" dirty="0">
+                  <a:solidFill>
+                    <a:schemeClr val="bg1"/>
+                  </a:solidFill>
+                </a:rPr>
+                <a:t>101</a:t>
+              </a:r>
+            </a:p>
+          </p:txBody>
+        </p:sp>
+      </p:grpSp>
+      <p:grpSp>
+        <p:nvGrpSpPr>
+          <p:cNvPr id="84" name="Gruppieren 83">
+            <a:extLst>
+              <a:ext uri="{FF2B5EF4-FFF2-40B4-BE49-F238E27FC236}">
+                <a16:creationId xmlns:a16="http://schemas.microsoft.com/office/drawing/2014/main" id="{B2730655-B255-4B8D-B1A6-21652A8FCF98}"/>
+              </a:ext>
+            </a:extLst>
+          </p:cNvPr>
+          <p:cNvGrpSpPr/>
+          <p:nvPr/>
+        </p:nvGrpSpPr>
+        <p:grpSpPr>
+          <a:xfrm>
+            <a:off x="8578656" y="4220277"/>
+            <a:ext cx="435650" cy="261610"/>
+            <a:chOff x="8889900" y="4512530"/>
+            <a:chExt cx="435650" cy="261610"/>
+          </a:xfrm>
+        </p:grpSpPr>
+        <p:sp>
+          <p:nvSpPr>
+            <p:cNvPr id="85" name="Ellipse 84">
+              <a:extLst>
+                <a:ext uri="{FF2B5EF4-FFF2-40B4-BE49-F238E27FC236}">
+                  <a16:creationId xmlns:a16="http://schemas.microsoft.com/office/drawing/2014/main" id="{6D92C220-C8C5-4045-BECA-5815DC118DA6}"/>
+                </a:ext>
+              </a:extLst>
+            </p:cNvPr>
+            <p:cNvSpPr/>
+            <p:nvPr/>
+          </p:nvSpPr>
+          <p:spPr>
+            <a:xfrm>
+              <a:off x="8962858" y="4533089"/>
+              <a:ext cx="239949" cy="220493"/>
+            </a:xfrm>
+            <a:prstGeom prst="ellipse">
+              <a:avLst/>
+            </a:prstGeom>
+          </p:spPr>
+          <p:style>
+            <a:lnRef idx="2">
+              <a:schemeClr val="accent1">
+                <a:shade val="50000"/>
+              </a:schemeClr>
+            </a:lnRef>
+            <a:fillRef idx="1">
+              <a:schemeClr val="accent1"/>
+            </a:fillRef>
+            <a:effectRef idx="0">
+              <a:schemeClr val="accent1"/>
+            </a:effectRef>
+            <a:fontRef idx="minor">
+              <a:schemeClr val="lt1"/>
+            </a:fontRef>
+          </p:style>
+          <p:txBody>
+            <a:bodyPr rtlCol="0" anchor="ctr"/>
+            <a:lstStyle/>
+            <a:p>
+              <a:pPr algn="ctr"/>
+              <a:endParaRPr lang="de-DE" sz="1200" dirty="0"/>
+            </a:p>
+          </p:txBody>
+        </p:sp>
+        <p:sp>
+          <p:nvSpPr>
+            <p:cNvPr id="86" name="Textfeld 85">
+              <a:extLst>
+                <a:ext uri="{FF2B5EF4-FFF2-40B4-BE49-F238E27FC236}">
+                  <a16:creationId xmlns:a16="http://schemas.microsoft.com/office/drawing/2014/main" id="{C7232581-C821-4E57-9888-50429A441930}"/>
+                </a:ext>
+              </a:extLst>
+            </p:cNvPr>
+            <p:cNvSpPr txBox="1"/>
+            <p:nvPr/>
+          </p:nvSpPr>
+          <p:spPr>
+            <a:xfrm flipH="1">
+              <a:off x="8889900" y="4512530"/>
+              <a:ext cx="435650" cy="261610"/>
+            </a:xfrm>
+            <a:prstGeom prst="rect">
+              <a:avLst/>
+            </a:prstGeom>
+            <a:noFill/>
+          </p:spPr>
+          <p:txBody>
+            <a:bodyPr wrap="square" rtlCol="0">
+              <a:spAutoFit/>
+            </a:bodyPr>
+            <a:lstStyle/>
+            <a:p>
+              <a:r>
+                <a:rPr lang="de-DE" sz="1100" dirty="0">
+                  <a:solidFill>
+                    <a:schemeClr val="bg1"/>
+                  </a:solidFill>
+                </a:rPr>
+                <a:t>101</a:t>
+              </a:r>
+            </a:p>
+          </p:txBody>
+        </p:sp>
+      </p:grpSp>
     </p:spTree>
     <p:extLst>
       <p:ext uri="{BB962C8B-B14F-4D97-AF65-F5344CB8AC3E}">
@@ -9337,7 +15579,7 @@
 </p:sld>
 </file>
 
-<file path=ppt/slides/slide17.xml><?xml version="1.0" encoding="utf-8"?>
+<file path=ppt/slides/slide18.xml><?xml version="1.0" encoding="utf-8"?>
 <p:sld xmlns:a="http://schemas.openxmlformats.org/drawingml/2006/main" xmlns:r="http://schemas.openxmlformats.org/officeDocument/2006/relationships" xmlns:p="http://schemas.openxmlformats.org/presentationml/2006/main">
   <p:cSld>
     <p:spTree>
@@ -16637,7 +22879,12 @@
             <p:ph type="title"/>
           </p:nvPr>
         </p:nvSpPr>
-        <p:spPr/>
+        <p:spPr>
+          <a:xfrm>
+            <a:off x="1337931" y="143931"/>
+            <a:ext cx="10515600" cy="1325563"/>
+          </a:xfrm>
+        </p:spPr>
         <p:txBody>
           <a:bodyPr/>
           <a:lstStyle/>
@@ -16685,7 +22932,7 @@
         </p:blipFill>
         <p:spPr>
           <a:xfrm>
-            <a:off x="925175" y="2785203"/>
+            <a:off x="971643" y="2837175"/>
             <a:ext cx="6553200" cy="3762375"/>
           </a:xfrm>
           <a:prstGeom prst="rect">
@@ -16695,10 +22942,10 @@
       </p:pic>
       <p:grpSp>
         <p:nvGrpSpPr>
-          <p:cNvPr id="28" name="Gruppieren 27">
-            <a:extLst>
-              <a:ext uri="{FF2B5EF4-FFF2-40B4-BE49-F238E27FC236}">
-                <a16:creationId xmlns:a16="http://schemas.microsoft.com/office/drawing/2014/main" id="{01318C81-5F1B-44F4-BDA4-6AA7129BF578}"/>
+          <p:cNvPr id="52" name="Gruppieren 51">
+            <a:extLst>
+              <a:ext uri="{FF2B5EF4-FFF2-40B4-BE49-F238E27FC236}">
+                <a16:creationId xmlns:a16="http://schemas.microsoft.com/office/drawing/2014/main" id="{8F263CEE-F1E8-489A-8694-45C38E415463}"/>
               </a:ext>
             </a:extLst>
           </p:cNvPr>
@@ -16707,7 +22954,7 @@
         </p:nvGrpSpPr>
         <p:grpSpPr>
           <a:xfrm>
-            <a:off x="402550" y="1838885"/>
+            <a:off x="3247879" y="5759622"/>
             <a:ext cx="435650" cy="261610"/>
             <a:chOff x="8889900" y="4512530"/>
             <a:chExt cx="435650" cy="261610"/>
@@ -16715,10 +22962,10 @@
         </p:grpSpPr>
         <p:sp>
           <p:nvSpPr>
-            <p:cNvPr id="29" name="Ellipse 28">
-              <a:extLst>
-                <a:ext uri="{FF2B5EF4-FFF2-40B4-BE49-F238E27FC236}">
-                  <a16:creationId xmlns:a16="http://schemas.microsoft.com/office/drawing/2014/main" id="{EBC9E1D5-2694-46E3-9D82-F8F21571A0F5}"/>
+            <p:cNvPr id="53" name="Ellipse 52">
+              <a:extLst>
+                <a:ext uri="{FF2B5EF4-FFF2-40B4-BE49-F238E27FC236}">
+                  <a16:creationId xmlns:a16="http://schemas.microsoft.com/office/drawing/2014/main" id="{50216322-1425-4BFF-AB21-554EECE76698}"/>
                 </a:ext>
               </a:extLst>
             </p:cNvPr>
@@ -16761,10 +23008,10 @@
         </p:sp>
         <p:sp>
           <p:nvSpPr>
-            <p:cNvPr id="30" name="Textfeld 29">
-              <a:extLst>
-                <a:ext uri="{FF2B5EF4-FFF2-40B4-BE49-F238E27FC236}">
-                  <a16:creationId xmlns:a16="http://schemas.microsoft.com/office/drawing/2014/main" id="{7599B3AC-C3AF-4860-B7CA-49F848FF1419}"/>
+            <p:cNvPr id="54" name="Textfeld 53">
+              <a:extLst>
+                <a:ext uri="{FF2B5EF4-FFF2-40B4-BE49-F238E27FC236}">
+                  <a16:creationId xmlns:a16="http://schemas.microsoft.com/office/drawing/2014/main" id="{6DDE5531-5C9C-4A65-A1C2-B94808DB8868}"/>
                 </a:ext>
               </a:extLst>
             </p:cNvPr>
@@ -16793,7 +23040,7 @@
                     <a:schemeClr val="bg1"/>
                   </a:solidFill>
                 </a:rPr>
-                <a:t>101</a:t>
+                <a:t>061</a:t>
               </a:r>
             </a:p>
           </p:txBody>
@@ -16801,10 +23048,10 @@
       </p:grpSp>
       <p:grpSp>
         <p:nvGrpSpPr>
-          <p:cNvPr id="31" name="Gruppieren 30">
-            <a:extLst>
-              <a:ext uri="{FF2B5EF4-FFF2-40B4-BE49-F238E27FC236}">
-                <a16:creationId xmlns:a16="http://schemas.microsoft.com/office/drawing/2014/main" id="{73F82252-742E-478C-990F-53A706C622C7}"/>
+          <p:cNvPr id="55" name="Gruppieren 54">
+            <a:extLst>
+              <a:ext uri="{FF2B5EF4-FFF2-40B4-BE49-F238E27FC236}">
+                <a16:creationId xmlns:a16="http://schemas.microsoft.com/office/drawing/2014/main" id="{20A0E9FF-2D86-4F40-8239-C96A8F0B5368}"/>
               </a:ext>
             </a:extLst>
           </p:cNvPr>
@@ -16813,7 +23060,7 @@
         </p:nvGrpSpPr>
         <p:grpSpPr>
           <a:xfrm>
-            <a:off x="554950" y="1991285"/>
+            <a:off x="1815517" y="5727497"/>
             <a:ext cx="435650" cy="261610"/>
             <a:chOff x="8889900" y="4512530"/>
             <a:chExt cx="435650" cy="261610"/>
@@ -16821,10 +23068,10 @@
         </p:grpSpPr>
         <p:sp>
           <p:nvSpPr>
-            <p:cNvPr id="32" name="Ellipse 31">
-              <a:extLst>
-                <a:ext uri="{FF2B5EF4-FFF2-40B4-BE49-F238E27FC236}">
-                  <a16:creationId xmlns:a16="http://schemas.microsoft.com/office/drawing/2014/main" id="{2DBD7840-77E5-46A9-897B-11F71D4E06CE}"/>
+            <p:cNvPr id="56" name="Ellipse 55">
+              <a:extLst>
+                <a:ext uri="{FF2B5EF4-FFF2-40B4-BE49-F238E27FC236}">
+                  <a16:creationId xmlns:a16="http://schemas.microsoft.com/office/drawing/2014/main" id="{38FA6956-2822-40A6-BD87-488C1F3FC4A6}"/>
                 </a:ext>
               </a:extLst>
             </p:cNvPr>
@@ -16867,10 +23114,10 @@
         </p:sp>
         <p:sp>
           <p:nvSpPr>
-            <p:cNvPr id="33" name="Textfeld 32">
-              <a:extLst>
-                <a:ext uri="{FF2B5EF4-FFF2-40B4-BE49-F238E27FC236}">
-                  <a16:creationId xmlns:a16="http://schemas.microsoft.com/office/drawing/2014/main" id="{B34D1727-2D75-428C-8FB2-BBB502C13698}"/>
+            <p:cNvPr id="57" name="Textfeld 56">
+              <a:extLst>
+                <a:ext uri="{FF2B5EF4-FFF2-40B4-BE49-F238E27FC236}">
+                  <a16:creationId xmlns:a16="http://schemas.microsoft.com/office/drawing/2014/main" id="{948A7CC3-477F-4A34-B891-6F1DCCF6D431}"/>
                 </a:ext>
               </a:extLst>
             </p:cNvPr>
@@ -16899,7 +23146,7 @@
                     <a:schemeClr val="bg1"/>
                   </a:solidFill>
                 </a:rPr>
-                <a:t>101</a:t>
+                <a:t>065</a:t>
               </a:r>
             </a:p>
           </p:txBody>
@@ -16907,10 +23154,10 @@
       </p:grpSp>
       <p:grpSp>
         <p:nvGrpSpPr>
-          <p:cNvPr id="34" name="Gruppieren 33">
-            <a:extLst>
-              <a:ext uri="{FF2B5EF4-FFF2-40B4-BE49-F238E27FC236}">
-                <a16:creationId xmlns:a16="http://schemas.microsoft.com/office/drawing/2014/main" id="{1E1D9A40-C22D-4456-BC94-60EE64B06598}"/>
+          <p:cNvPr id="58" name="Gruppieren 57">
+            <a:extLst>
+              <a:ext uri="{FF2B5EF4-FFF2-40B4-BE49-F238E27FC236}">
+                <a16:creationId xmlns:a16="http://schemas.microsoft.com/office/drawing/2014/main" id="{F2A5D836-66A8-47EA-9383-43B120FC19B4}"/>
               </a:ext>
             </a:extLst>
           </p:cNvPr>
@@ -16919,7 +23166,7 @@
         </p:nvGrpSpPr>
         <p:grpSpPr>
           <a:xfrm>
-            <a:off x="184725" y="2206255"/>
+            <a:off x="4904335" y="5254189"/>
             <a:ext cx="435650" cy="261610"/>
             <a:chOff x="8889900" y="4512530"/>
             <a:chExt cx="435650" cy="261610"/>
@@ -16927,10 +23174,10 @@
         </p:grpSpPr>
         <p:sp>
           <p:nvSpPr>
-            <p:cNvPr id="35" name="Ellipse 34">
-              <a:extLst>
-                <a:ext uri="{FF2B5EF4-FFF2-40B4-BE49-F238E27FC236}">
-                  <a16:creationId xmlns:a16="http://schemas.microsoft.com/office/drawing/2014/main" id="{2C6C34E6-FBC5-45EA-8633-15C871C35694}"/>
+            <p:cNvPr id="59" name="Ellipse 58">
+              <a:extLst>
+                <a:ext uri="{FF2B5EF4-FFF2-40B4-BE49-F238E27FC236}">
+                  <a16:creationId xmlns:a16="http://schemas.microsoft.com/office/drawing/2014/main" id="{866BC8D5-5642-4026-899B-7FF431506B7F}"/>
                 </a:ext>
               </a:extLst>
             </p:cNvPr>
@@ -16973,10 +23220,10 @@
         </p:sp>
         <p:sp>
           <p:nvSpPr>
-            <p:cNvPr id="36" name="Textfeld 35">
-              <a:extLst>
-                <a:ext uri="{FF2B5EF4-FFF2-40B4-BE49-F238E27FC236}">
-                  <a16:creationId xmlns:a16="http://schemas.microsoft.com/office/drawing/2014/main" id="{25E638FA-8946-4BD8-9E9F-20B77C4742CD}"/>
+            <p:cNvPr id="60" name="Textfeld 59">
+              <a:extLst>
+                <a:ext uri="{FF2B5EF4-FFF2-40B4-BE49-F238E27FC236}">
+                  <a16:creationId xmlns:a16="http://schemas.microsoft.com/office/drawing/2014/main" id="{1E89071B-5516-46CB-A03E-B7F02D4A1ACD}"/>
                 </a:ext>
               </a:extLst>
             </p:cNvPr>
@@ -17005,7 +23252,7 @@
                     <a:schemeClr val="bg1"/>
                   </a:solidFill>
                 </a:rPr>
-                <a:t>101</a:t>
+                <a:t>067</a:t>
               </a:r>
             </a:p>
           </p:txBody>
@@ -17013,10 +23260,10 @@
       </p:grpSp>
       <p:grpSp>
         <p:nvGrpSpPr>
-          <p:cNvPr id="37" name="Gruppieren 36">
-            <a:extLst>
-              <a:ext uri="{FF2B5EF4-FFF2-40B4-BE49-F238E27FC236}">
-                <a16:creationId xmlns:a16="http://schemas.microsoft.com/office/drawing/2014/main" id="{FAED11A1-0BCD-43B2-A2D0-FDE13ABA4E80}"/>
+          <p:cNvPr id="61" name="Gruppieren 60">
+            <a:extLst>
+              <a:ext uri="{FF2B5EF4-FFF2-40B4-BE49-F238E27FC236}">
+                <a16:creationId xmlns:a16="http://schemas.microsoft.com/office/drawing/2014/main" id="{866D2E47-5020-4B58-858A-99ACB5AE4ADD}"/>
               </a:ext>
             </a:extLst>
           </p:cNvPr>
@@ -17025,7 +23272,7 @@
         </p:nvGrpSpPr>
         <p:grpSpPr>
           <a:xfrm>
-            <a:off x="337125" y="2358655"/>
+            <a:off x="5330506" y="5233630"/>
             <a:ext cx="435650" cy="261610"/>
             <a:chOff x="8889900" y="4512530"/>
             <a:chExt cx="435650" cy="261610"/>
@@ -17033,10 +23280,10 @@
         </p:grpSpPr>
         <p:sp>
           <p:nvSpPr>
-            <p:cNvPr id="38" name="Ellipse 37">
-              <a:extLst>
-                <a:ext uri="{FF2B5EF4-FFF2-40B4-BE49-F238E27FC236}">
-                  <a16:creationId xmlns:a16="http://schemas.microsoft.com/office/drawing/2014/main" id="{047BE582-4073-410A-B0A3-A03E546169A8}"/>
+            <p:cNvPr id="62" name="Ellipse 61">
+              <a:extLst>
+                <a:ext uri="{FF2B5EF4-FFF2-40B4-BE49-F238E27FC236}">
+                  <a16:creationId xmlns:a16="http://schemas.microsoft.com/office/drawing/2014/main" id="{FE2D5C9E-4BF6-4ACC-A945-4F394B9056EE}"/>
                 </a:ext>
               </a:extLst>
             </p:cNvPr>
@@ -17079,10 +23326,10 @@
         </p:sp>
         <p:sp>
           <p:nvSpPr>
-            <p:cNvPr id="39" name="Textfeld 38">
-              <a:extLst>
-                <a:ext uri="{FF2B5EF4-FFF2-40B4-BE49-F238E27FC236}">
-                  <a16:creationId xmlns:a16="http://schemas.microsoft.com/office/drawing/2014/main" id="{A398A712-B7FA-4C89-B550-46AABAD27FE5}"/>
+            <p:cNvPr id="63" name="Textfeld 62">
+              <a:extLst>
+                <a:ext uri="{FF2B5EF4-FFF2-40B4-BE49-F238E27FC236}">
+                  <a16:creationId xmlns:a16="http://schemas.microsoft.com/office/drawing/2014/main" id="{D762C02D-4311-42E4-A372-0BEC322F888A}"/>
                 </a:ext>
               </a:extLst>
             </p:cNvPr>
@@ -17111,7 +23358,7 @@
                     <a:schemeClr val="bg1"/>
                   </a:solidFill>
                 </a:rPr>
-                <a:t>101</a:t>
+                <a:t>068</a:t>
               </a:r>
             </a:p>
           </p:txBody>
@@ -17119,10 +23366,10 @@
       </p:grpSp>
       <p:grpSp>
         <p:nvGrpSpPr>
-          <p:cNvPr id="40" name="Gruppieren 39">
-            <a:extLst>
-              <a:ext uri="{FF2B5EF4-FFF2-40B4-BE49-F238E27FC236}">
-                <a16:creationId xmlns:a16="http://schemas.microsoft.com/office/drawing/2014/main" id="{850C2B61-7267-44A2-A490-0FE26B712830}"/>
+          <p:cNvPr id="64" name="Gruppieren 63">
+            <a:extLst>
+              <a:ext uri="{FF2B5EF4-FFF2-40B4-BE49-F238E27FC236}">
+                <a16:creationId xmlns:a16="http://schemas.microsoft.com/office/drawing/2014/main" id="{353D53DC-1D9F-48B0-8871-9528BAE67536}"/>
               </a:ext>
             </a:extLst>
           </p:cNvPr>
@@ -17131,7 +23378,7 @@
         </p:nvGrpSpPr>
         <p:grpSpPr>
           <a:xfrm>
-            <a:off x="620375" y="2632803"/>
+            <a:off x="3812593" y="4141891"/>
             <a:ext cx="435650" cy="261610"/>
             <a:chOff x="8889900" y="4512530"/>
             <a:chExt cx="435650" cy="261610"/>
@@ -17139,10 +23386,10 @@
         </p:grpSpPr>
         <p:sp>
           <p:nvSpPr>
-            <p:cNvPr id="41" name="Ellipse 40">
-              <a:extLst>
-                <a:ext uri="{FF2B5EF4-FFF2-40B4-BE49-F238E27FC236}">
-                  <a16:creationId xmlns:a16="http://schemas.microsoft.com/office/drawing/2014/main" id="{650609E5-919F-4D29-8C9C-C19F5D124EC9}"/>
+            <p:cNvPr id="65" name="Ellipse 64">
+              <a:extLst>
+                <a:ext uri="{FF2B5EF4-FFF2-40B4-BE49-F238E27FC236}">
+                  <a16:creationId xmlns:a16="http://schemas.microsoft.com/office/drawing/2014/main" id="{F3E69869-5414-4F21-AB1A-65F7387539FE}"/>
                 </a:ext>
               </a:extLst>
             </p:cNvPr>
@@ -17185,10 +23432,10 @@
         </p:sp>
         <p:sp>
           <p:nvSpPr>
-            <p:cNvPr id="42" name="Textfeld 41">
-              <a:extLst>
-                <a:ext uri="{FF2B5EF4-FFF2-40B4-BE49-F238E27FC236}">
-                  <a16:creationId xmlns:a16="http://schemas.microsoft.com/office/drawing/2014/main" id="{A3007A26-74ED-4215-AA97-89CEE5384196}"/>
+            <p:cNvPr id="66" name="Textfeld 65">
+              <a:extLst>
+                <a:ext uri="{FF2B5EF4-FFF2-40B4-BE49-F238E27FC236}">
+                  <a16:creationId xmlns:a16="http://schemas.microsoft.com/office/drawing/2014/main" id="{A600B05C-80EC-4B2D-AB45-C901E6A8494F}"/>
                 </a:ext>
               </a:extLst>
             </p:cNvPr>
@@ -17217,7 +23464,7 @@
                     <a:schemeClr val="bg1"/>
                   </a:solidFill>
                 </a:rPr>
-                <a:t>101</a:t>
+                <a:t>066</a:t>
               </a:r>
             </a:p>
           </p:txBody>
@@ -17225,10 +23472,10 @@
       </p:grpSp>
       <p:grpSp>
         <p:nvGrpSpPr>
-          <p:cNvPr id="43" name="Gruppieren 42">
-            <a:extLst>
-              <a:ext uri="{FF2B5EF4-FFF2-40B4-BE49-F238E27FC236}">
-                <a16:creationId xmlns:a16="http://schemas.microsoft.com/office/drawing/2014/main" id="{AC626221-7ED5-4047-8F55-6C73E1B41F6E}"/>
+          <p:cNvPr id="67" name="Gruppieren 66">
+            <a:extLst>
+              <a:ext uri="{FF2B5EF4-FFF2-40B4-BE49-F238E27FC236}">
+                <a16:creationId xmlns:a16="http://schemas.microsoft.com/office/drawing/2014/main" id="{749DD13C-800F-4EF9-9562-AA0B625B9D8C}"/>
               </a:ext>
             </a:extLst>
           </p:cNvPr>
@@ -17237,7 +23484,7 @@
         </p:nvGrpSpPr>
         <p:grpSpPr>
           <a:xfrm>
-            <a:off x="772775" y="2785203"/>
+            <a:off x="5017599" y="3357636"/>
             <a:ext cx="435650" cy="261610"/>
             <a:chOff x="8889900" y="4512530"/>
             <a:chExt cx="435650" cy="261610"/>
@@ -17245,10 +23492,10 @@
         </p:grpSpPr>
         <p:sp>
           <p:nvSpPr>
-            <p:cNvPr id="44" name="Ellipse 43">
-              <a:extLst>
-                <a:ext uri="{FF2B5EF4-FFF2-40B4-BE49-F238E27FC236}">
-                  <a16:creationId xmlns:a16="http://schemas.microsoft.com/office/drawing/2014/main" id="{986CD0DE-F234-446F-943F-7E7B3BEC7237}"/>
+            <p:cNvPr id="68" name="Ellipse 67">
+              <a:extLst>
+                <a:ext uri="{FF2B5EF4-FFF2-40B4-BE49-F238E27FC236}">
+                  <a16:creationId xmlns:a16="http://schemas.microsoft.com/office/drawing/2014/main" id="{0960A68A-3EBA-4098-8A5A-D32B1BC98E71}"/>
                 </a:ext>
               </a:extLst>
             </p:cNvPr>
@@ -17291,10 +23538,10 @@
         </p:sp>
         <p:sp>
           <p:nvSpPr>
-            <p:cNvPr id="45" name="Textfeld 44">
-              <a:extLst>
-                <a:ext uri="{FF2B5EF4-FFF2-40B4-BE49-F238E27FC236}">
-                  <a16:creationId xmlns:a16="http://schemas.microsoft.com/office/drawing/2014/main" id="{0E20B4CD-7511-45CE-8AF9-6CB0EE07C69D}"/>
+            <p:cNvPr id="69" name="Textfeld 68">
+              <a:extLst>
+                <a:ext uri="{FF2B5EF4-FFF2-40B4-BE49-F238E27FC236}">
+                  <a16:creationId xmlns:a16="http://schemas.microsoft.com/office/drawing/2014/main" id="{C636B47E-6C09-4C98-B422-C7D33F8B6B65}"/>
                 </a:ext>
               </a:extLst>
             </p:cNvPr>
@@ -17323,7 +23570,7 @@
                     <a:schemeClr val="bg1"/>
                   </a:solidFill>
                 </a:rPr>
-                <a:t>101</a:t>
+                <a:t>204</a:t>
               </a:r>
             </a:p>
           </p:txBody>
@@ -17331,10 +23578,10 @@
       </p:grpSp>
       <p:grpSp>
         <p:nvGrpSpPr>
-          <p:cNvPr id="46" name="Gruppieren 45">
-            <a:extLst>
-              <a:ext uri="{FF2B5EF4-FFF2-40B4-BE49-F238E27FC236}">
-                <a16:creationId xmlns:a16="http://schemas.microsoft.com/office/drawing/2014/main" id="{B794A54D-20AE-4062-8D2F-E0F2E9618B46}"/>
+          <p:cNvPr id="70" name="Gruppieren 69">
+            <a:extLst>
+              <a:ext uri="{FF2B5EF4-FFF2-40B4-BE49-F238E27FC236}">
+                <a16:creationId xmlns:a16="http://schemas.microsoft.com/office/drawing/2014/main" id="{3E8B49B2-C396-4013-A07A-66F322C6AE7B}"/>
               </a:ext>
             </a:extLst>
           </p:cNvPr>
@@ -17343,7 +23590,7 @@
         </p:nvGrpSpPr>
         <p:grpSpPr>
           <a:xfrm>
-            <a:off x="402550" y="3000173"/>
+            <a:off x="2517877" y="4269632"/>
             <a:ext cx="435650" cy="261610"/>
             <a:chOff x="8889900" y="4512530"/>
             <a:chExt cx="435650" cy="261610"/>
@@ -17351,10 +23598,10 @@
         </p:grpSpPr>
         <p:sp>
           <p:nvSpPr>
-            <p:cNvPr id="47" name="Ellipse 46">
-              <a:extLst>
-                <a:ext uri="{FF2B5EF4-FFF2-40B4-BE49-F238E27FC236}">
-                  <a16:creationId xmlns:a16="http://schemas.microsoft.com/office/drawing/2014/main" id="{FC2DE2BA-5B6A-42A1-BF5A-82E1D4C53BFF}"/>
+            <p:cNvPr id="71" name="Ellipse 70">
+              <a:extLst>
+                <a:ext uri="{FF2B5EF4-FFF2-40B4-BE49-F238E27FC236}">
+                  <a16:creationId xmlns:a16="http://schemas.microsoft.com/office/drawing/2014/main" id="{DC769D48-9D80-4D45-AB3B-3B45EE4AAD75}"/>
                 </a:ext>
               </a:extLst>
             </p:cNvPr>
@@ -17397,10 +23644,10 @@
         </p:sp>
         <p:sp>
           <p:nvSpPr>
-            <p:cNvPr id="48" name="Textfeld 47">
-              <a:extLst>
-                <a:ext uri="{FF2B5EF4-FFF2-40B4-BE49-F238E27FC236}">
-                  <a16:creationId xmlns:a16="http://schemas.microsoft.com/office/drawing/2014/main" id="{6DD0B7FB-E105-45B5-BCC6-F7C2E446E457}"/>
+            <p:cNvPr id="72" name="Textfeld 71">
+              <a:extLst>
+                <a:ext uri="{FF2B5EF4-FFF2-40B4-BE49-F238E27FC236}">
+                  <a16:creationId xmlns:a16="http://schemas.microsoft.com/office/drawing/2014/main" id="{D7991EA5-B67E-4589-9E48-4C5731047EAF}"/>
                 </a:ext>
               </a:extLst>
             </p:cNvPr>
@@ -17429,7 +23676,7 @@
                     <a:schemeClr val="bg1"/>
                   </a:solidFill>
                 </a:rPr>
-                <a:t>101</a:t>
+                <a:t>060</a:t>
               </a:r>
             </a:p>
           </p:txBody>
@@ -17437,10 +23684,10 @@
       </p:grpSp>
       <p:grpSp>
         <p:nvGrpSpPr>
-          <p:cNvPr id="49" name="Gruppieren 48">
-            <a:extLst>
-              <a:ext uri="{FF2B5EF4-FFF2-40B4-BE49-F238E27FC236}">
-                <a16:creationId xmlns:a16="http://schemas.microsoft.com/office/drawing/2014/main" id="{F0FC2736-4A79-4294-A328-D0E870094332}"/>
+          <p:cNvPr id="73" name="Gruppieren 72">
+            <a:extLst>
+              <a:ext uri="{FF2B5EF4-FFF2-40B4-BE49-F238E27FC236}">
+                <a16:creationId xmlns:a16="http://schemas.microsoft.com/office/drawing/2014/main" id="{ABD7FACD-85D8-48EA-8908-E8E71D376FB8}"/>
               </a:ext>
             </a:extLst>
           </p:cNvPr>
@@ -17449,7 +23696,7 @@
         </p:nvGrpSpPr>
         <p:grpSpPr>
           <a:xfrm>
-            <a:off x="554950" y="3152573"/>
+            <a:off x="4472688" y="3333384"/>
             <a:ext cx="435650" cy="261610"/>
             <a:chOff x="8889900" y="4512530"/>
             <a:chExt cx="435650" cy="261610"/>
@@ -17457,10 +23704,10 @@
         </p:grpSpPr>
         <p:sp>
           <p:nvSpPr>
-            <p:cNvPr id="50" name="Ellipse 49">
-              <a:extLst>
-                <a:ext uri="{FF2B5EF4-FFF2-40B4-BE49-F238E27FC236}">
-                  <a16:creationId xmlns:a16="http://schemas.microsoft.com/office/drawing/2014/main" id="{67454511-0D95-447E-A1AD-22B9B9E64C0A}"/>
+            <p:cNvPr id="74" name="Ellipse 73">
+              <a:extLst>
+                <a:ext uri="{FF2B5EF4-FFF2-40B4-BE49-F238E27FC236}">
+                  <a16:creationId xmlns:a16="http://schemas.microsoft.com/office/drawing/2014/main" id="{6B594285-A7C6-49E8-830E-2E57C8BE6908}"/>
                 </a:ext>
               </a:extLst>
             </p:cNvPr>
@@ -17503,10 +23750,10 @@
         </p:sp>
         <p:sp>
           <p:nvSpPr>
-            <p:cNvPr id="51" name="Textfeld 50">
-              <a:extLst>
-                <a:ext uri="{FF2B5EF4-FFF2-40B4-BE49-F238E27FC236}">
-                  <a16:creationId xmlns:a16="http://schemas.microsoft.com/office/drawing/2014/main" id="{DDCD46A1-FE6D-4EA1-B302-B8C5C52398DA}"/>
+            <p:cNvPr id="75" name="Textfeld 74">
+              <a:extLst>
+                <a:ext uri="{FF2B5EF4-FFF2-40B4-BE49-F238E27FC236}">
+                  <a16:creationId xmlns:a16="http://schemas.microsoft.com/office/drawing/2014/main" id="{9A6BBEF8-6312-46AF-A4A2-5461C89495AA}"/>
                 </a:ext>
               </a:extLst>
             </p:cNvPr>
@@ -17535,855 +23782,7 @@
                     <a:schemeClr val="bg1"/>
                   </a:solidFill>
                 </a:rPr>
-                <a:t>101</a:t>
-              </a:r>
-            </a:p>
-          </p:txBody>
-        </p:sp>
-      </p:grpSp>
-      <p:grpSp>
-        <p:nvGrpSpPr>
-          <p:cNvPr id="52" name="Gruppieren 51">
-            <a:extLst>
-              <a:ext uri="{FF2B5EF4-FFF2-40B4-BE49-F238E27FC236}">
-                <a16:creationId xmlns:a16="http://schemas.microsoft.com/office/drawing/2014/main" id="{8F263CEE-F1E8-489A-8694-45C38E415463}"/>
-              </a:ext>
-            </a:extLst>
-          </p:cNvPr>
-          <p:cNvGrpSpPr/>
-          <p:nvPr/>
-        </p:nvGrpSpPr>
-        <p:grpSpPr>
-          <a:xfrm>
-            <a:off x="1720435" y="1853702"/>
-            <a:ext cx="435650" cy="261610"/>
-            <a:chOff x="8889900" y="4512530"/>
-            <a:chExt cx="435650" cy="261610"/>
-          </a:xfrm>
-        </p:grpSpPr>
-        <p:sp>
-          <p:nvSpPr>
-            <p:cNvPr id="53" name="Ellipse 52">
-              <a:extLst>
-                <a:ext uri="{FF2B5EF4-FFF2-40B4-BE49-F238E27FC236}">
-                  <a16:creationId xmlns:a16="http://schemas.microsoft.com/office/drawing/2014/main" id="{50216322-1425-4BFF-AB21-554EECE76698}"/>
-                </a:ext>
-              </a:extLst>
-            </p:cNvPr>
-            <p:cNvSpPr/>
-            <p:nvPr/>
-          </p:nvSpPr>
-          <p:spPr>
-            <a:xfrm>
-              <a:off x="8962858" y="4533089"/>
-              <a:ext cx="239949" cy="220493"/>
-            </a:xfrm>
-            <a:prstGeom prst="ellipse">
-              <a:avLst/>
-            </a:prstGeom>
-          </p:spPr>
-          <p:style>
-            <a:lnRef idx="2">
-              <a:schemeClr val="accent1">
-                <a:shade val="50000"/>
-              </a:schemeClr>
-            </a:lnRef>
-            <a:fillRef idx="1">
-              <a:schemeClr val="accent1"/>
-            </a:fillRef>
-            <a:effectRef idx="0">
-              <a:schemeClr val="accent1"/>
-            </a:effectRef>
-            <a:fontRef idx="minor">
-              <a:schemeClr val="lt1"/>
-            </a:fontRef>
-          </p:style>
-          <p:txBody>
-            <a:bodyPr rtlCol="0" anchor="ctr"/>
-            <a:lstStyle/>
-            <a:p>
-              <a:pPr algn="ctr"/>
-              <a:endParaRPr lang="de-DE" sz="1200" dirty="0"/>
-            </a:p>
-          </p:txBody>
-        </p:sp>
-        <p:sp>
-          <p:nvSpPr>
-            <p:cNvPr id="54" name="Textfeld 53">
-              <a:extLst>
-                <a:ext uri="{FF2B5EF4-FFF2-40B4-BE49-F238E27FC236}">
-                  <a16:creationId xmlns:a16="http://schemas.microsoft.com/office/drawing/2014/main" id="{6DDE5531-5C9C-4A65-A1C2-B94808DB8868}"/>
-                </a:ext>
-              </a:extLst>
-            </p:cNvPr>
-            <p:cNvSpPr txBox="1"/>
-            <p:nvPr/>
-          </p:nvSpPr>
-          <p:spPr>
-            <a:xfrm flipH="1">
-              <a:off x="8889900" y="4512530"/>
-              <a:ext cx="435650" cy="261610"/>
-            </a:xfrm>
-            <a:prstGeom prst="rect">
-              <a:avLst/>
-            </a:prstGeom>
-            <a:noFill/>
-          </p:spPr>
-          <p:txBody>
-            <a:bodyPr wrap="square" rtlCol="0">
-              <a:spAutoFit/>
-            </a:bodyPr>
-            <a:lstStyle/>
-            <a:p>
-              <a:r>
-                <a:rPr lang="de-DE" sz="1100" dirty="0">
-                  <a:solidFill>
-                    <a:schemeClr val="bg1"/>
-                  </a:solidFill>
-                </a:rPr>
-                <a:t>101</a:t>
-              </a:r>
-            </a:p>
-          </p:txBody>
-        </p:sp>
-      </p:grpSp>
-      <p:grpSp>
-        <p:nvGrpSpPr>
-          <p:cNvPr id="55" name="Gruppieren 54">
-            <a:extLst>
-              <a:ext uri="{FF2B5EF4-FFF2-40B4-BE49-F238E27FC236}">
-                <a16:creationId xmlns:a16="http://schemas.microsoft.com/office/drawing/2014/main" id="{20A0E9FF-2D86-4F40-8239-C96A8F0B5368}"/>
-              </a:ext>
-            </a:extLst>
-          </p:cNvPr>
-          <p:cNvGrpSpPr/>
-          <p:nvPr/>
-        </p:nvGrpSpPr>
-        <p:grpSpPr>
-          <a:xfrm>
-            <a:off x="1872835" y="2006102"/>
-            <a:ext cx="435650" cy="261610"/>
-            <a:chOff x="8889900" y="4512530"/>
-            <a:chExt cx="435650" cy="261610"/>
-          </a:xfrm>
-        </p:grpSpPr>
-        <p:sp>
-          <p:nvSpPr>
-            <p:cNvPr id="56" name="Ellipse 55">
-              <a:extLst>
-                <a:ext uri="{FF2B5EF4-FFF2-40B4-BE49-F238E27FC236}">
-                  <a16:creationId xmlns:a16="http://schemas.microsoft.com/office/drawing/2014/main" id="{38FA6956-2822-40A6-BD87-488C1F3FC4A6}"/>
-                </a:ext>
-              </a:extLst>
-            </p:cNvPr>
-            <p:cNvSpPr/>
-            <p:nvPr/>
-          </p:nvSpPr>
-          <p:spPr>
-            <a:xfrm>
-              <a:off x="8962858" y="4533089"/>
-              <a:ext cx="239949" cy="220493"/>
-            </a:xfrm>
-            <a:prstGeom prst="ellipse">
-              <a:avLst/>
-            </a:prstGeom>
-          </p:spPr>
-          <p:style>
-            <a:lnRef idx="2">
-              <a:schemeClr val="accent1">
-                <a:shade val="50000"/>
-              </a:schemeClr>
-            </a:lnRef>
-            <a:fillRef idx="1">
-              <a:schemeClr val="accent1"/>
-            </a:fillRef>
-            <a:effectRef idx="0">
-              <a:schemeClr val="accent1"/>
-            </a:effectRef>
-            <a:fontRef idx="minor">
-              <a:schemeClr val="lt1"/>
-            </a:fontRef>
-          </p:style>
-          <p:txBody>
-            <a:bodyPr rtlCol="0" anchor="ctr"/>
-            <a:lstStyle/>
-            <a:p>
-              <a:pPr algn="ctr"/>
-              <a:endParaRPr lang="de-DE" sz="1200" dirty="0"/>
-            </a:p>
-          </p:txBody>
-        </p:sp>
-        <p:sp>
-          <p:nvSpPr>
-            <p:cNvPr id="57" name="Textfeld 56">
-              <a:extLst>
-                <a:ext uri="{FF2B5EF4-FFF2-40B4-BE49-F238E27FC236}">
-                  <a16:creationId xmlns:a16="http://schemas.microsoft.com/office/drawing/2014/main" id="{948A7CC3-477F-4A34-B891-6F1DCCF6D431}"/>
-                </a:ext>
-              </a:extLst>
-            </p:cNvPr>
-            <p:cNvSpPr txBox="1"/>
-            <p:nvPr/>
-          </p:nvSpPr>
-          <p:spPr>
-            <a:xfrm flipH="1">
-              <a:off x="8889900" y="4512530"/>
-              <a:ext cx="435650" cy="261610"/>
-            </a:xfrm>
-            <a:prstGeom prst="rect">
-              <a:avLst/>
-            </a:prstGeom>
-            <a:noFill/>
-          </p:spPr>
-          <p:txBody>
-            <a:bodyPr wrap="square" rtlCol="0">
-              <a:spAutoFit/>
-            </a:bodyPr>
-            <a:lstStyle/>
-            <a:p>
-              <a:r>
-                <a:rPr lang="de-DE" sz="1100" dirty="0">
-                  <a:solidFill>
-                    <a:schemeClr val="bg1"/>
-                  </a:solidFill>
-                </a:rPr>
-                <a:t>101</a:t>
-              </a:r>
-            </a:p>
-          </p:txBody>
-        </p:sp>
-      </p:grpSp>
-      <p:grpSp>
-        <p:nvGrpSpPr>
-          <p:cNvPr id="58" name="Gruppieren 57">
-            <a:extLst>
-              <a:ext uri="{FF2B5EF4-FFF2-40B4-BE49-F238E27FC236}">
-                <a16:creationId xmlns:a16="http://schemas.microsoft.com/office/drawing/2014/main" id="{F2A5D836-66A8-47EA-9383-43B120FC19B4}"/>
-              </a:ext>
-            </a:extLst>
-          </p:cNvPr>
-          <p:cNvGrpSpPr/>
-          <p:nvPr/>
-        </p:nvGrpSpPr>
-        <p:grpSpPr>
-          <a:xfrm>
-            <a:off x="1502610" y="2221072"/>
-            <a:ext cx="435650" cy="261610"/>
-            <a:chOff x="8889900" y="4512530"/>
-            <a:chExt cx="435650" cy="261610"/>
-          </a:xfrm>
-        </p:grpSpPr>
-        <p:sp>
-          <p:nvSpPr>
-            <p:cNvPr id="59" name="Ellipse 58">
-              <a:extLst>
-                <a:ext uri="{FF2B5EF4-FFF2-40B4-BE49-F238E27FC236}">
-                  <a16:creationId xmlns:a16="http://schemas.microsoft.com/office/drawing/2014/main" id="{866BC8D5-5642-4026-899B-7FF431506B7F}"/>
-                </a:ext>
-              </a:extLst>
-            </p:cNvPr>
-            <p:cNvSpPr/>
-            <p:nvPr/>
-          </p:nvSpPr>
-          <p:spPr>
-            <a:xfrm>
-              <a:off x="8962858" y="4533089"/>
-              <a:ext cx="239949" cy="220493"/>
-            </a:xfrm>
-            <a:prstGeom prst="ellipse">
-              <a:avLst/>
-            </a:prstGeom>
-          </p:spPr>
-          <p:style>
-            <a:lnRef idx="2">
-              <a:schemeClr val="accent1">
-                <a:shade val="50000"/>
-              </a:schemeClr>
-            </a:lnRef>
-            <a:fillRef idx="1">
-              <a:schemeClr val="accent1"/>
-            </a:fillRef>
-            <a:effectRef idx="0">
-              <a:schemeClr val="accent1"/>
-            </a:effectRef>
-            <a:fontRef idx="minor">
-              <a:schemeClr val="lt1"/>
-            </a:fontRef>
-          </p:style>
-          <p:txBody>
-            <a:bodyPr rtlCol="0" anchor="ctr"/>
-            <a:lstStyle/>
-            <a:p>
-              <a:pPr algn="ctr"/>
-              <a:endParaRPr lang="de-DE" sz="1200" dirty="0"/>
-            </a:p>
-          </p:txBody>
-        </p:sp>
-        <p:sp>
-          <p:nvSpPr>
-            <p:cNvPr id="60" name="Textfeld 59">
-              <a:extLst>
-                <a:ext uri="{FF2B5EF4-FFF2-40B4-BE49-F238E27FC236}">
-                  <a16:creationId xmlns:a16="http://schemas.microsoft.com/office/drawing/2014/main" id="{1E89071B-5516-46CB-A03E-B7F02D4A1ACD}"/>
-                </a:ext>
-              </a:extLst>
-            </p:cNvPr>
-            <p:cNvSpPr txBox="1"/>
-            <p:nvPr/>
-          </p:nvSpPr>
-          <p:spPr>
-            <a:xfrm flipH="1">
-              <a:off x="8889900" y="4512530"/>
-              <a:ext cx="435650" cy="261610"/>
-            </a:xfrm>
-            <a:prstGeom prst="rect">
-              <a:avLst/>
-            </a:prstGeom>
-            <a:noFill/>
-          </p:spPr>
-          <p:txBody>
-            <a:bodyPr wrap="square" rtlCol="0">
-              <a:spAutoFit/>
-            </a:bodyPr>
-            <a:lstStyle/>
-            <a:p>
-              <a:r>
-                <a:rPr lang="de-DE" sz="1100" dirty="0">
-                  <a:solidFill>
-                    <a:schemeClr val="bg1"/>
-                  </a:solidFill>
-                </a:rPr>
-                <a:t>101</a:t>
-              </a:r>
-            </a:p>
-          </p:txBody>
-        </p:sp>
-      </p:grpSp>
-      <p:grpSp>
-        <p:nvGrpSpPr>
-          <p:cNvPr id="61" name="Gruppieren 60">
-            <a:extLst>
-              <a:ext uri="{FF2B5EF4-FFF2-40B4-BE49-F238E27FC236}">
-                <a16:creationId xmlns:a16="http://schemas.microsoft.com/office/drawing/2014/main" id="{866D2E47-5020-4B58-858A-99ACB5AE4ADD}"/>
-              </a:ext>
-            </a:extLst>
-          </p:cNvPr>
-          <p:cNvGrpSpPr/>
-          <p:nvPr/>
-        </p:nvGrpSpPr>
-        <p:grpSpPr>
-          <a:xfrm>
-            <a:off x="1655010" y="2373472"/>
-            <a:ext cx="435650" cy="261610"/>
-            <a:chOff x="8889900" y="4512530"/>
-            <a:chExt cx="435650" cy="261610"/>
-          </a:xfrm>
-        </p:grpSpPr>
-        <p:sp>
-          <p:nvSpPr>
-            <p:cNvPr id="62" name="Ellipse 61">
-              <a:extLst>
-                <a:ext uri="{FF2B5EF4-FFF2-40B4-BE49-F238E27FC236}">
-                  <a16:creationId xmlns:a16="http://schemas.microsoft.com/office/drawing/2014/main" id="{FE2D5C9E-4BF6-4ACC-A945-4F394B9056EE}"/>
-                </a:ext>
-              </a:extLst>
-            </p:cNvPr>
-            <p:cNvSpPr/>
-            <p:nvPr/>
-          </p:nvSpPr>
-          <p:spPr>
-            <a:xfrm>
-              <a:off x="8962858" y="4533089"/>
-              <a:ext cx="239949" cy="220493"/>
-            </a:xfrm>
-            <a:prstGeom prst="ellipse">
-              <a:avLst/>
-            </a:prstGeom>
-          </p:spPr>
-          <p:style>
-            <a:lnRef idx="2">
-              <a:schemeClr val="accent1">
-                <a:shade val="50000"/>
-              </a:schemeClr>
-            </a:lnRef>
-            <a:fillRef idx="1">
-              <a:schemeClr val="accent1"/>
-            </a:fillRef>
-            <a:effectRef idx="0">
-              <a:schemeClr val="accent1"/>
-            </a:effectRef>
-            <a:fontRef idx="minor">
-              <a:schemeClr val="lt1"/>
-            </a:fontRef>
-          </p:style>
-          <p:txBody>
-            <a:bodyPr rtlCol="0" anchor="ctr"/>
-            <a:lstStyle/>
-            <a:p>
-              <a:pPr algn="ctr"/>
-              <a:endParaRPr lang="de-DE" sz="1200" dirty="0"/>
-            </a:p>
-          </p:txBody>
-        </p:sp>
-        <p:sp>
-          <p:nvSpPr>
-            <p:cNvPr id="63" name="Textfeld 62">
-              <a:extLst>
-                <a:ext uri="{FF2B5EF4-FFF2-40B4-BE49-F238E27FC236}">
-                  <a16:creationId xmlns:a16="http://schemas.microsoft.com/office/drawing/2014/main" id="{D762C02D-4311-42E4-A372-0BEC322F888A}"/>
-                </a:ext>
-              </a:extLst>
-            </p:cNvPr>
-            <p:cNvSpPr txBox="1"/>
-            <p:nvPr/>
-          </p:nvSpPr>
-          <p:spPr>
-            <a:xfrm flipH="1">
-              <a:off x="8889900" y="4512530"/>
-              <a:ext cx="435650" cy="261610"/>
-            </a:xfrm>
-            <a:prstGeom prst="rect">
-              <a:avLst/>
-            </a:prstGeom>
-            <a:noFill/>
-          </p:spPr>
-          <p:txBody>
-            <a:bodyPr wrap="square" rtlCol="0">
-              <a:spAutoFit/>
-            </a:bodyPr>
-            <a:lstStyle/>
-            <a:p>
-              <a:r>
-                <a:rPr lang="de-DE" sz="1100" dirty="0">
-                  <a:solidFill>
-                    <a:schemeClr val="bg1"/>
-                  </a:solidFill>
-                </a:rPr>
-                <a:t>101</a:t>
-              </a:r>
-            </a:p>
-          </p:txBody>
-        </p:sp>
-      </p:grpSp>
-      <p:grpSp>
-        <p:nvGrpSpPr>
-          <p:cNvPr id="64" name="Gruppieren 63">
-            <a:extLst>
-              <a:ext uri="{FF2B5EF4-FFF2-40B4-BE49-F238E27FC236}">
-                <a16:creationId xmlns:a16="http://schemas.microsoft.com/office/drawing/2014/main" id="{353D53DC-1D9F-48B0-8871-9528BAE67536}"/>
-              </a:ext>
-            </a:extLst>
-          </p:cNvPr>
-          <p:cNvGrpSpPr/>
-          <p:nvPr/>
-        </p:nvGrpSpPr>
-        <p:grpSpPr>
-          <a:xfrm>
-            <a:off x="1938260" y="2647620"/>
-            <a:ext cx="435650" cy="261610"/>
-            <a:chOff x="8889900" y="4512530"/>
-            <a:chExt cx="435650" cy="261610"/>
-          </a:xfrm>
-        </p:grpSpPr>
-        <p:sp>
-          <p:nvSpPr>
-            <p:cNvPr id="65" name="Ellipse 64">
-              <a:extLst>
-                <a:ext uri="{FF2B5EF4-FFF2-40B4-BE49-F238E27FC236}">
-                  <a16:creationId xmlns:a16="http://schemas.microsoft.com/office/drawing/2014/main" id="{F3E69869-5414-4F21-AB1A-65F7387539FE}"/>
-                </a:ext>
-              </a:extLst>
-            </p:cNvPr>
-            <p:cNvSpPr/>
-            <p:nvPr/>
-          </p:nvSpPr>
-          <p:spPr>
-            <a:xfrm>
-              <a:off x="8962858" y="4533089"/>
-              <a:ext cx="239949" cy="220493"/>
-            </a:xfrm>
-            <a:prstGeom prst="ellipse">
-              <a:avLst/>
-            </a:prstGeom>
-          </p:spPr>
-          <p:style>
-            <a:lnRef idx="2">
-              <a:schemeClr val="accent1">
-                <a:shade val="50000"/>
-              </a:schemeClr>
-            </a:lnRef>
-            <a:fillRef idx="1">
-              <a:schemeClr val="accent1"/>
-            </a:fillRef>
-            <a:effectRef idx="0">
-              <a:schemeClr val="accent1"/>
-            </a:effectRef>
-            <a:fontRef idx="minor">
-              <a:schemeClr val="lt1"/>
-            </a:fontRef>
-          </p:style>
-          <p:txBody>
-            <a:bodyPr rtlCol="0" anchor="ctr"/>
-            <a:lstStyle/>
-            <a:p>
-              <a:pPr algn="ctr"/>
-              <a:endParaRPr lang="de-DE" sz="1200" dirty="0"/>
-            </a:p>
-          </p:txBody>
-        </p:sp>
-        <p:sp>
-          <p:nvSpPr>
-            <p:cNvPr id="66" name="Textfeld 65">
-              <a:extLst>
-                <a:ext uri="{FF2B5EF4-FFF2-40B4-BE49-F238E27FC236}">
-                  <a16:creationId xmlns:a16="http://schemas.microsoft.com/office/drawing/2014/main" id="{A600B05C-80EC-4B2D-AB45-C901E6A8494F}"/>
-                </a:ext>
-              </a:extLst>
-            </p:cNvPr>
-            <p:cNvSpPr txBox="1"/>
-            <p:nvPr/>
-          </p:nvSpPr>
-          <p:spPr>
-            <a:xfrm flipH="1">
-              <a:off x="8889900" y="4512530"/>
-              <a:ext cx="435650" cy="261610"/>
-            </a:xfrm>
-            <a:prstGeom prst="rect">
-              <a:avLst/>
-            </a:prstGeom>
-            <a:noFill/>
-          </p:spPr>
-          <p:txBody>
-            <a:bodyPr wrap="square" rtlCol="0">
-              <a:spAutoFit/>
-            </a:bodyPr>
-            <a:lstStyle/>
-            <a:p>
-              <a:r>
-                <a:rPr lang="de-DE" sz="1100" dirty="0">
-                  <a:solidFill>
-                    <a:schemeClr val="bg1"/>
-                  </a:solidFill>
-                </a:rPr>
-                <a:t>101</a:t>
-              </a:r>
-            </a:p>
-          </p:txBody>
-        </p:sp>
-      </p:grpSp>
-      <p:grpSp>
-        <p:nvGrpSpPr>
-          <p:cNvPr id="67" name="Gruppieren 66">
-            <a:extLst>
-              <a:ext uri="{FF2B5EF4-FFF2-40B4-BE49-F238E27FC236}">
-                <a16:creationId xmlns:a16="http://schemas.microsoft.com/office/drawing/2014/main" id="{749DD13C-800F-4EF9-9562-AA0B625B9D8C}"/>
-              </a:ext>
-            </a:extLst>
-          </p:cNvPr>
-          <p:cNvGrpSpPr/>
-          <p:nvPr/>
-        </p:nvGrpSpPr>
-        <p:grpSpPr>
-          <a:xfrm>
-            <a:off x="2090660" y="2800020"/>
-            <a:ext cx="435650" cy="261610"/>
-            <a:chOff x="8889900" y="4512530"/>
-            <a:chExt cx="435650" cy="261610"/>
-          </a:xfrm>
-        </p:grpSpPr>
-        <p:sp>
-          <p:nvSpPr>
-            <p:cNvPr id="68" name="Ellipse 67">
-              <a:extLst>
-                <a:ext uri="{FF2B5EF4-FFF2-40B4-BE49-F238E27FC236}">
-                  <a16:creationId xmlns:a16="http://schemas.microsoft.com/office/drawing/2014/main" id="{0960A68A-3EBA-4098-8A5A-D32B1BC98E71}"/>
-                </a:ext>
-              </a:extLst>
-            </p:cNvPr>
-            <p:cNvSpPr/>
-            <p:nvPr/>
-          </p:nvSpPr>
-          <p:spPr>
-            <a:xfrm>
-              <a:off x="8962858" y="4533089"/>
-              <a:ext cx="239949" cy="220493"/>
-            </a:xfrm>
-            <a:prstGeom prst="ellipse">
-              <a:avLst/>
-            </a:prstGeom>
-          </p:spPr>
-          <p:style>
-            <a:lnRef idx="2">
-              <a:schemeClr val="accent1">
-                <a:shade val="50000"/>
-              </a:schemeClr>
-            </a:lnRef>
-            <a:fillRef idx="1">
-              <a:schemeClr val="accent1"/>
-            </a:fillRef>
-            <a:effectRef idx="0">
-              <a:schemeClr val="accent1"/>
-            </a:effectRef>
-            <a:fontRef idx="minor">
-              <a:schemeClr val="lt1"/>
-            </a:fontRef>
-          </p:style>
-          <p:txBody>
-            <a:bodyPr rtlCol="0" anchor="ctr"/>
-            <a:lstStyle/>
-            <a:p>
-              <a:pPr algn="ctr"/>
-              <a:endParaRPr lang="de-DE" sz="1200" dirty="0"/>
-            </a:p>
-          </p:txBody>
-        </p:sp>
-        <p:sp>
-          <p:nvSpPr>
-            <p:cNvPr id="69" name="Textfeld 68">
-              <a:extLst>
-                <a:ext uri="{FF2B5EF4-FFF2-40B4-BE49-F238E27FC236}">
-                  <a16:creationId xmlns:a16="http://schemas.microsoft.com/office/drawing/2014/main" id="{C636B47E-6C09-4C98-B422-C7D33F8B6B65}"/>
-                </a:ext>
-              </a:extLst>
-            </p:cNvPr>
-            <p:cNvSpPr txBox="1"/>
-            <p:nvPr/>
-          </p:nvSpPr>
-          <p:spPr>
-            <a:xfrm flipH="1">
-              <a:off x="8889900" y="4512530"/>
-              <a:ext cx="435650" cy="261610"/>
-            </a:xfrm>
-            <a:prstGeom prst="rect">
-              <a:avLst/>
-            </a:prstGeom>
-            <a:noFill/>
-          </p:spPr>
-          <p:txBody>
-            <a:bodyPr wrap="square" rtlCol="0">
-              <a:spAutoFit/>
-            </a:bodyPr>
-            <a:lstStyle/>
-            <a:p>
-              <a:r>
-                <a:rPr lang="de-DE" sz="1100" dirty="0">
-                  <a:solidFill>
-                    <a:schemeClr val="bg1"/>
-                  </a:solidFill>
-                </a:rPr>
-                <a:t>101</a:t>
-              </a:r>
-            </a:p>
-          </p:txBody>
-        </p:sp>
-      </p:grpSp>
-      <p:grpSp>
-        <p:nvGrpSpPr>
-          <p:cNvPr id="70" name="Gruppieren 69">
-            <a:extLst>
-              <a:ext uri="{FF2B5EF4-FFF2-40B4-BE49-F238E27FC236}">
-                <a16:creationId xmlns:a16="http://schemas.microsoft.com/office/drawing/2014/main" id="{3E8B49B2-C396-4013-A07A-66F322C6AE7B}"/>
-              </a:ext>
-            </a:extLst>
-          </p:cNvPr>
-          <p:cNvGrpSpPr/>
-          <p:nvPr/>
-        </p:nvGrpSpPr>
-        <p:grpSpPr>
-          <a:xfrm>
-            <a:off x="1720435" y="3014990"/>
-            <a:ext cx="435650" cy="261610"/>
-            <a:chOff x="8889900" y="4512530"/>
-            <a:chExt cx="435650" cy="261610"/>
-          </a:xfrm>
-        </p:grpSpPr>
-        <p:sp>
-          <p:nvSpPr>
-            <p:cNvPr id="71" name="Ellipse 70">
-              <a:extLst>
-                <a:ext uri="{FF2B5EF4-FFF2-40B4-BE49-F238E27FC236}">
-                  <a16:creationId xmlns:a16="http://schemas.microsoft.com/office/drawing/2014/main" id="{DC769D48-9D80-4D45-AB3B-3B45EE4AAD75}"/>
-                </a:ext>
-              </a:extLst>
-            </p:cNvPr>
-            <p:cNvSpPr/>
-            <p:nvPr/>
-          </p:nvSpPr>
-          <p:spPr>
-            <a:xfrm>
-              <a:off x="8962858" y="4533089"/>
-              <a:ext cx="239949" cy="220493"/>
-            </a:xfrm>
-            <a:prstGeom prst="ellipse">
-              <a:avLst/>
-            </a:prstGeom>
-          </p:spPr>
-          <p:style>
-            <a:lnRef idx="2">
-              <a:schemeClr val="accent1">
-                <a:shade val="50000"/>
-              </a:schemeClr>
-            </a:lnRef>
-            <a:fillRef idx="1">
-              <a:schemeClr val="accent1"/>
-            </a:fillRef>
-            <a:effectRef idx="0">
-              <a:schemeClr val="accent1"/>
-            </a:effectRef>
-            <a:fontRef idx="minor">
-              <a:schemeClr val="lt1"/>
-            </a:fontRef>
-          </p:style>
-          <p:txBody>
-            <a:bodyPr rtlCol="0" anchor="ctr"/>
-            <a:lstStyle/>
-            <a:p>
-              <a:pPr algn="ctr"/>
-              <a:endParaRPr lang="de-DE" sz="1200" dirty="0"/>
-            </a:p>
-          </p:txBody>
-        </p:sp>
-        <p:sp>
-          <p:nvSpPr>
-            <p:cNvPr id="72" name="Textfeld 71">
-              <a:extLst>
-                <a:ext uri="{FF2B5EF4-FFF2-40B4-BE49-F238E27FC236}">
-                  <a16:creationId xmlns:a16="http://schemas.microsoft.com/office/drawing/2014/main" id="{D7991EA5-B67E-4589-9E48-4C5731047EAF}"/>
-                </a:ext>
-              </a:extLst>
-            </p:cNvPr>
-            <p:cNvSpPr txBox="1"/>
-            <p:nvPr/>
-          </p:nvSpPr>
-          <p:spPr>
-            <a:xfrm flipH="1">
-              <a:off x="8889900" y="4512530"/>
-              <a:ext cx="435650" cy="261610"/>
-            </a:xfrm>
-            <a:prstGeom prst="rect">
-              <a:avLst/>
-            </a:prstGeom>
-            <a:noFill/>
-          </p:spPr>
-          <p:txBody>
-            <a:bodyPr wrap="square" rtlCol="0">
-              <a:spAutoFit/>
-            </a:bodyPr>
-            <a:lstStyle/>
-            <a:p>
-              <a:r>
-                <a:rPr lang="de-DE" sz="1100" dirty="0">
-                  <a:solidFill>
-                    <a:schemeClr val="bg1"/>
-                  </a:solidFill>
-                </a:rPr>
-                <a:t>101</a:t>
-              </a:r>
-            </a:p>
-          </p:txBody>
-        </p:sp>
-      </p:grpSp>
-      <p:grpSp>
-        <p:nvGrpSpPr>
-          <p:cNvPr id="73" name="Gruppieren 72">
-            <a:extLst>
-              <a:ext uri="{FF2B5EF4-FFF2-40B4-BE49-F238E27FC236}">
-                <a16:creationId xmlns:a16="http://schemas.microsoft.com/office/drawing/2014/main" id="{ABD7FACD-85D8-48EA-8908-E8E71D376FB8}"/>
-              </a:ext>
-            </a:extLst>
-          </p:cNvPr>
-          <p:cNvGrpSpPr/>
-          <p:nvPr/>
-        </p:nvGrpSpPr>
-        <p:grpSpPr>
-          <a:xfrm>
-            <a:off x="1872835" y="3167390"/>
-            <a:ext cx="435650" cy="261610"/>
-            <a:chOff x="8889900" y="4512530"/>
-            <a:chExt cx="435650" cy="261610"/>
-          </a:xfrm>
-        </p:grpSpPr>
-        <p:sp>
-          <p:nvSpPr>
-            <p:cNvPr id="74" name="Ellipse 73">
-              <a:extLst>
-                <a:ext uri="{FF2B5EF4-FFF2-40B4-BE49-F238E27FC236}">
-                  <a16:creationId xmlns:a16="http://schemas.microsoft.com/office/drawing/2014/main" id="{6B594285-A7C6-49E8-830E-2E57C8BE6908}"/>
-                </a:ext>
-              </a:extLst>
-            </p:cNvPr>
-            <p:cNvSpPr/>
-            <p:nvPr/>
-          </p:nvSpPr>
-          <p:spPr>
-            <a:xfrm>
-              <a:off x="8962858" y="4533089"/>
-              <a:ext cx="239949" cy="220493"/>
-            </a:xfrm>
-            <a:prstGeom prst="ellipse">
-              <a:avLst/>
-            </a:prstGeom>
-          </p:spPr>
-          <p:style>
-            <a:lnRef idx="2">
-              <a:schemeClr val="accent1">
-                <a:shade val="50000"/>
-              </a:schemeClr>
-            </a:lnRef>
-            <a:fillRef idx="1">
-              <a:schemeClr val="accent1"/>
-            </a:fillRef>
-            <a:effectRef idx="0">
-              <a:schemeClr val="accent1"/>
-            </a:effectRef>
-            <a:fontRef idx="minor">
-              <a:schemeClr val="lt1"/>
-            </a:fontRef>
-          </p:style>
-          <p:txBody>
-            <a:bodyPr rtlCol="0" anchor="ctr"/>
-            <a:lstStyle/>
-            <a:p>
-              <a:pPr algn="ctr"/>
-              <a:endParaRPr lang="de-DE" sz="1200" dirty="0"/>
-            </a:p>
-          </p:txBody>
-        </p:sp>
-        <p:sp>
-          <p:nvSpPr>
-            <p:cNvPr id="75" name="Textfeld 74">
-              <a:extLst>
-                <a:ext uri="{FF2B5EF4-FFF2-40B4-BE49-F238E27FC236}">
-                  <a16:creationId xmlns:a16="http://schemas.microsoft.com/office/drawing/2014/main" id="{9A6BBEF8-6312-46AF-A4A2-5461C89495AA}"/>
-                </a:ext>
-              </a:extLst>
-            </p:cNvPr>
-            <p:cNvSpPr txBox="1"/>
-            <p:nvPr/>
-          </p:nvSpPr>
-          <p:spPr>
-            <a:xfrm flipH="1">
-              <a:off x="8889900" y="4512530"/>
-              <a:ext cx="435650" cy="261610"/>
-            </a:xfrm>
-            <a:prstGeom prst="rect">
-              <a:avLst/>
-            </a:prstGeom>
-            <a:noFill/>
-          </p:spPr>
-          <p:txBody>
-            <a:bodyPr wrap="square" rtlCol="0">
-              <a:spAutoFit/>
-            </a:bodyPr>
-            <a:lstStyle/>
-            <a:p>
-              <a:r>
-                <a:rPr lang="de-DE" sz="1100" dirty="0">
-                  <a:solidFill>
-                    <a:schemeClr val="bg1"/>
-                  </a:solidFill>
-                </a:rPr>
-                <a:t>101</a:t>
+                <a:t>204</a:t>
               </a:r>
             </a:p>
           </p:txBody>
